--- a/Project_4 Presentation_v1.pptx
+++ b/Project_4 Presentation_v1.pptx
@@ -4,6 +4,9 @@
   <p:sldMasterIdLst>
     <p:sldMasterId id="2147483648" r:id="rId1"/>
   </p:sldMasterIdLst>
+  <p:notesMasterIdLst>
+    <p:notesMasterId r:id="rId10"/>
+  </p:notesMasterIdLst>
   <p:sldIdLst>
     <p:sldId id="256" r:id="rId2"/>
     <p:sldId id="257" r:id="rId3"/>
@@ -11,6 +14,8 @@
     <p:sldId id="259" r:id="rId5"/>
     <p:sldId id="260" r:id="rId6"/>
     <p:sldId id="261" r:id="rId7"/>
+    <p:sldId id="262" r:id="rId8"/>
+    <p:sldId id="263" r:id="rId9"/>
   </p:sldIdLst>
   <p:sldSz cx="12192000" cy="6858000"/>
   <p:notesSz cx="6858000" cy="9144000"/>
@@ -109,7 +114,445 @@
       </a:defRPr>
     </a:lvl9pPr>
   </p:defaultTextStyle>
+  <p:extLst>
+    <p:ext uri="{EFAFB233-063F-42B5-8137-9DF3F51BA10A}">
+      <p15:sldGuideLst xmlns:p15="http://schemas.microsoft.com/office/powerpoint/2012/main"/>
+    </p:ext>
+  </p:extLst>
 </p:presentation>
+</file>
+
+<file path=ppt/notesMasters/notesMaster1.xml><?xml version="1.0" encoding="utf-8"?>
+<p:notesMaster xmlns:a="http://schemas.openxmlformats.org/drawingml/2006/main" xmlns:r="http://schemas.openxmlformats.org/officeDocument/2006/relationships" xmlns:p="http://schemas.openxmlformats.org/presentationml/2006/main">
+  <p:cSld>
+    <p:bg>
+      <p:bgRef idx="1001">
+        <a:schemeClr val="bg1"/>
+      </p:bgRef>
+    </p:bg>
+    <p:spTree>
+      <p:nvGrpSpPr>
+        <p:cNvPr id="1" name=""/>
+        <p:cNvGrpSpPr/>
+        <p:nvPr/>
+      </p:nvGrpSpPr>
+      <p:grpSpPr>
+        <a:xfrm>
+          <a:off x="0" y="0"/>
+          <a:ext cx="0" cy="0"/>
+          <a:chOff x="0" y="0"/>
+          <a:chExt cx="0" cy="0"/>
+        </a:xfrm>
+      </p:grpSpPr>
+      <p:sp>
+        <p:nvSpPr>
+          <p:cNvPr id="2" name="Header Placeholder 1"/>
+          <p:cNvSpPr>
+            <a:spLocks noGrp="1"/>
+          </p:cNvSpPr>
+          <p:nvPr>
+            <p:ph type="hdr" sz="quarter"/>
+          </p:nvPr>
+        </p:nvSpPr>
+        <p:spPr>
+          <a:xfrm>
+            <a:off x="0" y="0"/>
+            <a:ext cx="2971800" cy="458788"/>
+          </a:xfrm>
+          <a:prstGeom prst="rect">
+            <a:avLst/>
+          </a:prstGeom>
+        </p:spPr>
+        <p:txBody>
+          <a:bodyPr vert="horz" lIns="91440" tIns="45720" rIns="91440" bIns="45720" rtlCol="0"/>
+          <a:lstStyle>
+            <a:lvl1pPr algn="l">
+              <a:defRPr sz="1200"/>
+            </a:lvl1pPr>
+          </a:lstStyle>
+          <a:p>
+            <a:endParaRPr lang="en-US"/>
+          </a:p>
+        </p:txBody>
+      </p:sp>
+      <p:sp>
+        <p:nvSpPr>
+          <p:cNvPr id="3" name="Date Placeholder 2"/>
+          <p:cNvSpPr>
+            <a:spLocks noGrp="1"/>
+          </p:cNvSpPr>
+          <p:nvPr>
+            <p:ph type="dt" idx="1"/>
+          </p:nvPr>
+        </p:nvSpPr>
+        <p:spPr>
+          <a:xfrm>
+            <a:off x="3884613" y="0"/>
+            <a:ext cx="2971800" cy="458788"/>
+          </a:xfrm>
+          <a:prstGeom prst="rect">
+            <a:avLst/>
+          </a:prstGeom>
+        </p:spPr>
+        <p:txBody>
+          <a:bodyPr vert="horz" lIns="91440" tIns="45720" rIns="91440" bIns="45720" rtlCol="0"/>
+          <a:lstStyle>
+            <a:lvl1pPr algn="r">
+              <a:defRPr sz="1200"/>
+            </a:lvl1pPr>
+          </a:lstStyle>
+          <a:p>
+            <a:fld id="{5E0FE4E1-74EA-6443-8E3F-1A8342B48B07}" type="datetimeFigureOut">
+              <a:rPr lang="en-US" smtClean="0"/>
+              <a:t>11/14/23</a:t>
+            </a:fld>
+            <a:endParaRPr lang="en-US"/>
+          </a:p>
+        </p:txBody>
+      </p:sp>
+      <p:sp>
+        <p:nvSpPr>
+          <p:cNvPr id="4" name="Slide Image Placeholder 3"/>
+          <p:cNvSpPr>
+            <a:spLocks noGrp="1" noRot="1" noChangeAspect="1"/>
+          </p:cNvSpPr>
+          <p:nvPr>
+            <p:ph type="sldImg" idx="2"/>
+          </p:nvPr>
+        </p:nvSpPr>
+        <p:spPr>
+          <a:xfrm>
+            <a:off x="685800" y="1143000"/>
+            <a:ext cx="5486400" cy="3086100"/>
+          </a:xfrm>
+          <a:prstGeom prst="rect">
+            <a:avLst/>
+          </a:prstGeom>
+          <a:noFill/>
+          <a:ln w="12700">
+            <a:solidFill>
+              <a:prstClr val="black"/>
+            </a:solidFill>
+          </a:ln>
+        </p:spPr>
+        <p:txBody>
+          <a:bodyPr vert="horz" lIns="91440" tIns="45720" rIns="91440" bIns="45720" rtlCol="0" anchor="ctr"/>
+          <a:lstStyle/>
+          <a:p>
+            <a:endParaRPr lang="en-US"/>
+          </a:p>
+        </p:txBody>
+      </p:sp>
+      <p:sp>
+        <p:nvSpPr>
+          <p:cNvPr id="5" name="Notes Placeholder 4"/>
+          <p:cNvSpPr>
+            <a:spLocks noGrp="1"/>
+          </p:cNvSpPr>
+          <p:nvPr>
+            <p:ph type="body" sz="quarter" idx="3"/>
+          </p:nvPr>
+        </p:nvSpPr>
+        <p:spPr>
+          <a:xfrm>
+            <a:off x="685800" y="4400550"/>
+            <a:ext cx="5486400" cy="3600450"/>
+          </a:xfrm>
+          <a:prstGeom prst="rect">
+            <a:avLst/>
+          </a:prstGeom>
+        </p:spPr>
+        <p:txBody>
+          <a:bodyPr vert="horz" lIns="91440" tIns="45720" rIns="91440" bIns="45720" rtlCol="0"/>
+          <a:lstStyle/>
+          <a:p>
+            <a:pPr lvl="0"/>
+            <a:r>
+              <a:rPr lang="en-US"/>
+              <a:t>Click to edit Master text styles</a:t>
+            </a:r>
+          </a:p>
+          <a:p>
+            <a:pPr lvl="1"/>
+            <a:r>
+              <a:rPr lang="en-US"/>
+              <a:t>Second level</a:t>
+            </a:r>
+          </a:p>
+          <a:p>
+            <a:pPr lvl="2"/>
+            <a:r>
+              <a:rPr lang="en-US"/>
+              <a:t>Third level</a:t>
+            </a:r>
+          </a:p>
+          <a:p>
+            <a:pPr lvl="3"/>
+            <a:r>
+              <a:rPr lang="en-US"/>
+              <a:t>Fourth level</a:t>
+            </a:r>
+          </a:p>
+          <a:p>
+            <a:pPr lvl="4"/>
+            <a:r>
+              <a:rPr lang="en-US"/>
+              <a:t>Fifth level</a:t>
+            </a:r>
+          </a:p>
+        </p:txBody>
+      </p:sp>
+      <p:sp>
+        <p:nvSpPr>
+          <p:cNvPr id="6" name="Footer Placeholder 5"/>
+          <p:cNvSpPr>
+            <a:spLocks noGrp="1"/>
+          </p:cNvSpPr>
+          <p:nvPr>
+            <p:ph type="ftr" sz="quarter" idx="4"/>
+          </p:nvPr>
+        </p:nvSpPr>
+        <p:spPr>
+          <a:xfrm>
+            <a:off x="0" y="8685213"/>
+            <a:ext cx="2971800" cy="458787"/>
+          </a:xfrm>
+          <a:prstGeom prst="rect">
+            <a:avLst/>
+          </a:prstGeom>
+        </p:spPr>
+        <p:txBody>
+          <a:bodyPr vert="horz" lIns="91440" tIns="45720" rIns="91440" bIns="45720" rtlCol="0" anchor="b"/>
+          <a:lstStyle>
+            <a:lvl1pPr algn="l">
+              <a:defRPr sz="1200"/>
+            </a:lvl1pPr>
+          </a:lstStyle>
+          <a:p>
+            <a:endParaRPr lang="en-US"/>
+          </a:p>
+        </p:txBody>
+      </p:sp>
+      <p:sp>
+        <p:nvSpPr>
+          <p:cNvPr id="7" name="Slide Number Placeholder 6"/>
+          <p:cNvSpPr>
+            <a:spLocks noGrp="1"/>
+          </p:cNvSpPr>
+          <p:nvPr>
+            <p:ph type="sldNum" sz="quarter" idx="5"/>
+          </p:nvPr>
+        </p:nvSpPr>
+        <p:spPr>
+          <a:xfrm>
+            <a:off x="3884613" y="8685213"/>
+            <a:ext cx="2971800" cy="458787"/>
+          </a:xfrm>
+          <a:prstGeom prst="rect">
+            <a:avLst/>
+          </a:prstGeom>
+        </p:spPr>
+        <p:txBody>
+          <a:bodyPr vert="horz" lIns="91440" tIns="45720" rIns="91440" bIns="45720" rtlCol="0" anchor="b"/>
+          <a:lstStyle>
+            <a:lvl1pPr algn="r">
+              <a:defRPr sz="1200"/>
+            </a:lvl1pPr>
+          </a:lstStyle>
+          <a:p>
+            <a:fld id="{FC6C0D99-EADE-BC47-A5C6-EC5825756A9F}" type="slidenum">
+              <a:rPr lang="en-US" smtClean="0"/>
+              <a:t>‹#›</a:t>
+            </a:fld>
+            <a:endParaRPr lang="en-US"/>
+          </a:p>
+        </p:txBody>
+      </p:sp>
+    </p:spTree>
+    <p:extLst>
+      <p:ext uri="{BB962C8B-B14F-4D97-AF65-F5344CB8AC3E}">
+        <p14:creationId xmlns:p14="http://schemas.microsoft.com/office/powerpoint/2010/main" val="1488524109"/>
+      </p:ext>
+    </p:extLst>
+  </p:cSld>
+  <p:clrMap bg1="lt1" tx1="dk1" bg2="lt2" tx2="dk2" accent1="accent1" accent2="accent2" accent3="accent3" accent4="accent4" accent5="accent5" accent6="accent6" hlink="hlink" folHlink="folHlink"/>
+  <p:notesStyle>
+    <a:lvl1pPr marL="0" algn="l" defTabSz="914400" rtl="0" eaLnBrk="1" latinLnBrk="0" hangingPunct="1">
+      <a:defRPr sz="1200" kern="1200">
+        <a:solidFill>
+          <a:schemeClr val="tx1"/>
+        </a:solidFill>
+        <a:latin typeface="+mn-lt"/>
+        <a:ea typeface="+mn-ea"/>
+        <a:cs typeface="+mn-cs"/>
+      </a:defRPr>
+    </a:lvl1pPr>
+    <a:lvl2pPr marL="457200" algn="l" defTabSz="914400" rtl="0" eaLnBrk="1" latinLnBrk="0" hangingPunct="1">
+      <a:defRPr sz="1200" kern="1200">
+        <a:solidFill>
+          <a:schemeClr val="tx1"/>
+        </a:solidFill>
+        <a:latin typeface="+mn-lt"/>
+        <a:ea typeface="+mn-ea"/>
+        <a:cs typeface="+mn-cs"/>
+      </a:defRPr>
+    </a:lvl2pPr>
+    <a:lvl3pPr marL="914400" algn="l" defTabSz="914400" rtl="0" eaLnBrk="1" latinLnBrk="0" hangingPunct="1">
+      <a:defRPr sz="1200" kern="1200">
+        <a:solidFill>
+          <a:schemeClr val="tx1"/>
+        </a:solidFill>
+        <a:latin typeface="+mn-lt"/>
+        <a:ea typeface="+mn-ea"/>
+        <a:cs typeface="+mn-cs"/>
+      </a:defRPr>
+    </a:lvl3pPr>
+    <a:lvl4pPr marL="1371600" algn="l" defTabSz="914400" rtl="0" eaLnBrk="1" latinLnBrk="0" hangingPunct="1">
+      <a:defRPr sz="1200" kern="1200">
+        <a:solidFill>
+          <a:schemeClr val="tx1"/>
+        </a:solidFill>
+        <a:latin typeface="+mn-lt"/>
+        <a:ea typeface="+mn-ea"/>
+        <a:cs typeface="+mn-cs"/>
+      </a:defRPr>
+    </a:lvl4pPr>
+    <a:lvl5pPr marL="1828800" algn="l" defTabSz="914400" rtl="0" eaLnBrk="1" latinLnBrk="0" hangingPunct="1">
+      <a:defRPr sz="1200" kern="1200">
+        <a:solidFill>
+          <a:schemeClr val="tx1"/>
+        </a:solidFill>
+        <a:latin typeface="+mn-lt"/>
+        <a:ea typeface="+mn-ea"/>
+        <a:cs typeface="+mn-cs"/>
+      </a:defRPr>
+    </a:lvl5pPr>
+    <a:lvl6pPr marL="2286000" algn="l" defTabSz="914400" rtl="0" eaLnBrk="1" latinLnBrk="0" hangingPunct="1">
+      <a:defRPr sz="1200" kern="1200">
+        <a:solidFill>
+          <a:schemeClr val="tx1"/>
+        </a:solidFill>
+        <a:latin typeface="+mn-lt"/>
+        <a:ea typeface="+mn-ea"/>
+        <a:cs typeface="+mn-cs"/>
+      </a:defRPr>
+    </a:lvl6pPr>
+    <a:lvl7pPr marL="2743200" algn="l" defTabSz="914400" rtl="0" eaLnBrk="1" latinLnBrk="0" hangingPunct="1">
+      <a:defRPr sz="1200" kern="1200">
+        <a:solidFill>
+          <a:schemeClr val="tx1"/>
+        </a:solidFill>
+        <a:latin typeface="+mn-lt"/>
+        <a:ea typeface="+mn-ea"/>
+        <a:cs typeface="+mn-cs"/>
+      </a:defRPr>
+    </a:lvl7pPr>
+    <a:lvl8pPr marL="3200400" algn="l" defTabSz="914400" rtl="0" eaLnBrk="1" latinLnBrk="0" hangingPunct="1">
+      <a:defRPr sz="1200" kern="1200">
+        <a:solidFill>
+          <a:schemeClr val="tx1"/>
+        </a:solidFill>
+        <a:latin typeface="+mn-lt"/>
+        <a:ea typeface="+mn-ea"/>
+        <a:cs typeface="+mn-cs"/>
+      </a:defRPr>
+    </a:lvl8pPr>
+    <a:lvl9pPr marL="3657600" algn="l" defTabSz="914400" rtl="0" eaLnBrk="1" latinLnBrk="0" hangingPunct="1">
+      <a:defRPr sz="1200" kern="1200">
+        <a:solidFill>
+          <a:schemeClr val="tx1"/>
+        </a:solidFill>
+        <a:latin typeface="+mn-lt"/>
+        <a:ea typeface="+mn-ea"/>
+        <a:cs typeface="+mn-cs"/>
+      </a:defRPr>
+    </a:lvl9pPr>
+  </p:notesStyle>
+</p:notesMaster>
+</file>
+
+<file path=ppt/notesSlides/notesSlide1.xml><?xml version="1.0" encoding="utf-8"?>
+<p:notes xmlns:a="http://schemas.openxmlformats.org/drawingml/2006/main" xmlns:r="http://schemas.openxmlformats.org/officeDocument/2006/relationships" xmlns:p="http://schemas.openxmlformats.org/presentationml/2006/main">
+  <p:cSld>
+    <p:spTree>
+      <p:nvGrpSpPr>
+        <p:cNvPr id="1" name=""/>
+        <p:cNvGrpSpPr/>
+        <p:nvPr/>
+      </p:nvGrpSpPr>
+      <p:grpSpPr>
+        <a:xfrm>
+          <a:off x="0" y="0"/>
+          <a:ext cx="0" cy="0"/>
+          <a:chOff x="0" y="0"/>
+          <a:chExt cx="0" cy="0"/>
+        </a:xfrm>
+      </p:grpSpPr>
+      <p:sp>
+        <p:nvSpPr>
+          <p:cNvPr id="2" name="Slide Image Placeholder 1"/>
+          <p:cNvSpPr>
+            <a:spLocks noGrp="1" noRot="1" noChangeAspect="1"/>
+          </p:cNvSpPr>
+          <p:nvPr>
+            <p:ph type="sldImg"/>
+          </p:nvPr>
+        </p:nvSpPr>
+        <p:spPr/>
+      </p:sp>
+      <p:sp>
+        <p:nvSpPr>
+          <p:cNvPr id="3" name="Notes Placeholder 2"/>
+          <p:cNvSpPr>
+            <a:spLocks noGrp="1"/>
+          </p:cNvSpPr>
+          <p:nvPr>
+            <p:ph type="body" idx="1"/>
+          </p:nvPr>
+        </p:nvSpPr>
+        <p:spPr/>
+        <p:txBody>
+          <a:bodyPr/>
+          <a:lstStyle/>
+          <a:p>
+            <a:endParaRPr lang="en-US" dirty="0"/>
+          </a:p>
+        </p:txBody>
+      </p:sp>
+      <p:sp>
+        <p:nvSpPr>
+          <p:cNvPr id="4" name="Slide Number Placeholder 3"/>
+          <p:cNvSpPr>
+            <a:spLocks noGrp="1"/>
+          </p:cNvSpPr>
+          <p:nvPr>
+            <p:ph type="sldNum" sz="quarter" idx="5"/>
+          </p:nvPr>
+        </p:nvSpPr>
+        <p:spPr/>
+        <p:txBody>
+          <a:bodyPr/>
+          <a:lstStyle/>
+          <a:p>
+            <a:fld id="{FC6C0D99-EADE-BC47-A5C6-EC5825756A9F}" type="slidenum">
+              <a:rPr lang="en-US" smtClean="0"/>
+              <a:t>3</a:t>
+            </a:fld>
+            <a:endParaRPr lang="en-US"/>
+          </a:p>
+        </p:txBody>
+      </p:sp>
+    </p:spTree>
+    <p:extLst>
+      <p:ext uri="{BB962C8B-B14F-4D97-AF65-F5344CB8AC3E}">
+        <p14:creationId xmlns:p14="http://schemas.microsoft.com/office/powerpoint/2010/main" val="2419408202"/>
+      </p:ext>
+    </p:extLst>
+  </p:cSld>
+  <p:clrMapOvr>
+    <a:masterClrMapping/>
+  </p:clrMapOvr>
+</p:notes>
 </file>
 
 <file path=ppt/slideLayouts/slideLayout1.xml><?xml version="1.0" encoding="utf-8"?>
@@ -3312,6 +3755,14 @@
 <file path=ppt/slides/slide1.xml><?xml version="1.0" encoding="utf-8"?>
 <p:sld xmlns:a="http://schemas.openxmlformats.org/drawingml/2006/main" xmlns:r="http://schemas.openxmlformats.org/officeDocument/2006/relationships" xmlns:p="http://schemas.openxmlformats.org/presentationml/2006/main">
   <p:cSld>
+    <p:bg>
+      <p:bgPr>
+        <a:solidFill>
+          <a:schemeClr val="bg1"/>
+        </a:solidFill>
+        <a:effectLst/>
+      </p:bgPr>
+    </p:bg>
     <p:spTree>
       <p:nvGrpSpPr>
         <p:cNvPr id="1" name=""/>
@@ -3326,6 +3777,181 @@
           <a:chExt cx="0" cy="0"/>
         </a:xfrm>
       </p:grpSpPr>
+      <p:sp useBgFill="1">
+        <p:nvSpPr>
+          <p:cNvPr id="9" name="Rectangle 8">
+            <a:extLst>
+              <a:ext uri="{FF2B5EF4-FFF2-40B4-BE49-F238E27FC236}">
+                <a16:creationId xmlns:a16="http://schemas.microsoft.com/office/drawing/2014/main" id="{6CCA5F87-1D1E-45CB-8D83-FC7EEFAD9935}"/>
+              </a:ext>
+              <a:ext uri="{C183D7F6-B498-43B3-948B-1728B52AA6E4}">
+                <adec:decorative xmlns:adec="http://schemas.microsoft.com/office/drawing/2017/decorative" val="1"/>
+              </a:ext>
+            </a:extLst>
+          </p:cNvPr>
+          <p:cNvSpPr>
+            <a:spLocks noGrp="1" noRot="1" noChangeAspect="1" noMove="1" noResize="1" noEditPoints="1" noAdjustHandles="1" noChangeArrowheads="1" noChangeShapeType="1" noTextEdit="1"/>
+          </p:cNvSpPr>
+          <p:nvPr>
+            <p:extLst>
+              <p:ext uri="{386F3935-93C4-4BCD-93E2-E3B085C9AB24}">
+                <p16:designElem xmlns:p16="http://schemas.microsoft.com/office/powerpoint/2015/main" val="1"/>
+              </p:ext>
+            </p:extLst>
+          </p:nvPr>
+        </p:nvSpPr>
+        <p:spPr>
+          <a:xfrm>
+            <a:off x="0" y="0"/>
+            <a:ext cx="12192000" cy="6858000"/>
+          </a:xfrm>
+          <a:prstGeom prst="rect">
+            <a:avLst/>
+          </a:prstGeom>
+          <a:ln>
+            <a:noFill/>
+          </a:ln>
+        </p:spPr>
+        <p:style>
+          <a:lnRef idx="2">
+            <a:schemeClr val="accent1">
+              <a:shade val="50000"/>
+            </a:schemeClr>
+          </a:lnRef>
+          <a:fillRef idx="1">
+            <a:schemeClr val="accent1"/>
+          </a:fillRef>
+          <a:effectRef idx="0">
+            <a:schemeClr val="accent1"/>
+          </a:effectRef>
+          <a:fontRef idx="minor">
+            <a:schemeClr val="lt1"/>
+          </a:fontRef>
+        </p:style>
+        <p:txBody>
+          <a:bodyPr rtlCol="0" anchor="ctr"/>
+          <a:lstStyle/>
+          <a:p>
+            <a:pPr algn="ctr"/>
+            <a:endParaRPr lang="en-US"/>
+          </a:p>
+        </p:txBody>
+      </p:sp>
+      <p:pic>
+        <p:nvPicPr>
+          <p:cNvPr id="5" name="Picture 4" descr="Codes on papers">
+            <a:extLst>
+              <a:ext uri="{FF2B5EF4-FFF2-40B4-BE49-F238E27FC236}">
+                <a16:creationId xmlns:a16="http://schemas.microsoft.com/office/drawing/2014/main" id="{4E8B21A5-ACDA-54AB-2362-6B3A3DC3013B}"/>
+              </a:ext>
+            </a:extLst>
+          </p:cNvPr>
+          <p:cNvPicPr>
+            <a:picLocks noChangeAspect="1"/>
+          </p:cNvPicPr>
+          <p:nvPr/>
+        </p:nvPicPr>
+        <p:blipFill rotWithShape="1">
+          <a:blip r:embed="rId2"/>
+          <a:srcRect l="15628" r="-1" b="-1"/>
+          <a:stretch/>
+        </p:blipFill>
+        <p:spPr>
+          <a:xfrm>
+            <a:off x="20" y="10"/>
+            <a:ext cx="8668492" cy="6857990"/>
+          </a:xfrm>
+          <a:prstGeom prst="rect">
+            <a:avLst/>
+          </a:prstGeom>
+        </p:spPr>
+      </p:pic>
+      <p:sp>
+        <p:nvSpPr>
+          <p:cNvPr id="11" name="Rectangle 10">
+            <a:extLst>
+              <a:ext uri="{FF2B5EF4-FFF2-40B4-BE49-F238E27FC236}">
+                <a16:creationId xmlns:a16="http://schemas.microsoft.com/office/drawing/2014/main" id="{7CCFC2C6-6238-4A2F-93DE-2ADF74AF635E}"/>
+              </a:ext>
+              <a:ext uri="{C183D7F6-B498-43B3-948B-1728B52AA6E4}">
+                <adec:decorative xmlns:adec="http://schemas.microsoft.com/office/drawing/2017/decorative" val="1"/>
+              </a:ext>
+            </a:extLst>
+          </p:cNvPr>
+          <p:cNvSpPr>
+            <a:spLocks noGrp="1" noRot="1" noChangeAspect="1" noMove="1" noResize="1" noEditPoints="1" noAdjustHandles="1" noChangeArrowheads="1" noChangeShapeType="1" noTextEdit="1"/>
+          </p:cNvSpPr>
+          <p:nvPr>
+            <p:extLst>
+              <p:ext uri="{386F3935-93C4-4BCD-93E2-E3B085C9AB24}">
+                <p16:designElem xmlns:p16="http://schemas.microsoft.com/office/powerpoint/2015/main" val="1"/>
+              </p:ext>
+            </p:extLst>
+          </p:nvPr>
+        </p:nvSpPr>
+        <p:spPr>
+          <a:xfrm flipH="1">
+            <a:off x="3711652" y="0"/>
+            <a:ext cx="8480347" cy="6858000"/>
+          </a:xfrm>
+          <a:prstGeom prst="rect">
+            <a:avLst/>
+          </a:prstGeom>
+          <a:gradFill>
+            <a:gsLst>
+              <a:gs pos="48000">
+                <a:schemeClr val="bg1"/>
+              </a:gs>
+              <a:gs pos="35000">
+                <a:schemeClr val="bg1">
+                  <a:alpha val="77000"/>
+                </a:schemeClr>
+              </a:gs>
+              <a:gs pos="19000">
+                <a:schemeClr val="bg1">
+                  <a:alpha val="38000"/>
+                </a:schemeClr>
+              </a:gs>
+              <a:gs pos="0">
+                <a:schemeClr val="bg1">
+                  <a:alpha val="0"/>
+                </a:schemeClr>
+              </a:gs>
+              <a:gs pos="100000">
+                <a:schemeClr val="bg1"/>
+              </a:gs>
+            </a:gsLst>
+            <a:lin ang="10800000" scaled="0"/>
+          </a:gradFill>
+          <a:ln>
+            <a:noFill/>
+          </a:ln>
+        </p:spPr>
+        <p:style>
+          <a:lnRef idx="2">
+            <a:schemeClr val="accent1">
+              <a:shade val="50000"/>
+            </a:schemeClr>
+          </a:lnRef>
+          <a:fillRef idx="1">
+            <a:schemeClr val="accent1"/>
+          </a:fillRef>
+          <a:effectRef idx="0">
+            <a:schemeClr val="accent1"/>
+          </a:effectRef>
+          <a:fontRef idx="minor">
+            <a:schemeClr val="lt1"/>
+          </a:fontRef>
+        </p:style>
+        <p:txBody>
+          <a:bodyPr rtlCol="0" anchor="ctr"/>
+          <a:lstStyle/>
+          <a:p>
+            <a:pPr algn="ctr"/>
+            <a:endParaRPr lang="en-US" dirty="0"/>
+          </a:p>
+        </p:txBody>
+      </p:sp>
       <p:sp>
         <p:nvSpPr>
           <p:cNvPr id="2" name="Title 1">
@@ -3342,13 +3968,21 @@
             <p:ph type="ctrTitle"/>
           </p:nvPr>
         </p:nvSpPr>
-        <p:spPr/>
+        <p:spPr>
+          <a:xfrm>
+            <a:off x="7848600" y="1122363"/>
+            <a:ext cx="4023360" cy="3204134"/>
+          </a:xfrm>
+        </p:spPr>
         <p:txBody>
-          <a:bodyPr/>
+          <a:bodyPr anchor="b">
+            <a:normAutofit/>
+          </a:bodyPr>
           <a:lstStyle/>
           <a:p>
+            <a:pPr algn="l"/>
             <a:r>
-              <a:rPr lang="en-US" dirty="0"/>
+              <a:rPr lang="en-US" sz="4800" dirty="0"/>
               <a:t>Project 4: Loan Charge Offs and Related Variables</a:t>
             </a:r>
           </a:p>
@@ -3370,31 +4004,199 @@
             <p:ph type="subTitle" idx="1"/>
           </p:nvPr>
         </p:nvSpPr>
-        <p:spPr/>
+        <p:spPr>
+          <a:xfrm>
+            <a:off x="7848600" y="4872922"/>
+            <a:ext cx="4023360" cy="1208141"/>
+          </a:xfrm>
+        </p:spPr>
         <p:txBody>
           <a:bodyPr>
             <a:normAutofit lnSpcReduction="10000"/>
           </a:bodyPr>
           <a:lstStyle/>
           <a:p>
+            <a:pPr algn="l"/>
             <a:r>
-              <a:rPr lang="en-US" dirty="0"/>
+              <a:rPr lang="en-US" sz="1400" dirty="0"/>
               <a:t>Group Members: Ryan Lund, Hamid Nazari, Cristian Guerrero, Lu Ye, Joseph Gonzalez and Stephanie Patrica </a:t>
             </a:r>
             <a:r>
-              <a:rPr lang="en-US" dirty="0" err="1"/>
+              <a:rPr lang="en-US" sz="1400" dirty="0" err="1"/>
               <a:t>Anshell</a:t>
             </a:r>
-            <a:endParaRPr lang="en-US" dirty="0"/>
+            <a:endParaRPr lang="en-US" sz="1400" dirty="0"/>
           </a:p>
           <a:p>
-            <a:endParaRPr lang="en-US" dirty="0"/>
+            <a:pPr algn="l"/>
+            <a:endParaRPr lang="en-US" sz="1100" dirty="0"/>
           </a:p>
           <a:p>
             <a:r>
-              <a:rPr lang="en-US" dirty="0"/>
+              <a:rPr lang="en-US" sz="1400" dirty="0"/>
               <a:t>11-16-2023</a:t>
             </a:r>
+          </a:p>
+        </p:txBody>
+      </p:sp>
+      <p:sp>
+        <p:nvSpPr>
+          <p:cNvPr id="13" name="Rectangle 12">
+            <a:extLst>
+              <a:ext uri="{FF2B5EF4-FFF2-40B4-BE49-F238E27FC236}">
+                <a16:creationId xmlns:a16="http://schemas.microsoft.com/office/drawing/2014/main" id="{AF2F604E-43BE-4DC3-B983-E071523364F8}"/>
+              </a:ext>
+              <a:ext uri="{C183D7F6-B498-43B3-948B-1728B52AA6E4}">
+                <adec:decorative xmlns:adec="http://schemas.microsoft.com/office/drawing/2017/decorative" val="1"/>
+              </a:ext>
+            </a:extLst>
+          </p:cNvPr>
+          <p:cNvSpPr>
+            <a:spLocks noGrp="1" noRot="1" noChangeAspect="1" noMove="1" noResize="1" noEditPoints="1" noAdjustHandles="1" noChangeArrowheads="1" noChangeShapeType="1" noTextEdit="1"/>
+          </p:cNvSpPr>
+          <p:nvPr>
+            <p:extLst>
+              <p:ext uri="{386F3935-93C4-4BCD-93E2-E3B085C9AB24}">
+                <p16:designElem xmlns:p16="http://schemas.microsoft.com/office/powerpoint/2015/main" val="1"/>
+              </p:ext>
+            </p:extLst>
+          </p:nvPr>
+        </p:nvSpPr>
+        <p:spPr>
+          <a:xfrm rot="5400000">
+            <a:off x="8130540" y="346791"/>
+            <a:ext cx="146304" cy="704088"/>
+          </a:xfrm>
+          <a:prstGeom prst="rect">
+            <a:avLst/>
+          </a:prstGeom>
+          <a:solidFill>
+            <a:schemeClr val="accent2"/>
+          </a:solidFill>
+          <a:ln>
+            <a:noFill/>
+          </a:ln>
+        </p:spPr>
+        <p:style>
+          <a:lnRef idx="2">
+            <a:schemeClr val="accent1">
+              <a:shade val="50000"/>
+            </a:schemeClr>
+          </a:lnRef>
+          <a:fillRef idx="1">
+            <a:schemeClr val="accent1"/>
+          </a:fillRef>
+          <a:effectRef idx="0">
+            <a:schemeClr val="accent1"/>
+          </a:effectRef>
+          <a:fontRef idx="minor">
+            <a:schemeClr val="lt1"/>
+          </a:fontRef>
+        </p:style>
+        <p:txBody>
+          <a:bodyPr rtlCol="0" anchor="ctr"/>
+          <a:lstStyle/>
+          <a:p>
+            <a:pPr algn="ctr"/>
+            <a:endParaRPr lang="en-US">
+              <a:solidFill>
+                <a:prstClr val="white"/>
+              </a:solidFill>
+              <a:latin typeface="Calibri" panose="020F0502020204030204"/>
+            </a:endParaRPr>
+          </a:p>
+        </p:txBody>
+      </p:sp>
+      <p:sp>
+        <p:nvSpPr>
+          <p:cNvPr id="15" name="Rectangle 14">
+            <a:extLst>
+              <a:ext uri="{FF2B5EF4-FFF2-40B4-BE49-F238E27FC236}">
+                <a16:creationId xmlns:a16="http://schemas.microsoft.com/office/drawing/2014/main" id="{08C9B587-E65E-4B52-B37C-ABEBB6E87928}"/>
+              </a:ext>
+              <a:ext uri="{C183D7F6-B498-43B3-948B-1728B52AA6E4}">
+                <adec:decorative xmlns:adec="http://schemas.microsoft.com/office/drawing/2017/decorative" val="1"/>
+              </a:ext>
+            </a:extLst>
+          </p:cNvPr>
+          <p:cNvSpPr>
+            <a:spLocks noGrp="1" noRot="1" noChangeAspect="1" noMove="1" noResize="1" noEditPoints="1" noAdjustHandles="1" noChangeArrowheads="1" noChangeShapeType="1" noTextEdit="1"/>
+          </p:cNvSpPr>
+          <p:nvPr>
+            <p:extLst>
+              <p:ext uri="{386F3935-93C4-4BCD-93E2-E3B085C9AB24}">
+                <p16:designElem xmlns:p16="http://schemas.microsoft.com/office/powerpoint/2015/main" val="1"/>
+              </p:ext>
+            </p:extLst>
+          </p:nvPr>
+        </p:nvSpPr>
+        <p:spPr>
+          <a:xfrm>
+            <a:off x="7851648" y="4546920"/>
+            <a:ext cx="4023360" cy="18288"/>
+          </a:xfrm>
+          <a:prstGeom prst="rect">
+            <a:avLst/>
+          </a:prstGeom>
+          <a:solidFill>
+            <a:srgbClr val="D5D5D5"/>
+          </a:solidFill>
+          <a:ln w="3175">
+            <a:noFill/>
+          </a:ln>
+          <a:effectLst/>
+        </p:spPr>
+        <p:style>
+          <a:lnRef idx="2">
+            <a:schemeClr val="accent1">
+              <a:shade val="50000"/>
+            </a:schemeClr>
+          </a:lnRef>
+          <a:fillRef idx="1">
+            <a:schemeClr val="accent1"/>
+          </a:fillRef>
+          <a:effectRef idx="0">
+            <a:schemeClr val="accent1"/>
+          </a:effectRef>
+          <a:fontRef idx="minor">
+            <a:schemeClr val="lt1"/>
+          </a:fontRef>
+        </p:style>
+        <p:txBody>
+          <a:bodyPr rtlCol="0" anchor="ctr"/>
+          <a:lstStyle/>
+          <a:p>
+            <a:pPr marL="0" marR="0" lvl="0" indent="0" algn="ctr" defTabSz="914400" rtl="0" eaLnBrk="1" fontAlgn="auto" latinLnBrk="0" hangingPunct="1">
+              <a:lnSpc>
+                <a:spcPct val="100000"/>
+              </a:lnSpc>
+              <a:spcBef>
+                <a:spcPts val="0"/>
+              </a:spcBef>
+              <a:spcAft>
+                <a:spcPts val="0"/>
+              </a:spcAft>
+              <a:buClrTx/>
+              <a:buSzTx/>
+              <a:buFontTx/>
+              <a:buNone/>
+              <a:tabLst/>
+              <a:defRPr/>
+            </a:pPr>
+            <a:endParaRPr kumimoji="0" lang="en-US" sz="1800" b="0" i="0" u="none" strike="noStrike" kern="1200" cap="none" spc="0" normalizeH="0" baseline="0" noProof="0">
+              <a:ln>
+                <a:noFill/>
+              </a:ln>
+              <a:solidFill>
+                <a:prstClr val="white"/>
+              </a:solidFill>
+              <a:effectLst/>
+              <a:uLnTx/>
+              <a:uFillTx/>
+              <a:latin typeface="Calibri" panose="020F0502020204030204"/>
+              <a:ea typeface="+mn-ea"/>
+              <a:cs typeface="+mn-cs"/>
+            </a:endParaRPr>
           </a:p>
         </p:txBody>
       </p:sp>
@@ -4574,7 +5376,7 @@
             </a:pPr>
             <a:r>
               <a:rPr lang="en-US" sz="1400" dirty="0"/>
-              <a:t>Project 4 explores the relationship between 4 types of loan charge offs and variables that may contribute to loan charge offs.</a:t>
+              <a:t>Project 4 explores the relationship between 4 different types of loan charge offs and variables that may contribute to loan charge offs.</a:t>
             </a:r>
           </a:p>
           <a:p>
@@ -4681,8 +5483,8 @@
         </p:blipFill>
         <p:spPr>
           <a:xfrm>
-            <a:off x="5933978" y="1446152"/>
-            <a:ext cx="6258022" cy="3739166"/>
+            <a:off x="5641161" y="1446152"/>
+            <a:ext cx="6550839" cy="3914124"/>
           </a:xfrm>
           <a:prstGeom prst="rect">
             <a:avLst/>
@@ -5952,7 +6754,7 @@
           <p:nvPr/>
         </p:nvPicPr>
         <p:blipFill>
-          <a:blip r:embed="rId2"/>
+          <a:blip r:embed="rId3"/>
           <a:stretch>
             <a:fillRect/>
           </a:stretch>
@@ -5982,7 +6784,7 @@
           <p:nvPr/>
         </p:nvPicPr>
         <p:blipFill>
-          <a:blip r:embed="rId3"/>
+          <a:blip r:embed="rId4"/>
           <a:stretch>
             <a:fillRect/>
           </a:stretch>
@@ -8439,7 +9241,7 @@
         </p:nvSpPr>
         <p:spPr>
           <a:xfrm>
-            <a:off x="0" y="1865377"/>
+            <a:off x="0" y="1985580"/>
             <a:ext cx="4726729" cy="4311586"/>
           </a:xfrm>
           <a:prstGeom prst="rect">
@@ -8448,7 +9250,7 @@
         </p:spPr>
         <p:txBody>
           <a:bodyPr vert="horz" lIns="91440" tIns="45720" rIns="91440" bIns="45720" rtlCol="0">
-            <a:normAutofit fontScale="92500" lnSpcReduction="10000"/>
+            <a:normAutofit fontScale="92500" lnSpcReduction="20000"/>
           </a:bodyPr>
           <a:lstStyle/>
           <a:p>
@@ -8496,7 +9298,39 @@
             </a:pPr>
             <a:r>
               <a:rPr lang="en-US" sz="1400" dirty="0"/>
-              <a:t>This branch describes the relationship between several variables in the model: a higher Fed Funds rate could make the Household debt to Income ratio higher indicating a higher load of debt. This increased debt load could strain household income and increase the risk of delinquent loan payments. In turn, a higher unemployment rate could cause the risk of delinquent loan payments to go up as there are less jobs available to earn income which is needed to pay make loan payments. Finally, Consumer Confidence could be a leading or lagging indicator for increased credit card charge off risk in the model. </a:t>
+              <a:t>This branch describes the relationship between several variables in the model: a higher Fed Funds rate could make the Household debt to Income ratio higher indicating a higher load of household debt. </a:t>
+            </a:r>
+          </a:p>
+          <a:p>
+            <a:pPr marL="285750" indent="-228600">
+              <a:lnSpc>
+                <a:spcPct val="90000"/>
+              </a:lnSpc>
+              <a:spcAft>
+                <a:spcPts val="600"/>
+              </a:spcAft>
+              <a:buFont typeface="Arial" panose="020B0604020202020204" pitchFamily="34" charset="0"/>
+              <a:buChar char="•"/>
+            </a:pPr>
+            <a:r>
+              <a:rPr lang="en-US" sz="1400" dirty="0"/>
+              <a:t>This increased debt load could strain household income and increase the risk of delinquent loan payments. In turn, a higher unemployment rate could cause the risk of delinquent loan payments to go up as there are less jobs available to earn income which is needed to pay make loan payments. </a:t>
+            </a:r>
+          </a:p>
+          <a:p>
+            <a:pPr marL="285750" indent="-228600">
+              <a:lnSpc>
+                <a:spcPct val="90000"/>
+              </a:lnSpc>
+              <a:spcAft>
+                <a:spcPts val="600"/>
+              </a:spcAft>
+              <a:buFont typeface="Arial" panose="020B0604020202020204" pitchFamily="34" charset="0"/>
+              <a:buChar char="•"/>
+            </a:pPr>
+            <a:r>
+              <a:rPr lang="en-US" sz="1400" dirty="0"/>
+              <a:t>Finally, the Consumer Confidence index could be a leading or lagging indicator for increased credit card charge off risk in the model. In the past, Consumer Confidence has dipped before the onset of an economic recession. </a:t>
             </a:r>
           </a:p>
           <a:p>
@@ -9655,7 +10489,7 @@
           <a:lstStyle/>
           <a:p>
             <a:r>
-              <a:rPr lang="en-US" sz="4100" kern="1200">
+              <a:rPr lang="en-US" sz="4100" kern="1200" dirty="0">
                 <a:solidFill>
                   <a:schemeClr val="tx1"/>
                 </a:solidFill>
@@ -9870,8 +10704,8 @@
         </p:blipFill>
         <p:spPr>
           <a:xfrm>
-            <a:off x="6800986" y="1188088"/>
-            <a:ext cx="4747547" cy="4510168"/>
+            <a:off x="6094476" y="764500"/>
+            <a:ext cx="5609476" cy="5329000"/>
           </a:xfrm>
           <a:prstGeom prst="rect">
             <a:avLst/>
@@ -9882,6 +10716,7315 @@
     <p:extLst>
       <p:ext uri="{BB962C8B-B14F-4D97-AF65-F5344CB8AC3E}">
         <p14:creationId xmlns:p14="http://schemas.microsoft.com/office/powerpoint/2010/main" val="1650628430"/>
+      </p:ext>
+    </p:extLst>
+  </p:cSld>
+  <p:clrMapOvr>
+    <a:masterClrMapping/>
+  </p:clrMapOvr>
+</p:sld>
+</file>
+
+<file path=ppt/slides/slide7.xml><?xml version="1.0" encoding="utf-8"?>
+<p:sld xmlns:a="http://schemas.openxmlformats.org/drawingml/2006/main" xmlns:r="http://schemas.openxmlformats.org/officeDocument/2006/relationships" xmlns:p="http://schemas.openxmlformats.org/presentationml/2006/main">
+  <p:cSld>
+    <p:bg>
+      <p:bgPr>
+        <a:solidFill>
+          <a:schemeClr val="bg1"/>
+        </a:solidFill>
+        <a:effectLst/>
+      </p:bgPr>
+    </p:bg>
+    <p:spTree>
+      <p:nvGrpSpPr>
+        <p:cNvPr id="1" name=""/>
+        <p:cNvGrpSpPr/>
+        <p:nvPr/>
+      </p:nvGrpSpPr>
+      <p:grpSpPr>
+        <a:xfrm>
+          <a:off x="0" y="0"/>
+          <a:ext cx="0" cy="0"/>
+          <a:chOff x="0" y="0"/>
+          <a:chExt cx="0" cy="0"/>
+        </a:xfrm>
+      </p:grpSpPr>
+      <p:sp useBgFill="1">
+        <p:nvSpPr>
+          <p:cNvPr id="17" name="Rectangle 16">
+            <a:extLst>
+              <a:ext uri="{FF2B5EF4-FFF2-40B4-BE49-F238E27FC236}">
+                <a16:creationId xmlns:a16="http://schemas.microsoft.com/office/drawing/2014/main" id="{BCED4D40-4B67-4331-AC48-79B82B4A47D8}"/>
+              </a:ext>
+              <a:ext uri="{C183D7F6-B498-43B3-948B-1728B52AA6E4}">
+                <adec:decorative xmlns:adec="http://schemas.microsoft.com/office/drawing/2017/decorative" val="1"/>
+              </a:ext>
+            </a:extLst>
+          </p:cNvPr>
+          <p:cNvSpPr>
+            <a:spLocks noGrp="1" noRot="1" noChangeAspect="1" noMove="1" noResize="1" noEditPoints="1" noAdjustHandles="1" noChangeArrowheads="1" noChangeShapeType="1" noTextEdit="1"/>
+          </p:cNvSpPr>
+          <p:nvPr>
+            <p:extLst>
+              <p:ext uri="{386F3935-93C4-4BCD-93E2-E3B085C9AB24}">
+                <p16:designElem xmlns:p16="http://schemas.microsoft.com/office/powerpoint/2015/main" val="1"/>
+              </p:ext>
+            </p:extLst>
+          </p:nvPr>
+        </p:nvSpPr>
+        <p:spPr>
+          <a:xfrm>
+            <a:off x="0" y="0"/>
+            <a:ext cx="12192000" cy="6858000"/>
+          </a:xfrm>
+          <a:prstGeom prst="rect">
+            <a:avLst/>
+          </a:prstGeom>
+          <a:ln>
+            <a:noFill/>
+          </a:ln>
+        </p:spPr>
+        <p:style>
+          <a:lnRef idx="2">
+            <a:schemeClr val="accent1">
+              <a:shade val="50000"/>
+            </a:schemeClr>
+          </a:lnRef>
+          <a:fillRef idx="1">
+            <a:schemeClr val="accent1"/>
+          </a:fillRef>
+          <a:effectRef idx="0">
+            <a:schemeClr val="accent1"/>
+          </a:effectRef>
+          <a:fontRef idx="minor">
+            <a:schemeClr val="lt1"/>
+          </a:fontRef>
+        </p:style>
+        <p:txBody>
+          <a:bodyPr rtlCol="0" anchor="ctr"/>
+          <a:lstStyle/>
+          <a:p>
+            <a:pPr algn="ctr"/>
+            <a:endParaRPr lang="en-US"/>
+          </a:p>
+        </p:txBody>
+      </p:sp>
+      <p:sp>
+        <p:nvSpPr>
+          <p:cNvPr id="2" name="Title 1">
+            <a:extLst>
+              <a:ext uri="{FF2B5EF4-FFF2-40B4-BE49-F238E27FC236}">
+                <a16:creationId xmlns:a16="http://schemas.microsoft.com/office/drawing/2014/main" id="{E41922A3-6E92-4591-8016-314D162C8FE2}"/>
+              </a:ext>
+            </a:extLst>
+          </p:cNvPr>
+          <p:cNvSpPr>
+            <a:spLocks noGrp="1"/>
+          </p:cNvSpPr>
+          <p:nvPr>
+            <p:ph type="title"/>
+          </p:nvPr>
+        </p:nvSpPr>
+        <p:spPr>
+          <a:xfrm>
+            <a:off x="638882" y="11172"/>
+            <a:ext cx="10909640" cy="777524"/>
+          </a:xfrm>
+        </p:spPr>
+        <p:txBody>
+          <a:bodyPr vert="horz" lIns="91440" tIns="45720" rIns="91440" bIns="45720" rtlCol="0" anchor="ctr">
+            <a:normAutofit/>
+          </a:bodyPr>
+          <a:lstStyle/>
+          <a:p>
+            <a:pPr algn="ctr"/>
+            <a:r>
+              <a:rPr lang="en-US" kern="1200" dirty="0">
+                <a:solidFill>
+                  <a:schemeClr val="tx1"/>
+                </a:solidFill>
+                <a:latin typeface="+mj-lt"/>
+                <a:ea typeface="+mj-ea"/>
+                <a:cs typeface="+mj-cs"/>
+              </a:rPr>
+              <a:t>Project 4 Summary of Model Results</a:t>
+            </a:r>
+          </a:p>
+        </p:txBody>
+      </p:sp>
+      <p:sp>
+        <p:nvSpPr>
+          <p:cNvPr id="19" name="sketch line">
+            <a:extLst>
+              <a:ext uri="{FF2B5EF4-FFF2-40B4-BE49-F238E27FC236}">
+                <a16:creationId xmlns:a16="http://schemas.microsoft.com/office/drawing/2014/main" id="{670CEDEF-4F34-412E-84EE-329C1E936AF5}"/>
+              </a:ext>
+              <a:ext uri="{C183D7F6-B498-43B3-948B-1728B52AA6E4}">
+                <adec:decorative xmlns:adec="http://schemas.microsoft.com/office/drawing/2017/decorative" val="1"/>
+              </a:ext>
+            </a:extLst>
+          </p:cNvPr>
+          <p:cNvSpPr>
+            <a:spLocks noGrp="1" noRot="1" noChangeAspect="1" noMove="1" noResize="1" noEditPoints="1" noAdjustHandles="1" noChangeArrowheads="1" noChangeShapeType="1" noTextEdit="1"/>
+          </p:cNvSpPr>
+          <p:nvPr>
+            <p:extLst>
+              <p:ext uri="{386F3935-93C4-4BCD-93E2-E3B085C9AB24}">
+                <p16:designElem xmlns:p16="http://schemas.microsoft.com/office/powerpoint/2015/main" val="1"/>
+              </p:ext>
+            </p:extLst>
+          </p:nvPr>
+        </p:nvSpPr>
+        <p:spPr>
+          <a:xfrm>
+            <a:off x="3807702" y="1733454"/>
+            <a:ext cx="4572000" cy="18288"/>
+          </a:xfrm>
+          <a:custGeom>
+            <a:avLst/>
+            <a:gdLst>
+              <a:gd name="connsiteX0" fmla="*/ 0 w 4572000"/>
+              <a:gd name="connsiteY0" fmla="*/ 0 h 18288"/>
+              <a:gd name="connsiteX1" fmla="*/ 515983 w 4572000"/>
+              <a:gd name="connsiteY1" fmla="*/ 0 h 18288"/>
+              <a:gd name="connsiteX2" fmla="*/ 1031966 w 4572000"/>
+              <a:gd name="connsiteY2" fmla="*/ 0 h 18288"/>
+              <a:gd name="connsiteX3" fmla="*/ 1639389 w 4572000"/>
+              <a:gd name="connsiteY3" fmla="*/ 0 h 18288"/>
+              <a:gd name="connsiteX4" fmla="*/ 2383971 w 4572000"/>
+              <a:gd name="connsiteY4" fmla="*/ 0 h 18288"/>
+              <a:gd name="connsiteX5" fmla="*/ 2945674 w 4572000"/>
+              <a:gd name="connsiteY5" fmla="*/ 0 h 18288"/>
+              <a:gd name="connsiteX6" fmla="*/ 3507377 w 4572000"/>
+              <a:gd name="connsiteY6" fmla="*/ 0 h 18288"/>
+              <a:gd name="connsiteX7" fmla="*/ 4572000 w 4572000"/>
+              <a:gd name="connsiteY7" fmla="*/ 0 h 18288"/>
+              <a:gd name="connsiteX8" fmla="*/ 4572000 w 4572000"/>
+              <a:gd name="connsiteY8" fmla="*/ 18288 h 18288"/>
+              <a:gd name="connsiteX9" fmla="*/ 3873137 w 4572000"/>
+              <a:gd name="connsiteY9" fmla="*/ 18288 h 18288"/>
+              <a:gd name="connsiteX10" fmla="*/ 3311434 w 4572000"/>
+              <a:gd name="connsiteY10" fmla="*/ 18288 h 18288"/>
+              <a:gd name="connsiteX11" fmla="*/ 2749731 w 4572000"/>
+              <a:gd name="connsiteY11" fmla="*/ 18288 h 18288"/>
+              <a:gd name="connsiteX12" fmla="*/ 2050869 w 4572000"/>
+              <a:gd name="connsiteY12" fmla="*/ 18288 h 18288"/>
+              <a:gd name="connsiteX13" fmla="*/ 1306286 w 4572000"/>
+              <a:gd name="connsiteY13" fmla="*/ 18288 h 18288"/>
+              <a:gd name="connsiteX14" fmla="*/ 790303 w 4572000"/>
+              <a:gd name="connsiteY14" fmla="*/ 18288 h 18288"/>
+              <a:gd name="connsiteX15" fmla="*/ 0 w 4572000"/>
+              <a:gd name="connsiteY15" fmla="*/ 18288 h 18288"/>
+              <a:gd name="connsiteX16" fmla="*/ 0 w 4572000"/>
+              <a:gd name="connsiteY16" fmla="*/ 0 h 18288"/>
+            </a:gdLst>
+            <a:ahLst/>
+            <a:cxnLst>
+              <a:cxn ang="0">
+                <a:pos x="connsiteX0" y="connsiteY0"/>
+              </a:cxn>
+              <a:cxn ang="0">
+                <a:pos x="connsiteX1" y="connsiteY1"/>
+              </a:cxn>
+              <a:cxn ang="0">
+                <a:pos x="connsiteX2" y="connsiteY2"/>
+              </a:cxn>
+              <a:cxn ang="0">
+                <a:pos x="connsiteX3" y="connsiteY3"/>
+              </a:cxn>
+              <a:cxn ang="0">
+                <a:pos x="connsiteX4" y="connsiteY4"/>
+              </a:cxn>
+              <a:cxn ang="0">
+                <a:pos x="connsiteX5" y="connsiteY5"/>
+              </a:cxn>
+              <a:cxn ang="0">
+                <a:pos x="connsiteX6" y="connsiteY6"/>
+              </a:cxn>
+              <a:cxn ang="0">
+                <a:pos x="connsiteX7" y="connsiteY7"/>
+              </a:cxn>
+              <a:cxn ang="0">
+                <a:pos x="connsiteX8" y="connsiteY8"/>
+              </a:cxn>
+              <a:cxn ang="0">
+                <a:pos x="connsiteX9" y="connsiteY9"/>
+              </a:cxn>
+              <a:cxn ang="0">
+                <a:pos x="connsiteX10" y="connsiteY10"/>
+              </a:cxn>
+              <a:cxn ang="0">
+                <a:pos x="connsiteX11" y="connsiteY11"/>
+              </a:cxn>
+              <a:cxn ang="0">
+                <a:pos x="connsiteX12" y="connsiteY12"/>
+              </a:cxn>
+              <a:cxn ang="0">
+                <a:pos x="connsiteX13" y="connsiteY13"/>
+              </a:cxn>
+              <a:cxn ang="0">
+                <a:pos x="connsiteX14" y="connsiteY14"/>
+              </a:cxn>
+              <a:cxn ang="0">
+                <a:pos x="connsiteX15" y="connsiteY15"/>
+              </a:cxn>
+              <a:cxn ang="0">
+                <a:pos x="connsiteX16" y="connsiteY16"/>
+              </a:cxn>
+            </a:cxnLst>
+            <a:rect l="l" t="t" r="r" b="b"/>
+            <a:pathLst>
+              <a:path w="4572000" h="18288" fill="none" extrusionOk="0">
+                <a:moveTo>
+                  <a:pt x="0" y="0"/>
+                </a:moveTo>
+                <a:cubicBezTo>
+                  <a:pt x="105156" y="-20963"/>
+                  <a:pt x="340432" y="822"/>
+                  <a:pt x="515983" y="0"/>
+                </a:cubicBezTo>
+                <a:cubicBezTo>
+                  <a:pt x="691534" y="-822"/>
+                  <a:pt x="850679" y="16479"/>
+                  <a:pt x="1031966" y="0"/>
+                </a:cubicBezTo>
+                <a:cubicBezTo>
+                  <a:pt x="1213253" y="-16479"/>
+                  <a:pt x="1443646" y="-18730"/>
+                  <a:pt x="1639389" y="0"/>
+                </a:cubicBezTo>
+                <a:cubicBezTo>
+                  <a:pt x="1835132" y="18730"/>
+                  <a:pt x="2159975" y="18531"/>
+                  <a:pt x="2383971" y="0"/>
+                </a:cubicBezTo>
+                <a:cubicBezTo>
+                  <a:pt x="2607967" y="-18531"/>
+                  <a:pt x="2719096" y="-12030"/>
+                  <a:pt x="2945674" y="0"/>
+                </a:cubicBezTo>
+                <a:cubicBezTo>
+                  <a:pt x="3172252" y="12030"/>
+                  <a:pt x="3269167" y="27666"/>
+                  <a:pt x="3507377" y="0"/>
+                </a:cubicBezTo>
+                <a:cubicBezTo>
+                  <a:pt x="3745587" y="-27666"/>
+                  <a:pt x="4116741" y="18705"/>
+                  <a:pt x="4572000" y="0"/>
+                </a:cubicBezTo>
+                <a:cubicBezTo>
+                  <a:pt x="4572895" y="8974"/>
+                  <a:pt x="4571454" y="9359"/>
+                  <a:pt x="4572000" y="18288"/>
+                </a:cubicBezTo>
+                <a:cubicBezTo>
+                  <a:pt x="4374698" y="3942"/>
+                  <a:pt x="4098874" y="-11042"/>
+                  <a:pt x="3873137" y="18288"/>
+                </a:cubicBezTo>
+                <a:cubicBezTo>
+                  <a:pt x="3647400" y="47618"/>
+                  <a:pt x="3517055" y="5421"/>
+                  <a:pt x="3311434" y="18288"/>
+                </a:cubicBezTo>
+                <a:cubicBezTo>
+                  <a:pt x="3105813" y="31155"/>
+                  <a:pt x="3025168" y="17856"/>
+                  <a:pt x="2749731" y="18288"/>
+                </a:cubicBezTo>
+                <a:cubicBezTo>
+                  <a:pt x="2474294" y="18720"/>
+                  <a:pt x="2291766" y="-14168"/>
+                  <a:pt x="2050869" y="18288"/>
+                </a:cubicBezTo>
+                <a:cubicBezTo>
+                  <a:pt x="1809972" y="50744"/>
+                  <a:pt x="1540276" y="46798"/>
+                  <a:pt x="1306286" y="18288"/>
+                </a:cubicBezTo>
+                <a:cubicBezTo>
+                  <a:pt x="1072296" y="-10222"/>
+                  <a:pt x="972445" y="19645"/>
+                  <a:pt x="790303" y="18288"/>
+                </a:cubicBezTo>
+                <a:cubicBezTo>
+                  <a:pt x="608161" y="16931"/>
+                  <a:pt x="200981" y="8241"/>
+                  <a:pt x="0" y="18288"/>
+                </a:cubicBezTo>
+                <a:cubicBezTo>
+                  <a:pt x="-229" y="14222"/>
+                  <a:pt x="509" y="5816"/>
+                  <a:pt x="0" y="0"/>
+                </a:cubicBezTo>
+                <a:close/>
+              </a:path>
+              <a:path w="4572000" h="18288" stroke="0" extrusionOk="0">
+                <a:moveTo>
+                  <a:pt x="0" y="0"/>
+                </a:moveTo>
+                <a:cubicBezTo>
+                  <a:pt x="143285" y="-9565"/>
+                  <a:pt x="327959" y="-11498"/>
+                  <a:pt x="561703" y="0"/>
+                </a:cubicBezTo>
+                <a:cubicBezTo>
+                  <a:pt x="795447" y="11498"/>
+                  <a:pt x="838260" y="18255"/>
+                  <a:pt x="1077686" y="0"/>
+                </a:cubicBezTo>
+                <a:cubicBezTo>
+                  <a:pt x="1317112" y="-18255"/>
+                  <a:pt x="1437472" y="23514"/>
+                  <a:pt x="1639389" y="0"/>
+                </a:cubicBezTo>
+                <a:cubicBezTo>
+                  <a:pt x="1841306" y="-23514"/>
+                  <a:pt x="2037142" y="-12551"/>
+                  <a:pt x="2292531" y="0"/>
+                </a:cubicBezTo>
+                <a:cubicBezTo>
+                  <a:pt x="2547920" y="12551"/>
+                  <a:pt x="2810436" y="-20352"/>
+                  <a:pt x="2991394" y="0"/>
+                </a:cubicBezTo>
+                <a:cubicBezTo>
+                  <a:pt x="3172352" y="20352"/>
+                  <a:pt x="3530025" y="-13347"/>
+                  <a:pt x="3735977" y="0"/>
+                </a:cubicBezTo>
+                <a:cubicBezTo>
+                  <a:pt x="3941929" y="13347"/>
+                  <a:pt x="4161497" y="34086"/>
+                  <a:pt x="4572000" y="0"/>
+                </a:cubicBezTo>
+                <a:cubicBezTo>
+                  <a:pt x="4571545" y="6162"/>
+                  <a:pt x="4571903" y="11775"/>
+                  <a:pt x="4572000" y="18288"/>
+                </a:cubicBezTo>
+                <a:cubicBezTo>
+                  <a:pt x="4228040" y="36490"/>
+                  <a:pt x="4199736" y="42557"/>
+                  <a:pt x="3873137" y="18288"/>
+                </a:cubicBezTo>
+                <a:cubicBezTo>
+                  <a:pt x="3546538" y="-5981"/>
+                  <a:pt x="3472124" y="16809"/>
+                  <a:pt x="3128554" y="18288"/>
+                </a:cubicBezTo>
+                <a:cubicBezTo>
+                  <a:pt x="2784984" y="19767"/>
+                  <a:pt x="2735896" y="-17781"/>
+                  <a:pt x="2383971" y="18288"/>
+                </a:cubicBezTo>
+                <a:cubicBezTo>
+                  <a:pt x="2032046" y="54357"/>
+                  <a:pt x="2019324" y="2920"/>
+                  <a:pt x="1867989" y="18288"/>
+                </a:cubicBezTo>
+                <a:cubicBezTo>
+                  <a:pt x="1716654" y="33656"/>
+                  <a:pt x="1418675" y="32575"/>
+                  <a:pt x="1169126" y="18288"/>
+                </a:cubicBezTo>
+                <a:cubicBezTo>
+                  <a:pt x="919577" y="4001"/>
+                  <a:pt x="798537" y="16165"/>
+                  <a:pt x="561703" y="18288"/>
+                </a:cubicBezTo>
+                <a:cubicBezTo>
+                  <a:pt x="324869" y="20411"/>
+                  <a:pt x="221395" y="-912"/>
+                  <a:pt x="0" y="18288"/>
+                </a:cubicBezTo>
+                <a:cubicBezTo>
+                  <a:pt x="766" y="10800"/>
+                  <a:pt x="-457" y="8180"/>
+                  <a:pt x="0" y="0"/>
+                </a:cubicBezTo>
+                <a:close/>
+              </a:path>
+            </a:pathLst>
+          </a:custGeom>
+          <a:solidFill>
+            <a:schemeClr val="accent2"/>
+          </a:solidFill>
+          <a:ln w="41275" cap="rnd">
+            <a:solidFill>
+              <a:schemeClr val="accent2"/>
+            </a:solidFill>
+            <a:round/>
+            <a:extLst>
+              <a:ext uri="{C807C97D-BFC1-408E-A445-0C87EB9F89A2}">
+                <ask:lineSketchStyleProps xmlns:ask="http://schemas.microsoft.com/office/drawing/2018/sketchyshapes" sd="2727557108">
+                  <a:prstGeom prst="rect">
+                    <a:avLst/>
+                  </a:prstGeom>
+                  <ask:type>
+                    <ask:lineSketchFreehand/>
+                  </ask:type>
+                </ask:lineSketchStyleProps>
+              </a:ext>
+            </a:extLst>
+          </a:ln>
+        </p:spPr>
+        <p:style>
+          <a:lnRef idx="2">
+            <a:schemeClr val="accent1">
+              <a:shade val="50000"/>
+            </a:schemeClr>
+          </a:lnRef>
+          <a:fillRef idx="1">
+            <a:schemeClr val="accent1"/>
+          </a:fillRef>
+          <a:effectRef idx="0">
+            <a:schemeClr val="accent1"/>
+          </a:effectRef>
+          <a:fontRef idx="minor">
+            <a:schemeClr val="lt1"/>
+          </a:fontRef>
+        </p:style>
+        <p:txBody>
+          <a:bodyPr rtlCol="0" anchor="ctr"/>
+          <a:lstStyle/>
+          <a:p>
+            <a:pPr algn="ctr"/>
+            <a:endParaRPr lang="en-US"/>
+          </a:p>
+        </p:txBody>
+      </p:sp>
+      <p:graphicFrame>
+        <p:nvGraphicFramePr>
+          <p:cNvPr id="5" name="Table 4">
+            <a:extLst>
+              <a:ext uri="{FF2B5EF4-FFF2-40B4-BE49-F238E27FC236}">
+                <a16:creationId xmlns:a16="http://schemas.microsoft.com/office/drawing/2014/main" id="{C03EE16D-C653-3DF5-C2F0-0780F360FBD2}"/>
+              </a:ext>
+            </a:extLst>
+          </p:cNvPr>
+          <p:cNvGraphicFramePr>
+            <a:graphicFrameLocks noGrp="1"/>
+          </p:cNvGraphicFramePr>
+          <p:nvPr>
+            <p:extLst>
+              <p:ext uri="{D42A27DB-BD31-4B8C-83A1-F6EECF244321}">
+                <p14:modId xmlns:p14="http://schemas.microsoft.com/office/powerpoint/2010/main" val="3177156162"/>
+              </p:ext>
+            </p:extLst>
+          </p:nvPr>
+        </p:nvGraphicFramePr>
+        <p:xfrm>
+          <a:off x="1330291" y="665279"/>
+          <a:ext cx="9526822" cy="3698698"/>
+        </p:xfrm>
+        <a:graphic>
+          <a:graphicData uri="http://schemas.openxmlformats.org/drawingml/2006/table">
+            <a:tbl>
+              <a:tblPr firstRow="1" bandRow="1">
+                <a:solidFill>
+                  <a:schemeClr val="bg1">
+                    <a:lumMod val="95000"/>
+                  </a:schemeClr>
+                </a:solidFill>
+                <a:tableStyleId>{5C22544A-7EE6-4342-B048-85BDC9FD1C3A}</a:tableStyleId>
+              </a:tblPr>
+              <a:tblGrid>
+                <a:gridCol w="1215384">
+                  <a:extLst>
+                    <a:ext uri="{9D8B030D-6E8A-4147-A177-3AD203B41FA5}">
+                      <a16:colId xmlns:a16="http://schemas.microsoft.com/office/drawing/2014/main" val="2319212126"/>
+                    </a:ext>
+                  </a:extLst>
+                </a:gridCol>
+                <a:gridCol w="826322">
+                  <a:extLst>
+                    <a:ext uri="{9D8B030D-6E8A-4147-A177-3AD203B41FA5}">
+                      <a16:colId xmlns:a16="http://schemas.microsoft.com/office/drawing/2014/main" val="2738289293"/>
+                    </a:ext>
+                  </a:extLst>
+                </a:gridCol>
+                <a:gridCol w="1391577">
+                  <a:extLst>
+                    <a:ext uri="{9D8B030D-6E8A-4147-A177-3AD203B41FA5}">
+                      <a16:colId xmlns:a16="http://schemas.microsoft.com/office/drawing/2014/main" val="2311792734"/>
+                    </a:ext>
+                  </a:extLst>
+                </a:gridCol>
+                <a:gridCol w="1391577">
+                  <a:extLst>
+                    <a:ext uri="{9D8B030D-6E8A-4147-A177-3AD203B41FA5}">
+                      <a16:colId xmlns:a16="http://schemas.microsoft.com/office/drawing/2014/main" val="1539080675"/>
+                    </a:ext>
+                  </a:extLst>
+                </a:gridCol>
+                <a:gridCol w="1013926">
+                  <a:extLst>
+                    <a:ext uri="{9D8B030D-6E8A-4147-A177-3AD203B41FA5}">
+                      <a16:colId xmlns:a16="http://schemas.microsoft.com/office/drawing/2014/main" val="2788629979"/>
+                    </a:ext>
+                  </a:extLst>
+                </a:gridCol>
+                <a:gridCol w="799595">
+                  <a:extLst>
+                    <a:ext uri="{9D8B030D-6E8A-4147-A177-3AD203B41FA5}">
+                      <a16:colId xmlns:a16="http://schemas.microsoft.com/office/drawing/2014/main" val="3117675748"/>
+                    </a:ext>
+                  </a:extLst>
+                </a:gridCol>
+                <a:gridCol w="692602">
+                  <a:extLst>
+                    <a:ext uri="{9D8B030D-6E8A-4147-A177-3AD203B41FA5}">
+                      <a16:colId xmlns:a16="http://schemas.microsoft.com/office/drawing/2014/main" val="3114233346"/>
+                    </a:ext>
+                  </a:extLst>
+                </a:gridCol>
+                <a:gridCol w="703643">
+                  <a:extLst>
+                    <a:ext uri="{9D8B030D-6E8A-4147-A177-3AD203B41FA5}">
+                      <a16:colId xmlns:a16="http://schemas.microsoft.com/office/drawing/2014/main" val="2258017785"/>
+                    </a:ext>
+                  </a:extLst>
+                </a:gridCol>
+                <a:gridCol w="692601">
+                  <a:extLst>
+                    <a:ext uri="{9D8B030D-6E8A-4147-A177-3AD203B41FA5}">
+                      <a16:colId xmlns:a16="http://schemas.microsoft.com/office/drawing/2014/main" val="3061830193"/>
+                    </a:ext>
+                  </a:extLst>
+                </a:gridCol>
+                <a:gridCol w="799595">
+                  <a:extLst>
+                    <a:ext uri="{9D8B030D-6E8A-4147-A177-3AD203B41FA5}">
+                      <a16:colId xmlns:a16="http://schemas.microsoft.com/office/drawing/2014/main" val="952347087"/>
+                    </a:ext>
+                  </a:extLst>
+                </a:gridCol>
+              </a:tblGrid>
+              <a:tr h="958654">
+                <a:tc>
+                  <a:txBody>
+                    <a:bodyPr/>
+                    <a:lstStyle/>
+                    <a:p>
+                      <a:pPr algn="ctr" fontAlgn="t"/>
+                      <a:r>
+                        <a:rPr lang="en-US" sz="1500" b="1" u="none" strike="noStrike" cap="none" spc="0">
+                          <a:solidFill>
+                            <a:schemeClr val="tx1"/>
+                          </a:solidFill>
+                          <a:effectLst/>
+                        </a:rPr>
+                        <a:t>Model Type</a:t>
+                      </a:r>
+                      <a:endParaRPr lang="en-US" sz="1500" b="1" i="0" u="none" strike="noStrike" cap="none" spc="0">
+                        <a:solidFill>
+                          <a:schemeClr val="tx1"/>
+                        </a:solidFill>
+                        <a:effectLst/>
+                        <a:latin typeface="Calibri" panose="020F0502020204030204" pitchFamily="34" charset="0"/>
+                      </a:endParaRPr>
+                    </a:p>
+                  </a:txBody>
+                  <a:tcPr marL="58655" marR="7998" marT="16759" marB="125690" anchor="b">
+                    <a:lnL w="12700" cap="flat" cmpd="sng" algn="ctr">
+                      <a:solidFill>
+                        <a:schemeClr val="tx1"/>
+                      </a:solidFill>
+                      <a:prstDash val="solid"/>
+                    </a:lnL>
+                    <a:lnR w="12700" cmpd="sng">
+                      <a:noFill/>
+                      <a:prstDash val="solid"/>
+                    </a:lnR>
+                    <a:lnT w="9525" cap="flat" cmpd="sng" algn="ctr">
+                      <a:noFill/>
+                      <a:prstDash val="solid"/>
+                    </a:lnT>
+                    <a:lnB w="12700" cmpd="sng">
+                      <a:noFill/>
+                      <a:prstDash val="solid"/>
+                    </a:lnB>
+                    <a:solidFill>
+                      <a:schemeClr val="bg1">
+                        <a:lumMod val="95000"/>
+                      </a:schemeClr>
+                    </a:solidFill>
+                  </a:tcPr>
+                </a:tc>
+                <a:tc>
+                  <a:txBody>
+                    <a:bodyPr/>
+                    <a:lstStyle/>
+                    <a:p>
+                      <a:pPr algn="ctr" fontAlgn="t"/>
+                      <a:r>
+                        <a:rPr lang="en-US" sz="1500" b="1" u="none" strike="noStrike" cap="none" spc="0">
+                          <a:solidFill>
+                            <a:schemeClr val="tx1"/>
+                          </a:solidFill>
+                          <a:effectLst/>
+                        </a:rPr>
+                        <a:t>Decision Tree (Actual)</a:t>
+                      </a:r>
+                      <a:endParaRPr lang="en-US" sz="1500" b="1" i="0" u="none" strike="noStrike" cap="none" spc="0">
+                        <a:solidFill>
+                          <a:schemeClr val="tx1"/>
+                        </a:solidFill>
+                        <a:effectLst/>
+                        <a:latin typeface="Calibri" panose="020F0502020204030204" pitchFamily="34" charset="0"/>
+                      </a:endParaRPr>
+                    </a:p>
+                  </a:txBody>
+                  <a:tcPr marL="58655" marR="7998" marT="16759" marB="125690" anchor="b">
+                    <a:lnL w="12700" cmpd="sng">
+                      <a:noFill/>
+                      <a:prstDash val="solid"/>
+                    </a:lnL>
+                    <a:lnR w="12700" cmpd="sng">
+                      <a:noFill/>
+                      <a:prstDash val="solid"/>
+                    </a:lnR>
+                    <a:lnT w="9525" cap="flat" cmpd="sng" algn="ctr">
+                      <a:noFill/>
+                      <a:prstDash val="solid"/>
+                    </a:lnT>
+                    <a:lnB w="12700" cmpd="sng">
+                      <a:noFill/>
+                      <a:prstDash val="solid"/>
+                    </a:lnB>
+                    <a:solidFill>
+                      <a:schemeClr val="bg1">
+                        <a:lumMod val="95000"/>
+                      </a:schemeClr>
+                    </a:solidFill>
+                  </a:tcPr>
+                </a:tc>
+                <a:tc>
+                  <a:txBody>
+                    <a:bodyPr/>
+                    <a:lstStyle/>
+                    <a:p>
+                      <a:pPr algn="ctr" fontAlgn="t"/>
+                      <a:r>
+                        <a:rPr lang="en-US" sz="1500" b="1" u="none" strike="noStrike" cap="none" spc="0">
+                          <a:solidFill>
+                            <a:schemeClr val="tx1"/>
+                          </a:solidFill>
+                          <a:effectLst/>
+                        </a:rPr>
+                        <a:t>Random_Forest (dummies)</a:t>
+                      </a:r>
+                      <a:endParaRPr lang="en-US" sz="1500" b="1" i="0" u="none" strike="noStrike" cap="none" spc="0">
+                        <a:solidFill>
+                          <a:schemeClr val="tx1"/>
+                        </a:solidFill>
+                        <a:effectLst/>
+                        <a:latin typeface="Calibri" panose="020F0502020204030204" pitchFamily="34" charset="0"/>
+                      </a:endParaRPr>
+                    </a:p>
+                  </a:txBody>
+                  <a:tcPr marL="58655" marR="7998" marT="16759" marB="125690" anchor="b">
+                    <a:lnL w="12700" cmpd="sng">
+                      <a:noFill/>
+                      <a:prstDash val="solid"/>
+                    </a:lnL>
+                    <a:lnR w="12700" cmpd="sng">
+                      <a:noFill/>
+                      <a:prstDash val="solid"/>
+                    </a:lnR>
+                    <a:lnT w="9525" cap="flat" cmpd="sng" algn="ctr">
+                      <a:noFill/>
+                      <a:prstDash val="solid"/>
+                    </a:lnT>
+                    <a:lnB w="12700" cmpd="sng">
+                      <a:noFill/>
+                      <a:prstDash val="solid"/>
+                    </a:lnB>
+                    <a:solidFill>
+                      <a:schemeClr val="bg1">
+                        <a:lumMod val="95000"/>
+                      </a:schemeClr>
+                    </a:solidFill>
+                  </a:tcPr>
+                </a:tc>
+                <a:tc>
+                  <a:txBody>
+                    <a:bodyPr/>
+                    <a:lstStyle/>
+                    <a:p>
+                      <a:pPr algn="ctr" fontAlgn="t"/>
+                      <a:r>
+                        <a:rPr lang="en-US" sz="1500" b="1" u="none" strike="noStrike" cap="none" spc="0" dirty="0" err="1">
+                          <a:solidFill>
+                            <a:schemeClr val="tx1"/>
+                          </a:solidFill>
+                          <a:effectLst/>
+                        </a:rPr>
+                        <a:t>Random_Forest</a:t>
+                      </a:r>
+                      <a:r>
+                        <a:rPr lang="en-US" sz="1500" b="1" u="none" strike="noStrike" cap="none" spc="0" dirty="0">
+                          <a:solidFill>
+                            <a:schemeClr val="tx1"/>
+                          </a:solidFill>
+                          <a:effectLst/>
+                        </a:rPr>
+                        <a:t> (Actual)</a:t>
+                      </a:r>
+                      <a:endParaRPr lang="en-US" sz="1500" b="1" i="0" u="none" strike="noStrike" cap="none" spc="0" dirty="0">
+                        <a:solidFill>
+                          <a:schemeClr val="tx1"/>
+                        </a:solidFill>
+                        <a:effectLst/>
+                        <a:latin typeface="Calibri" panose="020F0502020204030204" pitchFamily="34" charset="0"/>
+                      </a:endParaRPr>
+                    </a:p>
+                  </a:txBody>
+                  <a:tcPr marL="58655" marR="7998" marT="16759" marB="125690" anchor="b">
+                    <a:lnL w="12700" cmpd="sng">
+                      <a:noFill/>
+                      <a:prstDash val="solid"/>
+                    </a:lnL>
+                    <a:lnR w="12700" cmpd="sng">
+                      <a:noFill/>
+                      <a:prstDash val="solid"/>
+                    </a:lnR>
+                    <a:lnT w="9525" cap="flat" cmpd="sng" algn="ctr">
+                      <a:noFill/>
+                      <a:prstDash val="solid"/>
+                    </a:lnT>
+                    <a:lnB w="12700" cmpd="sng">
+                      <a:noFill/>
+                      <a:prstDash val="solid"/>
+                    </a:lnB>
+                    <a:solidFill>
+                      <a:schemeClr val="bg1">
+                        <a:lumMod val="95000"/>
+                      </a:schemeClr>
+                    </a:solidFill>
+                  </a:tcPr>
+                </a:tc>
+                <a:tc>
+                  <a:txBody>
+                    <a:bodyPr/>
+                    <a:lstStyle/>
+                    <a:p>
+                      <a:pPr algn="ctr" fontAlgn="t"/>
+                      <a:r>
+                        <a:rPr lang="en-US" sz="1500" b="1" u="none" strike="noStrike" cap="none" spc="0">
+                          <a:solidFill>
+                            <a:schemeClr val="tx1"/>
+                          </a:solidFill>
+                          <a:effectLst/>
+                        </a:rPr>
+                        <a:t>Logistic Regression</a:t>
+                      </a:r>
+                      <a:endParaRPr lang="en-US" sz="1500" b="1" i="0" u="none" strike="noStrike" cap="none" spc="0">
+                        <a:solidFill>
+                          <a:schemeClr val="tx1"/>
+                        </a:solidFill>
+                        <a:effectLst/>
+                        <a:latin typeface="Calibri" panose="020F0502020204030204" pitchFamily="34" charset="0"/>
+                      </a:endParaRPr>
+                    </a:p>
+                  </a:txBody>
+                  <a:tcPr marL="58655" marR="7998" marT="16759" marB="125690" anchor="b">
+                    <a:lnL w="12700" cmpd="sng">
+                      <a:noFill/>
+                      <a:prstDash val="solid"/>
+                    </a:lnL>
+                    <a:lnR w="12700" cmpd="sng">
+                      <a:noFill/>
+                      <a:prstDash val="solid"/>
+                    </a:lnR>
+                    <a:lnT w="9525" cap="flat" cmpd="sng" algn="ctr">
+                      <a:noFill/>
+                      <a:prstDash val="solid"/>
+                    </a:lnT>
+                    <a:lnB w="12700" cmpd="sng">
+                      <a:noFill/>
+                      <a:prstDash val="solid"/>
+                    </a:lnB>
+                    <a:solidFill>
+                      <a:schemeClr val="bg1">
+                        <a:lumMod val="95000"/>
+                      </a:schemeClr>
+                    </a:solidFill>
+                  </a:tcPr>
+                </a:tc>
+                <a:tc gridSpan="2">
+                  <a:txBody>
+                    <a:bodyPr/>
+                    <a:lstStyle/>
+                    <a:p>
+                      <a:pPr algn="ctr" fontAlgn="t"/>
+                      <a:r>
+                        <a:rPr lang="en-US" sz="1500" b="1" u="none" strike="noStrike" cap="none" spc="0">
+                          <a:solidFill>
+                            <a:schemeClr val="tx1"/>
+                          </a:solidFill>
+                          <a:effectLst/>
+                        </a:rPr>
+                        <a:t>Deep Learning (actual)</a:t>
+                      </a:r>
+                      <a:endParaRPr lang="en-US" sz="1500" b="1" i="0" u="none" strike="noStrike" cap="none" spc="0">
+                        <a:solidFill>
+                          <a:schemeClr val="tx1"/>
+                        </a:solidFill>
+                        <a:effectLst/>
+                        <a:latin typeface="Calibri" panose="020F0502020204030204" pitchFamily="34" charset="0"/>
+                      </a:endParaRPr>
+                    </a:p>
+                  </a:txBody>
+                  <a:tcPr marL="58655" marR="7998" marT="16759" marB="125690" anchor="b">
+                    <a:lnL w="12700" cmpd="sng">
+                      <a:noFill/>
+                      <a:prstDash val="solid"/>
+                    </a:lnL>
+                    <a:lnR w="12700" cmpd="sng">
+                      <a:noFill/>
+                      <a:prstDash val="solid"/>
+                    </a:lnR>
+                    <a:lnT w="9525" cap="flat" cmpd="sng" algn="ctr">
+                      <a:noFill/>
+                      <a:prstDash val="solid"/>
+                    </a:lnT>
+                    <a:lnB w="12700" cmpd="sng">
+                      <a:noFill/>
+                      <a:prstDash val="solid"/>
+                    </a:lnB>
+                    <a:solidFill>
+                      <a:schemeClr val="bg1">
+                        <a:lumMod val="95000"/>
+                      </a:schemeClr>
+                    </a:solidFill>
+                  </a:tcPr>
+                </a:tc>
+                <a:tc hMerge="1">
+                  <a:txBody>
+                    <a:bodyPr/>
+                    <a:lstStyle/>
+                    <a:p>
+                      <a:endParaRPr lang="en-US"/>
+                    </a:p>
+                  </a:txBody>
+                  <a:tcPr/>
+                </a:tc>
+                <a:tc gridSpan="2">
+                  <a:txBody>
+                    <a:bodyPr/>
+                    <a:lstStyle/>
+                    <a:p>
+                      <a:pPr algn="ctr" fontAlgn="t"/>
+                      <a:r>
+                        <a:rPr lang="en-US" sz="1500" b="1" u="none" strike="noStrike" cap="none" spc="0">
+                          <a:solidFill>
+                            <a:schemeClr val="tx1"/>
+                          </a:solidFill>
+                          <a:effectLst/>
+                        </a:rPr>
+                        <a:t>Deep Learning (dummies)</a:t>
+                      </a:r>
+                      <a:endParaRPr lang="en-US" sz="1500" b="1" i="0" u="none" strike="noStrike" cap="none" spc="0">
+                        <a:solidFill>
+                          <a:schemeClr val="tx1"/>
+                        </a:solidFill>
+                        <a:effectLst/>
+                        <a:latin typeface="Calibri" panose="020F0502020204030204" pitchFamily="34" charset="0"/>
+                      </a:endParaRPr>
+                    </a:p>
+                  </a:txBody>
+                  <a:tcPr marL="58655" marR="7998" marT="16759" marB="125690" anchor="b">
+                    <a:lnL w="12700" cmpd="sng">
+                      <a:noFill/>
+                      <a:prstDash val="solid"/>
+                    </a:lnL>
+                    <a:lnR w="12700" cmpd="sng">
+                      <a:noFill/>
+                      <a:prstDash val="solid"/>
+                    </a:lnR>
+                    <a:lnT w="9525" cap="flat" cmpd="sng" algn="ctr">
+                      <a:noFill/>
+                      <a:prstDash val="solid"/>
+                    </a:lnT>
+                    <a:lnB w="12700" cmpd="sng">
+                      <a:noFill/>
+                      <a:prstDash val="solid"/>
+                    </a:lnB>
+                    <a:solidFill>
+                      <a:schemeClr val="bg1">
+                        <a:lumMod val="95000"/>
+                      </a:schemeClr>
+                    </a:solidFill>
+                  </a:tcPr>
+                </a:tc>
+                <a:tc hMerge="1">
+                  <a:txBody>
+                    <a:bodyPr/>
+                    <a:lstStyle/>
+                    <a:p>
+                      <a:endParaRPr lang="en-US"/>
+                    </a:p>
+                  </a:txBody>
+                  <a:tcPr/>
+                </a:tc>
+                <a:tc>
+                  <a:txBody>
+                    <a:bodyPr/>
+                    <a:lstStyle/>
+                    <a:p>
+                      <a:pPr algn="ctr" fontAlgn="t"/>
+                      <a:r>
+                        <a:rPr lang="en-US" sz="1500" b="1" u="none" strike="noStrike" cap="none" spc="0">
+                          <a:solidFill>
+                            <a:schemeClr val="tx1"/>
+                          </a:solidFill>
+                          <a:effectLst/>
+                        </a:rPr>
+                        <a:t> </a:t>
+                      </a:r>
+                      <a:endParaRPr lang="en-US" sz="1500" b="1" i="0" u="none" strike="noStrike" cap="none" spc="0">
+                        <a:solidFill>
+                          <a:schemeClr val="tx1"/>
+                        </a:solidFill>
+                        <a:effectLst/>
+                        <a:latin typeface="Calibri" panose="020F0502020204030204" pitchFamily="34" charset="0"/>
+                      </a:endParaRPr>
+                    </a:p>
+                  </a:txBody>
+                  <a:tcPr marL="58655" marR="7998" marT="16759" marB="125690" anchor="b">
+                    <a:lnL w="12700" cmpd="sng">
+                      <a:noFill/>
+                      <a:prstDash val="solid"/>
+                    </a:lnL>
+                    <a:lnR w="12700" cmpd="sng">
+                      <a:noFill/>
+                      <a:prstDash val="solid"/>
+                    </a:lnR>
+                    <a:lnT w="9525" cap="flat" cmpd="sng" algn="ctr">
+                      <a:noFill/>
+                      <a:prstDash val="solid"/>
+                    </a:lnT>
+                    <a:lnB w="12700" cmpd="sng">
+                      <a:noFill/>
+                      <a:prstDash val="solid"/>
+                    </a:lnB>
+                    <a:solidFill>
+                      <a:schemeClr val="bg1">
+                        <a:lumMod val="95000"/>
+                      </a:schemeClr>
+                    </a:solidFill>
+                  </a:tcPr>
+                </a:tc>
+                <a:extLst>
+                  <a:ext uri="{0D108BD9-81ED-4DB2-BD59-A6C34878D82A}">
+                    <a16:rowId xmlns:a16="http://schemas.microsoft.com/office/drawing/2014/main" val="3521414858"/>
+                  </a:ext>
+                </a:extLst>
+              </a:tr>
+              <a:tr h="678726">
+                <a:tc>
+                  <a:txBody>
+                    <a:bodyPr/>
+                    <a:lstStyle/>
+                    <a:p>
+                      <a:pPr algn="l" fontAlgn="ctr"/>
+                      <a:r>
+                        <a:rPr lang="en-US" sz="1100" u="none" strike="noStrike" cap="none" spc="0">
+                          <a:solidFill>
+                            <a:schemeClr val="tx1"/>
+                          </a:solidFill>
+                          <a:effectLst/>
+                        </a:rPr>
+                        <a:t>Loan Group</a:t>
+                      </a:r>
+                      <a:endParaRPr lang="en-US" sz="1100" b="1" i="0" u="none" strike="noStrike" cap="none" spc="0">
+                        <a:solidFill>
+                          <a:schemeClr val="tx1"/>
+                        </a:solidFill>
+                        <a:effectLst/>
+                        <a:latin typeface="Calibri" panose="020F0502020204030204" pitchFamily="34" charset="0"/>
+                      </a:endParaRPr>
+                    </a:p>
+                  </a:txBody>
+                  <a:tcPr marL="58655" marR="7998" marT="16759" marB="125690" anchor="ctr">
+                    <a:lnL w="12700" cap="flat" cmpd="sng" algn="ctr">
+                      <a:solidFill>
+                        <a:schemeClr val="tx1"/>
+                      </a:solidFill>
+                      <a:prstDash val="solid"/>
+                    </a:lnL>
+                    <a:lnR w="12700" cmpd="sng">
+                      <a:noFill/>
+                      <a:prstDash val="solid"/>
+                    </a:lnR>
+                    <a:lnT w="12700" cmpd="sng">
+                      <a:noFill/>
+                      <a:prstDash val="solid"/>
+                    </a:lnT>
+                    <a:lnB w="12700" cmpd="sng">
+                      <a:noFill/>
+                      <a:prstDash val="solid"/>
+                    </a:lnB>
+                    <a:solidFill>
+                      <a:schemeClr val="bg1">
+                        <a:lumMod val="95000"/>
+                      </a:schemeClr>
+                    </a:solidFill>
+                  </a:tcPr>
+                </a:tc>
+                <a:tc>
+                  <a:txBody>
+                    <a:bodyPr/>
+                    <a:lstStyle/>
+                    <a:p>
+                      <a:pPr algn="ctr" fontAlgn="t"/>
+                      <a:r>
+                        <a:rPr lang="en-US" sz="1100" u="none" strike="noStrike" cap="none" spc="0">
+                          <a:solidFill>
+                            <a:schemeClr val="tx1"/>
+                          </a:solidFill>
+                          <a:effectLst/>
+                        </a:rPr>
+                        <a:t>Accuracy Score</a:t>
+                      </a:r>
+                      <a:endParaRPr lang="en-US" sz="1100" b="1" i="0" u="none" strike="noStrike" cap="none" spc="0">
+                        <a:solidFill>
+                          <a:schemeClr val="tx1"/>
+                        </a:solidFill>
+                        <a:effectLst/>
+                        <a:latin typeface="Calibri" panose="020F0502020204030204" pitchFamily="34" charset="0"/>
+                      </a:endParaRPr>
+                    </a:p>
+                  </a:txBody>
+                  <a:tcPr marL="58655" marR="7998" marT="16759" marB="125690">
+                    <a:lnL w="12700" cmpd="sng">
+                      <a:noFill/>
+                      <a:prstDash val="solid"/>
+                    </a:lnL>
+                    <a:lnR w="12700" cmpd="sng">
+                      <a:noFill/>
+                      <a:prstDash val="solid"/>
+                    </a:lnR>
+                    <a:lnT w="12700" cmpd="sng">
+                      <a:noFill/>
+                      <a:prstDash val="solid"/>
+                    </a:lnT>
+                    <a:lnB w="12700" cmpd="sng">
+                      <a:noFill/>
+                      <a:prstDash val="solid"/>
+                    </a:lnB>
+                    <a:solidFill>
+                      <a:schemeClr val="bg1">
+                        <a:lumMod val="95000"/>
+                      </a:schemeClr>
+                    </a:solidFill>
+                  </a:tcPr>
+                </a:tc>
+                <a:tc>
+                  <a:txBody>
+                    <a:bodyPr/>
+                    <a:lstStyle/>
+                    <a:p>
+                      <a:pPr algn="ctr" fontAlgn="t"/>
+                      <a:r>
+                        <a:rPr lang="en-US" sz="1100" u="none" strike="noStrike" cap="none" spc="0">
+                          <a:solidFill>
+                            <a:schemeClr val="tx1"/>
+                          </a:solidFill>
+                          <a:effectLst/>
+                        </a:rPr>
+                        <a:t>Accuracy Score</a:t>
+                      </a:r>
+                      <a:endParaRPr lang="en-US" sz="1100" b="1" i="0" u="none" strike="noStrike" cap="none" spc="0">
+                        <a:solidFill>
+                          <a:schemeClr val="tx1"/>
+                        </a:solidFill>
+                        <a:effectLst/>
+                        <a:latin typeface="Calibri" panose="020F0502020204030204" pitchFamily="34" charset="0"/>
+                      </a:endParaRPr>
+                    </a:p>
+                  </a:txBody>
+                  <a:tcPr marL="58655" marR="7998" marT="16759" marB="125690">
+                    <a:lnL w="12700" cmpd="sng">
+                      <a:noFill/>
+                      <a:prstDash val="solid"/>
+                    </a:lnL>
+                    <a:lnR w="12700" cmpd="sng">
+                      <a:noFill/>
+                      <a:prstDash val="solid"/>
+                    </a:lnR>
+                    <a:lnT w="12700" cmpd="sng">
+                      <a:noFill/>
+                      <a:prstDash val="solid"/>
+                    </a:lnT>
+                    <a:lnB w="12700" cmpd="sng">
+                      <a:noFill/>
+                      <a:prstDash val="solid"/>
+                    </a:lnB>
+                    <a:solidFill>
+                      <a:schemeClr val="bg1">
+                        <a:lumMod val="95000"/>
+                      </a:schemeClr>
+                    </a:solidFill>
+                  </a:tcPr>
+                </a:tc>
+                <a:tc>
+                  <a:txBody>
+                    <a:bodyPr/>
+                    <a:lstStyle/>
+                    <a:p>
+                      <a:pPr algn="ctr" fontAlgn="t"/>
+                      <a:r>
+                        <a:rPr lang="en-US" sz="1100" u="none" strike="noStrike" cap="none" spc="0" dirty="0">
+                          <a:solidFill>
+                            <a:schemeClr val="tx1"/>
+                          </a:solidFill>
+                          <a:effectLst/>
+                        </a:rPr>
+                        <a:t>Accuracy Score</a:t>
+                      </a:r>
+                      <a:endParaRPr lang="en-US" sz="1100" b="1" i="0" u="none" strike="noStrike" cap="none" spc="0" dirty="0">
+                        <a:solidFill>
+                          <a:schemeClr val="tx1"/>
+                        </a:solidFill>
+                        <a:effectLst/>
+                        <a:latin typeface="Calibri" panose="020F0502020204030204" pitchFamily="34" charset="0"/>
+                      </a:endParaRPr>
+                    </a:p>
+                  </a:txBody>
+                  <a:tcPr marL="58655" marR="7998" marT="16759" marB="125690">
+                    <a:lnL w="12700" cmpd="sng">
+                      <a:noFill/>
+                      <a:prstDash val="solid"/>
+                    </a:lnL>
+                    <a:lnR w="12700" cmpd="sng">
+                      <a:noFill/>
+                      <a:prstDash val="solid"/>
+                    </a:lnR>
+                    <a:lnT w="12700" cmpd="sng">
+                      <a:noFill/>
+                      <a:prstDash val="solid"/>
+                    </a:lnT>
+                    <a:lnB w="12700" cmpd="sng">
+                      <a:noFill/>
+                      <a:prstDash val="solid"/>
+                    </a:lnB>
+                    <a:solidFill>
+                      <a:schemeClr val="bg1">
+                        <a:lumMod val="95000"/>
+                      </a:schemeClr>
+                    </a:solidFill>
+                  </a:tcPr>
+                </a:tc>
+                <a:tc>
+                  <a:txBody>
+                    <a:bodyPr/>
+                    <a:lstStyle/>
+                    <a:p>
+                      <a:pPr algn="ctr" fontAlgn="t"/>
+                      <a:r>
+                        <a:rPr lang="en-US" sz="1100" u="none" strike="noStrike" cap="none" spc="0">
+                          <a:solidFill>
+                            <a:schemeClr val="tx1"/>
+                          </a:solidFill>
+                          <a:effectLst/>
+                        </a:rPr>
+                        <a:t>Accuracy Score</a:t>
+                      </a:r>
+                      <a:endParaRPr lang="en-US" sz="1100" b="1" i="0" u="none" strike="noStrike" cap="none" spc="0">
+                        <a:solidFill>
+                          <a:schemeClr val="tx1"/>
+                        </a:solidFill>
+                        <a:effectLst/>
+                        <a:latin typeface="Calibri" panose="020F0502020204030204" pitchFamily="34" charset="0"/>
+                      </a:endParaRPr>
+                    </a:p>
+                  </a:txBody>
+                  <a:tcPr marL="58655" marR="7998" marT="16759" marB="125690">
+                    <a:lnL w="12700" cmpd="sng">
+                      <a:noFill/>
+                      <a:prstDash val="solid"/>
+                    </a:lnL>
+                    <a:lnR w="12700" cmpd="sng">
+                      <a:noFill/>
+                      <a:prstDash val="solid"/>
+                    </a:lnR>
+                    <a:lnT w="12700" cmpd="sng">
+                      <a:noFill/>
+                      <a:prstDash val="solid"/>
+                    </a:lnT>
+                    <a:lnB w="12700" cmpd="sng">
+                      <a:noFill/>
+                      <a:prstDash val="solid"/>
+                    </a:lnB>
+                    <a:solidFill>
+                      <a:schemeClr val="bg1">
+                        <a:lumMod val="95000"/>
+                      </a:schemeClr>
+                    </a:solidFill>
+                  </a:tcPr>
+                </a:tc>
+                <a:tc>
+                  <a:txBody>
+                    <a:bodyPr/>
+                    <a:lstStyle/>
+                    <a:p>
+                      <a:pPr algn="ctr" fontAlgn="t"/>
+                      <a:r>
+                        <a:rPr lang="en-US" sz="1100" u="none" strike="noStrike" cap="none" spc="0">
+                          <a:solidFill>
+                            <a:schemeClr val="tx1"/>
+                          </a:solidFill>
+                          <a:effectLst/>
+                        </a:rPr>
+                        <a:t>Accuracy Score</a:t>
+                      </a:r>
+                      <a:endParaRPr lang="en-US" sz="1100" b="1" i="0" u="none" strike="noStrike" cap="none" spc="0">
+                        <a:solidFill>
+                          <a:schemeClr val="tx1"/>
+                        </a:solidFill>
+                        <a:effectLst/>
+                        <a:latin typeface="Calibri" panose="020F0502020204030204" pitchFamily="34" charset="0"/>
+                      </a:endParaRPr>
+                    </a:p>
+                  </a:txBody>
+                  <a:tcPr marL="58655" marR="7998" marT="16759" marB="125690">
+                    <a:lnL w="12700" cmpd="sng">
+                      <a:noFill/>
+                      <a:prstDash val="solid"/>
+                    </a:lnL>
+                    <a:lnR w="12700" cmpd="sng">
+                      <a:noFill/>
+                      <a:prstDash val="solid"/>
+                    </a:lnR>
+                    <a:lnT w="12700" cmpd="sng">
+                      <a:noFill/>
+                      <a:prstDash val="solid"/>
+                    </a:lnT>
+                    <a:lnB w="12700" cmpd="sng">
+                      <a:noFill/>
+                      <a:prstDash val="solid"/>
+                    </a:lnB>
+                    <a:solidFill>
+                      <a:schemeClr val="bg1">
+                        <a:lumMod val="95000"/>
+                      </a:schemeClr>
+                    </a:solidFill>
+                  </a:tcPr>
+                </a:tc>
+                <a:tc>
+                  <a:txBody>
+                    <a:bodyPr/>
+                    <a:lstStyle/>
+                    <a:p>
+                      <a:pPr algn="l" fontAlgn="t"/>
+                      <a:r>
+                        <a:rPr lang="en-US" sz="1100" u="none" strike="noStrike" cap="none" spc="0">
+                          <a:solidFill>
+                            <a:schemeClr val="tx1"/>
+                          </a:solidFill>
+                          <a:effectLst/>
+                        </a:rPr>
+                        <a:t>Loss Rate</a:t>
+                      </a:r>
+                      <a:endParaRPr lang="en-US" sz="1100" b="1" i="0" u="none" strike="noStrike" cap="none" spc="0">
+                        <a:solidFill>
+                          <a:schemeClr val="tx1"/>
+                        </a:solidFill>
+                        <a:effectLst/>
+                        <a:latin typeface="Calibri" panose="020F0502020204030204" pitchFamily="34" charset="0"/>
+                      </a:endParaRPr>
+                    </a:p>
+                  </a:txBody>
+                  <a:tcPr marL="58655" marR="7998" marT="16759" marB="125690">
+                    <a:lnL w="12700" cmpd="sng">
+                      <a:noFill/>
+                      <a:prstDash val="solid"/>
+                    </a:lnL>
+                    <a:lnR w="12700" cmpd="sng">
+                      <a:noFill/>
+                      <a:prstDash val="solid"/>
+                    </a:lnR>
+                    <a:lnT w="12700" cmpd="sng">
+                      <a:noFill/>
+                      <a:prstDash val="solid"/>
+                    </a:lnT>
+                    <a:lnB w="12700" cmpd="sng">
+                      <a:noFill/>
+                      <a:prstDash val="solid"/>
+                    </a:lnB>
+                    <a:solidFill>
+                      <a:schemeClr val="bg1">
+                        <a:lumMod val="95000"/>
+                      </a:schemeClr>
+                    </a:solidFill>
+                  </a:tcPr>
+                </a:tc>
+                <a:tc>
+                  <a:txBody>
+                    <a:bodyPr/>
+                    <a:lstStyle/>
+                    <a:p>
+                      <a:pPr algn="ctr" fontAlgn="t"/>
+                      <a:r>
+                        <a:rPr lang="en-US" sz="1100" u="none" strike="noStrike" cap="none" spc="0">
+                          <a:solidFill>
+                            <a:schemeClr val="tx1"/>
+                          </a:solidFill>
+                          <a:effectLst/>
+                        </a:rPr>
+                        <a:t>Accuracy Score</a:t>
+                      </a:r>
+                      <a:endParaRPr lang="en-US" sz="1100" b="1" i="0" u="none" strike="noStrike" cap="none" spc="0">
+                        <a:solidFill>
+                          <a:schemeClr val="tx1"/>
+                        </a:solidFill>
+                        <a:effectLst/>
+                        <a:latin typeface="Calibri" panose="020F0502020204030204" pitchFamily="34" charset="0"/>
+                      </a:endParaRPr>
+                    </a:p>
+                  </a:txBody>
+                  <a:tcPr marL="58655" marR="7998" marT="16759" marB="125690">
+                    <a:lnL w="12700" cmpd="sng">
+                      <a:noFill/>
+                      <a:prstDash val="solid"/>
+                    </a:lnL>
+                    <a:lnR w="12700" cmpd="sng">
+                      <a:noFill/>
+                      <a:prstDash val="solid"/>
+                    </a:lnR>
+                    <a:lnT w="12700" cmpd="sng">
+                      <a:noFill/>
+                      <a:prstDash val="solid"/>
+                    </a:lnT>
+                    <a:lnB w="12700" cmpd="sng">
+                      <a:noFill/>
+                      <a:prstDash val="solid"/>
+                    </a:lnB>
+                    <a:solidFill>
+                      <a:schemeClr val="bg1">
+                        <a:lumMod val="95000"/>
+                      </a:schemeClr>
+                    </a:solidFill>
+                  </a:tcPr>
+                </a:tc>
+                <a:tc>
+                  <a:txBody>
+                    <a:bodyPr/>
+                    <a:lstStyle/>
+                    <a:p>
+                      <a:pPr algn="ctr" fontAlgn="t"/>
+                      <a:r>
+                        <a:rPr lang="en-US" sz="1100" u="none" strike="noStrike" cap="none" spc="0">
+                          <a:solidFill>
+                            <a:schemeClr val="tx1"/>
+                          </a:solidFill>
+                          <a:effectLst/>
+                        </a:rPr>
+                        <a:t>Loss Rate</a:t>
+                      </a:r>
+                      <a:endParaRPr lang="en-US" sz="1100" b="1" i="0" u="none" strike="noStrike" cap="none" spc="0">
+                        <a:solidFill>
+                          <a:schemeClr val="tx1"/>
+                        </a:solidFill>
+                        <a:effectLst/>
+                        <a:latin typeface="Calibri" panose="020F0502020204030204" pitchFamily="34" charset="0"/>
+                      </a:endParaRPr>
+                    </a:p>
+                  </a:txBody>
+                  <a:tcPr marL="58655" marR="7998" marT="16759" marB="125690">
+                    <a:lnL w="12700" cmpd="sng">
+                      <a:noFill/>
+                      <a:prstDash val="solid"/>
+                    </a:lnL>
+                    <a:lnR w="12700" cmpd="sng">
+                      <a:noFill/>
+                      <a:prstDash val="solid"/>
+                    </a:lnR>
+                    <a:lnT w="12700" cmpd="sng">
+                      <a:noFill/>
+                      <a:prstDash val="solid"/>
+                    </a:lnT>
+                    <a:lnB w="12700" cmpd="sng">
+                      <a:noFill/>
+                      <a:prstDash val="solid"/>
+                    </a:lnB>
+                    <a:solidFill>
+                      <a:schemeClr val="bg1">
+                        <a:lumMod val="95000"/>
+                      </a:schemeClr>
+                    </a:solidFill>
+                  </a:tcPr>
+                </a:tc>
+                <a:tc>
+                  <a:txBody>
+                    <a:bodyPr/>
+                    <a:lstStyle/>
+                    <a:p>
+                      <a:pPr algn="l" fontAlgn="b"/>
+                      <a:r>
+                        <a:rPr lang="en-US" sz="1100" u="none" strike="noStrike" cap="none" spc="0">
+                          <a:solidFill>
+                            <a:schemeClr val="tx1"/>
+                          </a:solidFill>
+                          <a:effectLst/>
+                        </a:rPr>
+                        <a:t>Overall Accruacy Score*</a:t>
+                      </a:r>
+                      <a:endParaRPr lang="en-US" sz="1100" b="1" i="0" u="none" strike="noStrike" cap="none" spc="0">
+                        <a:solidFill>
+                          <a:schemeClr val="tx1"/>
+                        </a:solidFill>
+                        <a:effectLst/>
+                        <a:latin typeface="Calibri" panose="020F0502020204030204" pitchFamily="34" charset="0"/>
+                      </a:endParaRPr>
+                    </a:p>
+                  </a:txBody>
+                  <a:tcPr marL="58655" marR="7998" marT="16759" marB="125690" anchor="b">
+                    <a:lnL w="12700" cmpd="sng">
+                      <a:noFill/>
+                      <a:prstDash val="solid"/>
+                    </a:lnL>
+                    <a:lnR w="12700" cmpd="sng">
+                      <a:noFill/>
+                      <a:prstDash val="solid"/>
+                    </a:lnR>
+                    <a:lnT w="12700" cmpd="sng">
+                      <a:noFill/>
+                      <a:prstDash val="solid"/>
+                    </a:lnT>
+                    <a:lnB w="12700" cmpd="sng">
+                      <a:noFill/>
+                      <a:prstDash val="solid"/>
+                    </a:lnB>
+                    <a:solidFill>
+                      <a:schemeClr val="bg1">
+                        <a:lumMod val="95000"/>
+                      </a:schemeClr>
+                    </a:solidFill>
+                  </a:tcPr>
+                </a:tc>
+                <a:extLst>
+                  <a:ext uri="{0D108BD9-81ED-4DB2-BD59-A6C34878D82A}">
+                    <a16:rowId xmlns:a16="http://schemas.microsoft.com/office/drawing/2014/main" val="31272740"/>
+                  </a:ext>
+                </a:extLst>
+              </a:tr>
+              <a:tr h="343553">
+                <a:tc>
+                  <a:txBody>
+                    <a:bodyPr/>
+                    <a:lstStyle/>
+                    <a:p>
+                      <a:pPr algn="l" fontAlgn="b"/>
+                      <a:r>
+                        <a:rPr lang="en-US" sz="1100" u="none" strike="noStrike" cap="none" spc="0">
+                          <a:solidFill>
+                            <a:schemeClr val="tx1"/>
+                          </a:solidFill>
+                          <a:effectLst/>
+                        </a:rPr>
+                        <a:t>Credit cards</a:t>
+                      </a:r>
+                      <a:endParaRPr lang="en-US" sz="1100" b="1" i="0" u="none" strike="noStrike" cap="none" spc="0">
+                        <a:solidFill>
+                          <a:schemeClr val="tx1"/>
+                        </a:solidFill>
+                        <a:effectLst/>
+                        <a:latin typeface="Calibri" panose="020F0502020204030204" pitchFamily="34" charset="0"/>
+                      </a:endParaRPr>
+                    </a:p>
+                  </a:txBody>
+                  <a:tcPr marL="58655" marR="7998" marT="16759" marB="125690" anchor="b">
+                    <a:lnL w="12700" cap="flat" cmpd="sng" algn="ctr">
+                      <a:solidFill>
+                        <a:schemeClr val="tx1"/>
+                      </a:solidFill>
+                      <a:prstDash val="solid"/>
+                    </a:lnL>
+                    <a:lnR w="12700" cmpd="sng">
+                      <a:noFill/>
+                      <a:prstDash val="solid"/>
+                    </a:lnR>
+                    <a:lnT w="12700" cmpd="sng">
+                      <a:noFill/>
+                      <a:prstDash val="solid"/>
+                    </a:lnT>
+                    <a:lnB w="12700" cmpd="sng">
+                      <a:noFill/>
+                      <a:prstDash val="solid"/>
+                    </a:lnB>
+                    <a:solidFill>
+                      <a:schemeClr val="bg1">
+                        <a:lumMod val="85000"/>
+                      </a:schemeClr>
+                    </a:solidFill>
+                  </a:tcPr>
+                </a:tc>
+                <a:tc>
+                  <a:txBody>
+                    <a:bodyPr/>
+                    <a:lstStyle/>
+                    <a:p>
+                      <a:pPr algn="r" fontAlgn="b"/>
+                      <a:r>
+                        <a:rPr lang="en-US" sz="1100" u="none" strike="noStrike" cap="none" spc="0">
+                          <a:solidFill>
+                            <a:schemeClr val="tx1"/>
+                          </a:solidFill>
+                          <a:effectLst/>
+                        </a:rPr>
+                        <a:t>93.88%</a:t>
+                      </a:r>
+                      <a:endParaRPr lang="en-US" sz="1100" b="0" i="0" u="none" strike="noStrike" cap="none" spc="0">
+                        <a:solidFill>
+                          <a:schemeClr val="tx1"/>
+                        </a:solidFill>
+                        <a:effectLst/>
+                        <a:latin typeface="Calibri" panose="020F0502020204030204" pitchFamily="34" charset="0"/>
+                      </a:endParaRPr>
+                    </a:p>
+                  </a:txBody>
+                  <a:tcPr marL="58655" marR="7998" marT="16759" marB="125690" anchor="b">
+                    <a:lnL w="12700" cmpd="sng">
+                      <a:noFill/>
+                      <a:prstDash val="solid"/>
+                    </a:lnL>
+                    <a:lnR w="12700" cmpd="sng">
+                      <a:noFill/>
+                      <a:prstDash val="solid"/>
+                    </a:lnR>
+                    <a:lnT w="12700" cmpd="sng">
+                      <a:noFill/>
+                      <a:prstDash val="solid"/>
+                    </a:lnT>
+                    <a:lnB w="12700" cmpd="sng">
+                      <a:noFill/>
+                      <a:prstDash val="solid"/>
+                    </a:lnB>
+                    <a:solidFill>
+                      <a:schemeClr val="bg1">
+                        <a:lumMod val="85000"/>
+                      </a:schemeClr>
+                    </a:solidFill>
+                  </a:tcPr>
+                </a:tc>
+                <a:tc>
+                  <a:txBody>
+                    <a:bodyPr/>
+                    <a:lstStyle/>
+                    <a:p>
+                      <a:pPr algn="r" fontAlgn="b"/>
+                      <a:r>
+                        <a:rPr lang="en-US" sz="1100" u="none" strike="noStrike" cap="none" spc="0">
+                          <a:solidFill>
+                            <a:schemeClr val="tx1"/>
+                          </a:solidFill>
+                          <a:effectLst/>
+                        </a:rPr>
+                        <a:t>88.75%</a:t>
+                      </a:r>
+                      <a:endParaRPr lang="en-US" sz="1100" b="0" i="0" u="none" strike="noStrike" cap="none" spc="0">
+                        <a:solidFill>
+                          <a:schemeClr val="tx1"/>
+                        </a:solidFill>
+                        <a:effectLst/>
+                        <a:latin typeface="Calibri" panose="020F0502020204030204" pitchFamily="34" charset="0"/>
+                      </a:endParaRPr>
+                    </a:p>
+                  </a:txBody>
+                  <a:tcPr marL="58655" marR="7998" marT="16759" marB="125690" anchor="b">
+                    <a:lnL w="12700" cmpd="sng">
+                      <a:noFill/>
+                      <a:prstDash val="solid"/>
+                    </a:lnL>
+                    <a:lnR w="12700" cmpd="sng">
+                      <a:noFill/>
+                      <a:prstDash val="solid"/>
+                    </a:lnR>
+                    <a:lnT w="12700" cmpd="sng">
+                      <a:noFill/>
+                      <a:prstDash val="solid"/>
+                    </a:lnT>
+                    <a:lnB w="12700" cmpd="sng">
+                      <a:noFill/>
+                      <a:prstDash val="solid"/>
+                    </a:lnB>
+                    <a:solidFill>
+                      <a:schemeClr val="bg1">
+                        <a:lumMod val="85000"/>
+                      </a:schemeClr>
+                    </a:solidFill>
+                  </a:tcPr>
+                </a:tc>
+                <a:tc>
+                  <a:txBody>
+                    <a:bodyPr/>
+                    <a:lstStyle/>
+                    <a:p>
+                      <a:pPr algn="r" fontAlgn="b"/>
+                      <a:r>
+                        <a:rPr lang="en-US" sz="1100" u="none" strike="noStrike" cap="none" spc="0">
+                          <a:solidFill>
+                            <a:schemeClr val="tx1"/>
+                          </a:solidFill>
+                          <a:effectLst/>
+                        </a:rPr>
+                        <a:t>94.90%</a:t>
+                      </a:r>
+                      <a:endParaRPr lang="en-US" sz="1100" b="0" i="0" u="none" strike="noStrike" cap="none" spc="0">
+                        <a:solidFill>
+                          <a:schemeClr val="tx1"/>
+                        </a:solidFill>
+                        <a:effectLst/>
+                        <a:latin typeface="Calibri" panose="020F0502020204030204" pitchFamily="34" charset="0"/>
+                      </a:endParaRPr>
+                    </a:p>
+                  </a:txBody>
+                  <a:tcPr marL="58655" marR="7998" marT="16759" marB="125690" anchor="b">
+                    <a:lnL w="12700" cmpd="sng">
+                      <a:noFill/>
+                      <a:prstDash val="solid"/>
+                    </a:lnL>
+                    <a:lnR w="12700" cmpd="sng">
+                      <a:noFill/>
+                      <a:prstDash val="solid"/>
+                    </a:lnR>
+                    <a:lnT w="12700" cmpd="sng">
+                      <a:noFill/>
+                      <a:prstDash val="solid"/>
+                    </a:lnT>
+                    <a:lnB w="12700" cmpd="sng">
+                      <a:noFill/>
+                      <a:prstDash val="solid"/>
+                    </a:lnB>
+                    <a:solidFill>
+                      <a:schemeClr val="bg1">
+                        <a:lumMod val="85000"/>
+                      </a:schemeClr>
+                    </a:solidFill>
+                  </a:tcPr>
+                </a:tc>
+                <a:tc>
+                  <a:txBody>
+                    <a:bodyPr/>
+                    <a:lstStyle/>
+                    <a:p>
+                      <a:pPr algn="r" fontAlgn="b"/>
+                      <a:r>
+                        <a:rPr lang="en-US" sz="1100" u="none" strike="noStrike" cap="none" spc="0">
+                          <a:solidFill>
+                            <a:schemeClr val="tx1"/>
+                          </a:solidFill>
+                          <a:effectLst/>
+                        </a:rPr>
+                        <a:t>80.61%</a:t>
+                      </a:r>
+                      <a:endParaRPr lang="en-US" sz="1100" b="0" i="0" u="none" strike="noStrike" cap="none" spc="0">
+                        <a:solidFill>
+                          <a:schemeClr val="tx1"/>
+                        </a:solidFill>
+                        <a:effectLst/>
+                        <a:latin typeface="Calibri" panose="020F0502020204030204" pitchFamily="34" charset="0"/>
+                      </a:endParaRPr>
+                    </a:p>
+                  </a:txBody>
+                  <a:tcPr marL="58655" marR="7998" marT="16759" marB="125690" anchor="b">
+                    <a:lnL w="12700" cmpd="sng">
+                      <a:noFill/>
+                      <a:prstDash val="solid"/>
+                    </a:lnL>
+                    <a:lnR w="12700" cmpd="sng">
+                      <a:noFill/>
+                      <a:prstDash val="solid"/>
+                    </a:lnR>
+                    <a:lnT w="12700" cmpd="sng">
+                      <a:noFill/>
+                      <a:prstDash val="solid"/>
+                    </a:lnT>
+                    <a:lnB w="12700" cmpd="sng">
+                      <a:noFill/>
+                      <a:prstDash val="solid"/>
+                    </a:lnB>
+                    <a:solidFill>
+                      <a:schemeClr val="bg1">
+                        <a:lumMod val="85000"/>
+                      </a:schemeClr>
+                    </a:solidFill>
+                  </a:tcPr>
+                </a:tc>
+                <a:tc>
+                  <a:txBody>
+                    <a:bodyPr/>
+                    <a:lstStyle/>
+                    <a:p>
+                      <a:pPr algn="r" fontAlgn="b"/>
+                      <a:r>
+                        <a:rPr lang="en-US" sz="1100" u="none" strike="noStrike" cap="none" spc="0">
+                          <a:solidFill>
+                            <a:schemeClr val="tx1"/>
+                          </a:solidFill>
+                          <a:effectLst/>
+                        </a:rPr>
+                        <a:t>92.86%</a:t>
+                      </a:r>
+                      <a:endParaRPr lang="en-US" sz="1100" b="0" i="0" u="none" strike="noStrike" cap="none" spc="0">
+                        <a:solidFill>
+                          <a:schemeClr val="tx1"/>
+                        </a:solidFill>
+                        <a:effectLst/>
+                        <a:latin typeface="Calibri" panose="020F0502020204030204" pitchFamily="34" charset="0"/>
+                      </a:endParaRPr>
+                    </a:p>
+                  </a:txBody>
+                  <a:tcPr marL="58655" marR="7998" marT="16759" marB="125690" anchor="b">
+                    <a:lnL w="12700" cmpd="sng">
+                      <a:noFill/>
+                      <a:prstDash val="solid"/>
+                    </a:lnL>
+                    <a:lnR w="12700" cmpd="sng">
+                      <a:noFill/>
+                      <a:prstDash val="solid"/>
+                    </a:lnR>
+                    <a:lnT w="12700" cmpd="sng">
+                      <a:noFill/>
+                      <a:prstDash val="solid"/>
+                    </a:lnT>
+                    <a:lnB w="12700" cmpd="sng">
+                      <a:noFill/>
+                      <a:prstDash val="solid"/>
+                    </a:lnB>
+                    <a:solidFill>
+                      <a:schemeClr val="bg1">
+                        <a:lumMod val="85000"/>
+                      </a:schemeClr>
+                    </a:solidFill>
+                  </a:tcPr>
+                </a:tc>
+                <a:tc>
+                  <a:txBody>
+                    <a:bodyPr/>
+                    <a:lstStyle/>
+                    <a:p>
+                      <a:pPr algn="r" fontAlgn="b"/>
+                      <a:r>
+                        <a:rPr lang="en-US" sz="1100" u="none" strike="noStrike" cap="none" spc="0">
+                          <a:solidFill>
+                            <a:schemeClr val="tx1"/>
+                          </a:solidFill>
+                          <a:effectLst/>
+                        </a:rPr>
+                        <a:t>27.10%</a:t>
+                      </a:r>
+                      <a:endParaRPr lang="en-US" sz="1100" b="0" i="0" u="none" strike="noStrike" cap="none" spc="0">
+                        <a:solidFill>
+                          <a:schemeClr val="tx1"/>
+                        </a:solidFill>
+                        <a:effectLst/>
+                        <a:latin typeface="Calibri" panose="020F0502020204030204" pitchFamily="34" charset="0"/>
+                      </a:endParaRPr>
+                    </a:p>
+                  </a:txBody>
+                  <a:tcPr marL="58655" marR="7998" marT="16759" marB="125690" anchor="b">
+                    <a:lnL w="12700" cmpd="sng">
+                      <a:noFill/>
+                      <a:prstDash val="solid"/>
+                    </a:lnL>
+                    <a:lnR w="12700" cmpd="sng">
+                      <a:noFill/>
+                      <a:prstDash val="solid"/>
+                    </a:lnR>
+                    <a:lnT w="12700" cmpd="sng">
+                      <a:noFill/>
+                      <a:prstDash val="solid"/>
+                    </a:lnT>
+                    <a:lnB w="12700" cmpd="sng">
+                      <a:noFill/>
+                      <a:prstDash val="solid"/>
+                    </a:lnB>
+                    <a:solidFill>
+                      <a:schemeClr val="bg1">
+                        <a:lumMod val="85000"/>
+                      </a:schemeClr>
+                    </a:solidFill>
+                  </a:tcPr>
+                </a:tc>
+                <a:tc>
+                  <a:txBody>
+                    <a:bodyPr/>
+                    <a:lstStyle/>
+                    <a:p>
+                      <a:pPr algn="r" fontAlgn="b"/>
+                      <a:r>
+                        <a:rPr lang="en-US" sz="1100" u="none" strike="noStrike" cap="none" spc="0">
+                          <a:solidFill>
+                            <a:schemeClr val="tx1"/>
+                          </a:solidFill>
+                          <a:effectLst/>
+                        </a:rPr>
+                        <a:t>25.51%</a:t>
+                      </a:r>
+                      <a:endParaRPr lang="en-US" sz="1100" b="0" i="0" u="none" strike="noStrike" cap="none" spc="0">
+                        <a:solidFill>
+                          <a:schemeClr val="tx1"/>
+                        </a:solidFill>
+                        <a:effectLst/>
+                        <a:latin typeface="Calibri" panose="020F0502020204030204" pitchFamily="34" charset="0"/>
+                      </a:endParaRPr>
+                    </a:p>
+                  </a:txBody>
+                  <a:tcPr marL="58655" marR="7998" marT="16759" marB="125690" anchor="b">
+                    <a:lnL w="12700" cmpd="sng">
+                      <a:noFill/>
+                      <a:prstDash val="solid"/>
+                    </a:lnL>
+                    <a:lnR w="12700" cmpd="sng">
+                      <a:noFill/>
+                      <a:prstDash val="solid"/>
+                    </a:lnR>
+                    <a:lnT w="12700" cmpd="sng">
+                      <a:noFill/>
+                      <a:prstDash val="solid"/>
+                    </a:lnT>
+                    <a:lnB w="12700" cmpd="sng">
+                      <a:noFill/>
+                      <a:prstDash val="solid"/>
+                    </a:lnB>
+                    <a:solidFill>
+                      <a:schemeClr val="bg1">
+                        <a:lumMod val="85000"/>
+                      </a:schemeClr>
+                    </a:solidFill>
+                  </a:tcPr>
+                </a:tc>
+                <a:tc>
+                  <a:txBody>
+                    <a:bodyPr/>
+                    <a:lstStyle/>
+                    <a:p>
+                      <a:pPr algn="r" fontAlgn="b"/>
+                      <a:r>
+                        <a:rPr lang="en-US" sz="1100" u="none" strike="noStrike" cap="none" spc="0">
+                          <a:solidFill>
+                            <a:schemeClr val="tx1"/>
+                          </a:solidFill>
+                          <a:effectLst/>
+                        </a:rPr>
+                        <a:t>-6.7051e</a:t>
+                      </a:r>
+                      <a:endParaRPr lang="en-US" sz="1100" b="0" i="0" u="none" strike="noStrike" cap="none" spc="0">
+                        <a:solidFill>
+                          <a:schemeClr val="tx1"/>
+                        </a:solidFill>
+                        <a:effectLst/>
+                        <a:latin typeface="Calibri" panose="020F0502020204030204" pitchFamily="34" charset="0"/>
+                      </a:endParaRPr>
+                    </a:p>
+                  </a:txBody>
+                  <a:tcPr marL="58655" marR="7998" marT="16759" marB="125690" anchor="b">
+                    <a:lnL w="12700" cmpd="sng">
+                      <a:noFill/>
+                      <a:prstDash val="solid"/>
+                    </a:lnL>
+                    <a:lnR w="12700" cmpd="sng">
+                      <a:noFill/>
+                      <a:prstDash val="solid"/>
+                    </a:lnR>
+                    <a:lnT w="12700" cmpd="sng">
+                      <a:noFill/>
+                      <a:prstDash val="solid"/>
+                    </a:lnT>
+                    <a:lnB w="12700" cmpd="sng">
+                      <a:noFill/>
+                      <a:prstDash val="solid"/>
+                    </a:lnB>
+                    <a:solidFill>
+                      <a:schemeClr val="bg1">
+                        <a:lumMod val="85000"/>
+                      </a:schemeClr>
+                    </a:solidFill>
+                  </a:tcPr>
+                </a:tc>
+                <a:tc>
+                  <a:txBody>
+                    <a:bodyPr/>
+                    <a:lstStyle/>
+                    <a:p>
+                      <a:pPr algn="r" fontAlgn="b"/>
+                      <a:r>
+                        <a:rPr lang="en-US" sz="1100" u="none" strike="noStrike" cap="none" spc="0">
+                          <a:solidFill>
+                            <a:schemeClr val="tx1"/>
+                          </a:solidFill>
+                          <a:effectLst/>
+                        </a:rPr>
+                        <a:t>90.20%</a:t>
+                      </a:r>
+                      <a:endParaRPr lang="en-US" sz="1100" b="0" i="0" u="none" strike="noStrike" cap="none" spc="0">
+                        <a:solidFill>
+                          <a:schemeClr val="tx1"/>
+                        </a:solidFill>
+                        <a:effectLst/>
+                        <a:latin typeface="Calibri" panose="020F0502020204030204" pitchFamily="34" charset="0"/>
+                      </a:endParaRPr>
+                    </a:p>
+                  </a:txBody>
+                  <a:tcPr marL="58655" marR="7998" marT="16759" marB="125690" anchor="b">
+                    <a:lnL w="12700" cmpd="sng">
+                      <a:noFill/>
+                      <a:prstDash val="solid"/>
+                    </a:lnL>
+                    <a:lnR w="12700" cmpd="sng">
+                      <a:noFill/>
+                      <a:prstDash val="solid"/>
+                    </a:lnR>
+                    <a:lnT w="12700" cmpd="sng">
+                      <a:noFill/>
+                      <a:prstDash val="solid"/>
+                    </a:lnT>
+                    <a:lnB w="12700" cmpd="sng">
+                      <a:noFill/>
+                      <a:prstDash val="solid"/>
+                    </a:lnB>
+                    <a:solidFill>
+                      <a:schemeClr val="bg1">
+                        <a:lumMod val="85000"/>
+                      </a:schemeClr>
+                    </a:solidFill>
+                  </a:tcPr>
+                </a:tc>
+                <a:extLst>
+                  <a:ext uri="{0D108BD9-81ED-4DB2-BD59-A6C34878D82A}">
+                    <a16:rowId xmlns:a16="http://schemas.microsoft.com/office/drawing/2014/main" val="2886173228"/>
+                  </a:ext>
+                </a:extLst>
+              </a:tr>
+              <a:tr h="343553">
+                <a:tc>
+                  <a:txBody>
+                    <a:bodyPr/>
+                    <a:lstStyle/>
+                    <a:p>
+                      <a:pPr algn="l" fontAlgn="b"/>
+                      <a:r>
+                        <a:rPr lang="en-US" sz="1100" u="none" strike="noStrike" cap="none" spc="0">
+                          <a:solidFill>
+                            <a:schemeClr val="tx1"/>
+                          </a:solidFill>
+                          <a:effectLst/>
+                        </a:rPr>
+                        <a:t>Mortgage loans</a:t>
+                      </a:r>
+                      <a:endParaRPr lang="en-US" sz="1100" b="1" i="0" u="none" strike="noStrike" cap="none" spc="0">
+                        <a:solidFill>
+                          <a:schemeClr val="tx1"/>
+                        </a:solidFill>
+                        <a:effectLst/>
+                        <a:latin typeface="Calibri" panose="020F0502020204030204" pitchFamily="34" charset="0"/>
+                      </a:endParaRPr>
+                    </a:p>
+                  </a:txBody>
+                  <a:tcPr marL="58655" marR="7998" marT="16759" marB="125690" anchor="b">
+                    <a:lnL w="12700" cap="flat" cmpd="sng" algn="ctr">
+                      <a:solidFill>
+                        <a:schemeClr val="tx1"/>
+                      </a:solidFill>
+                      <a:prstDash val="solid"/>
+                    </a:lnL>
+                    <a:lnR w="12700" cmpd="sng">
+                      <a:noFill/>
+                      <a:prstDash val="solid"/>
+                    </a:lnR>
+                    <a:lnT w="12700" cmpd="sng">
+                      <a:noFill/>
+                      <a:prstDash val="solid"/>
+                    </a:lnT>
+                    <a:lnB w="12700" cmpd="sng">
+                      <a:noFill/>
+                      <a:prstDash val="solid"/>
+                    </a:lnB>
+                    <a:solidFill>
+                      <a:schemeClr val="bg1">
+                        <a:lumMod val="95000"/>
+                      </a:schemeClr>
+                    </a:solidFill>
+                  </a:tcPr>
+                </a:tc>
+                <a:tc>
+                  <a:txBody>
+                    <a:bodyPr/>
+                    <a:lstStyle/>
+                    <a:p>
+                      <a:pPr algn="r" fontAlgn="b"/>
+                      <a:r>
+                        <a:rPr lang="en-US" sz="1100" u="none" strike="noStrike" cap="none" spc="0">
+                          <a:solidFill>
+                            <a:schemeClr val="tx1"/>
+                          </a:solidFill>
+                          <a:effectLst/>
+                        </a:rPr>
+                        <a:t>91.84%</a:t>
+                      </a:r>
+                      <a:endParaRPr lang="en-US" sz="1100" b="0" i="0" u="none" strike="noStrike" cap="none" spc="0">
+                        <a:solidFill>
+                          <a:schemeClr val="tx1"/>
+                        </a:solidFill>
+                        <a:effectLst/>
+                        <a:latin typeface="Calibri" panose="020F0502020204030204" pitchFamily="34" charset="0"/>
+                      </a:endParaRPr>
+                    </a:p>
+                  </a:txBody>
+                  <a:tcPr marL="58655" marR="7998" marT="16759" marB="125690" anchor="b">
+                    <a:lnL w="12700" cmpd="sng">
+                      <a:noFill/>
+                      <a:prstDash val="solid"/>
+                    </a:lnL>
+                    <a:lnR w="12700" cmpd="sng">
+                      <a:noFill/>
+                      <a:prstDash val="solid"/>
+                    </a:lnR>
+                    <a:lnT w="12700" cmpd="sng">
+                      <a:noFill/>
+                      <a:prstDash val="solid"/>
+                    </a:lnT>
+                    <a:lnB w="12700" cmpd="sng">
+                      <a:noFill/>
+                      <a:prstDash val="solid"/>
+                    </a:lnB>
+                    <a:solidFill>
+                      <a:schemeClr val="bg1">
+                        <a:lumMod val="95000"/>
+                      </a:schemeClr>
+                    </a:solidFill>
+                  </a:tcPr>
+                </a:tc>
+                <a:tc>
+                  <a:txBody>
+                    <a:bodyPr/>
+                    <a:lstStyle/>
+                    <a:p>
+                      <a:pPr algn="r" fontAlgn="b"/>
+                      <a:r>
+                        <a:rPr lang="en-US" sz="1100" u="none" strike="noStrike" cap="none" spc="0">
+                          <a:solidFill>
+                            <a:schemeClr val="tx1"/>
+                          </a:solidFill>
+                          <a:effectLst/>
+                        </a:rPr>
+                        <a:t>94.90%</a:t>
+                      </a:r>
+                      <a:endParaRPr lang="en-US" sz="1100" b="0" i="0" u="none" strike="noStrike" cap="none" spc="0">
+                        <a:solidFill>
+                          <a:schemeClr val="tx1"/>
+                        </a:solidFill>
+                        <a:effectLst/>
+                        <a:latin typeface="Calibri" panose="020F0502020204030204" pitchFamily="34" charset="0"/>
+                      </a:endParaRPr>
+                    </a:p>
+                  </a:txBody>
+                  <a:tcPr marL="58655" marR="7998" marT="16759" marB="125690" anchor="b">
+                    <a:lnL w="12700" cmpd="sng">
+                      <a:noFill/>
+                      <a:prstDash val="solid"/>
+                    </a:lnL>
+                    <a:lnR w="12700" cmpd="sng">
+                      <a:noFill/>
+                      <a:prstDash val="solid"/>
+                    </a:lnR>
+                    <a:lnT w="12700" cmpd="sng">
+                      <a:noFill/>
+                      <a:prstDash val="solid"/>
+                    </a:lnT>
+                    <a:lnB w="12700" cmpd="sng">
+                      <a:noFill/>
+                      <a:prstDash val="solid"/>
+                    </a:lnB>
+                    <a:solidFill>
+                      <a:schemeClr val="bg1">
+                        <a:lumMod val="95000"/>
+                      </a:schemeClr>
+                    </a:solidFill>
+                  </a:tcPr>
+                </a:tc>
+                <a:tc>
+                  <a:txBody>
+                    <a:bodyPr/>
+                    <a:lstStyle/>
+                    <a:p>
+                      <a:pPr algn="r" fontAlgn="b"/>
+                      <a:r>
+                        <a:rPr lang="en-US" sz="1100" u="none" strike="noStrike" cap="none" spc="0">
+                          <a:solidFill>
+                            <a:schemeClr val="tx1"/>
+                          </a:solidFill>
+                          <a:effectLst/>
+                        </a:rPr>
+                        <a:t>93.88%</a:t>
+                      </a:r>
+                      <a:endParaRPr lang="en-US" sz="1100" b="0" i="0" u="none" strike="noStrike" cap="none" spc="0">
+                        <a:solidFill>
+                          <a:schemeClr val="tx1"/>
+                        </a:solidFill>
+                        <a:effectLst/>
+                        <a:latin typeface="Calibri" panose="020F0502020204030204" pitchFamily="34" charset="0"/>
+                      </a:endParaRPr>
+                    </a:p>
+                  </a:txBody>
+                  <a:tcPr marL="58655" marR="7998" marT="16759" marB="125690" anchor="b">
+                    <a:lnL w="12700" cmpd="sng">
+                      <a:noFill/>
+                      <a:prstDash val="solid"/>
+                    </a:lnL>
+                    <a:lnR w="12700" cmpd="sng">
+                      <a:noFill/>
+                      <a:prstDash val="solid"/>
+                    </a:lnR>
+                    <a:lnT w="12700" cmpd="sng">
+                      <a:noFill/>
+                      <a:prstDash val="solid"/>
+                    </a:lnT>
+                    <a:lnB w="12700" cmpd="sng">
+                      <a:noFill/>
+                      <a:prstDash val="solid"/>
+                    </a:lnB>
+                    <a:solidFill>
+                      <a:schemeClr val="bg1">
+                        <a:lumMod val="95000"/>
+                      </a:schemeClr>
+                    </a:solidFill>
+                  </a:tcPr>
+                </a:tc>
+                <a:tc>
+                  <a:txBody>
+                    <a:bodyPr/>
+                    <a:lstStyle/>
+                    <a:p>
+                      <a:pPr algn="r" fontAlgn="b"/>
+                      <a:r>
+                        <a:rPr lang="en-US" sz="1100" u="none" strike="noStrike" cap="none" spc="0">
+                          <a:solidFill>
+                            <a:schemeClr val="tx1"/>
+                          </a:solidFill>
+                          <a:effectLst/>
+                        </a:rPr>
+                        <a:t>86.73%</a:t>
+                      </a:r>
+                      <a:endParaRPr lang="en-US" sz="1100" b="0" i="0" u="none" strike="noStrike" cap="none" spc="0">
+                        <a:solidFill>
+                          <a:schemeClr val="tx1"/>
+                        </a:solidFill>
+                        <a:effectLst/>
+                        <a:latin typeface="Calibri" panose="020F0502020204030204" pitchFamily="34" charset="0"/>
+                      </a:endParaRPr>
+                    </a:p>
+                  </a:txBody>
+                  <a:tcPr marL="58655" marR="7998" marT="16759" marB="125690" anchor="b">
+                    <a:lnL w="12700" cmpd="sng">
+                      <a:noFill/>
+                      <a:prstDash val="solid"/>
+                    </a:lnL>
+                    <a:lnR w="12700" cmpd="sng">
+                      <a:noFill/>
+                      <a:prstDash val="solid"/>
+                    </a:lnR>
+                    <a:lnT w="12700" cmpd="sng">
+                      <a:noFill/>
+                      <a:prstDash val="solid"/>
+                    </a:lnT>
+                    <a:lnB w="12700" cmpd="sng">
+                      <a:noFill/>
+                      <a:prstDash val="solid"/>
+                    </a:lnB>
+                    <a:solidFill>
+                      <a:schemeClr val="bg1">
+                        <a:lumMod val="95000"/>
+                      </a:schemeClr>
+                    </a:solidFill>
+                  </a:tcPr>
+                </a:tc>
+                <a:tc>
+                  <a:txBody>
+                    <a:bodyPr/>
+                    <a:lstStyle/>
+                    <a:p>
+                      <a:pPr algn="r" fontAlgn="b"/>
+                      <a:r>
+                        <a:rPr lang="en-US" sz="1100" u="none" strike="noStrike" cap="none" spc="0">
+                          <a:solidFill>
+                            <a:schemeClr val="tx1"/>
+                          </a:solidFill>
+                          <a:effectLst/>
+                        </a:rPr>
+                        <a:t>90.82%</a:t>
+                      </a:r>
+                      <a:endParaRPr lang="en-US" sz="1100" b="0" i="0" u="none" strike="noStrike" cap="none" spc="0">
+                        <a:solidFill>
+                          <a:schemeClr val="tx1"/>
+                        </a:solidFill>
+                        <a:effectLst/>
+                        <a:latin typeface="Calibri" panose="020F0502020204030204" pitchFamily="34" charset="0"/>
+                      </a:endParaRPr>
+                    </a:p>
+                  </a:txBody>
+                  <a:tcPr marL="58655" marR="7998" marT="16759" marB="125690" anchor="b">
+                    <a:lnL w="12700" cmpd="sng">
+                      <a:noFill/>
+                      <a:prstDash val="solid"/>
+                    </a:lnL>
+                    <a:lnR w="12700" cmpd="sng">
+                      <a:noFill/>
+                      <a:prstDash val="solid"/>
+                    </a:lnR>
+                    <a:lnT w="12700" cmpd="sng">
+                      <a:noFill/>
+                      <a:prstDash val="solid"/>
+                    </a:lnT>
+                    <a:lnB w="12700" cmpd="sng">
+                      <a:noFill/>
+                      <a:prstDash val="solid"/>
+                    </a:lnB>
+                    <a:solidFill>
+                      <a:schemeClr val="bg1">
+                        <a:lumMod val="95000"/>
+                      </a:schemeClr>
+                    </a:solidFill>
+                  </a:tcPr>
+                </a:tc>
+                <a:tc>
+                  <a:txBody>
+                    <a:bodyPr/>
+                    <a:lstStyle/>
+                    <a:p>
+                      <a:pPr algn="r" fontAlgn="b"/>
+                      <a:r>
+                        <a:rPr lang="en-US" sz="1100" u="none" strike="noStrike" cap="none" spc="0">
+                          <a:solidFill>
+                            <a:schemeClr val="tx1"/>
+                          </a:solidFill>
+                          <a:effectLst/>
+                        </a:rPr>
+                        <a:t>30.65%</a:t>
+                      </a:r>
+                      <a:endParaRPr lang="en-US" sz="1100" b="0" i="0" u="none" strike="noStrike" cap="none" spc="0">
+                        <a:solidFill>
+                          <a:schemeClr val="tx1"/>
+                        </a:solidFill>
+                        <a:effectLst/>
+                        <a:latin typeface="Calibri" panose="020F0502020204030204" pitchFamily="34" charset="0"/>
+                      </a:endParaRPr>
+                    </a:p>
+                  </a:txBody>
+                  <a:tcPr marL="58655" marR="7998" marT="16759" marB="125690" anchor="b">
+                    <a:lnL w="12700" cmpd="sng">
+                      <a:noFill/>
+                      <a:prstDash val="solid"/>
+                    </a:lnL>
+                    <a:lnR w="12700" cmpd="sng">
+                      <a:noFill/>
+                      <a:prstDash val="solid"/>
+                    </a:lnR>
+                    <a:lnT w="12700" cmpd="sng">
+                      <a:noFill/>
+                      <a:prstDash val="solid"/>
+                    </a:lnT>
+                    <a:lnB w="12700" cmpd="sng">
+                      <a:noFill/>
+                      <a:prstDash val="solid"/>
+                    </a:lnB>
+                    <a:solidFill>
+                      <a:schemeClr val="bg1">
+                        <a:lumMod val="95000"/>
+                      </a:schemeClr>
+                    </a:solidFill>
+                  </a:tcPr>
+                </a:tc>
+                <a:tc>
+                  <a:txBody>
+                    <a:bodyPr/>
+                    <a:lstStyle/>
+                    <a:p>
+                      <a:pPr algn="r" fontAlgn="b"/>
+                      <a:r>
+                        <a:rPr lang="en-US" sz="1100" u="none" strike="noStrike" cap="none" spc="0">
+                          <a:solidFill>
+                            <a:schemeClr val="tx1"/>
+                          </a:solidFill>
+                          <a:effectLst/>
+                        </a:rPr>
+                        <a:t>32.65%</a:t>
+                      </a:r>
+                      <a:endParaRPr lang="en-US" sz="1100" b="0" i="0" u="none" strike="noStrike" cap="none" spc="0">
+                        <a:solidFill>
+                          <a:schemeClr val="tx1"/>
+                        </a:solidFill>
+                        <a:effectLst/>
+                        <a:latin typeface="Calibri" panose="020F0502020204030204" pitchFamily="34" charset="0"/>
+                      </a:endParaRPr>
+                    </a:p>
+                  </a:txBody>
+                  <a:tcPr marL="58655" marR="7998" marT="16759" marB="125690" anchor="b">
+                    <a:lnL w="12700" cmpd="sng">
+                      <a:noFill/>
+                      <a:prstDash val="solid"/>
+                    </a:lnL>
+                    <a:lnR w="12700" cmpd="sng">
+                      <a:noFill/>
+                      <a:prstDash val="solid"/>
+                    </a:lnR>
+                    <a:lnT w="12700" cmpd="sng">
+                      <a:noFill/>
+                      <a:prstDash val="solid"/>
+                    </a:lnT>
+                    <a:lnB w="12700" cmpd="sng">
+                      <a:noFill/>
+                      <a:prstDash val="solid"/>
+                    </a:lnB>
+                    <a:solidFill>
+                      <a:schemeClr val="bg1">
+                        <a:lumMod val="95000"/>
+                      </a:schemeClr>
+                    </a:solidFill>
+                  </a:tcPr>
+                </a:tc>
+                <a:tc>
+                  <a:txBody>
+                    <a:bodyPr/>
+                    <a:lstStyle/>
+                    <a:p>
+                      <a:pPr algn="r" fontAlgn="b"/>
+                      <a:r>
+                        <a:rPr lang="en-US" sz="1100" u="none" strike="noStrike" cap="none" spc="0">
+                          <a:solidFill>
+                            <a:schemeClr val="tx1"/>
+                          </a:solidFill>
+                          <a:effectLst/>
+                        </a:rPr>
+                        <a:t>-8.9701e</a:t>
+                      </a:r>
+                      <a:endParaRPr lang="en-US" sz="1100" b="0" i="0" u="none" strike="noStrike" cap="none" spc="0">
+                        <a:solidFill>
+                          <a:schemeClr val="tx1"/>
+                        </a:solidFill>
+                        <a:effectLst/>
+                        <a:latin typeface="Calibri" panose="020F0502020204030204" pitchFamily="34" charset="0"/>
+                      </a:endParaRPr>
+                    </a:p>
+                  </a:txBody>
+                  <a:tcPr marL="58655" marR="7998" marT="16759" marB="125690" anchor="b">
+                    <a:lnL w="12700" cmpd="sng">
+                      <a:noFill/>
+                      <a:prstDash val="solid"/>
+                    </a:lnL>
+                    <a:lnR w="12700" cmpd="sng">
+                      <a:noFill/>
+                      <a:prstDash val="solid"/>
+                    </a:lnR>
+                    <a:lnT w="12700" cmpd="sng">
+                      <a:noFill/>
+                      <a:prstDash val="solid"/>
+                    </a:lnT>
+                    <a:lnB w="12700" cmpd="sng">
+                      <a:noFill/>
+                      <a:prstDash val="solid"/>
+                    </a:lnB>
+                    <a:solidFill>
+                      <a:schemeClr val="bg1">
+                        <a:lumMod val="95000"/>
+                      </a:schemeClr>
+                    </a:solidFill>
+                  </a:tcPr>
+                </a:tc>
+                <a:tc>
+                  <a:txBody>
+                    <a:bodyPr/>
+                    <a:lstStyle/>
+                    <a:p>
+                      <a:pPr algn="r" fontAlgn="b"/>
+                      <a:r>
+                        <a:rPr lang="en-US" sz="1100" u="none" strike="noStrike" cap="none" spc="0">
+                          <a:solidFill>
+                            <a:schemeClr val="tx1"/>
+                          </a:solidFill>
+                          <a:effectLst/>
+                        </a:rPr>
+                        <a:t>91.63%</a:t>
+                      </a:r>
+                      <a:endParaRPr lang="en-US" sz="1100" b="0" i="0" u="none" strike="noStrike" cap="none" spc="0">
+                        <a:solidFill>
+                          <a:schemeClr val="tx1"/>
+                        </a:solidFill>
+                        <a:effectLst/>
+                        <a:latin typeface="Calibri" panose="020F0502020204030204" pitchFamily="34" charset="0"/>
+                      </a:endParaRPr>
+                    </a:p>
+                  </a:txBody>
+                  <a:tcPr marL="58655" marR="7998" marT="16759" marB="125690" anchor="b">
+                    <a:lnL w="12700" cmpd="sng">
+                      <a:noFill/>
+                      <a:prstDash val="solid"/>
+                    </a:lnL>
+                    <a:lnR w="12700" cmpd="sng">
+                      <a:noFill/>
+                      <a:prstDash val="solid"/>
+                    </a:lnR>
+                    <a:lnT w="12700" cmpd="sng">
+                      <a:noFill/>
+                      <a:prstDash val="solid"/>
+                    </a:lnT>
+                    <a:lnB w="12700" cmpd="sng">
+                      <a:noFill/>
+                      <a:prstDash val="solid"/>
+                    </a:lnB>
+                    <a:solidFill>
+                      <a:schemeClr val="bg1">
+                        <a:lumMod val="95000"/>
+                      </a:schemeClr>
+                    </a:solidFill>
+                  </a:tcPr>
+                </a:tc>
+                <a:extLst>
+                  <a:ext uri="{0D108BD9-81ED-4DB2-BD59-A6C34878D82A}">
+                    <a16:rowId xmlns:a16="http://schemas.microsoft.com/office/drawing/2014/main" val="2205640763"/>
+                  </a:ext>
+                </a:extLst>
+              </a:tr>
+              <a:tr h="343553">
+                <a:tc>
+                  <a:txBody>
+                    <a:bodyPr/>
+                    <a:lstStyle/>
+                    <a:p>
+                      <a:pPr algn="l" fontAlgn="b"/>
+                      <a:r>
+                        <a:rPr lang="en-US" sz="1100" u="none" strike="noStrike" cap="none" spc="0">
+                          <a:solidFill>
+                            <a:schemeClr val="tx1"/>
+                          </a:solidFill>
+                          <a:effectLst/>
+                        </a:rPr>
+                        <a:t>C&amp;I loans</a:t>
+                      </a:r>
+                      <a:endParaRPr lang="en-US" sz="1100" b="1" i="0" u="none" strike="noStrike" cap="none" spc="0">
+                        <a:solidFill>
+                          <a:schemeClr val="tx1"/>
+                        </a:solidFill>
+                        <a:effectLst/>
+                        <a:latin typeface="Calibri" panose="020F0502020204030204" pitchFamily="34" charset="0"/>
+                      </a:endParaRPr>
+                    </a:p>
+                  </a:txBody>
+                  <a:tcPr marL="58655" marR="7998" marT="16759" marB="125690" anchor="b">
+                    <a:lnL w="12700" cap="flat" cmpd="sng" algn="ctr">
+                      <a:solidFill>
+                        <a:schemeClr val="tx1"/>
+                      </a:solidFill>
+                      <a:prstDash val="solid"/>
+                    </a:lnL>
+                    <a:lnR w="12700" cmpd="sng">
+                      <a:noFill/>
+                      <a:prstDash val="solid"/>
+                    </a:lnR>
+                    <a:lnT w="12700" cmpd="sng">
+                      <a:noFill/>
+                      <a:prstDash val="solid"/>
+                    </a:lnT>
+                    <a:lnB w="12700" cmpd="sng">
+                      <a:noFill/>
+                      <a:prstDash val="solid"/>
+                    </a:lnB>
+                    <a:solidFill>
+                      <a:schemeClr val="bg1">
+                        <a:lumMod val="85000"/>
+                      </a:schemeClr>
+                    </a:solidFill>
+                  </a:tcPr>
+                </a:tc>
+                <a:tc>
+                  <a:txBody>
+                    <a:bodyPr/>
+                    <a:lstStyle/>
+                    <a:p>
+                      <a:pPr algn="r" fontAlgn="b"/>
+                      <a:r>
+                        <a:rPr lang="en-US" sz="1100" u="none" strike="noStrike" cap="none" spc="0">
+                          <a:solidFill>
+                            <a:schemeClr val="tx1"/>
+                          </a:solidFill>
+                          <a:effectLst/>
+                        </a:rPr>
+                        <a:t>83.67%</a:t>
+                      </a:r>
+                      <a:endParaRPr lang="en-US" sz="1100" b="0" i="0" u="none" strike="noStrike" cap="none" spc="0">
+                        <a:solidFill>
+                          <a:schemeClr val="tx1"/>
+                        </a:solidFill>
+                        <a:effectLst/>
+                        <a:latin typeface="Calibri" panose="020F0502020204030204" pitchFamily="34" charset="0"/>
+                      </a:endParaRPr>
+                    </a:p>
+                  </a:txBody>
+                  <a:tcPr marL="58655" marR="7998" marT="16759" marB="125690" anchor="b">
+                    <a:lnL w="12700" cmpd="sng">
+                      <a:noFill/>
+                      <a:prstDash val="solid"/>
+                    </a:lnL>
+                    <a:lnR w="12700" cmpd="sng">
+                      <a:noFill/>
+                      <a:prstDash val="solid"/>
+                    </a:lnR>
+                    <a:lnT w="12700" cmpd="sng">
+                      <a:noFill/>
+                      <a:prstDash val="solid"/>
+                    </a:lnT>
+                    <a:lnB w="12700" cmpd="sng">
+                      <a:noFill/>
+                      <a:prstDash val="solid"/>
+                    </a:lnB>
+                    <a:solidFill>
+                      <a:schemeClr val="bg1">
+                        <a:lumMod val="85000"/>
+                      </a:schemeClr>
+                    </a:solidFill>
+                  </a:tcPr>
+                </a:tc>
+                <a:tc>
+                  <a:txBody>
+                    <a:bodyPr/>
+                    <a:lstStyle/>
+                    <a:p>
+                      <a:pPr algn="r" fontAlgn="b"/>
+                      <a:r>
+                        <a:rPr lang="en-US" sz="1100" u="none" strike="noStrike" cap="none" spc="0">
+                          <a:solidFill>
+                            <a:schemeClr val="tx1"/>
+                          </a:solidFill>
+                          <a:effectLst/>
+                        </a:rPr>
+                        <a:t>90.82%</a:t>
+                      </a:r>
+                      <a:endParaRPr lang="en-US" sz="1100" b="0" i="0" u="none" strike="noStrike" cap="none" spc="0">
+                        <a:solidFill>
+                          <a:schemeClr val="tx1"/>
+                        </a:solidFill>
+                        <a:effectLst/>
+                        <a:latin typeface="Calibri" panose="020F0502020204030204" pitchFamily="34" charset="0"/>
+                      </a:endParaRPr>
+                    </a:p>
+                  </a:txBody>
+                  <a:tcPr marL="58655" marR="7998" marT="16759" marB="125690" anchor="b">
+                    <a:lnL w="12700" cmpd="sng">
+                      <a:noFill/>
+                      <a:prstDash val="solid"/>
+                    </a:lnL>
+                    <a:lnR w="12700" cmpd="sng">
+                      <a:noFill/>
+                      <a:prstDash val="solid"/>
+                    </a:lnR>
+                    <a:lnT w="12700" cmpd="sng">
+                      <a:noFill/>
+                      <a:prstDash val="solid"/>
+                    </a:lnT>
+                    <a:lnB w="12700" cmpd="sng">
+                      <a:noFill/>
+                      <a:prstDash val="solid"/>
+                    </a:lnB>
+                    <a:solidFill>
+                      <a:schemeClr val="bg1">
+                        <a:lumMod val="85000"/>
+                      </a:schemeClr>
+                    </a:solidFill>
+                  </a:tcPr>
+                </a:tc>
+                <a:tc>
+                  <a:txBody>
+                    <a:bodyPr/>
+                    <a:lstStyle/>
+                    <a:p>
+                      <a:pPr algn="r" fontAlgn="b"/>
+                      <a:r>
+                        <a:rPr lang="en-US" sz="1100" u="none" strike="noStrike" cap="none" spc="0">
+                          <a:solidFill>
+                            <a:schemeClr val="tx1"/>
+                          </a:solidFill>
+                          <a:effectLst/>
+                        </a:rPr>
+                        <a:t>92.86%</a:t>
+                      </a:r>
+                      <a:endParaRPr lang="en-US" sz="1100" b="0" i="0" u="none" strike="noStrike" cap="none" spc="0">
+                        <a:solidFill>
+                          <a:schemeClr val="tx1"/>
+                        </a:solidFill>
+                        <a:effectLst/>
+                        <a:latin typeface="Calibri" panose="020F0502020204030204" pitchFamily="34" charset="0"/>
+                      </a:endParaRPr>
+                    </a:p>
+                  </a:txBody>
+                  <a:tcPr marL="58655" marR="7998" marT="16759" marB="125690" anchor="b">
+                    <a:lnL w="12700" cmpd="sng">
+                      <a:noFill/>
+                      <a:prstDash val="solid"/>
+                    </a:lnL>
+                    <a:lnR w="12700" cmpd="sng">
+                      <a:noFill/>
+                      <a:prstDash val="solid"/>
+                    </a:lnR>
+                    <a:lnT w="12700" cmpd="sng">
+                      <a:noFill/>
+                      <a:prstDash val="solid"/>
+                    </a:lnT>
+                    <a:lnB w="12700" cmpd="sng">
+                      <a:noFill/>
+                      <a:prstDash val="solid"/>
+                    </a:lnB>
+                    <a:solidFill>
+                      <a:schemeClr val="bg1">
+                        <a:lumMod val="85000"/>
+                      </a:schemeClr>
+                    </a:solidFill>
+                  </a:tcPr>
+                </a:tc>
+                <a:tc>
+                  <a:txBody>
+                    <a:bodyPr/>
+                    <a:lstStyle/>
+                    <a:p>
+                      <a:pPr algn="r" fontAlgn="b"/>
+                      <a:r>
+                        <a:rPr lang="en-US" sz="1100" u="none" strike="noStrike" cap="none" spc="0">
+                          <a:solidFill>
+                            <a:schemeClr val="tx1"/>
+                          </a:solidFill>
+                          <a:effectLst/>
+                        </a:rPr>
+                        <a:t>74.48%</a:t>
+                      </a:r>
+                      <a:endParaRPr lang="en-US" sz="1100" b="0" i="0" u="none" strike="noStrike" cap="none" spc="0">
+                        <a:solidFill>
+                          <a:schemeClr val="tx1"/>
+                        </a:solidFill>
+                        <a:effectLst/>
+                        <a:latin typeface="Calibri" panose="020F0502020204030204" pitchFamily="34" charset="0"/>
+                      </a:endParaRPr>
+                    </a:p>
+                  </a:txBody>
+                  <a:tcPr marL="58655" marR="7998" marT="16759" marB="125690" anchor="b">
+                    <a:lnL w="12700" cmpd="sng">
+                      <a:noFill/>
+                      <a:prstDash val="solid"/>
+                    </a:lnL>
+                    <a:lnR w="12700" cmpd="sng">
+                      <a:noFill/>
+                      <a:prstDash val="solid"/>
+                    </a:lnR>
+                    <a:lnT w="12700" cmpd="sng">
+                      <a:noFill/>
+                      <a:prstDash val="solid"/>
+                    </a:lnT>
+                    <a:lnB w="12700" cmpd="sng">
+                      <a:noFill/>
+                      <a:prstDash val="solid"/>
+                    </a:lnB>
+                    <a:solidFill>
+                      <a:schemeClr val="bg1">
+                        <a:lumMod val="85000"/>
+                      </a:schemeClr>
+                    </a:solidFill>
+                  </a:tcPr>
+                </a:tc>
+                <a:tc>
+                  <a:txBody>
+                    <a:bodyPr/>
+                    <a:lstStyle/>
+                    <a:p>
+                      <a:pPr algn="r" fontAlgn="b"/>
+                      <a:r>
+                        <a:rPr lang="en-US" sz="1100" u="none" strike="noStrike" cap="none" spc="0">
+                          <a:solidFill>
+                            <a:schemeClr val="tx1"/>
+                          </a:solidFill>
+                          <a:effectLst/>
+                        </a:rPr>
+                        <a:t>74.49%</a:t>
+                      </a:r>
+                      <a:endParaRPr lang="en-US" sz="1100" b="0" i="0" u="none" strike="noStrike" cap="none" spc="0">
+                        <a:solidFill>
+                          <a:schemeClr val="tx1"/>
+                        </a:solidFill>
+                        <a:effectLst/>
+                        <a:latin typeface="Calibri" panose="020F0502020204030204" pitchFamily="34" charset="0"/>
+                      </a:endParaRPr>
+                    </a:p>
+                  </a:txBody>
+                  <a:tcPr marL="58655" marR="7998" marT="16759" marB="125690" anchor="b">
+                    <a:lnL w="12700" cmpd="sng">
+                      <a:noFill/>
+                      <a:prstDash val="solid"/>
+                    </a:lnL>
+                    <a:lnR w="12700" cmpd="sng">
+                      <a:noFill/>
+                      <a:prstDash val="solid"/>
+                    </a:lnR>
+                    <a:lnT w="12700" cmpd="sng">
+                      <a:noFill/>
+                      <a:prstDash val="solid"/>
+                    </a:lnT>
+                    <a:lnB w="12700" cmpd="sng">
+                      <a:noFill/>
+                      <a:prstDash val="solid"/>
+                    </a:lnB>
+                    <a:solidFill>
+                      <a:schemeClr val="bg1">
+                        <a:lumMod val="85000"/>
+                      </a:schemeClr>
+                    </a:solidFill>
+                  </a:tcPr>
+                </a:tc>
+                <a:tc>
+                  <a:txBody>
+                    <a:bodyPr/>
+                    <a:lstStyle/>
+                    <a:p>
+                      <a:pPr algn="r" fontAlgn="b"/>
+                      <a:r>
+                        <a:rPr lang="en-US" sz="1100" u="none" strike="noStrike" cap="none" spc="0">
+                          <a:solidFill>
+                            <a:schemeClr val="tx1"/>
+                          </a:solidFill>
+                          <a:effectLst/>
+                        </a:rPr>
+                        <a:t>64.97%</a:t>
+                      </a:r>
+                      <a:endParaRPr lang="en-US" sz="1100" b="0" i="0" u="none" strike="noStrike" cap="none" spc="0">
+                        <a:solidFill>
+                          <a:schemeClr val="tx1"/>
+                        </a:solidFill>
+                        <a:effectLst/>
+                        <a:latin typeface="Calibri" panose="020F0502020204030204" pitchFamily="34" charset="0"/>
+                      </a:endParaRPr>
+                    </a:p>
+                  </a:txBody>
+                  <a:tcPr marL="58655" marR="7998" marT="16759" marB="125690" anchor="b">
+                    <a:lnL w="12700" cmpd="sng">
+                      <a:noFill/>
+                      <a:prstDash val="solid"/>
+                    </a:lnL>
+                    <a:lnR w="12700" cmpd="sng">
+                      <a:noFill/>
+                      <a:prstDash val="solid"/>
+                    </a:lnR>
+                    <a:lnT w="12700" cmpd="sng">
+                      <a:noFill/>
+                      <a:prstDash val="solid"/>
+                    </a:lnT>
+                    <a:lnB w="12700" cmpd="sng">
+                      <a:noFill/>
+                      <a:prstDash val="solid"/>
+                    </a:lnB>
+                    <a:solidFill>
+                      <a:schemeClr val="bg1">
+                        <a:lumMod val="85000"/>
+                      </a:schemeClr>
+                    </a:solidFill>
+                  </a:tcPr>
+                </a:tc>
+                <a:tc>
+                  <a:txBody>
+                    <a:bodyPr/>
+                    <a:lstStyle/>
+                    <a:p>
+                      <a:pPr algn="r" fontAlgn="b"/>
+                      <a:r>
+                        <a:rPr lang="en-US" sz="1100" u="none" strike="noStrike" cap="none" spc="0" dirty="0">
+                          <a:solidFill>
+                            <a:schemeClr val="tx1"/>
+                          </a:solidFill>
+                          <a:effectLst/>
+                        </a:rPr>
+                        <a:t>25.51%</a:t>
+                      </a:r>
+                      <a:endParaRPr lang="en-US" sz="1100" b="0" i="0" u="none" strike="noStrike" cap="none" spc="0" dirty="0">
+                        <a:solidFill>
+                          <a:schemeClr val="tx1"/>
+                        </a:solidFill>
+                        <a:effectLst/>
+                        <a:latin typeface="Calibri" panose="020F0502020204030204" pitchFamily="34" charset="0"/>
+                      </a:endParaRPr>
+                    </a:p>
+                  </a:txBody>
+                  <a:tcPr marL="58655" marR="7998" marT="16759" marB="125690" anchor="b">
+                    <a:lnL w="12700" cmpd="sng">
+                      <a:noFill/>
+                      <a:prstDash val="solid"/>
+                    </a:lnL>
+                    <a:lnR w="12700" cmpd="sng">
+                      <a:noFill/>
+                      <a:prstDash val="solid"/>
+                    </a:lnR>
+                    <a:lnT w="12700" cmpd="sng">
+                      <a:noFill/>
+                      <a:prstDash val="solid"/>
+                    </a:lnT>
+                    <a:lnB w="12700" cmpd="sng">
+                      <a:noFill/>
+                      <a:prstDash val="solid"/>
+                    </a:lnB>
+                    <a:solidFill>
+                      <a:schemeClr val="bg1">
+                        <a:lumMod val="85000"/>
+                      </a:schemeClr>
+                    </a:solidFill>
+                  </a:tcPr>
+                </a:tc>
+                <a:tc>
+                  <a:txBody>
+                    <a:bodyPr/>
+                    <a:lstStyle/>
+                    <a:p>
+                      <a:pPr algn="r" fontAlgn="b"/>
+                      <a:r>
+                        <a:rPr lang="en-US" sz="1100" u="none" strike="noStrike" cap="none" spc="0">
+                          <a:solidFill>
+                            <a:schemeClr val="tx1"/>
+                          </a:solidFill>
+                          <a:effectLst/>
+                        </a:rPr>
+                        <a:t>-5.8487e</a:t>
+                      </a:r>
+                      <a:endParaRPr lang="en-US" sz="1100" b="0" i="0" u="none" strike="noStrike" cap="none" spc="0">
+                        <a:solidFill>
+                          <a:schemeClr val="tx1"/>
+                        </a:solidFill>
+                        <a:effectLst/>
+                        <a:latin typeface="Calibri" panose="020F0502020204030204" pitchFamily="34" charset="0"/>
+                      </a:endParaRPr>
+                    </a:p>
+                  </a:txBody>
+                  <a:tcPr marL="58655" marR="7998" marT="16759" marB="125690" anchor="b">
+                    <a:lnL w="12700" cmpd="sng">
+                      <a:noFill/>
+                      <a:prstDash val="solid"/>
+                    </a:lnL>
+                    <a:lnR w="12700" cmpd="sng">
+                      <a:noFill/>
+                      <a:prstDash val="solid"/>
+                    </a:lnR>
+                    <a:lnT w="12700" cmpd="sng">
+                      <a:noFill/>
+                      <a:prstDash val="solid"/>
+                    </a:lnT>
+                    <a:lnB w="12700" cmpd="sng">
+                      <a:noFill/>
+                      <a:prstDash val="solid"/>
+                    </a:lnB>
+                    <a:solidFill>
+                      <a:schemeClr val="bg1">
+                        <a:lumMod val="85000"/>
+                      </a:schemeClr>
+                    </a:solidFill>
+                  </a:tcPr>
+                </a:tc>
+                <a:tc>
+                  <a:txBody>
+                    <a:bodyPr/>
+                    <a:lstStyle/>
+                    <a:p>
+                      <a:pPr algn="r" fontAlgn="b"/>
+                      <a:r>
+                        <a:rPr lang="en-US" sz="1100" u="none" strike="noStrike" cap="none" spc="0">
+                          <a:solidFill>
+                            <a:schemeClr val="tx1"/>
+                          </a:solidFill>
+                          <a:effectLst/>
+                        </a:rPr>
+                        <a:t>83.26%</a:t>
+                      </a:r>
+                      <a:endParaRPr lang="en-US" sz="1100" b="0" i="0" u="none" strike="noStrike" cap="none" spc="0">
+                        <a:solidFill>
+                          <a:schemeClr val="tx1"/>
+                        </a:solidFill>
+                        <a:effectLst/>
+                        <a:latin typeface="Calibri" panose="020F0502020204030204" pitchFamily="34" charset="0"/>
+                      </a:endParaRPr>
+                    </a:p>
+                  </a:txBody>
+                  <a:tcPr marL="58655" marR="7998" marT="16759" marB="125690" anchor="b">
+                    <a:lnL w="12700" cmpd="sng">
+                      <a:noFill/>
+                      <a:prstDash val="solid"/>
+                    </a:lnL>
+                    <a:lnR w="12700" cmpd="sng">
+                      <a:noFill/>
+                      <a:prstDash val="solid"/>
+                    </a:lnR>
+                    <a:lnT w="12700" cmpd="sng">
+                      <a:noFill/>
+                      <a:prstDash val="solid"/>
+                    </a:lnT>
+                    <a:lnB w="12700" cmpd="sng">
+                      <a:noFill/>
+                      <a:prstDash val="solid"/>
+                    </a:lnB>
+                    <a:solidFill>
+                      <a:schemeClr val="bg1">
+                        <a:lumMod val="85000"/>
+                      </a:schemeClr>
+                    </a:solidFill>
+                  </a:tcPr>
+                </a:tc>
+                <a:extLst>
+                  <a:ext uri="{0D108BD9-81ED-4DB2-BD59-A6C34878D82A}">
+                    <a16:rowId xmlns:a16="http://schemas.microsoft.com/office/drawing/2014/main" val="4090497832"/>
+                  </a:ext>
+                </a:extLst>
+              </a:tr>
+              <a:tr h="343553">
+                <a:tc>
+                  <a:txBody>
+                    <a:bodyPr/>
+                    <a:lstStyle/>
+                    <a:p>
+                      <a:pPr algn="l" fontAlgn="b"/>
+                      <a:r>
+                        <a:rPr lang="en-US" sz="1100" u="none" strike="noStrike" cap="none" spc="0">
+                          <a:solidFill>
+                            <a:schemeClr val="tx1"/>
+                          </a:solidFill>
+                          <a:effectLst/>
+                        </a:rPr>
+                        <a:t>CRE loans</a:t>
+                      </a:r>
+                      <a:endParaRPr lang="en-US" sz="1100" b="1" i="0" u="none" strike="noStrike" cap="none" spc="0">
+                        <a:solidFill>
+                          <a:schemeClr val="tx1"/>
+                        </a:solidFill>
+                        <a:effectLst/>
+                        <a:latin typeface="Calibri" panose="020F0502020204030204" pitchFamily="34" charset="0"/>
+                      </a:endParaRPr>
+                    </a:p>
+                  </a:txBody>
+                  <a:tcPr marL="58655" marR="7998" marT="16759" marB="125690" anchor="b">
+                    <a:lnL w="12700" cap="flat" cmpd="sng" algn="ctr">
+                      <a:solidFill>
+                        <a:schemeClr val="tx1"/>
+                      </a:solidFill>
+                      <a:prstDash val="solid"/>
+                    </a:lnL>
+                    <a:lnR w="12700" cmpd="sng">
+                      <a:noFill/>
+                      <a:prstDash val="solid"/>
+                    </a:lnR>
+                    <a:lnT w="12700" cmpd="sng">
+                      <a:noFill/>
+                      <a:prstDash val="solid"/>
+                    </a:lnT>
+                    <a:lnB w="12700" cmpd="sng">
+                      <a:noFill/>
+                      <a:prstDash val="solid"/>
+                    </a:lnB>
+                    <a:solidFill>
+                      <a:schemeClr val="bg1">
+                        <a:lumMod val="95000"/>
+                      </a:schemeClr>
+                    </a:solidFill>
+                  </a:tcPr>
+                </a:tc>
+                <a:tc>
+                  <a:txBody>
+                    <a:bodyPr/>
+                    <a:lstStyle/>
+                    <a:p>
+                      <a:pPr algn="r" fontAlgn="b"/>
+                      <a:r>
+                        <a:rPr lang="en-US" sz="1100" u="none" strike="noStrike" cap="none" spc="0">
+                          <a:solidFill>
+                            <a:schemeClr val="tx1"/>
+                          </a:solidFill>
+                          <a:effectLst/>
+                        </a:rPr>
+                        <a:t>88.88%</a:t>
+                      </a:r>
+                      <a:endParaRPr lang="en-US" sz="1100" b="0" i="0" u="none" strike="noStrike" cap="none" spc="0">
+                        <a:solidFill>
+                          <a:schemeClr val="tx1"/>
+                        </a:solidFill>
+                        <a:effectLst/>
+                        <a:latin typeface="Calibri" panose="020F0502020204030204" pitchFamily="34" charset="0"/>
+                      </a:endParaRPr>
+                    </a:p>
+                  </a:txBody>
+                  <a:tcPr marL="58655" marR="7998" marT="16759" marB="125690" anchor="b">
+                    <a:lnL w="12700" cmpd="sng">
+                      <a:noFill/>
+                      <a:prstDash val="solid"/>
+                    </a:lnL>
+                    <a:lnR w="12700" cmpd="sng">
+                      <a:noFill/>
+                      <a:prstDash val="solid"/>
+                    </a:lnR>
+                    <a:lnT w="12700" cmpd="sng">
+                      <a:noFill/>
+                      <a:prstDash val="solid"/>
+                    </a:lnT>
+                    <a:lnB w="12700" cmpd="sng">
+                      <a:noFill/>
+                      <a:prstDash val="solid"/>
+                    </a:lnB>
+                    <a:solidFill>
+                      <a:schemeClr val="bg1">
+                        <a:lumMod val="95000"/>
+                      </a:schemeClr>
+                    </a:solidFill>
+                  </a:tcPr>
+                </a:tc>
+                <a:tc>
+                  <a:txBody>
+                    <a:bodyPr/>
+                    <a:lstStyle/>
+                    <a:p>
+                      <a:pPr algn="r" fontAlgn="b"/>
+                      <a:r>
+                        <a:rPr lang="en-US" sz="1100" u="none" strike="noStrike" cap="none" spc="0">
+                          <a:solidFill>
+                            <a:schemeClr val="tx1"/>
+                          </a:solidFill>
+                          <a:effectLst/>
+                        </a:rPr>
+                        <a:t>95.18%</a:t>
+                      </a:r>
+                      <a:endParaRPr lang="en-US" sz="1100" b="0" i="0" u="none" strike="noStrike" cap="none" spc="0">
+                        <a:solidFill>
+                          <a:schemeClr val="tx1"/>
+                        </a:solidFill>
+                        <a:effectLst/>
+                        <a:latin typeface="Calibri" panose="020F0502020204030204" pitchFamily="34" charset="0"/>
+                      </a:endParaRPr>
+                    </a:p>
+                  </a:txBody>
+                  <a:tcPr marL="58655" marR="7998" marT="16759" marB="125690" anchor="b">
+                    <a:lnL w="12700" cmpd="sng">
+                      <a:noFill/>
+                      <a:prstDash val="solid"/>
+                    </a:lnL>
+                    <a:lnR w="12700" cmpd="sng">
+                      <a:noFill/>
+                      <a:prstDash val="solid"/>
+                    </a:lnR>
+                    <a:lnT w="12700" cmpd="sng">
+                      <a:noFill/>
+                      <a:prstDash val="solid"/>
+                    </a:lnT>
+                    <a:lnB w="12700" cmpd="sng">
+                      <a:noFill/>
+                      <a:prstDash val="solid"/>
+                    </a:lnB>
+                    <a:solidFill>
+                      <a:schemeClr val="bg1">
+                        <a:lumMod val="95000"/>
+                      </a:schemeClr>
+                    </a:solidFill>
+                  </a:tcPr>
+                </a:tc>
+                <a:tc>
+                  <a:txBody>
+                    <a:bodyPr/>
+                    <a:lstStyle/>
+                    <a:p>
+                      <a:pPr algn="r" fontAlgn="b"/>
+                      <a:r>
+                        <a:rPr lang="en-US" sz="1100" u="none" strike="noStrike" cap="none" spc="0">
+                          <a:solidFill>
+                            <a:schemeClr val="tx1"/>
+                          </a:solidFill>
+                          <a:effectLst/>
+                        </a:rPr>
+                        <a:t>93.98%</a:t>
+                      </a:r>
+                      <a:endParaRPr lang="en-US" sz="1100" b="0" i="0" u="none" strike="noStrike" cap="none" spc="0">
+                        <a:solidFill>
+                          <a:schemeClr val="tx1"/>
+                        </a:solidFill>
+                        <a:effectLst/>
+                        <a:latin typeface="Calibri" panose="020F0502020204030204" pitchFamily="34" charset="0"/>
+                      </a:endParaRPr>
+                    </a:p>
+                  </a:txBody>
+                  <a:tcPr marL="58655" marR="7998" marT="16759" marB="125690" anchor="b">
+                    <a:lnL w="12700" cmpd="sng">
+                      <a:noFill/>
+                      <a:prstDash val="solid"/>
+                    </a:lnL>
+                    <a:lnR w="12700" cmpd="sng">
+                      <a:noFill/>
+                      <a:prstDash val="solid"/>
+                    </a:lnR>
+                    <a:lnT w="12700" cmpd="sng">
+                      <a:noFill/>
+                      <a:prstDash val="solid"/>
+                    </a:lnT>
+                    <a:lnB w="12700" cmpd="sng">
+                      <a:noFill/>
+                      <a:prstDash val="solid"/>
+                    </a:lnB>
+                    <a:solidFill>
+                      <a:schemeClr val="bg1">
+                        <a:lumMod val="95000"/>
+                      </a:schemeClr>
+                    </a:solidFill>
+                  </a:tcPr>
+                </a:tc>
+                <a:tc>
+                  <a:txBody>
+                    <a:bodyPr/>
+                    <a:lstStyle/>
+                    <a:p>
+                      <a:pPr algn="r" fontAlgn="b"/>
+                      <a:r>
+                        <a:rPr lang="en-US" sz="1100" u="none" strike="noStrike" cap="none" spc="0">
+                          <a:solidFill>
+                            <a:schemeClr val="tx1"/>
+                          </a:solidFill>
+                          <a:effectLst/>
+                        </a:rPr>
+                        <a:t>81.63%</a:t>
+                      </a:r>
+                      <a:endParaRPr lang="en-US" sz="1100" b="0" i="0" u="none" strike="noStrike" cap="none" spc="0">
+                        <a:solidFill>
+                          <a:schemeClr val="tx1"/>
+                        </a:solidFill>
+                        <a:effectLst/>
+                        <a:latin typeface="Calibri" panose="020F0502020204030204" pitchFamily="34" charset="0"/>
+                      </a:endParaRPr>
+                    </a:p>
+                  </a:txBody>
+                  <a:tcPr marL="58655" marR="7998" marT="16759" marB="125690" anchor="b">
+                    <a:lnL w="12700" cmpd="sng">
+                      <a:noFill/>
+                      <a:prstDash val="solid"/>
+                    </a:lnL>
+                    <a:lnR w="12700" cmpd="sng">
+                      <a:noFill/>
+                      <a:prstDash val="solid"/>
+                    </a:lnR>
+                    <a:lnT w="12700" cmpd="sng">
+                      <a:noFill/>
+                      <a:prstDash val="solid"/>
+                    </a:lnT>
+                    <a:lnB w="12700" cmpd="sng">
+                      <a:noFill/>
+                      <a:prstDash val="solid"/>
+                    </a:lnB>
+                    <a:solidFill>
+                      <a:schemeClr val="bg1">
+                        <a:lumMod val="95000"/>
+                      </a:schemeClr>
+                    </a:solidFill>
+                  </a:tcPr>
+                </a:tc>
+                <a:tc>
+                  <a:txBody>
+                    <a:bodyPr/>
+                    <a:lstStyle/>
+                    <a:p>
+                      <a:pPr algn="r" fontAlgn="b"/>
+                      <a:r>
+                        <a:rPr lang="en-US" sz="1100" u="none" strike="noStrike" cap="none" spc="0">
+                          <a:solidFill>
+                            <a:schemeClr val="tx1"/>
+                          </a:solidFill>
+                          <a:effectLst/>
+                        </a:rPr>
+                        <a:t>87.76%</a:t>
+                      </a:r>
+                      <a:endParaRPr lang="en-US" sz="1100" b="0" i="0" u="none" strike="noStrike" cap="none" spc="0">
+                        <a:solidFill>
+                          <a:schemeClr val="tx1"/>
+                        </a:solidFill>
+                        <a:effectLst/>
+                        <a:latin typeface="Calibri" panose="020F0502020204030204" pitchFamily="34" charset="0"/>
+                      </a:endParaRPr>
+                    </a:p>
+                  </a:txBody>
+                  <a:tcPr marL="58655" marR="7998" marT="16759" marB="125690" anchor="b">
+                    <a:lnL w="12700" cmpd="sng">
+                      <a:noFill/>
+                      <a:prstDash val="solid"/>
+                    </a:lnL>
+                    <a:lnR w="12700" cmpd="sng">
+                      <a:noFill/>
+                      <a:prstDash val="solid"/>
+                    </a:lnR>
+                    <a:lnT w="12700" cmpd="sng">
+                      <a:noFill/>
+                      <a:prstDash val="solid"/>
+                    </a:lnT>
+                    <a:lnB w="12700" cmpd="sng">
+                      <a:noFill/>
+                      <a:prstDash val="solid"/>
+                    </a:lnB>
+                    <a:solidFill>
+                      <a:schemeClr val="bg1">
+                        <a:lumMod val="95000"/>
+                      </a:schemeClr>
+                    </a:solidFill>
+                  </a:tcPr>
+                </a:tc>
+                <a:tc>
+                  <a:txBody>
+                    <a:bodyPr/>
+                    <a:lstStyle/>
+                    <a:p>
+                      <a:pPr algn="r" fontAlgn="b"/>
+                      <a:r>
+                        <a:rPr lang="en-US" sz="1100" u="none" strike="noStrike" cap="none" spc="0">
+                          <a:solidFill>
+                            <a:schemeClr val="tx1"/>
+                          </a:solidFill>
+                          <a:effectLst/>
+                        </a:rPr>
+                        <a:t>28.91%</a:t>
+                      </a:r>
+                      <a:endParaRPr lang="en-US" sz="1100" b="0" i="0" u="none" strike="noStrike" cap="none" spc="0">
+                        <a:solidFill>
+                          <a:schemeClr val="tx1"/>
+                        </a:solidFill>
+                        <a:effectLst/>
+                        <a:latin typeface="Calibri" panose="020F0502020204030204" pitchFamily="34" charset="0"/>
+                      </a:endParaRPr>
+                    </a:p>
+                  </a:txBody>
+                  <a:tcPr marL="58655" marR="7998" marT="16759" marB="125690" anchor="b">
+                    <a:lnL w="12700" cmpd="sng">
+                      <a:noFill/>
+                      <a:prstDash val="solid"/>
+                    </a:lnL>
+                    <a:lnR w="12700" cmpd="sng">
+                      <a:noFill/>
+                      <a:prstDash val="solid"/>
+                    </a:lnR>
+                    <a:lnT w="12700" cmpd="sng">
+                      <a:noFill/>
+                      <a:prstDash val="solid"/>
+                    </a:lnT>
+                    <a:lnB w="12700" cmpd="sng">
+                      <a:noFill/>
+                      <a:prstDash val="solid"/>
+                    </a:lnB>
+                    <a:solidFill>
+                      <a:schemeClr val="bg1">
+                        <a:lumMod val="95000"/>
+                      </a:schemeClr>
+                    </a:solidFill>
+                  </a:tcPr>
+                </a:tc>
+                <a:tc>
+                  <a:txBody>
+                    <a:bodyPr/>
+                    <a:lstStyle/>
+                    <a:p>
+                      <a:pPr algn="r" fontAlgn="b"/>
+                      <a:r>
+                        <a:rPr lang="en-US" sz="1100" u="none" strike="noStrike" cap="none" spc="0">
+                          <a:solidFill>
+                            <a:schemeClr val="tx1"/>
+                          </a:solidFill>
+                          <a:effectLst/>
+                        </a:rPr>
+                        <a:t>26.53%</a:t>
+                      </a:r>
+                      <a:endParaRPr lang="en-US" sz="1100" b="0" i="0" u="none" strike="noStrike" cap="none" spc="0">
+                        <a:solidFill>
+                          <a:schemeClr val="tx1"/>
+                        </a:solidFill>
+                        <a:effectLst/>
+                        <a:latin typeface="Calibri" panose="020F0502020204030204" pitchFamily="34" charset="0"/>
+                      </a:endParaRPr>
+                    </a:p>
+                  </a:txBody>
+                  <a:tcPr marL="58655" marR="7998" marT="16759" marB="125690" anchor="b">
+                    <a:lnL w="12700" cmpd="sng">
+                      <a:noFill/>
+                      <a:prstDash val="solid"/>
+                    </a:lnL>
+                    <a:lnR w="12700" cmpd="sng">
+                      <a:noFill/>
+                      <a:prstDash val="solid"/>
+                    </a:lnR>
+                    <a:lnT w="12700" cmpd="sng">
+                      <a:noFill/>
+                      <a:prstDash val="solid"/>
+                    </a:lnT>
+                    <a:lnB w="12700" cmpd="sng">
+                      <a:noFill/>
+                      <a:prstDash val="solid"/>
+                    </a:lnB>
+                    <a:solidFill>
+                      <a:schemeClr val="bg1">
+                        <a:lumMod val="95000"/>
+                      </a:schemeClr>
+                    </a:solidFill>
+                  </a:tcPr>
+                </a:tc>
+                <a:tc>
+                  <a:txBody>
+                    <a:bodyPr/>
+                    <a:lstStyle/>
+                    <a:p>
+                      <a:pPr algn="r" fontAlgn="b"/>
+                      <a:r>
+                        <a:rPr lang="en-US" sz="1100" u="none" strike="noStrike" cap="none" spc="0">
+                          <a:solidFill>
+                            <a:schemeClr val="tx1"/>
+                          </a:solidFill>
+                          <a:effectLst/>
+                        </a:rPr>
+                        <a:t>-1.0892e</a:t>
+                      </a:r>
+                      <a:endParaRPr lang="en-US" sz="1100" b="0" i="0" u="none" strike="noStrike" cap="none" spc="0">
+                        <a:solidFill>
+                          <a:schemeClr val="tx1"/>
+                        </a:solidFill>
+                        <a:effectLst/>
+                        <a:latin typeface="Calibri" panose="020F0502020204030204" pitchFamily="34" charset="0"/>
+                      </a:endParaRPr>
+                    </a:p>
+                  </a:txBody>
+                  <a:tcPr marL="58655" marR="7998" marT="16759" marB="125690" anchor="b">
+                    <a:lnL w="12700" cmpd="sng">
+                      <a:noFill/>
+                      <a:prstDash val="solid"/>
+                    </a:lnL>
+                    <a:lnR w="12700" cmpd="sng">
+                      <a:noFill/>
+                      <a:prstDash val="solid"/>
+                    </a:lnR>
+                    <a:lnT w="12700" cmpd="sng">
+                      <a:noFill/>
+                      <a:prstDash val="solid"/>
+                    </a:lnT>
+                    <a:lnB w="12700" cmpd="sng">
+                      <a:noFill/>
+                      <a:prstDash val="solid"/>
+                    </a:lnB>
+                    <a:solidFill>
+                      <a:schemeClr val="bg1">
+                        <a:lumMod val="95000"/>
+                      </a:schemeClr>
+                    </a:solidFill>
+                  </a:tcPr>
+                </a:tc>
+                <a:tc>
+                  <a:txBody>
+                    <a:bodyPr/>
+                    <a:lstStyle/>
+                    <a:p>
+                      <a:pPr algn="r" fontAlgn="b"/>
+                      <a:r>
+                        <a:rPr lang="en-US" sz="1100" u="none" strike="noStrike" cap="none" spc="0">
+                          <a:solidFill>
+                            <a:schemeClr val="tx1"/>
+                          </a:solidFill>
+                          <a:effectLst/>
+                        </a:rPr>
+                        <a:t>89.49%</a:t>
+                      </a:r>
+                      <a:endParaRPr lang="en-US" sz="1100" b="0" i="0" u="none" strike="noStrike" cap="none" spc="0">
+                        <a:solidFill>
+                          <a:schemeClr val="tx1"/>
+                        </a:solidFill>
+                        <a:effectLst/>
+                        <a:latin typeface="Calibri" panose="020F0502020204030204" pitchFamily="34" charset="0"/>
+                      </a:endParaRPr>
+                    </a:p>
+                  </a:txBody>
+                  <a:tcPr marL="58655" marR="7998" marT="16759" marB="125690" anchor="b">
+                    <a:lnL w="12700" cmpd="sng">
+                      <a:noFill/>
+                      <a:prstDash val="solid"/>
+                    </a:lnL>
+                    <a:lnR w="12700" cmpd="sng">
+                      <a:noFill/>
+                      <a:prstDash val="solid"/>
+                    </a:lnR>
+                    <a:lnT w="12700" cmpd="sng">
+                      <a:noFill/>
+                      <a:prstDash val="solid"/>
+                    </a:lnT>
+                    <a:lnB w="12700" cmpd="sng">
+                      <a:noFill/>
+                      <a:prstDash val="solid"/>
+                    </a:lnB>
+                    <a:solidFill>
+                      <a:schemeClr val="bg1">
+                        <a:lumMod val="95000"/>
+                      </a:schemeClr>
+                    </a:solidFill>
+                  </a:tcPr>
+                </a:tc>
+                <a:extLst>
+                  <a:ext uri="{0D108BD9-81ED-4DB2-BD59-A6C34878D82A}">
+                    <a16:rowId xmlns:a16="http://schemas.microsoft.com/office/drawing/2014/main" val="2479182308"/>
+                  </a:ext>
+                </a:extLst>
+              </a:tr>
+              <a:tr h="343553">
+                <a:tc>
+                  <a:txBody>
+                    <a:bodyPr/>
+                    <a:lstStyle/>
+                    <a:p>
+                      <a:pPr algn="l" fontAlgn="b"/>
+                      <a:r>
+                        <a:rPr lang="en-US" sz="1100" u="none" strike="noStrike" cap="none" spc="0">
+                          <a:solidFill>
+                            <a:schemeClr val="tx1"/>
+                          </a:solidFill>
+                          <a:effectLst/>
+                        </a:rPr>
+                        <a:t>Average:</a:t>
+                      </a:r>
+                      <a:endParaRPr lang="en-US" sz="1100" b="1" i="0" u="none" strike="noStrike" cap="none" spc="0">
+                        <a:solidFill>
+                          <a:schemeClr val="tx1"/>
+                        </a:solidFill>
+                        <a:effectLst/>
+                        <a:latin typeface="Calibri" panose="020F0502020204030204" pitchFamily="34" charset="0"/>
+                      </a:endParaRPr>
+                    </a:p>
+                  </a:txBody>
+                  <a:tcPr marL="58655" marR="7998" marT="16759" marB="125690" anchor="b">
+                    <a:lnL w="12700" cap="flat" cmpd="sng" algn="ctr">
+                      <a:solidFill>
+                        <a:schemeClr val="tx1"/>
+                      </a:solidFill>
+                      <a:prstDash val="solid"/>
+                    </a:lnL>
+                    <a:lnR w="12700" cmpd="sng">
+                      <a:noFill/>
+                      <a:prstDash val="solid"/>
+                    </a:lnR>
+                    <a:lnT w="12700" cmpd="sng">
+                      <a:noFill/>
+                      <a:prstDash val="solid"/>
+                    </a:lnT>
+                    <a:lnB w="12700" cmpd="sng">
+                      <a:noFill/>
+                      <a:prstDash val="solid"/>
+                    </a:lnB>
+                    <a:solidFill>
+                      <a:schemeClr val="bg1">
+                        <a:lumMod val="85000"/>
+                      </a:schemeClr>
+                    </a:solidFill>
+                  </a:tcPr>
+                </a:tc>
+                <a:tc>
+                  <a:txBody>
+                    <a:bodyPr/>
+                    <a:lstStyle/>
+                    <a:p>
+                      <a:pPr algn="r" fontAlgn="b"/>
+                      <a:r>
+                        <a:rPr lang="en-US" sz="1100" u="none" strike="noStrike" cap="none" spc="0">
+                          <a:solidFill>
+                            <a:schemeClr val="tx1"/>
+                          </a:solidFill>
+                          <a:effectLst/>
+                        </a:rPr>
+                        <a:t>89.57%</a:t>
+                      </a:r>
+                      <a:endParaRPr lang="en-US" sz="1100" b="0" i="0" u="none" strike="noStrike" cap="none" spc="0">
+                        <a:solidFill>
+                          <a:schemeClr val="tx1"/>
+                        </a:solidFill>
+                        <a:effectLst/>
+                        <a:latin typeface="Calibri" panose="020F0502020204030204" pitchFamily="34" charset="0"/>
+                      </a:endParaRPr>
+                    </a:p>
+                  </a:txBody>
+                  <a:tcPr marL="58655" marR="7998" marT="16759" marB="125690" anchor="b">
+                    <a:lnL w="12700" cmpd="sng">
+                      <a:noFill/>
+                      <a:prstDash val="solid"/>
+                    </a:lnL>
+                    <a:lnR w="12700" cmpd="sng">
+                      <a:noFill/>
+                      <a:prstDash val="solid"/>
+                    </a:lnR>
+                    <a:lnT w="12700" cmpd="sng">
+                      <a:noFill/>
+                      <a:prstDash val="solid"/>
+                    </a:lnT>
+                    <a:lnB w="12700" cmpd="sng">
+                      <a:noFill/>
+                      <a:prstDash val="solid"/>
+                    </a:lnB>
+                    <a:solidFill>
+                      <a:schemeClr val="bg1">
+                        <a:lumMod val="85000"/>
+                      </a:schemeClr>
+                    </a:solidFill>
+                  </a:tcPr>
+                </a:tc>
+                <a:tc>
+                  <a:txBody>
+                    <a:bodyPr/>
+                    <a:lstStyle/>
+                    <a:p>
+                      <a:pPr algn="r" fontAlgn="b"/>
+                      <a:r>
+                        <a:rPr lang="en-US" sz="1100" u="none" strike="noStrike" cap="none" spc="0">
+                          <a:solidFill>
+                            <a:schemeClr val="tx1"/>
+                          </a:solidFill>
+                          <a:effectLst/>
+                        </a:rPr>
+                        <a:t>92.41%</a:t>
+                      </a:r>
+                      <a:endParaRPr lang="en-US" sz="1100" b="0" i="0" u="none" strike="noStrike" cap="none" spc="0">
+                        <a:solidFill>
+                          <a:schemeClr val="tx1"/>
+                        </a:solidFill>
+                        <a:effectLst/>
+                        <a:latin typeface="Calibri" panose="020F0502020204030204" pitchFamily="34" charset="0"/>
+                      </a:endParaRPr>
+                    </a:p>
+                  </a:txBody>
+                  <a:tcPr marL="58655" marR="7998" marT="16759" marB="125690" anchor="b">
+                    <a:lnL w="12700" cmpd="sng">
+                      <a:noFill/>
+                      <a:prstDash val="solid"/>
+                    </a:lnL>
+                    <a:lnR w="12700" cmpd="sng">
+                      <a:noFill/>
+                      <a:prstDash val="solid"/>
+                    </a:lnR>
+                    <a:lnT w="12700" cmpd="sng">
+                      <a:noFill/>
+                      <a:prstDash val="solid"/>
+                    </a:lnT>
+                    <a:lnB w="12700" cmpd="sng">
+                      <a:noFill/>
+                      <a:prstDash val="solid"/>
+                    </a:lnB>
+                    <a:solidFill>
+                      <a:schemeClr val="bg1">
+                        <a:lumMod val="85000"/>
+                      </a:schemeClr>
+                    </a:solidFill>
+                  </a:tcPr>
+                </a:tc>
+                <a:tc>
+                  <a:txBody>
+                    <a:bodyPr/>
+                    <a:lstStyle/>
+                    <a:p>
+                      <a:pPr algn="r" fontAlgn="b"/>
+                      <a:r>
+                        <a:rPr lang="en-US" sz="1100" u="none" strike="noStrike" cap="none" spc="0">
+                          <a:solidFill>
+                            <a:schemeClr val="tx1"/>
+                          </a:solidFill>
+                          <a:effectLst/>
+                        </a:rPr>
+                        <a:t>93.91%</a:t>
+                      </a:r>
+                      <a:endParaRPr lang="en-US" sz="1100" b="0" i="0" u="none" strike="noStrike" cap="none" spc="0">
+                        <a:solidFill>
+                          <a:schemeClr val="tx1"/>
+                        </a:solidFill>
+                        <a:effectLst/>
+                        <a:latin typeface="Calibri" panose="020F0502020204030204" pitchFamily="34" charset="0"/>
+                      </a:endParaRPr>
+                    </a:p>
+                  </a:txBody>
+                  <a:tcPr marL="58655" marR="7998" marT="16759" marB="125690" anchor="b">
+                    <a:lnL w="12700" cmpd="sng">
+                      <a:noFill/>
+                      <a:prstDash val="solid"/>
+                    </a:lnL>
+                    <a:lnR w="12700" cmpd="sng">
+                      <a:noFill/>
+                      <a:prstDash val="solid"/>
+                    </a:lnR>
+                    <a:lnT w="12700" cmpd="sng">
+                      <a:noFill/>
+                      <a:prstDash val="solid"/>
+                    </a:lnT>
+                    <a:lnB w="12700" cmpd="sng">
+                      <a:noFill/>
+                      <a:prstDash val="solid"/>
+                    </a:lnB>
+                    <a:solidFill>
+                      <a:schemeClr val="bg1">
+                        <a:lumMod val="85000"/>
+                      </a:schemeClr>
+                    </a:solidFill>
+                  </a:tcPr>
+                </a:tc>
+                <a:tc>
+                  <a:txBody>
+                    <a:bodyPr/>
+                    <a:lstStyle/>
+                    <a:p>
+                      <a:pPr algn="r" fontAlgn="b"/>
+                      <a:r>
+                        <a:rPr lang="en-US" sz="1100" u="none" strike="noStrike" cap="none" spc="0">
+                          <a:solidFill>
+                            <a:schemeClr val="tx1"/>
+                          </a:solidFill>
+                          <a:effectLst/>
+                        </a:rPr>
+                        <a:t>80.86%</a:t>
+                      </a:r>
+                      <a:endParaRPr lang="en-US" sz="1100" b="0" i="0" u="none" strike="noStrike" cap="none" spc="0">
+                        <a:solidFill>
+                          <a:schemeClr val="tx1"/>
+                        </a:solidFill>
+                        <a:effectLst/>
+                        <a:latin typeface="Calibri" panose="020F0502020204030204" pitchFamily="34" charset="0"/>
+                      </a:endParaRPr>
+                    </a:p>
+                  </a:txBody>
+                  <a:tcPr marL="58655" marR="7998" marT="16759" marB="125690" anchor="b">
+                    <a:lnL w="12700" cmpd="sng">
+                      <a:noFill/>
+                      <a:prstDash val="solid"/>
+                    </a:lnL>
+                    <a:lnR w="12700" cmpd="sng">
+                      <a:noFill/>
+                      <a:prstDash val="solid"/>
+                    </a:lnR>
+                    <a:lnT w="12700" cmpd="sng">
+                      <a:noFill/>
+                      <a:prstDash val="solid"/>
+                    </a:lnT>
+                    <a:lnB w="12700" cmpd="sng">
+                      <a:noFill/>
+                      <a:prstDash val="solid"/>
+                    </a:lnB>
+                    <a:solidFill>
+                      <a:schemeClr val="bg1">
+                        <a:lumMod val="85000"/>
+                      </a:schemeClr>
+                    </a:solidFill>
+                  </a:tcPr>
+                </a:tc>
+                <a:tc>
+                  <a:txBody>
+                    <a:bodyPr/>
+                    <a:lstStyle/>
+                    <a:p>
+                      <a:pPr algn="r" fontAlgn="b"/>
+                      <a:r>
+                        <a:rPr lang="en-US" sz="1100" u="none" strike="noStrike" cap="none" spc="0">
+                          <a:solidFill>
+                            <a:schemeClr val="tx1"/>
+                          </a:solidFill>
+                          <a:effectLst/>
+                        </a:rPr>
+                        <a:t>86.48%</a:t>
+                      </a:r>
+                      <a:endParaRPr lang="en-US" sz="1100" b="0" i="0" u="none" strike="noStrike" cap="none" spc="0">
+                        <a:solidFill>
+                          <a:schemeClr val="tx1"/>
+                        </a:solidFill>
+                        <a:effectLst/>
+                        <a:latin typeface="Calibri" panose="020F0502020204030204" pitchFamily="34" charset="0"/>
+                      </a:endParaRPr>
+                    </a:p>
+                  </a:txBody>
+                  <a:tcPr marL="58655" marR="7998" marT="16759" marB="125690" anchor="b">
+                    <a:lnL w="12700" cmpd="sng">
+                      <a:noFill/>
+                      <a:prstDash val="solid"/>
+                    </a:lnL>
+                    <a:lnR w="12700" cmpd="sng">
+                      <a:noFill/>
+                      <a:prstDash val="solid"/>
+                    </a:lnR>
+                    <a:lnT w="12700" cmpd="sng">
+                      <a:noFill/>
+                      <a:prstDash val="solid"/>
+                    </a:lnT>
+                    <a:lnB w="12700" cmpd="sng">
+                      <a:noFill/>
+                      <a:prstDash val="solid"/>
+                    </a:lnB>
+                    <a:solidFill>
+                      <a:schemeClr val="bg1">
+                        <a:lumMod val="85000"/>
+                      </a:schemeClr>
+                    </a:solidFill>
+                  </a:tcPr>
+                </a:tc>
+                <a:tc>
+                  <a:txBody>
+                    <a:bodyPr/>
+                    <a:lstStyle/>
+                    <a:p>
+                      <a:pPr algn="r" fontAlgn="b"/>
+                      <a:r>
+                        <a:rPr lang="en-US" sz="1100" u="none" strike="noStrike" cap="none" spc="0">
+                          <a:solidFill>
+                            <a:schemeClr val="tx1"/>
+                          </a:solidFill>
+                          <a:effectLst/>
+                        </a:rPr>
+                        <a:t>37.91%</a:t>
+                      </a:r>
+                      <a:endParaRPr lang="en-US" sz="1100" b="0" i="0" u="none" strike="noStrike" cap="none" spc="0">
+                        <a:solidFill>
+                          <a:schemeClr val="tx1"/>
+                        </a:solidFill>
+                        <a:effectLst/>
+                        <a:latin typeface="Calibri" panose="020F0502020204030204" pitchFamily="34" charset="0"/>
+                      </a:endParaRPr>
+                    </a:p>
+                  </a:txBody>
+                  <a:tcPr marL="58655" marR="7998" marT="16759" marB="125690" anchor="b">
+                    <a:lnL w="12700" cmpd="sng">
+                      <a:noFill/>
+                      <a:prstDash val="solid"/>
+                    </a:lnL>
+                    <a:lnR w="12700" cmpd="sng">
+                      <a:noFill/>
+                      <a:prstDash val="solid"/>
+                    </a:lnR>
+                    <a:lnT w="12700" cmpd="sng">
+                      <a:noFill/>
+                      <a:prstDash val="solid"/>
+                    </a:lnT>
+                    <a:lnB w="12700" cmpd="sng">
+                      <a:noFill/>
+                      <a:prstDash val="solid"/>
+                    </a:lnB>
+                    <a:solidFill>
+                      <a:schemeClr val="bg1">
+                        <a:lumMod val="85000"/>
+                      </a:schemeClr>
+                    </a:solidFill>
+                  </a:tcPr>
+                </a:tc>
+                <a:tc>
+                  <a:txBody>
+                    <a:bodyPr/>
+                    <a:lstStyle/>
+                    <a:p>
+                      <a:pPr algn="r" fontAlgn="b"/>
+                      <a:r>
+                        <a:rPr lang="en-US" sz="1100" u="none" strike="noStrike" cap="none" spc="0">
+                          <a:solidFill>
+                            <a:schemeClr val="tx1"/>
+                          </a:solidFill>
+                          <a:effectLst/>
+                        </a:rPr>
+                        <a:t>27.55%</a:t>
+                      </a:r>
+                      <a:endParaRPr lang="en-US" sz="1100" b="0" i="0" u="none" strike="noStrike" cap="none" spc="0">
+                        <a:solidFill>
+                          <a:schemeClr val="tx1"/>
+                        </a:solidFill>
+                        <a:effectLst/>
+                        <a:latin typeface="Calibri" panose="020F0502020204030204" pitchFamily="34" charset="0"/>
+                      </a:endParaRPr>
+                    </a:p>
+                  </a:txBody>
+                  <a:tcPr marL="58655" marR="7998" marT="16759" marB="125690" anchor="b">
+                    <a:lnL w="12700" cmpd="sng">
+                      <a:noFill/>
+                      <a:prstDash val="solid"/>
+                    </a:lnL>
+                    <a:lnR w="12700" cmpd="sng">
+                      <a:noFill/>
+                      <a:prstDash val="solid"/>
+                    </a:lnR>
+                    <a:lnT w="12700" cmpd="sng">
+                      <a:noFill/>
+                      <a:prstDash val="solid"/>
+                    </a:lnT>
+                    <a:lnB w="12700" cmpd="sng">
+                      <a:noFill/>
+                      <a:prstDash val="solid"/>
+                    </a:lnB>
+                    <a:solidFill>
+                      <a:schemeClr val="bg1">
+                        <a:lumMod val="85000"/>
+                      </a:schemeClr>
+                    </a:solidFill>
+                  </a:tcPr>
+                </a:tc>
+                <a:tc>
+                  <a:txBody>
+                    <a:bodyPr/>
+                    <a:lstStyle/>
+                    <a:p>
+                      <a:pPr algn="r" fontAlgn="b"/>
+                      <a:r>
+                        <a:rPr lang="en-US" sz="1100" u="none" strike="noStrike" cap="none" spc="0">
+                          <a:solidFill>
+                            <a:schemeClr val="tx1"/>
+                          </a:solidFill>
+                          <a:effectLst/>
+                        </a:rPr>
+                        <a:t>N/A</a:t>
+                      </a:r>
+                      <a:endParaRPr lang="en-US" sz="1100" b="0" i="0" u="none" strike="noStrike" cap="none" spc="0">
+                        <a:solidFill>
+                          <a:schemeClr val="tx1"/>
+                        </a:solidFill>
+                        <a:effectLst/>
+                        <a:latin typeface="Calibri" panose="020F0502020204030204" pitchFamily="34" charset="0"/>
+                      </a:endParaRPr>
+                    </a:p>
+                  </a:txBody>
+                  <a:tcPr marL="58655" marR="7998" marT="16759" marB="125690" anchor="b">
+                    <a:lnL w="12700" cmpd="sng">
+                      <a:noFill/>
+                      <a:prstDash val="solid"/>
+                    </a:lnL>
+                    <a:lnR w="12700" cmpd="sng">
+                      <a:noFill/>
+                      <a:prstDash val="solid"/>
+                    </a:lnR>
+                    <a:lnT w="12700" cmpd="sng">
+                      <a:noFill/>
+                      <a:prstDash val="solid"/>
+                    </a:lnT>
+                    <a:lnB w="12700" cmpd="sng">
+                      <a:noFill/>
+                      <a:prstDash val="solid"/>
+                    </a:lnB>
+                    <a:solidFill>
+                      <a:schemeClr val="bg1">
+                        <a:lumMod val="85000"/>
+                      </a:schemeClr>
+                    </a:solidFill>
+                  </a:tcPr>
+                </a:tc>
+                <a:tc>
+                  <a:txBody>
+                    <a:bodyPr/>
+                    <a:lstStyle/>
+                    <a:p>
+                      <a:pPr algn="l" fontAlgn="b"/>
+                      <a:r>
+                        <a:rPr lang="en-US" sz="1100" u="none" strike="noStrike" cap="none" spc="0">
+                          <a:solidFill>
+                            <a:schemeClr val="tx1"/>
+                          </a:solidFill>
+                          <a:effectLst/>
+                        </a:rPr>
+                        <a:t> </a:t>
+                      </a:r>
+                      <a:endParaRPr lang="en-US" sz="1100" b="0" i="0" u="none" strike="noStrike" cap="none" spc="0">
+                        <a:solidFill>
+                          <a:schemeClr val="tx1"/>
+                        </a:solidFill>
+                        <a:effectLst/>
+                        <a:latin typeface="Calibri" panose="020F0502020204030204" pitchFamily="34" charset="0"/>
+                      </a:endParaRPr>
+                    </a:p>
+                  </a:txBody>
+                  <a:tcPr marL="58655" marR="7998" marT="16759" marB="125690" anchor="b">
+                    <a:lnL w="12700" cmpd="sng">
+                      <a:noFill/>
+                      <a:prstDash val="solid"/>
+                    </a:lnL>
+                    <a:lnR w="12700" cmpd="sng">
+                      <a:noFill/>
+                      <a:prstDash val="solid"/>
+                    </a:lnR>
+                    <a:lnT w="12700" cmpd="sng">
+                      <a:noFill/>
+                      <a:prstDash val="solid"/>
+                    </a:lnT>
+                    <a:lnB w="12700" cmpd="sng">
+                      <a:noFill/>
+                      <a:prstDash val="solid"/>
+                    </a:lnB>
+                    <a:solidFill>
+                      <a:schemeClr val="bg1">
+                        <a:lumMod val="85000"/>
+                      </a:schemeClr>
+                    </a:solidFill>
+                  </a:tcPr>
+                </a:tc>
+                <a:extLst>
+                  <a:ext uri="{0D108BD9-81ED-4DB2-BD59-A6C34878D82A}">
+                    <a16:rowId xmlns:a16="http://schemas.microsoft.com/office/drawing/2014/main" val="1726624550"/>
+                  </a:ext>
+                </a:extLst>
+              </a:tr>
+              <a:tr h="343553">
+                <a:tc>
+                  <a:txBody>
+                    <a:bodyPr/>
+                    <a:lstStyle/>
+                    <a:p>
+                      <a:pPr algn="l" fontAlgn="b"/>
+                      <a:r>
+                        <a:rPr lang="en-US" sz="1100" u="none" strike="noStrike" cap="none" spc="0">
+                          <a:solidFill>
+                            <a:schemeClr val="tx1"/>
+                          </a:solidFill>
+                          <a:effectLst/>
+                        </a:rPr>
+                        <a:t> </a:t>
+                      </a:r>
+                      <a:endParaRPr lang="en-US" sz="1100" b="0" i="0" u="none" strike="noStrike" cap="none" spc="0">
+                        <a:solidFill>
+                          <a:schemeClr val="tx1"/>
+                        </a:solidFill>
+                        <a:effectLst/>
+                        <a:latin typeface="Calibri" panose="020F0502020204030204" pitchFamily="34" charset="0"/>
+                      </a:endParaRPr>
+                    </a:p>
+                  </a:txBody>
+                  <a:tcPr marL="58655" marR="7998" marT="16759" marB="125690" anchor="b">
+                    <a:lnL w="12700" cap="flat" cmpd="sng" algn="ctr">
+                      <a:solidFill>
+                        <a:schemeClr val="tx1"/>
+                      </a:solidFill>
+                      <a:prstDash val="solid"/>
+                    </a:lnL>
+                    <a:lnR w="12700" cmpd="sng">
+                      <a:noFill/>
+                      <a:prstDash val="solid"/>
+                    </a:lnR>
+                    <a:lnT w="12700" cmpd="sng">
+                      <a:noFill/>
+                      <a:prstDash val="solid"/>
+                    </a:lnT>
+                    <a:lnB w="12700" cmpd="sng">
+                      <a:noFill/>
+                      <a:prstDash val="solid"/>
+                    </a:lnB>
+                    <a:solidFill>
+                      <a:schemeClr val="bg1">
+                        <a:lumMod val="95000"/>
+                      </a:schemeClr>
+                    </a:solidFill>
+                  </a:tcPr>
+                </a:tc>
+                <a:tc gridSpan="5">
+                  <a:txBody>
+                    <a:bodyPr/>
+                    <a:lstStyle/>
+                    <a:p>
+                      <a:pPr algn="l" fontAlgn="b"/>
+                      <a:r>
+                        <a:rPr lang="en-US" sz="1100" u="none" strike="noStrike" cap="none" spc="0">
+                          <a:solidFill>
+                            <a:schemeClr val="tx1"/>
+                          </a:solidFill>
+                          <a:effectLst/>
+                        </a:rPr>
+                        <a:t>*Note: excludes deep learning dummies approach accuracy score. </a:t>
+                      </a:r>
+                      <a:endParaRPr lang="en-US" sz="1100" b="0" i="0" u="none" strike="noStrike" cap="none" spc="0">
+                        <a:solidFill>
+                          <a:schemeClr val="tx1"/>
+                        </a:solidFill>
+                        <a:effectLst/>
+                        <a:latin typeface="Calibri" panose="020F0502020204030204" pitchFamily="34" charset="0"/>
+                      </a:endParaRPr>
+                    </a:p>
+                  </a:txBody>
+                  <a:tcPr marL="58655" marR="7998" marT="16759" marB="125690" anchor="b">
+                    <a:lnL w="12700" cmpd="sng">
+                      <a:noFill/>
+                      <a:prstDash val="solid"/>
+                    </a:lnL>
+                    <a:lnR w="12700" cmpd="sng">
+                      <a:noFill/>
+                      <a:prstDash val="solid"/>
+                    </a:lnR>
+                    <a:lnT w="12700" cmpd="sng">
+                      <a:noFill/>
+                      <a:prstDash val="solid"/>
+                    </a:lnT>
+                    <a:lnB w="12700" cmpd="sng">
+                      <a:noFill/>
+                      <a:prstDash val="solid"/>
+                    </a:lnB>
+                    <a:solidFill>
+                      <a:schemeClr val="bg1">
+                        <a:lumMod val="95000"/>
+                      </a:schemeClr>
+                    </a:solidFill>
+                  </a:tcPr>
+                </a:tc>
+                <a:tc hMerge="1">
+                  <a:txBody>
+                    <a:bodyPr/>
+                    <a:lstStyle/>
+                    <a:p>
+                      <a:endParaRPr lang="en-US"/>
+                    </a:p>
+                  </a:txBody>
+                  <a:tcPr/>
+                </a:tc>
+                <a:tc hMerge="1">
+                  <a:txBody>
+                    <a:bodyPr/>
+                    <a:lstStyle/>
+                    <a:p>
+                      <a:endParaRPr lang="en-US"/>
+                    </a:p>
+                  </a:txBody>
+                  <a:tcPr/>
+                </a:tc>
+                <a:tc hMerge="1">
+                  <a:txBody>
+                    <a:bodyPr/>
+                    <a:lstStyle/>
+                    <a:p>
+                      <a:endParaRPr lang="en-US"/>
+                    </a:p>
+                  </a:txBody>
+                  <a:tcPr/>
+                </a:tc>
+                <a:tc hMerge="1">
+                  <a:txBody>
+                    <a:bodyPr/>
+                    <a:lstStyle/>
+                    <a:p>
+                      <a:endParaRPr lang="en-US"/>
+                    </a:p>
+                  </a:txBody>
+                  <a:tcPr/>
+                </a:tc>
+                <a:tc>
+                  <a:txBody>
+                    <a:bodyPr/>
+                    <a:lstStyle/>
+                    <a:p>
+                      <a:pPr algn="l" fontAlgn="b"/>
+                      <a:r>
+                        <a:rPr lang="en-US" sz="1100" u="none" strike="noStrike" cap="none" spc="0">
+                          <a:solidFill>
+                            <a:schemeClr val="tx1"/>
+                          </a:solidFill>
+                          <a:effectLst/>
+                        </a:rPr>
+                        <a:t> </a:t>
+                      </a:r>
+                      <a:endParaRPr lang="en-US" sz="1100" b="0" i="0" u="none" strike="noStrike" cap="none" spc="0">
+                        <a:solidFill>
+                          <a:schemeClr val="tx1"/>
+                        </a:solidFill>
+                        <a:effectLst/>
+                        <a:latin typeface="Calibri" panose="020F0502020204030204" pitchFamily="34" charset="0"/>
+                      </a:endParaRPr>
+                    </a:p>
+                  </a:txBody>
+                  <a:tcPr marL="58655" marR="7998" marT="16759" marB="125690" anchor="b">
+                    <a:lnL w="12700" cmpd="sng">
+                      <a:noFill/>
+                      <a:prstDash val="solid"/>
+                    </a:lnL>
+                    <a:lnR w="12700" cmpd="sng">
+                      <a:noFill/>
+                      <a:prstDash val="solid"/>
+                    </a:lnR>
+                    <a:lnT w="12700" cmpd="sng">
+                      <a:noFill/>
+                      <a:prstDash val="solid"/>
+                    </a:lnT>
+                    <a:lnB w="12700" cmpd="sng">
+                      <a:noFill/>
+                      <a:prstDash val="solid"/>
+                    </a:lnB>
+                    <a:solidFill>
+                      <a:schemeClr val="bg1">
+                        <a:lumMod val="95000"/>
+                      </a:schemeClr>
+                    </a:solidFill>
+                  </a:tcPr>
+                </a:tc>
+                <a:tc>
+                  <a:txBody>
+                    <a:bodyPr/>
+                    <a:lstStyle/>
+                    <a:p>
+                      <a:pPr algn="l" fontAlgn="b"/>
+                      <a:r>
+                        <a:rPr lang="en-US" sz="1100" u="none" strike="noStrike" cap="none" spc="0">
+                          <a:solidFill>
+                            <a:schemeClr val="tx1"/>
+                          </a:solidFill>
+                          <a:effectLst/>
+                        </a:rPr>
+                        <a:t> </a:t>
+                      </a:r>
+                      <a:endParaRPr lang="en-US" sz="1100" b="0" i="0" u="none" strike="noStrike" cap="none" spc="0">
+                        <a:solidFill>
+                          <a:schemeClr val="tx1"/>
+                        </a:solidFill>
+                        <a:effectLst/>
+                        <a:latin typeface="Calibri" panose="020F0502020204030204" pitchFamily="34" charset="0"/>
+                      </a:endParaRPr>
+                    </a:p>
+                  </a:txBody>
+                  <a:tcPr marL="58655" marR="7998" marT="16759" marB="125690" anchor="b">
+                    <a:lnL w="12700" cmpd="sng">
+                      <a:noFill/>
+                      <a:prstDash val="solid"/>
+                    </a:lnL>
+                    <a:lnR w="12700" cmpd="sng">
+                      <a:noFill/>
+                      <a:prstDash val="solid"/>
+                    </a:lnR>
+                    <a:lnT w="12700" cmpd="sng">
+                      <a:noFill/>
+                      <a:prstDash val="solid"/>
+                    </a:lnT>
+                    <a:lnB w="12700" cmpd="sng">
+                      <a:noFill/>
+                      <a:prstDash val="solid"/>
+                    </a:lnB>
+                    <a:solidFill>
+                      <a:schemeClr val="bg1">
+                        <a:lumMod val="95000"/>
+                      </a:schemeClr>
+                    </a:solidFill>
+                  </a:tcPr>
+                </a:tc>
+                <a:tc>
+                  <a:txBody>
+                    <a:bodyPr/>
+                    <a:lstStyle/>
+                    <a:p>
+                      <a:pPr algn="l" fontAlgn="b"/>
+                      <a:r>
+                        <a:rPr lang="en-US" sz="1100" u="none" strike="noStrike" cap="none" spc="0">
+                          <a:solidFill>
+                            <a:schemeClr val="tx1"/>
+                          </a:solidFill>
+                          <a:effectLst/>
+                        </a:rPr>
+                        <a:t> </a:t>
+                      </a:r>
+                      <a:endParaRPr lang="en-US" sz="1100" b="0" i="0" u="none" strike="noStrike" cap="none" spc="0">
+                        <a:solidFill>
+                          <a:schemeClr val="tx1"/>
+                        </a:solidFill>
+                        <a:effectLst/>
+                        <a:latin typeface="Calibri" panose="020F0502020204030204" pitchFamily="34" charset="0"/>
+                      </a:endParaRPr>
+                    </a:p>
+                  </a:txBody>
+                  <a:tcPr marL="58655" marR="7998" marT="16759" marB="125690" anchor="b">
+                    <a:lnL w="12700" cmpd="sng">
+                      <a:noFill/>
+                      <a:prstDash val="solid"/>
+                    </a:lnL>
+                    <a:lnR w="12700" cmpd="sng">
+                      <a:noFill/>
+                      <a:prstDash val="solid"/>
+                    </a:lnR>
+                    <a:lnT w="12700" cmpd="sng">
+                      <a:noFill/>
+                      <a:prstDash val="solid"/>
+                    </a:lnT>
+                    <a:lnB w="12700" cmpd="sng">
+                      <a:noFill/>
+                      <a:prstDash val="solid"/>
+                    </a:lnB>
+                    <a:solidFill>
+                      <a:schemeClr val="bg1">
+                        <a:lumMod val="95000"/>
+                      </a:schemeClr>
+                    </a:solidFill>
+                  </a:tcPr>
+                </a:tc>
+                <a:tc>
+                  <a:txBody>
+                    <a:bodyPr/>
+                    <a:lstStyle/>
+                    <a:p>
+                      <a:pPr algn="l" fontAlgn="b"/>
+                      <a:r>
+                        <a:rPr lang="en-US" sz="1100" u="none" strike="noStrike" cap="none" spc="0" dirty="0">
+                          <a:solidFill>
+                            <a:schemeClr val="tx1"/>
+                          </a:solidFill>
+                          <a:effectLst/>
+                        </a:rPr>
+                        <a:t> </a:t>
+                      </a:r>
+                      <a:endParaRPr lang="en-US" sz="1100" b="0" i="0" u="none" strike="noStrike" cap="none" spc="0" dirty="0">
+                        <a:solidFill>
+                          <a:schemeClr val="tx1"/>
+                        </a:solidFill>
+                        <a:effectLst/>
+                        <a:latin typeface="Calibri" panose="020F0502020204030204" pitchFamily="34" charset="0"/>
+                      </a:endParaRPr>
+                    </a:p>
+                  </a:txBody>
+                  <a:tcPr marL="58655" marR="7998" marT="16759" marB="125690" anchor="b">
+                    <a:lnL w="12700" cmpd="sng">
+                      <a:noFill/>
+                      <a:prstDash val="solid"/>
+                    </a:lnL>
+                    <a:lnR w="12700" cmpd="sng">
+                      <a:noFill/>
+                      <a:prstDash val="solid"/>
+                    </a:lnR>
+                    <a:lnT w="12700" cmpd="sng">
+                      <a:noFill/>
+                      <a:prstDash val="solid"/>
+                    </a:lnT>
+                    <a:lnB w="12700" cmpd="sng">
+                      <a:noFill/>
+                      <a:prstDash val="solid"/>
+                    </a:lnB>
+                    <a:solidFill>
+                      <a:schemeClr val="bg1">
+                        <a:lumMod val="95000"/>
+                      </a:schemeClr>
+                    </a:solidFill>
+                  </a:tcPr>
+                </a:tc>
+                <a:extLst>
+                  <a:ext uri="{0D108BD9-81ED-4DB2-BD59-A6C34878D82A}">
+                    <a16:rowId xmlns:a16="http://schemas.microsoft.com/office/drawing/2014/main" val="441141496"/>
+                  </a:ext>
+                </a:extLst>
+              </a:tr>
+            </a:tbl>
+          </a:graphicData>
+        </a:graphic>
+      </p:graphicFrame>
+      <p:sp>
+        <p:nvSpPr>
+          <p:cNvPr id="6" name="TextBox 5">
+            <a:extLst>
+              <a:ext uri="{FF2B5EF4-FFF2-40B4-BE49-F238E27FC236}">
+                <a16:creationId xmlns:a16="http://schemas.microsoft.com/office/drawing/2014/main" id="{4C481ACD-D5B6-5C6B-9DE5-7A6EACC913FB}"/>
+              </a:ext>
+            </a:extLst>
+          </p:cNvPr>
+          <p:cNvSpPr txBox="1"/>
+          <p:nvPr/>
+        </p:nvSpPr>
+        <p:spPr>
+          <a:xfrm>
+            <a:off x="0" y="4384684"/>
+            <a:ext cx="12118428" cy="2462213"/>
+          </a:xfrm>
+          <a:prstGeom prst="rect">
+            <a:avLst/>
+          </a:prstGeom>
+          <a:noFill/>
+        </p:spPr>
+        <p:txBody>
+          <a:bodyPr wrap="square" rtlCol="0">
+            <a:spAutoFit/>
+          </a:bodyPr>
+          <a:lstStyle/>
+          <a:p>
+            <a:pPr marL="285750" indent="-285750">
+              <a:buFont typeface="Arial" panose="020B0604020202020204" pitchFamily="34" charset="0"/>
+              <a:buChar char="•"/>
+            </a:pPr>
+            <a:r>
+              <a:rPr lang="en-US" sz="1400" dirty="0"/>
+              <a:t>Random Forest with actual numerical values (as opposed to dummies) produced the highest average accuracy score of 93.91%. The lowest average accuracy score was the Deep Learning model that used dummy values at 27.55%. </a:t>
+            </a:r>
+          </a:p>
+          <a:p>
+            <a:pPr marL="285750" indent="-285750">
+              <a:buFont typeface="Arial" panose="020B0604020202020204" pitchFamily="34" charset="0"/>
+              <a:buChar char="•"/>
+            </a:pPr>
+            <a:r>
+              <a:rPr lang="en-US" sz="1400" dirty="0"/>
+              <a:t>Next to the Deep Learning using dummy data, the Logistic Regression model produced the lowest average accuracy score of 80.86%. Compared to Random Forests model (Actual), it appears that Logistic Regressions was less accurate at predicting outcomes. </a:t>
+            </a:r>
+          </a:p>
+          <a:p>
+            <a:pPr marL="285750" indent="-285750">
+              <a:buFont typeface="Arial" panose="020B0604020202020204" pitchFamily="34" charset="0"/>
+              <a:buChar char="•"/>
+            </a:pPr>
+            <a:r>
+              <a:rPr lang="en-US" sz="1400" dirty="0"/>
+              <a:t>The Overall Accuracy Score indicated that the Mortgage loans group was the highest at 91.63% and closely followed by the Credit cards group at 90.2%. Overall, the Consumer loans (credit cards and mortgages) performed better than the business loans (C&amp;I and CRE) which appears to be influenced by the Deep Learning model accuracy scores. </a:t>
+            </a:r>
+          </a:p>
+          <a:p>
+            <a:pPr marL="285750" indent="-285750">
+              <a:buFont typeface="Arial" panose="020B0604020202020204" pitchFamily="34" charset="0"/>
+              <a:buChar char="•"/>
+            </a:pPr>
+            <a:r>
+              <a:rPr lang="en-US" sz="1400" dirty="0"/>
+              <a:t>The lowest performing loan group was C&amp;I loans with an 83.26% Overall Accuracy Score. This appears to be ‘across the board’ in terms of the model types, and in particular the Logistic Regression model and Deep Learning with actual numerical values model. </a:t>
+            </a:r>
+          </a:p>
+          <a:p>
+            <a:pPr marL="285750" indent="-285750">
+              <a:buFont typeface="Arial" panose="020B0604020202020204" pitchFamily="34" charset="0"/>
+              <a:buChar char="•"/>
+            </a:pPr>
+            <a:r>
+              <a:rPr lang="en-US" sz="1400" dirty="0"/>
+              <a:t>It is noted that the different loan groups contain many of the same variables however some unique variables. The group design may have had an affect on the the accuracy scores as well as the different models.</a:t>
+            </a:r>
+          </a:p>
+        </p:txBody>
+      </p:sp>
+    </p:spTree>
+    <p:extLst>
+      <p:ext uri="{BB962C8B-B14F-4D97-AF65-F5344CB8AC3E}">
+        <p14:creationId xmlns:p14="http://schemas.microsoft.com/office/powerpoint/2010/main" val="2638237521"/>
+      </p:ext>
+    </p:extLst>
+  </p:cSld>
+  <p:clrMapOvr>
+    <a:masterClrMapping/>
+  </p:clrMapOvr>
+</p:sld>
+</file>
+
+<file path=ppt/slides/slide8.xml><?xml version="1.0" encoding="utf-8"?>
+<p:sld xmlns:a="http://schemas.openxmlformats.org/drawingml/2006/main" xmlns:r="http://schemas.openxmlformats.org/officeDocument/2006/relationships" xmlns:p="http://schemas.openxmlformats.org/presentationml/2006/main">
+  <p:cSld>
+    <p:bg>
+      <p:bgPr>
+        <a:solidFill>
+          <a:schemeClr val="bg1"/>
+        </a:solidFill>
+        <a:effectLst/>
+      </p:bgPr>
+    </p:bg>
+    <p:spTree>
+      <p:nvGrpSpPr>
+        <p:cNvPr id="1" name=""/>
+        <p:cNvGrpSpPr/>
+        <p:nvPr/>
+      </p:nvGrpSpPr>
+      <p:grpSpPr>
+        <a:xfrm>
+          <a:off x="0" y="0"/>
+          <a:ext cx="0" cy="0"/>
+          <a:chOff x="0" y="0"/>
+          <a:chExt cx="0" cy="0"/>
+        </a:xfrm>
+      </p:grpSpPr>
+      <p:sp useBgFill="1">
+        <p:nvSpPr>
+          <p:cNvPr id="22" name="Rectangle 21">
+            <a:extLst>
+              <a:ext uri="{FF2B5EF4-FFF2-40B4-BE49-F238E27FC236}">
+                <a16:creationId xmlns:a16="http://schemas.microsoft.com/office/drawing/2014/main" id="{B6FACB3C-9069-4791-BC5C-0DB7CD19B853}"/>
+              </a:ext>
+              <a:ext uri="{C183D7F6-B498-43B3-948B-1728B52AA6E4}">
+                <adec:decorative xmlns:adec="http://schemas.microsoft.com/office/drawing/2017/decorative" val="1"/>
+              </a:ext>
+            </a:extLst>
+          </p:cNvPr>
+          <p:cNvSpPr>
+            <a:spLocks noGrp="1" noRot="1" noChangeAspect="1" noMove="1" noResize="1" noEditPoints="1" noAdjustHandles="1" noChangeArrowheads="1" noChangeShapeType="1" noTextEdit="1"/>
+          </p:cNvSpPr>
+          <p:nvPr>
+            <p:extLst>
+              <p:ext uri="{386F3935-93C4-4BCD-93E2-E3B085C9AB24}">
+                <p16:designElem xmlns:p16="http://schemas.microsoft.com/office/powerpoint/2015/main" val="1"/>
+              </p:ext>
+            </p:extLst>
+          </p:nvPr>
+        </p:nvSpPr>
+        <p:spPr>
+          <a:xfrm>
+            <a:off x="0" y="0"/>
+            <a:ext cx="12192000" cy="6858000"/>
+          </a:xfrm>
+          <a:prstGeom prst="rect">
+            <a:avLst/>
+          </a:prstGeom>
+          <a:ln>
+            <a:noFill/>
+          </a:ln>
+        </p:spPr>
+        <p:style>
+          <a:lnRef idx="2">
+            <a:schemeClr val="accent1">
+              <a:shade val="50000"/>
+            </a:schemeClr>
+          </a:lnRef>
+          <a:fillRef idx="1">
+            <a:schemeClr val="accent1"/>
+          </a:fillRef>
+          <a:effectRef idx="0">
+            <a:schemeClr val="accent1"/>
+          </a:effectRef>
+          <a:fontRef idx="minor">
+            <a:schemeClr val="lt1"/>
+          </a:fontRef>
+        </p:style>
+        <p:txBody>
+          <a:bodyPr rtlCol="0" anchor="ctr"/>
+          <a:lstStyle/>
+          <a:p>
+            <a:pPr algn="ctr"/>
+            <a:endParaRPr lang="en-US"/>
+          </a:p>
+        </p:txBody>
+      </p:sp>
+      <p:sp>
+        <p:nvSpPr>
+          <p:cNvPr id="24" name="Rectangle 23">
+            <a:extLst>
+              <a:ext uri="{FF2B5EF4-FFF2-40B4-BE49-F238E27FC236}">
+                <a16:creationId xmlns:a16="http://schemas.microsoft.com/office/drawing/2014/main" id="{71F2038E-D777-4B76-81DD-DD13EE91B9DD}"/>
+              </a:ext>
+              <a:ext uri="{C183D7F6-B498-43B3-948B-1728B52AA6E4}">
+                <adec:decorative xmlns:adec="http://schemas.microsoft.com/office/drawing/2017/decorative" val="1"/>
+              </a:ext>
+            </a:extLst>
+          </p:cNvPr>
+          <p:cNvSpPr>
+            <a:spLocks noGrp="1" noRot="1" noChangeAspect="1" noMove="1" noResize="1" noEditPoints="1" noAdjustHandles="1" noChangeArrowheads="1" noChangeShapeType="1" noTextEdit="1"/>
+          </p:cNvSpPr>
+          <p:nvPr>
+            <p:extLst>
+              <p:ext uri="{386F3935-93C4-4BCD-93E2-E3B085C9AB24}">
+                <p16:designElem xmlns:p16="http://schemas.microsoft.com/office/powerpoint/2015/main" val="1"/>
+              </p:ext>
+            </p:extLst>
+          </p:nvPr>
+        </p:nvSpPr>
+        <p:spPr>
+          <a:xfrm>
+            <a:off x="305" y="0"/>
+            <a:ext cx="12191695" cy="6858000"/>
+          </a:xfrm>
+          <a:prstGeom prst="rect">
+            <a:avLst/>
+          </a:prstGeom>
+          <a:solidFill>
+            <a:schemeClr val="bg1"/>
+          </a:solidFill>
+          <a:ln>
+            <a:noFill/>
+          </a:ln>
+        </p:spPr>
+        <p:style>
+          <a:lnRef idx="2">
+            <a:schemeClr val="accent1">
+              <a:shade val="50000"/>
+            </a:schemeClr>
+          </a:lnRef>
+          <a:fillRef idx="1">
+            <a:schemeClr val="accent1"/>
+          </a:fillRef>
+          <a:effectRef idx="0">
+            <a:schemeClr val="accent1"/>
+          </a:effectRef>
+          <a:fontRef idx="minor">
+            <a:schemeClr val="lt1"/>
+          </a:fontRef>
+        </p:style>
+        <p:txBody>
+          <a:bodyPr rtlCol="0" anchor="ctr"/>
+          <a:lstStyle/>
+          <a:p>
+            <a:pPr algn="ctr"/>
+            <a:endParaRPr lang="en-US"/>
+          </a:p>
+        </p:txBody>
+      </p:sp>
+      <p:sp>
+        <p:nvSpPr>
+          <p:cNvPr id="2" name="Title 1">
+            <a:extLst>
+              <a:ext uri="{FF2B5EF4-FFF2-40B4-BE49-F238E27FC236}">
+                <a16:creationId xmlns:a16="http://schemas.microsoft.com/office/drawing/2014/main" id="{4A290CDB-CD59-0B5E-3A3E-586279622B7B}"/>
+              </a:ext>
+            </a:extLst>
+          </p:cNvPr>
+          <p:cNvSpPr>
+            <a:spLocks noGrp="1"/>
+          </p:cNvSpPr>
+          <p:nvPr>
+            <p:ph type="title"/>
+          </p:nvPr>
+        </p:nvSpPr>
+        <p:spPr>
+          <a:xfrm>
+            <a:off x="525955" y="336406"/>
+            <a:ext cx="4766330" cy="1454051"/>
+          </a:xfrm>
+        </p:spPr>
+        <p:txBody>
+          <a:bodyPr vert="horz" lIns="91440" tIns="45720" rIns="91440" bIns="45720" rtlCol="0" anchor="ctr">
+            <a:normAutofit/>
+          </a:bodyPr>
+          <a:lstStyle/>
+          <a:p>
+            <a:r>
+              <a:rPr lang="en-US" sz="3600" kern="1200" dirty="0">
+                <a:solidFill>
+                  <a:schemeClr val="tx2"/>
+                </a:solidFill>
+                <a:latin typeface="+mj-lt"/>
+                <a:ea typeface="+mj-ea"/>
+                <a:cs typeface="+mj-cs"/>
+              </a:rPr>
+              <a:t>Future Considerations with the data</a:t>
+            </a:r>
+          </a:p>
+        </p:txBody>
+      </p:sp>
+      <p:sp>
+        <p:nvSpPr>
+          <p:cNvPr id="3" name="TextBox 2">
+            <a:extLst>
+              <a:ext uri="{FF2B5EF4-FFF2-40B4-BE49-F238E27FC236}">
+                <a16:creationId xmlns:a16="http://schemas.microsoft.com/office/drawing/2014/main" id="{C165B33A-CE10-90E2-1206-1A672911A4E7}"/>
+              </a:ext>
+            </a:extLst>
+          </p:cNvPr>
+          <p:cNvSpPr txBox="1"/>
+          <p:nvPr/>
+        </p:nvSpPr>
+        <p:spPr>
+          <a:xfrm>
+            <a:off x="0" y="1965434"/>
+            <a:ext cx="5570621" cy="4892566"/>
+          </a:xfrm>
+          <a:prstGeom prst="rect">
+            <a:avLst/>
+          </a:prstGeom>
+        </p:spPr>
+        <p:txBody>
+          <a:bodyPr vert="horz" lIns="91440" tIns="45720" rIns="91440" bIns="45720" rtlCol="0" anchor="t">
+            <a:normAutofit lnSpcReduction="10000"/>
+          </a:bodyPr>
+          <a:lstStyle/>
+          <a:p>
+            <a:pPr marL="285750" indent="-228600">
+              <a:lnSpc>
+                <a:spcPct val="90000"/>
+              </a:lnSpc>
+              <a:spcAft>
+                <a:spcPts val="600"/>
+              </a:spcAft>
+              <a:buFont typeface="Arial" panose="020B0604020202020204" pitchFamily="34" charset="0"/>
+              <a:buChar char="•"/>
+            </a:pPr>
+            <a:r>
+              <a:rPr lang="en-US" sz="1400" dirty="0">
+                <a:solidFill>
+                  <a:schemeClr val="tx2"/>
+                </a:solidFill>
+              </a:rPr>
+              <a:t>Time elements could be tested with the existing data set and run through all the models used in Project 4: Time lags and Time deltas.</a:t>
+            </a:r>
+          </a:p>
+          <a:p>
+            <a:pPr marL="285750" indent="-228600">
+              <a:lnSpc>
+                <a:spcPct val="90000"/>
+              </a:lnSpc>
+              <a:spcAft>
+                <a:spcPts val="600"/>
+              </a:spcAft>
+              <a:buFont typeface="Arial" panose="020B0604020202020204" pitchFamily="34" charset="0"/>
+              <a:buChar char="•"/>
+            </a:pPr>
+            <a:r>
+              <a:rPr lang="en-US" sz="1400" dirty="0">
+                <a:solidFill>
+                  <a:schemeClr val="tx2"/>
+                </a:solidFill>
+              </a:rPr>
+              <a:t>Time lags would effectively ‘lag’ one or more variables by a period of months. For example, loan charge offs may lag between loan delinquencies and a rising unemployment rate.</a:t>
+            </a:r>
+          </a:p>
+          <a:p>
+            <a:pPr marL="285750" indent="-228600">
+              <a:lnSpc>
+                <a:spcPct val="90000"/>
+              </a:lnSpc>
+              <a:spcAft>
+                <a:spcPts val="600"/>
+              </a:spcAft>
+              <a:buFont typeface="Arial" panose="020B0604020202020204" pitchFamily="34" charset="0"/>
+              <a:buChar char="•"/>
+            </a:pPr>
+            <a:r>
+              <a:rPr lang="en-US" sz="1400" dirty="0">
+                <a:solidFill>
+                  <a:schemeClr val="tx2"/>
+                </a:solidFill>
+              </a:rPr>
+              <a:t>Time deltas would calculate the difference between two different points in time for one or more variables. This could reveal if the change in a variable’s value had an affect on loan charge offs. </a:t>
+            </a:r>
+          </a:p>
+          <a:p>
+            <a:pPr marL="285750" indent="-228600">
+              <a:lnSpc>
+                <a:spcPct val="90000"/>
+              </a:lnSpc>
+              <a:spcAft>
+                <a:spcPts val="600"/>
+              </a:spcAft>
+              <a:buFont typeface="Arial" panose="020B0604020202020204" pitchFamily="34" charset="0"/>
+              <a:buChar char="•"/>
+            </a:pPr>
+            <a:r>
+              <a:rPr lang="en-US" sz="1400" dirty="0">
+                <a:solidFill>
+                  <a:schemeClr val="tx2"/>
+                </a:solidFill>
+              </a:rPr>
+              <a:t>Other considerations for further studies could be expanding the existing data set where it is possible with the existing variables. For example, what would the accuracy scores look like scaled up 10 times, or 100 times? </a:t>
+            </a:r>
+          </a:p>
+          <a:p>
+            <a:pPr marL="742950" lvl="1" indent="-228600">
+              <a:lnSpc>
+                <a:spcPct val="90000"/>
+              </a:lnSpc>
+              <a:spcAft>
+                <a:spcPts val="600"/>
+              </a:spcAft>
+              <a:buFont typeface="Arial" panose="020B0604020202020204" pitchFamily="34" charset="0"/>
+              <a:buChar char="•"/>
+            </a:pPr>
+            <a:r>
+              <a:rPr lang="en-US" sz="1400" dirty="0">
+                <a:solidFill>
+                  <a:schemeClr val="tx2"/>
+                </a:solidFill>
+              </a:rPr>
+              <a:t>There may be limits to scaling up economic variables, however variables such as delinquency rates could hypothetically be measured on a weekly or even daily basis, thus providing a much larger dataset. </a:t>
+            </a:r>
+          </a:p>
+          <a:p>
+            <a:pPr marL="285750" indent="-228600">
+              <a:lnSpc>
+                <a:spcPct val="90000"/>
+              </a:lnSpc>
+              <a:spcAft>
+                <a:spcPts val="600"/>
+              </a:spcAft>
+              <a:buFont typeface="Arial" panose="020B0604020202020204" pitchFamily="34" charset="0"/>
+              <a:buChar char="•"/>
+            </a:pPr>
+            <a:r>
+              <a:rPr lang="en-US" sz="1400" dirty="0">
+                <a:solidFill>
+                  <a:schemeClr val="tx2"/>
+                </a:solidFill>
+              </a:rPr>
+              <a:t>Finally, the selection of independent variables could be expanded, changed and reconfigured. For example, further studies on variables and conditions related to C&amp;I loan charges could be explored. </a:t>
+            </a:r>
+          </a:p>
+          <a:p>
+            <a:pPr marL="285750" indent="-228600">
+              <a:lnSpc>
+                <a:spcPct val="90000"/>
+              </a:lnSpc>
+              <a:spcAft>
+                <a:spcPts val="600"/>
+              </a:spcAft>
+              <a:buFont typeface="Arial" panose="020B0604020202020204" pitchFamily="34" charset="0"/>
+              <a:buChar char="•"/>
+            </a:pPr>
+            <a:endParaRPr lang="en-US" sz="1400" dirty="0">
+              <a:solidFill>
+                <a:schemeClr val="tx2"/>
+              </a:solidFill>
+            </a:endParaRPr>
+          </a:p>
+          <a:p>
+            <a:pPr marL="285750" indent="-228600">
+              <a:lnSpc>
+                <a:spcPct val="90000"/>
+              </a:lnSpc>
+              <a:spcAft>
+                <a:spcPts val="600"/>
+              </a:spcAft>
+              <a:buFont typeface="Arial" panose="020B0604020202020204" pitchFamily="34" charset="0"/>
+              <a:buChar char="•"/>
+            </a:pPr>
+            <a:r>
+              <a:rPr lang="en-US" sz="1400" dirty="0">
+                <a:solidFill>
+                  <a:schemeClr val="tx2"/>
+                </a:solidFill>
+              </a:rPr>
+              <a:t>Note: The Correlation Matrix to the right shows that the majority of all 4 loan groups’ delinquencies, charge offs and the unemployment rate are positively correlated. </a:t>
+            </a:r>
+          </a:p>
+        </p:txBody>
+      </p:sp>
+      <p:grpSp>
+        <p:nvGrpSpPr>
+          <p:cNvPr id="26" name="Group 25">
+            <a:extLst>
+              <a:ext uri="{FF2B5EF4-FFF2-40B4-BE49-F238E27FC236}">
+                <a16:creationId xmlns:a16="http://schemas.microsoft.com/office/drawing/2014/main" id="{DD354807-230F-4402-B1B9-F733A8F1F190}"/>
+              </a:ext>
+              <a:ext uri="{C183D7F6-B498-43B3-948B-1728B52AA6E4}">
+                <adec:decorative xmlns:adec="http://schemas.microsoft.com/office/drawing/2017/decorative" val="1"/>
+              </a:ext>
+            </a:extLst>
+          </p:cNvPr>
+          <p:cNvGrpSpPr>
+            <a:grpSpLocks noGrp="1" noUngrp="1" noRot="1" noChangeAspect="1" noMove="1" noResize="1"/>
+          </p:cNvGrpSpPr>
+          <p:nvPr>
+            <p:extLst>
+              <p:ext uri="{386F3935-93C4-4BCD-93E2-E3B085C9AB24}">
+                <p16:designElem xmlns:p16="http://schemas.microsoft.com/office/powerpoint/2015/main" val="1"/>
+              </p:ext>
+            </p:extLst>
+          </p:nvPr>
+        </p:nvGrpSpPr>
+        <p:grpSpPr>
+          <a:xfrm>
+            <a:off x="5818240" y="-16714"/>
+            <a:ext cx="6373761" cy="6874714"/>
+            <a:chOff x="5818240" y="-1"/>
+            <a:chExt cx="6373761" cy="6874714"/>
+          </a:xfrm>
+        </p:grpSpPr>
+        <p:sp>
+          <p:nvSpPr>
+            <p:cNvPr id="27" name="Freeform: Shape 26">
+              <a:extLst>
+                <a:ext uri="{FF2B5EF4-FFF2-40B4-BE49-F238E27FC236}">
+                  <a16:creationId xmlns:a16="http://schemas.microsoft.com/office/drawing/2014/main" id="{BF5A6F4A-CE87-4D5C-9382-8167967CE813}"/>
+                </a:ext>
+                <a:ext uri="{C183D7F6-B498-43B3-948B-1728B52AA6E4}">
+                  <adec:decorative xmlns:adec="http://schemas.microsoft.com/office/drawing/2017/decorative" val="1"/>
+                </a:ext>
+              </a:extLst>
+            </p:cNvPr>
+            <p:cNvSpPr/>
+            <p:nvPr>
+              <p:extLst>
+                <p:ext uri="{386F3935-93C4-4BCD-93E2-E3B085C9AB24}">
+                  <p16:designElem xmlns:p16="http://schemas.microsoft.com/office/powerpoint/2015/main" val="1"/>
+                </p:ext>
+              </p:extLst>
+            </p:nvPr>
+          </p:nvSpPr>
+          <p:spPr>
+            <a:xfrm>
+              <a:off x="5818240" y="-1"/>
+              <a:ext cx="6373761" cy="6874714"/>
+            </a:xfrm>
+            <a:custGeom>
+              <a:avLst/>
+              <a:gdLst>
+                <a:gd name="connsiteX0" fmla="*/ 6373761 w 6373761"/>
+                <a:gd name="connsiteY0" fmla="*/ 5771297 h 6874714"/>
+                <a:gd name="connsiteX1" fmla="*/ 6373761 w 6373761"/>
+                <a:gd name="connsiteY1" fmla="*/ 6247960 h 6874714"/>
+                <a:gd name="connsiteX2" fmla="*/ 6235932 w 6373761"/>
+                <a:gd name="connsiteY2" fmla="*/ 6361930 h 6874714"/>
+                <a:gd name="connsiteX3" fmla="*/ 5960375 w 6373761"/>
+                <a:gd name="connsiteY3" fmla="*/ 6587489 h 6874714"/>
+                <a:gd name="connsiteX4" fmla="*/ 5822907 w 6373761"/>
+                <a:gd name="connsiteY4" fmla="*/ 6701871 h 6874714"/>
+                <a:gd name="connsiteX5" fmla="*/ 5681115 w 6373761"/>
+                <a:gd name="connsiteY5" fmla="*/ 6816896 h 6874714"/>
+                <a:gd name="connsiteX6" fmla="*/ 5604096 w 6373761"/>
+                <a:gd name="connsiteY6" fmla="*/ 6874714 h 6874714"/>
+                <a:gd name="connsiteX7" fmla="*/ 4878485 w 6373761"/>
+                <a:gd name="connsiteY7" fmla="*/ 6874714 h 6874714"/>
+                <a:gd name="connsiteX8" fmla="*/ 5006014 w 6373761"/>
+                <a:gd name="connsiteY8" fmla="*/ 6800200 h 6874714"/>
+                <a:gd name="connsiteX9" fmla="*/ 5149855 w 6373761"/>
+                <a:gd name="connsiteY9" fmla="*/ 6707667 h 6874714"/>
+                <a:gd name="connsiteX10" fmla="*/ 5431866 w 6373761"/>
+                <a:gd name="connsiteY10" fmla="*/ 6506210 h 6874714"/>
+                <a:gd name="connsiteX11" fmla="*/ 5571036 w 6373761"/>
+                <a:gd name="connsiteY11" fmla="*/ 6399557 h 6874714"/>
+                <a:gd name="connsiteX12" fmla="*/ 5711649 w 6373761"/>
+                <a:gd name="connsiteY12" fmla="*/ 6288912 h 6874714"/>
+                <a:gd name="connsiteX13" fmla="*/ 6276589 w 6373761"/>
+                <a:gd name="connsiteY13" fmla="*/ 5852379 h 6874714"/>
+                <a:gd name="connsiteX14" fmla="*/ 3975975 w 6373761"/>
+                <a:gd name="connsiteY14" fmla="*/ 263 h 6874714"/>
+                <a:gd name="connsiteX15" fmla="*/ 4350473 w 6373761"/>
+                <a:gd name="connsiteY15" fmla="*/ 24963 h 6874714"/>
+                <a:gd name="connsiteX16" fmla="*/ 5077909 w 6373761"/>
+                <a:gd name="connsiteY16" fmla="*/ 189450 h 6874714"/>
+                <a:gd name="connsiteX17" fmla="*/ 5746507 w 6373761"/>
+                <a:gd name="connsiteY17" fmla="*/ 505804 h 6874714"/>
+                <a:gd name="connsiteX18" fmla="*/ 6322456 w 6373761"/>
+                <a:gd name="connsiteY18" fmla="*/ 956633 h 6874714"/>
+                <a:gd name="connsiteX19" fmla="*/ 6373761 w 6373761"/>
+                <a:gd name="connsiteY19" fmla="*/ 1011863 h 6874714"/>
+                <a:gd name="connsiteX20" fmla="*/ 6373761 w 6373761"/>
+                <a:gd name="connsiteY20" fmla="*/ 1185075 h 6874714"/>
+                <a:gd name="connsiteX21" fmla="*/ 6359489 w 6373761"/>
+                <a:gd name="connsiteY21" fmla="*/ 1169497 h 6874714"/>
+                <a:gd name="connsiteX22" fmla="*/ 6233869 w 6373761"/>
+                <a:gd name="connsiteY22" fmla="*/ 1047442 h 6874714"/>
+                <a:gd name="connsiteX23" fmla="*/ 5961423 w 6373761"/>
+                <a:gd name="connsiteY23" fmla="*/ 827953 h 6874714"/>
+                <a:gd name="connsiteX24" fmla="*/ 5663555 w 6373761"/>
+                <a:gd name="connsiteY24" fmla="*/ 645304 h 6874714"/>
+                <a:gd name="connsiteX25" fmla="*/ 5013827 w 6373761"/>
+                <a:gd name="connsiteY25" fmla="*/ 397863 h 6874714"/>
+                <a:gd name="connsiteX26" fmla="*/ 4327409 w 6373761"/>
+                <a:gd name="connsiteY26" fmla="*/ 302545 h 6874714"/>
+                <a:gd name="connsiteX27" fmla="*/ 3639939 w 6373761"/>
+                <a:gd name="connsiteY27" fmla="*/ 338868 h 6874714"/>
+                <a:gd name="connsiteX28" fmla="*/ 3302495 w 6373761"/>
+                <a:gd name="connsiteY28" fmla="*/ 403659 h 6874714"/>
+                <a:gd name="connsiteX29" fmla="*/ 2971604 w 6373761"/>
+                <a:gd name="connsiteY29" fmla="*/ 496273 h 6874714"/>
+                <a:gd name="connsiteX30" fmla="*/ 2648706 w 6373761"/>
+                <a:gd name="connsiteY30" fmla="*/ 614389 h 6874714"/>
+                <a:gd name="connsiteX31" fmla="*/ 2335374 w 6373761"/>
+                <a:gd name="connsiteY31" fmla="*/ 757109 h 6874714"/>
+                <a:gd name="connsiteX32" fmla="*/ 1741342 w 6373761"/>
+                <a:gd name="connsiteY32" fmla="*/ 1107725 h 6874714"/>
+                <a:gd name="connsiteX33" fmla="*/ 1600861 w 6373761"/>
+                <a:gd name="connsiteY33" fmla="*/ 1208710 h 6874714"/>
+                <a:gd name="connsiteX34" fmla="*/ 1531799 w 6373761"/>
+                <a:gd name="connsiteY34" fmla="*/ 1260879 h 6874714"/>
+                <a:gd name="connsiteX35" fmla="*/ 1463655 w 6373761"/>
+                <a:gd name="connsiteY35" fmla="*/ 1314333 h 6874714"/>
+                <a:gd name="connsiteX36" fmla="*/ 1200777 w 6373761"/>
+                <a:gd name="connsiteY36" fmla="*/ 1541166 h 6874714"/>
+                <a:gd name="connsiteX37" fmla="*/ 731501 w 6373761"/>
+                <a:gd name="connsiteY37" fmla="*/ 2055754 h 6874714"/>
+                <a:gd name="connsiteX38" fmla="*/ 531393 w 6373761"/>
+                <a:gd name="connsiteY38" fmla="*/ 2342739 h 6874714"/>
+                <a:gd name="connsiteX39" fmla="*/ 361033 w 6373761"/>
+                <a:gd name="connsiteY39" fmla="*/ 2649046 h 6874714"/>
+                <a:gd name="connsiteX40" fmla="*/ 323292 w 6373761"/>
+                <a:gd name="connsiteY40" fmla="*/ 2728263 h 6874714"/>
+                <a:gd name="connsiteX41" fmla="*/ 304945 w 6373761"/>
+                <a:gd name="connsiteY41" fmla="*/ 2768193 h 6874714"/>
+                <a:gd name="connsiteX42" fmla="*/ 287516 w 6373761"/>
+                <a:gd name="connsiteY42" fmla="*/ 2808510 h 6874714"/>
+                <a:gd name="connsiteX43" fmla="*/ 254230 w 6373761"/>
+                <a:gd name="connsiteY43" fmla="*/ 2889788 h 6874714"/>
+                <a:gd name="connsiteX44" fmla="*/ 223042 w 6373761"/>
+                <a:gd name="connsiteY44" fmla="*/ 2971968 h 6874714"/>
+                <a:gd name="connsiteX45" fmla="*/ 121611 w 6373761"/>
+                <a:gd name="connsiteY45" fmla="*/ 3308544 h 6874714"/>
+                <a:gd name="connsiteX46" fmla="*/ 39314 w 6373761"/>
+                <a:gd name="connsiteY46" fmla="*/ 4005912 h 6874714"/>
+                <a:gd name="connsiteX47" fmla="*/ 73910 w 6373761"/>
+                <a:gd name="connsiteY47" fmla="*/ 4354081 h 6874714"/>
+                <a:gd name="connsiteX48" fmla="*/ 179534 w 6373761"/>
+                <a:gd name="connsiteY48" fmla="*/ 4687050 h 6874714"/>
+                <a:gd name="connsiteX49" fmla="*/ 215964 w 6373761"/>
+                <a:gd name="connsiteY49" fmla="*/ 4766654 h 6874714"/>
+                <a:gd name="connsiteX50" fmla="*/ 256457 w 6373761"/>
+                <a:gd name="connsiteY50" fmla="*/ 4844455 h 6874714"/>
+                <a:gd name="connsiteX51" fmla="*/ 346225 w 6373761"/>
+                <a:gd name="connsiteY51" fmla="*/ 4995290 h 6874714"/>
+                <a:gd name="connsiteX52" fmla="*/ 445296 w 6373761"/>
+                <a:gd name="connsiteY52" fmla="*/ 5140971 h 6874714"/>
+                <a:gd name="connsiteX53" fmla="*/ 551443 w 6373761"/>
+                <a:gd name="connsiteY53" fmla="*/ 5282531 h 6874714"/>
+                <a:gd name="connsiteX54" fmla="*/ 772387 w 6373761"/>
+                <a:gd name="connsiteY54" fmla="*/ 5562561 h 6874714"/>
+                <a:gd name="connsiteX55" fmla="*/ 882858 w 6373761"/>
+                <a:gd name="connsiteY55" fmla="*/ 5704507 h 6874714"/>
+                <a:gd name="connsiteX56" fmla="*/ 990316 w 6373761"/>
+                <a:gd name="connsiteY56" fmla="*/ 5848258 h 6874714"/>
+                <a:gd name="connsiteX57" fmla="*/ 1097774 w 6373761"/>
+                <a:gd name="connsiteY57" fmla="*/ 5987114 h 6874714"/>
+                <a:gd name="connsiteX58" fmla="*/ 1210080 w 6373761"/>
+                <a:gd name="connsiteY58" fmla="*/ 6121203 h 6874714"/>
+                <a:gd name="connsiteX59" fmla="*/ 1448192 w 6373761"/>
+                <a:gd name="connsiteY59" fmla="*/ 6374054 h 6874714"/>
+                <a:gd name="connsiteX60" fmla="*/ 1982991 w 6373761"/>
+                <a:gd name="connsiteY60" fmla="*/ 6796158 h 6874714"/>
+                <a:gd name="connsiteX61" fmla="*/ 2118475 w 6373761"/>
+                <a:gd name="connsiteY61" fmla="*/ 6874714 h 6874714"/>
+                <a:gd name="connsiteX62" fmla="*/ 1569874 w 6373761"/>
+                <a:gd name="connsiteY62" fmla="*/ 6874714 h 6874714"/>
+                <a:gd name="connsiteX63" fmla="*/ 1507802 w 6373761"/>
+                <a:gd name="connsiteY63" fmla="*/ 6817815 h 6874714"/>
+                <a:gd name="connsiteX64" fmla="*/ 1256865 w 6373761"/>
+                <a:gd name="connsiteY64" fmla="*/ 6543437 h 6874714"/>
+                <a:gd name="connsiteX65" fmla="*/ 1038410 w 6373761"/>
+                <a:gd name="connsiteY65" fmla="*/ 6248722 h 6874714"/>
+                <a:gd name="connsiteX66" fmla="*/ 845380 w 6373761"/>
+                <a:gd name="connsiteY66" fmla="*/ 5941386 h 6874714"/>
+                <a:gd name="connsiteX67" fmla="*/ 755351 w 6373761"/>
+                <a:gd name="connsiteY67" fmla="*/ 5788877 h 6874714"/>
+                <a:gd name="connsiteX68" fmla="*/ 661784 w 6373761"/>
+                <a:gd name="connsiteY68" fmla="*/ 5638944 h 6874714"/>
+                <a:gd name="connsiteX69" fmla="*/ 466525 w 6373761"/>
+                <a:gd name="connsiteY69" fmla="*/ 5340366 h 6874714"/>
+                <a:gd name="connsiteX70" fmla="*/ 370992 w 6373761"/>
+                <a:gd name="connsiteY70" fmla="*/ 5188502 h 6874714"/>
+                <a:gd name="connsiteX71" fmla="*/ 280046 w 6373761"/>
+                <a:gd name="connsiteY71" fmla="*/ 5033287 h 6874714"/>
+                <a:gd name="connsiteX72" fmla="*/ 126853 w 6373761"/>
+                <a:gd name="connsiteY72" fmla="*/ 4707660 h 6874714"/>
+                <a:gd name="connsiteX73" fmla="*/ 30272 w 6373761"/>
+                <a:gd name="connsiteY73" fmla="*/ 4362068 h 6874714"/>
+                <a:gd name="connsiteX74" fmla="*/ 0 w 6373761"/>
+                <a:gd name="connsiteY74" fmla="*/ 4005912 h 6874714"/>
+                <a:gd name="connsiteX75" fmla="*/ 270480 w 6373761"/>
+                <a:gd name="connsiteY75" fmla="*/ 2610532 h 6874714"/>
+                <a:gd name="connsiteX76" fmla="*/ 415942 w 6373761"/>
+                <a:gd name="connsiteY76" fmla="*/ 2280526 h 6874714"/>
+                <a:gd name="connsiteX77" fmla="*/ 590102 w 6373761"/>
+                <a:gd name="connsiteY77" fmla="*/ 1962626 h 6874714"/>
+                <a:gd name="connsiteX78" fmla="*/ 1020719 w 6373761"/>
+                <a:gd name="connsiteY78" fmla="*/ 1373070 h 6874714"/>
+                <a:gd name="connsiteX79" fmla="*/ 1275080 w 6373761"/>
+                <a:gd name="connsiteY79" fmla="*/ 1107081 h 6874714"/>
+                <a:gd name="connsiteX80" fmla="*/ 1342437 w 6373761"/>
+                <a:gd name="connsiteY80" fmla="*/ 1043965 h 6874714"/>
+                <a:gd name="connsiteX81" fmla="*/ 1411106 w 6373761"/>
+                <a:gd name="connsiteY81" fmla="*/ 982138 h 6874714"/>
+                <a:gd name="connsiteX82" fmla="*/ 1553029 w 6373761"/>
+                <a:gd name="connsiteY82" fmla="*/ 863376 h 6874714"/>
+                <a:gd name="connsiteX83" fmla="*/ 2173401 w 6373761"/>
+                <a:gd name="connsiteY83" fmla="*/ 454409 h 6874714"/>
+                <a:gd name="connsiteX84" fmla="*/ 3599708 w 6373761"/>
+                <a:gd name="connsiteY84" fmla="*/ 16332 h 6874714"/>
+                <a:gd name="connsiteX85" fmla="*/ 3975975 w 6373761"/>
+                <a:gd name="connsiteY85" fmla="*/ 263 h 6874714"/>
+              </a:gdLst>
+              <a:ahLst/>
+              <a:cxnLst>
+                <a:cxn ang="0">
+                  <a:pos x="connsiteX0" y="connsiteY0"/>
+                </a:cxn>
+                <a:cxn ang="0">
+                  <a:pos x="connsiteX1" y="connsiteY1"/>
+                </a:cxn>
+                <a:cxn ang="0">
+                  <a:pos x="connsiteX2" y="connsiteY2"/>
+                </a:cxn>
+                <a:cxn ang="0">
+                  <a:pos x="connsiteX3" y="connsiteY3"/>
+                </a:cxn>
+                <a:cxn ang="0">
+                  <a:pos x="connsiteX4" y="connsiteY4"/>
+                </a:cxn>
+                <a:cxn ang="0">
+                  <a:pos x="connsiteX5" y="connsiteY5"/>
+                </a:cxn>
+                <a:cxn ang="0">
+                  <a:pos x="connsiteX6" y="connsiteY6"/>
+                </a:cxn>
+                <a:cxn ang="0">
+                  <a:pos x="connsiteX7" y="connsiteY7"/>
+                </a:cxn>
+                <a:cxn ang="0">
+                  <a:pos x="connsiteX8" y="connsiteY8"/>
+                </a:cxn>
+                <a:cxn ang="0">
+                  <a:pos x="connsiteX9" y="connsiteY9"/>
+                </a:cxn>
+                <a:cxn ang="0">
+                  <a:pos x="connsiteX10" y="connsiteY10"/>
+                </a:cxn>
+                <a:cxn ang="0">
+                  <a:pos x="connsiteX11" y="connsiteY11"/>
+                </a:cxn>
+                <a:cxn ang="0">
+                  <a:pos x="connsiteX12" y="connsiteY12"/>
+                </a:cxn>
+                <a:cxn ang="0">
+                  <a:pos x="connsiteX13" y="connsiteY13"/>
+                </a:cxn>
+                <a:cxn ang="0">
+                  <a:pos x="connsiteX14" y="connsiteY14"/>
+                </a:cxn>
+                <a:cxn ang="0">
+                  <a:pos x="connsiteX15" y="connsiteY15"/>
+                </a:cxn>
+                <a:cxn ang="0">
+                  <a:pos x="connsiteX16" y="connsiteY16"/>
+                </a:cxn>
+                <a:cxn ang="0">
+                  <a:pos x="connsiteX17" y="connsiteY17"/>
+                </a:cxn>
+                <a:cxn ang="0">
+                  <a:pos x="connsiteX18" y="connsiteY18"/>
+                </a:cxn>
+                <a:cxn ang="0">
+                  <a:pos x="connsiteX19" y="connsiteY19"/>
+                </a:cxn>
+                <a:cxn ang="0">
+                  <a:pos x="connsiteX20" y="connsiteY20"/>
+                </a:cxn>
+                <a:cxn ang="0">
+                  <a:pos x="connsiteX21" y="connsiteY21"/>
+                </a:cxn>
+                <a:cxn ang="0">
+                  <a:pos x="connsiteX22" y="connsiteY22"/>
+                </a:cxn>
+                <a:cxn ang="0">
+                  <a:pos x="connsiteX23" y="connsiteY23"/>
+                </a:cxn>
+                <a:cxn ang="0">
+                  <a:pos x="connsiteX24" y="connsiteY24"/>
+                </a:cxn>
+                <a:cxn ang="0">
+                  <a:pos x="connsiteX25" y="connsiteY25"/>
+                </a:cxn>
+                <a:cxn ang="0">
+                  <a:pos x="connsiteX26" y="connsiteY26"/>
+                </a:cxn>
+                <a:cxn ang="0">
+                  <a:pos x="connsiteX27" y="connsiteY27"/>
+                </a:cxn>
+                <a:cxn ang="0">
+                  <a:pos x="connsiteX28" y="connsiteY28"/>
+                </a:cxn>
+                <a:cxn ang="0">
+                  <a:pos x="connsiteX29" y="connsiteY29"/>
+                </a:cxn>
+                <a:cxn ang="0">
+                  <a:pos x="connsiteX30" y="connsiteY30"/>
+                </a:cxn>
+                <a:cxn ang="0">
+                  <a:pos x="connsiteX31" y="connsiteY31"/>
+                </a:cxn>
+                <a:cxn ang="0">
+                  <a:pos x="connsiteX32" y="connsiteY32"/>
+                </a:cxn>
+                <a:cxn ang="0">
+                  <a:pos x="connsiteX33" y="connsiteY33"/>
+                </a:cxn>
+                <a:cxn ang="0">
+                  <a:pos x="connsiteX34" y="connsiteY34"/>
+                </a:cxn>
+                <a:cxn ang="0">
+                  <a:pos x="connsiteX35" y="connsiteY35"/>
+                </a:cxn>
+                <a:cxn ang="0">
+                  <a:pos x="connsiteX36" y="connsiteY36"/>
+                </a:cxn>
+                <a:cxn ang="0">
+                  <a:pos x="connsiteX37" y="connsiteY37"/>
+                </a:cxn>
+                <a:cxn ang="0">
+                  <a:pos x="connsiteX38" y="connsiteY38"/>
+                </a:cxn>
+                <a:cxn ang="0">
+                  <a:pos x="connsiteX39" y="connsiteY39"/>
+                </a:cxn>
+                <a:cxn ang="0">
+                  <a:pos x="connsiteX40" y="connsiteY40"/>
+                </a:cxn>
+                <a:cxn ang="0">
+                  <a:pos x="connsiteX41" y="connsiteY41"/>
+                </a:cxn>
+                <a:cxn ang="0">
+                  <a:pos x="connsiteX42" y="connsiteY42"/>
+                </a:cxn>
+                <a:cxn ang="0">
+                  <a:pos x="connsiteX43" y="connsiteY43"/>
+                </a:cxn>
+                <a:cxn ang="0">
+                  <a:pos x="connsiteX44" y="connsiteY44"/>
+                </a:cxn>
+                <a:cxn ang="0">
+                  <a:pos x="connsiteX45" y="connsiteY45"/>
+                </a:cxn>
+                <a:cxn ang="0">
+                  <a:pos x="connsiteX46" y="connsiteY46"/>
+                </a:cxn>
+                <a:cxn ang="0">
+                  <a:pos x="connsiteX47" y="connsiteY47"/>
+                </a:cxn>
+                <a:cxn ang="0">
+                  <a:pos x="connsiteX48" y="connsiteY48"/>
+                </a:cxn>
+                <a:cxn ang="0">
+                  <a:pos x="connsiteX49" y="connsiteY49"/>
+                </a:cxn>
+                <a:cxn ang="0">
+                  <a:pos x="connsiteX50" y="connsiteY50"/>
+                </a:cxn>
+                <a:cxn ang="0">
+                  <a:pos x="connsiteX51" y="connsiteY51"/>
+                </a:cxn>
+                <a:cxn ang="0">
+                  <a:pos x="connsiteX52" y="connsiteY52"/>
+                </a:cxn>
+                <a:cxn ang="0">
+                  <a:pos x="connsiteX53" y="connsiteY53"/>
+                </a:cxn>
+                <a:cxn ang="0">
+                  <a:pos x="connsiteX54" y="connsiteY54"/>
+                </a:cxn>
+                <a:cxn ang="0">
+                  <a:pos x="connsiteX55" y="connsiteY55"/>
+                </a:cxn>
+                <a:cxn ang="0">
+                  <a:pos x="connsiteX56" y="connsiteY56"/>
+                </a:cxn>
+                <a:cxn ang="0">
+                  <a:pos x="connsiteX57" y="connsiteY57"/>
+                </a:cxn>
+                <a:cxn ang="0">
+                  <a:pos x="connsiteX58" y="connsiteY58"/>
+                </a:cxn>
+                <a:cxn ang="0">
+                  <a:pos x="connsiteX59" y="connsiteY59"/>
+                </a:cxn>
+                <a:cxn ang="0">
+                  <a:pos x="connsiteX60" y="connsiteY60"/>
+                </a:cxn>
+                <a:cxn ang="0">
+                  <a:pos x="connsiteX61" y="connsiteY61"/>
+                </a:cxn>
+                <a:cxn ang="0">
+                  <a:pos x="connsiteX62" y="connsiteY62"/>
+                </a:cxn>
+                <a:cxn ang="0">
+                  <a:pos x="connsiteX63" y="connsiteY63"/>
+                </a:cxn>
+                <a:cxn ang="0">
+                  <a:pos x="connsiteX64" y="connsiteY64"/>
+                </a:cxn>
+                <a:cxn ang="0">
+                  <a:pos x="connsiteX65" y="connsiteY65"/>
+                </a:cxn>
+                <a:cxn ang="0">
+                  <a:pos x="connsiteX66" y="connsiteY66"/>
+                </a:cxn>
+                <a:cxn ang="0">
+                  <a:pos x="connsiteX67" y="connsiteY67"/>
+                </a:cxn>
+                <a:cxn ang="0">
+                  <a:pos x="connsiteX68" y="connsiteY68"/>
+                </a:cxn>
+                <a:cxn ang="0">
+                  <a:pos x="connsiteX69" y="connsiteY69"/>
+                </a:cxn>
+                <a:cxn ang="0">
+                  <a:pos x="connsiteX70" y="connsiteY70"/>
+                </a:cxn>
+                <a:cxn ang="0">
+                  <a:pos x="connsiteX71" y="connsiteY71"/>
+                </a:cxn>
+                <a:cxn ang="0">
+                  <a:pos x="connsiteX72" y="connsiteY72"/>
+                </a:cxn>
+                <a:cxn ang="0">
+                  <a:pos x="connsiteX73" y="connsiteY73"/>
+                </a:cxn>
+                <a:cxn ang="0">
+                  <a:pos x="connsiteX74" y="connsiteY74"/>
+                </a:cxn>
+                <a:cxn ang="0">
+                  <a:pos x="connsiteX75" y="connsiteY75"/>
+                </a:cxn>
+                <a:cxn ang="0">
+                  <a:pos x="connsiteX76" y="connsiteY76"/>
+                </a:cxn>
+                <a:cxn ang="0">
+                  <a:pos x="connsiteX77" y="connsiteY77"/>
+                </a:cxn>
+                <a:cxn ang="0">
+                  <a:pos x="connsiteX78" y="connsiteY78"/>
+                </a:cxn>
+                <a:cxn ang="0">
+                  <a:pos x="connsiteX79" y="connsiteY79"/>
+                </a:cxn>
+                <a:cxn ang="0">
+                  <a:pos x="connsiteX80" y="connsiteY80"/>
+                </a:cxn>
+                <a:cxn ang="0">
+                  <a:pos x="connsiteX81" y="connsiteY81"/>
+                </a:cxn>
+                <a:cxn ang="0">
+                  <a:pos x="connsiteX82" y="connsiteY82"/>
+                </a:cxn>
+                <a:cxn ang="0">
+                  <a:pos x="connsiteX83" y="connsiteY83"/>
+                </a:cxn>
+                <a:cxn ang="0">
+                  <a:pos x="connsiteX84" y="connsiteY84"/>
+                </a:cxn>
+                <a:cxn ang="0">
+                  <a:pos x="connsiteX85" y="connsiteY85"/>
+                </a:cxn>
+              </a:cxnLst>
+              <a:rect l="l" t="t" r="r" b="b"/>
+              <a:pathLst>
+                <a:path w="6373761" h="6874714">
+                  <a:moveTo>
+                    <a:pt x="6373761" y="5771297"/>
+                  </a:moveTo>
+                  <a:lnTo>
+                    <a:pt x="6373761" y="6247960"/>
+                  </a:lnTo>
+                  <a:lnTo>
+                    <a:pt x="6235932" y="6361930"/>
+                  </a:lnTo>
+                  <a:cubicBezTo>
+                    <a:pt x="6143250" y="6437460"/>
+                    <a:pt x="6051059" y="6512200"/>
+                    <a:pt x="5960375" y="6587489"/>
+                  </a:cubicBezTo>
+                  <a:lnTo>
+                    <a:pt x="5822907" y="6701871"/>
+                  </a:lnTo>
+                  <a:cubicBezTo>
+                    <a:pt x="5776123" y="6740385"/>
+                    <a:pt x="5729079" y="6778899"/>
+                    <a:pt x="5681115" y="6816896"/>
+                  </a:cubicBezTo>
+                  <a:lnTo>
+                    <a:pt x="5604096" y="6874714"/>
+                  </a:lnTo>
+                  <a:lnTo>
+                    <a:pt x="4878485" y="6874714"/>
+                  </a:lnTo>
+                  <a:lnTo>
+                    <a:pt x="5006014" y="6800200"/>
+                  </a:lnTo>
+                  <a:cubicBezTo>
+                    <a:pt x="5054354" y="6770429"/>
+                    <a:pt x="5102285" y="6739483"/>
+                    <a:pt x="5149855" y="6707667"/>
+                  </a:cubicBezTo>
+                  <a:cubicBezTo>
+                    <a:pt x="5244993" y="6643906"/>
+                    <a:pt x="5338561" y="6576025"/>
+                    <a:pt x="5431866" y="6506210"/>
+                  </a:cubicBezTo>
+                  <a:cubicBezTo>
+                    <a:pt x="5478386" y="6471304"/>
+                    <a:pt x="5524777" y="6435495"/>
+                    <a:pt x="5571036" y="6399557"/>
+                  </a:cubicBezTo>
+                  <a:lnTo>
+                    <a:pt x="5711649" y="6288912"/>
+                  </a:lnTo>
+                  <a:cubicBezTo>
+                    <a:pt x="5902059" y="6140395"/>
+                    <a:pt x="6093257" y="5998320"/>
+                    <a:pt x="6276589" y="5852379"/>
+                  </a:cubicBezTo>
+                  <a:close/>
+                  <a:moveTo>
+                    <a:pt x="3975975" y="263"/>
+                  </a:moveTo>
+                  <a:cubicBezTo>
+                    <a:pt x="4101550" y="1809"/>
+                    <a:pt x="4226830" y="10149"/>
+                    <a:pt x="4350473" y="24963"/>
+                  </a:cubicBezTo>
+                  <a:cubicBezTo>
+                    <a:pt x="4598149" y="54846"/>
+                    <a:pt x="4842943" y="108687"/>
+                    <a:pt x="5077909" y="189450"/>
+                  </a:cubicBezTo>
+                  <a:cubicBezTo>
+                    <a:pt x="5312876" y="269955"/>
+                    <a:pt x="5537357" y="376867"/>
+                    <a:pt x="5746507" y="505804"/>
+                  </a:cubicBezTo>
+                  <a:cubicBezTo>
+                    <a:pt x="5955527" y="634999"/>
+                    <a:pt x="6148688" y="786864"/>
+                    <a:pt x="6322456" y="956633"/>
+                  </a:cubicBezTo>
+                  <a:lnTo>
+                    <a:pt x="6373761" y="1011863"/>
+                  </a:lnTo>
+                  <a:lnTo>
+                    <a:pt x="6373761" y="1185075"/>
+                  </a:lnTo>
+                  <a:lnTo>
+                    <a:pt x="6359489" y="1169497"/>
+                  </a:lnTo>
+                  <a:cubicBezTo>
+                    <a:pt x="6318811" y="1127602"/>
+                    <a:pt x="6276917" y="1086890"/>
+                    <a:pt x="6233869" y="1047442"/>
+                  </a:cubicBezTo>
+                  <a:cubicBezTo>
+                    <a:pt x="6147509" y="968870"/>
+                    <a:pt x="6056431" y="895448"/>
+                    <a:pt x="5961423" y="827953"/>
+                  </a:cubicBezTo>
+                  <a:cubicBezTo>
+                    <a:pt x="5865891" y="761102"/>
+                    <a:pt x="5766688" y="699403"/>
+                    <a:pt x="5663555" y="645304"/>
+                  </a:cubicBezTo>
+                  <a:cubicBezTo>
+                    <a:pt x="5457943" y="535816"/>
+                    <a:pt x="5238703" y="453894"/>
+                    <a:pt x="5013827" y="397863"/>
+                  </a:cubicBezTo>
+                  <a:cubicBezTo>
+                    <a:pt x="4788953" y="341703"/>
+                    <a:pt x="4558442" y="310917"/>
+                    <a:pt x="4327409" y="302545"/>
+                  </a:cubicBezTo>
+                  <a:cubicBezTo>
+                    <a:pt x="4096111" y="293012"/>
+                    <a:pt x="3867174" y="305893"/>
+                    <a:pt x="3639939" y="338868"/>
+                  </a:cubicBezTo>
+                  <a:cubicBezTo>
+                    <a:pt x="3526585" y="355999"/>
+                    <a:pt x="3413885" y="377254"/>
+                    <a:pt x="3302495" y="403659"/>
+                  </a:cubicBezTo>
+                  <a:cubicBezTo>
+                    <a:pt x="3191107" y="430451"/>
+                    <a:pt x="3080634" y="460978"/>
+                    <a:pt x="2971604" y="496273"/>
+                  </a:cubicBezTo>
+                  <a:cubicBezTo>
+                    <a:pt x="2862573" y="531437"/>
+                    <a:pt x="2754854" y="570852"/>
+                    <a:pt x="2648706" y="614389"/>
+                  </a:cubicBezTo>
+                  <a:cubicBezTo>
+                    <a:pt x="2542690" y="658056"/>
+                    <a:pt x="2438114" y="705714"/>
+                    <a:pt x="2335374" y="757109"/>
+                  </a:cubicBezTo>
+                  <a:cubicBezTo>
+                    <a:pt x="2129894" y="859769"/>
+                    <a:pt x="1931228" y="976855"/>
+                    <a:pt x="1741342" y="1107725"/>
+                  </a:cubicBezTo>
+                  <a:cubicBezTo>
+                    <a:pt x="1694035" y="1140571"/>
+                    <a:pt x="1646858" y="1173933"/>
+                    <a:pt x="1600861" y="1208710"/>
+                  </a:cubicBezTo>
+                  <a:cubicBezTo>
+                    <a:pt x="1577535" y="1225713"/>
+                    <a:pt x="1554732" y="1243361"/>
+                    <a:pt x="1531799" y="1260879"/>
+                  </a:cubicBezTo>
+                  <a:cubicBezTo>
+                    <a:pt x="1508735" y="1278267"/>
+                    <a:pt x="1486064" y="1296171"/>
+                    <a:pt x="1463655" y="1314333"/>
+                  </a:cubicBezTo>
+                  <a:cubicBezTo>
+                    <a:pt x="1373627" y="1386853"/>
+                    <a:pt x="1285564" y="1462077"/>
+                    <a:pt x="1200777" y="1541166"/>
+                  </a:cubicBezTo>
+                  <a:cubicBezTo>
+                    <a:pt x="1030810" y="1698827"/>
+                    <a:pt x="873161" y="1870785"/>
+                    <a:pt x="731501" y="2055754"/>
+                  </a:cubicBezTo>
+                  <a:cubicBezTo>
+                    <a:pt x="660734" y="2148239"/>
+                    <a:pt x="593771" y="2243944"/>
+                    <a:pt x="531393" y="2342739"/>
+                  </a:cubicBezTo>
+                  <a:cubicBezTo>
+                    <a:pt x="470063" y="2442050"/>
+                    <a:pt x="412140" y="2543810"/>
+                    <a:pt x="361033" y="2649046"/>
+                  </a:cubicBezTo>
+                  <a:cubicBezTo>
+                    <a:pt x="347798" y="2675194"/>
+                    <a:pt x="335479" y="2701728"/>
+                    <a:pt x="323292" y="2728263"/>
+                  </a:cubicBezTo>
+                  <a:lnTo>
+                    <a:pt x="304945" y="2768193"/>
+                  </a:lnTo>
+                  <a:lnTo>
+                    <a:pt x="287516" y="2808510"/>
+                  </a:lnTo>
+                  <a:cubicBezTo>
+                    <a:pt x="276115" y="2835432"/>
+                    <a:pt x="264583" y="2862352"/>
+                    <a:pt x="254230" y="2889788"/>
+                  </a:cubicBezTo>
+                  <a:cubicBezTo>
+                    <a:pt x="243877" y="2917224"/>
+                    <a:pt x="232477" y="2944274"/>
+                    <a:pt x="223042" y="2971968"/>
+                  </a:cubicBezTo>
+                  <a:cubicBezTo>
+                    <a:pt x="182679" y="3081970"/>
+                    <a:pt x="148475" y="3194291"/>
+                    <a:pt x="121611" y="3308544"/>
+                  </a:cubicBezTo>
+                  <a:cubicBezTo>
+                    <a:pt x="67096" y="3536534"/>
+                    <a:pt x="39183" y="3771224"/>
+                    <a:pt x="39314" y="4005912"/>
+                  </a:cubicBezTo>
+                  <a:cubicBezTo>
+                    <a:pt x="39969" y="4122871"/>
+                    <a:pt x="51109" y="4239571"/>
+                    <a:pt x="73910" y="4354081"/>
+                  </a:cubicBezTo>
+                  <a:cubicBezTo>
+                    <a:pt x="97892" y="4468334"/>
+                    <a:pt x="132619" y="4580140"/>
+                    <a:pt x="179534" y="4687050"/>
+                  </a:cubicBezTo>
+                  <a:cubicBezTo>
+                    <a:pt x="190673" y="4713972"/>
+                    <a:pt x="203647" y="4740249"/>
+                    <a:pt x="215964" y="4766654"/>
+                  </a:cubicBezTo>
+                  <a:cubicBezTo>
+                    <a:pt x="229332" y="4792674"/>
+                    <a:pt x="242043" y="4818950"/>
+                    <a:pt x="256457" y="4844455"/>
+                  </a:cubicBezTo>
+                  <a:cubicBezTo>
+                    <a:pt x="283978" y="4895978"/>
+                    <a:pt x="314642" y="4945956"/>
+                    <a:pt x="346225" y="4995290"/>
+                  </a:cubicBezTo>
+                  <a:cubicBezTo>
+                    <a:pt x="377676" y="5044752"/>
+                    <a:pt x="411355" y="5092926"/>
+                    <a:pt x="445296" y="5140971"/>
+                  </a:cubicBezTo>
+                  <a:cubicBezTo>
+                    <a:pt x="479760" y="5188630"/>
+                    <a:pt x="515537" y="5235645"/>
+                    <a:pt x="551443" y="5282531"/>
+                  </a:cubicBezTo>
+                  <a:cubicBezTo>
+                    <a:pt x="623387" y="5376434"/>
+                    <a:pt x="698608" y="5468402"/>
+                    <a:pt x="772387" y="5562561"/>
+                  </a:cubicBezTo>
+                  <a:cubicBezTo>
+                    <a:pt x="809472" y="5609448"/>
+                    <a:pt x="846428" y="5656719"/>
+                    <a:pt x="882858" y="5704507"/>
+                  </a:cubicBezTo>
+                  <a:cubicBezTo>
+                    <a:pt x="919159" y="5751909"/>
+                    <a:pt x="955196" y="5802273"/>
+                    <a:pt x="990316" y="5848258"/>
+                  </a:cubicBezTo>
+                  <a:cubicBezTo>
+                    <a:pt x="1025175" y="5895402"/>
+                    <a:pt x="1061736" y="5941129"/>
+                    <a:pt x="1097774" y="5987114"/>
+                  </a:cubicBezTo>
+                  <a:cubicBezTo>
+                    <a:pt x="1134860" y="6032326"/>
+                    <a:pt x="1171684" y="6077536"/>
+                    <a:pt x="1210080" y="6121203"/>
+                  </a:cubicBezTo>
+                  <a:cubicBezTo>
+                    <a:pt x="1286350" y="6209051"/>
+                    <a:pt x="1365632" y="6293677"/>
+                    <a:pt x="1448192" y="6374054"/>
+                  </a:cubicBezTo>
+                  <a:cubicBezTo>
+                    <a:pt x="1613572" y="6534420"/>
+                    <a:pt x="1792057" y="6677526"/>
+                    <a:pt x="1982991" y="6796158"/>
+                  </a:cubicBezTo>
+                  <a:lnTo>
+                    <a:pt x="2118475" y="6874714"/>
+                  </a:lnTo>
+                  <a:lnTo>
+                    <a:pt x="1569874" y="6874714"/>
+                  </a:lnTo>
+                  <a:lnTo>
+                    <a:pt x="1507802" y="6817815"/>
+                  </a:lnTo>
+                  <a:cubicBezTo>
+                    <a:pt x="1418412" y="6730595"/>
+                    <a:pt x="1334903" y="6638562"/>
+                    <a:pt x="1256865" y="6543437"/>
+                  </a:cubicBezTo>
+                  <a:cubicBezTo>
+                    <a:pt x="1179155" y="6447861"/>
+                    <a:pt x="1106817" y="6349194"/>
+                    <a:pt x="1038410" y="6248722"/>
+                  </a:cubicBezTo>
+                  <a:cubicBezTo>
+                    <a:pt x="969873" y="6148253"/>
+                    <a:pt x="905922" y="6045592"/>
+                    <a:pt x="845380" y="5941386"/>
+                  </a:cubicBezTo>
+                  <a:cubicBezTo>
+                    <a:pt x="814453" y="5888704"/>
+                    <a:pt x="786147" y="5839370"/>
+                    <a:pt x="755351" y="5788877"/>
+                  </a:cubicBezTo>
+                  <a:cubicBezTo>
+                    <a:pt x="724817" y="5738771"/>
+                    <a:pt x="693760" y="5688665"/>
+                    <a:pt x="661784" y="5638944"/>
+                  </a:cubicBezTo>
+                  <a:lnTo>
+                    <a:pt x="466525" y="5340366"/>
+                  </a:lnTo>
+                  <a:cubicBezTo>
+                    <a:pt x="434156" y="5290131"/>
+                    <a:pt x="402181" y="5239639"/>
+                    <a:pt x="370992" y="5188502"/>
+                  </a:cubicBezTo>
+                  <a:cubicBezTo>
+                    <a:pt x="339803" y="5137364"/>
+                    <a:pt x="308876" y="5086099"/>
+                    <a:pt x="280046" y="5033287"/>
+                  </a:cubicBezTo>
+                  <a:cubicBezTo>
+                    <a:pt x="222255" y="4928179"/>
+                    <a:pt x="169181" y="4819982"/>
+                    <a:pt x="126853" y="4707660"/>
+                  </a:cubicBezTo>
+                  <a:cubicBezTo>
+                    <a:pt x="83739" y="4595725"/>
+                    <a:pt x="51764" y="4479670"/>
+                    <a:pt x="30272" y="4362068"/>
+                  </a:cubicBezTo>
+                  <a:cubicBezTo>
+                    <a:pt x="9698" y="4244466"/>
+                    <a:pt x="0" y="4125060"/>
+                    <a:pt x="0" y="4005912"/>
+                  </a:cubicBezTo>
+                  <a:cubicBezTo>
+                    <a:pt x="1704" y="3530867"/>
+                    <a:pt x="95140" y="3057110"/>
+                    <a:pt x="270480" y="2610532"/>
+                  </a:cubicBezTo>
+                  <a:cubicBezTo>
+                    <a:pt x="314511" y="2498984"/>
+                    <a:pt x="362212" y="2388466"/>
+                    <a:pt x="415942" y="2280526"/>
+                  </a:cubicBezTo>
+                  <a:cubicBezTo>
+                    <a:pt x="468884" y="2172197"/>
+                    <a:pt x="527199" y="2066188"/>
+                    <a:pt x="590102" y="1962626"/>
+                  </a:cubicBezTo>
+                  <a:cubicBezTo>
+                    <a:pt x="716037" y="1755631"/>
+                    <a:pt x="859794" y="1557653"/>
+                    <a:pt x="1020719" y="1373070"/>
+                  </a:cubicBezTo>
+                  <a:cubicBezTo>
+                    <a:pt x="1101575" y="1281101"/>
+                    <a:pt x="1185969" y="1191838"/>
+                    <a:pt x="1275080" y="1107081"/>
+                  </a:cubicBezTo>
+                  <a:cubicBezTo>
+                    <a:pt x="1297227" y="1085699"/>
+                    <a:pt x="1319504" y="1064575"/>
+                    <a:pt x="1342437" y="1043965"/>
+                  </a:cubicBezTo>
+                  <a:cubicBezTo>
+                    <a:pt x="1365240" y="1023226"/>
+                    <a:pt x="1387648" y="1002102"/>
+                    <a:pt x="1411106" y="982138"/>
+                  </a:cubicBezTo>
+                  <a:cubicBezTo>
+                    <a:pt x="1457497" y="941563"/>
+                    <a:pt x="1505065" y="902276"/>
+                    <a:pt x="1553029" y="863376"/>
+                  </a:cubicBezTo>
+                  <a:cubicBezTo>
+                    <a:pt x="1745798" y="708806"/>
+                    <a:pt x="1954030" y="571882"/>
+                    <a:pt x="2173401" y="454409"/>
+                  </a:cubicBezTo>
+                  <a:cubicBezTo>
+                    <a:pt x="2612013" y="219334"/>
+                    <a:pt x="3099505" y="65666"/>
+                    <a:pt x="3599708" y="16332"/>
+                  </a:cubicBezTo>
+                  <a:cubicBezTo>
+                    <a:pt x="3724530" y="3966"/>
+                    <a:pt x="3850400" y="-1283"/>
+                    <a:pt x="3975975" y="263"/>
+                  </a:cubicBezTo>
+                  <a:close/>
+                </a:path>
+              </a:pathLst>
+            </a:custGeom>
+            <a:gradFill>
+              <a:gsLst>
+                <a:gs pos="2000">
+                  <a:schemeClr val="bg1">
+                    <a:alpha val="10000"/>
+                  </a:schemeClr>
+                </a:gs>
+                <a:gs pos="16000">
+                  <a:schemeClr val="accent6">
+                    <a:alpha val="10000"/>
+                  </a:schemeClr>
+                </a:gs>
+                <a:gs pos="100000">
+                  <a:schemeClr val="bg1">
+                    <a:alpha val="10000"/>
+                  </a:schemeClr>
+                </a:gs>
+                <a:gs pos="85000">
+                  <a:schemeClr val="accent1">
+                    <a:alpha val="10000"/>
+                  </a:schemeClr>
+                </a:gs>
+              </a:gsLst>
+              <a:lin ang="12000000" scaled="0"/>
+            </a:gradFill>
+            <a:ln>
+              <a:noFill/>
+            </a:ln>
+          </p:spPr>
+          <p:style>
+            <a:lnRef idx="2">
+              <a:schemeClr val="accent1">
+                <a:shade val="50000"/>
+              </a:schemeClr>
+            </a:lnRef>
+            <a:fillRef idx="1">
+              <a:schemeClr val="accent1"/>
+            </a:fillRef>
+            <a:effectRef idx="0">
+              <a:schemeClr val="accent1"/>
+            </a:effectRef>
+            <a:fontRef idx="minor">
+              <a:schemeClr val="lt1"/>
+            </a:fontRef>
+          </p:style>
+          <p:txBody>
+            <a:bodyPr rtlCol="0" anchor="ctr"/>
+            <a:lstStyle/>
+            <a:p>
+              <a:pPr algn="ctr"/>
+              <a:endParaRPr lang="en-US"/>
+            </a:p>
+          </p:txBody>
+        </p:sp>
+        <p:sp>
+          <p:nvSpPr>
+            <p:cNvPr id="28" name="Freeform: Shape 27">
+              <a:extLst>
+                <a:ext uri="{FF2B5EF4-FFF2-40B4-BE49-F238E27FC236}">
+                  <a16:creationId xmlns:a16="http://schemas.microsoft.com/office/drawing/2014/main" id="{61023DD2-2E6F-4419-B404-80F08460BEA5}"/>
+                </a:ext>
+                <a:ext uri="{C183D7F6-B498-43B3-948B-1728B52AA6E4}">
+                  <adec:decorative xmlns:adec="http://schemas.microsoft.com/office/drawing/2017/decorative" val="1"/>
+                </a:ext>
+              </a:extLst>
+            </p:cNvPr>
+            <p:cNvSpPr/>
+            <p:nvPr>
+              <p:extLst>
+                <p:ext uri="{386F3935-93C4-4BCD-93E2-E3B085C9AB24}">
+                  <p16:designElem xmlns:p16="http://schemas.microsoft.com/office/powerpoint/2015/main" val="1"/>
+                </p:ext>
+              </p:extLst>
+            </p:nvPr>
+          </p:nvSpPr>
+          <p:spPr>
+            <a:xfrm>
+              <a:off x="5865276" y="313387"/>
+              <a:ext cx="6326724" cy="6561326"/>
+            </a:xfrm>
+            <a:custGeom>
+              <a:avLst/>
+              <a:gdLst>
+                <a:gd name="connsiteX0" fmla="*/ 6326724 w 6326724"/>
+                <a:gd name="connsiteY0" fmla="*/ 5020808 h 6561326"/>
+                <a:gd name="connsiteX1" fmla="*/ 6326724 w 6326724"/>
+                <a:gd name="connsiteY1" fmla="*/ 5698632 h 6561326"/>
+                <a:gd name="connsiteX2" fmla="*/ 6067438 w 6326724"/>
+                <a:gd name="connsiteY2" fmla="*/ 5902509 h 6561326"/>
+                <a:gd name="connsiteX3" fmla="*/ 5799974 w 6326724"/>
+                <a:gd name="connsiteY3" fmla="*/ 6102017 h 6561326"/>
+                <a:gd name="connsiteX4" fmla="*/ 5665258 w 6326724"/>
+                <a:gd name="connsiteY4" fmla="*/ 6202100 h 6561326"/>
+                <a:gd name="connsiteX5" fmla="*/ 5526873 w 6326724"/>
+                <a:gd name="connsiteY5" fmla="*/ 6302828 h 6561326"/>
+                <a:gd name="connsiteX6" fmla="*/ 5385080 w 6326724"/>
+                <a:gd name="connsiteY6" fmla="*/ 6402268 h 6561326"/>
+                <a:gd name="connsiteX7" fmla="*/ 5238833 w 6326724"/>
+                <a:gd name="connsiteY7" fmla="*/ 6498875 h 6561326"/>
+                <a:gd name="connsiteX8" fmla="*/ 5138040 w 6326724"/>
+                <a:gd name="connsiteY8" fmla="*/ 6561326 h 6561326"/>
+                <a:gd name="connsiteX9" fmla="*/ 3946072 w 6326724"/>
+                <a:gd name="connsiteY9" fmla="*/ 6561326 h 6561326"/>
+                <a:gd name="connsiteX10" fmla="*/ 3976009 w 6326724"/>
+                <a:gd name="connsiteY10" fmla="*/ 6555242 h 6561326"/>
+                <a:gd name="connsiteX11" fmla="*/ 4404855 w 6326724"/>
+                <a:gd name="connsiteY11" fmla="*/ 6399048 h 6561326"/>
+                <a:gd name="connsiteX12" fmla="*/ 4938868 w 6326724"/>
+                <a:gd name="connsiteY12" fmla="*/ 6072132 h 6561326"/>
+                <a:gd name="connsiteX13" fmla="*/ 5068342 w 6326724"/>
+                <a:gd name="connsiteY13" fmla="*/ 5976042 h 6561326"/>
+                <a:gd name="connsiteX14" fmla="*/ 5197816 w 6326724"/>
+                <a:gd name="connsiteY14" fmla="*/ 5876730 h 6561326"/>
+                <a:gd name="connsiteX15" fmla="*/ 5460039 w 6326724"/>
+                <a:gd name="connsiteY15" fmla="*/ 5670637 h 6561326"/>
+                <a:gd name="connsiteX16" fmla="*/ 5999033 w 6326724"/>
+                <a:gd name="connsiteY16" fmla="*/ 5271718 h 6561326"/>
+                <a:gd name="connsiteX17" fmla="*/ 6258766 w 6326724"/>
+                <a:gd name="connsiteY17" fmla="*/ 5077603 h 6561326"/>
+                <a:gd name="connsiteX18" fmla="*/ 4139342 w 6326724"/>
+                <a:gd name="connsiteY18" fmla="*/ 440 h 6561326"/>
+                <a:gd name="connsiteX19" fmla="*/ 4315744 w 6326724"/>
+                <a:gd name="connsiteY19" fmla="*/ 6808 h 6561326"/>
+                <a:gd name="connsiteX20" fmla="*/ 5015400 w 6326724"/>
+                <a:gd name="connsiteY20" fmla="*/ 113591 h 6561326"/>
+                <a:gd name="connsiteX21" fmla="*/ 5681114 w 6326724"/>
+                <a:gd name="connsiteY21" fmla="*/ 361418 h 6561326"/>
+                <a:gd name="connsiteX22" fmla="*/ 6270952 w 6326724"/>
+                <a:gd name="connsiteY22" fmla="*/ 755441 h 6561326"/>
+                <a:gd name="connsiteX23" fmla="*/ 6326724 w 6326724"/>
+                <a:gd name="connsiteY23" fmla="*/ 807432 h 6561326"/>
+                <a:gd name="connsiteX24" fmla="*/ 6326724 w 6326724"/>
+                <a:gd name="connsiteY24" fmla="*/ 1231565 h 6561326"/>
+                <a:gd name="connsiteX25" fmla="*/ 6302093 w 6326724"/>
+                <a:gd name="connsiteY25" fmla="*/ 1203002 h 6561326"/>
+                <a:gd name="connsiteX26" fmla="*/ 6066914 w 6326724"/>
+                <a:gd name="connsiteY26" fmla="*/ 989616 h 6561326"/>
+                <a:gd name="connsiteX27" fmla="*/ 5533688 w 6326724"/>
+                <a:gd name="connsiteY27" fmla="*/ 647242 h 6561326"/>
+                <a:gd name="connsiteX28" fmla="*/ 4933626 w 6326724"/>
+                <a:gd name="connsiteY28" fmla="*/ 432262 h 6561326"/>
+                <a:gd name="connsiteX29" fmla="*/ 4296873 w 6326724"/>
+                <a:gd name="connsiteY29" fmla="*/ 343126 h 6561326"/>
+                <a:gd name="connsiteX30" fmla="*/ 3651602 w 6326724"/>
+                <a:gd name="connsiteY30" fmla="*/ 365797 h 6561326"/>
+                <a:gd name="connsiteX31" fmla="*/ 3018256 w 6326724"/>
+                <a:gd name="connsiteY31" fmla="*/ 496666 h 6561326"/>
+                <a:gd name="connsiteX32" fmla="*/ 2412429 w 6326724"/>
+                <a:gd name="connsiteY32" fmla="*/ 724399 h 6561326"/>
+                <a:gd name="connsiteX33" fmla="*/ 1329857 w 6326724"/>
+                <a:gd name="connsiteY33" fmla="*/ 1424086 h 6561326"/>
+                <a:gd name="connsiteX34" fmla="*/ 887314 w 6326724"/>
+                <a:gd name="connsiteY34" fmla="*/ 1891015 h 6561326"/>
+                <a:gd name="connsiteX35" fmla="*/ 537420 w 6326724"/>
+                <a:gd name="connsiteY35" fmla="*/ 2427245 h 6561326"/>
+                <a:gd name="connsiteX36" fmla="*/ 299965 w 6326724"/>
+                <a:gd name="connsiteY36" fmla="*/ 3020021 h 6561326"/>
+                <a:gd name="connsiteX37" fmla="*/ 213606 w 6326724"/>
+                <a:gd name="connsiteY37" fmla="*/ 3651953 h 6561326"/>
+                <a:gd name="connsiteX38" fmla="*/ 250036 w 6326724"/>
+                <a:gd name="connsiteY38" fmla="*/ 3961352 h 6561326"/>
+                <a:gd name="connsiteX39" fmla="*/ 357625 w 6326724"/>
+                <a:gd name="connsiteY39" fmla="*/ 4250783 h 6561326"/>
+                <a:gd name="connsiteX40" fmla="*/ 432715 w 6326724"/>
+                <a:gd name="connsiteY40" fmla="*/ 4387063 h 6561326"/>
+                <a:gd name="connsiteX41" fmla="*/ 518943 w 6326724"/>
+                <a:gd name="connsiteY41" fmla="*/ 4518962 h 6561326"/>
+                <a:gd name="connsiteX42" fmla="*/ 718133 w 6326724"/>
+                <a:gd name="connsiteY42" fmla="*/ 4773874 h 6561326"/>
+                <a:gd name="connsiteX43" fmla="*/ 933704 w 6326724"/>
+                <a:gd name="connsiteY43" fmla="*/ 5030717 h 6561326"/>
+                <a:gd name="connsiteX44" fmla="*/ 1040900 w 6326724"/>
+                <a:gd name="connsiteY44" fmla="*/ 5164806 h 6561326"/>
+                <a:gd name="connsiteX45" fmla="*/ 1092401 w 6326724"/>
+                <a:gd name="connsiteY45" fmla="*/ 5230628 h 6561326"/>
+                <a:gd name="connsiteX46" fmla="*/ 1142854 w 6326724"/>
+                <a:gd name="connsiteY46" fmla="*/ 5293615 h 6561326"/>
+                <a:gd name="connsiteX47" fmla="*/ 1576354 w 6326724"/>
+                <a:gd name="connsiteY47" fmla="*/ 5759128 h 6561326"/>
+                <a:gd name="connsiteX48" fmla="*/ 1806865 w 6326724"/>
+                <a:gd name="connsiteY48" fmla="*/ 5968571 h 6561326"/>
+                <a:gd name="connsiteX49" fmla="*/ 2048253 w 6326724"/>
+                <a:gd name="connsiteY49" fmla="*/ 6161654 h 6561326"/>
+                <a:gd name="connsiteX50" fmla="*/ 2587506 w 6326724"/>
+                <a:gd name="connsiteY50" fmla="*/ 6467059 h 6561326"/>
+                <a:gd name="connsiteX51" fmla="*/ 2889176 w 6326724"/>
+                <a:gd name="connsiteY51" fmla="*/ 6553360 h 6561326"/>
+                <a:gd name="connsiteX52" fmla="*/ 2929698 w 6326724"/>
+                <a:gd name="connsiteY52" fmla="*/ 6561326 h 6561326"/>
+                <a:gd name="connsiteX53" fmla="*/ 1816374 w 6326724"/>
+                <a:gd name="connsiteY53" fmla="*/ 6561326 h 6561326"/>
+                <a:gd name="connsiteX54" fmla="*/ 1787601 w 6326724"/>
+                <a:gd name="connsiteY54" fmla="*/ 6545761 h 6561326"/>
+                <a:gd name="connsiteX55" fmla="*/ 1225544 w 6326724"/>
+                <a:gd name="connsiteY55" fmla="*/ 6094158 h 6561326"/>
+                <a:gd name="connsiteX56" fmla="*/ 997654 w 6326724"/>
+                <a:gd name="connsiteY56" fmla="*/ 5822374 h 6561326"/>
+                <a:gd name="connsiteX57" fmla="*/ 798596 w 6326724"/>
+                <a:gd name="connsiteY57" fmla="*/ 5534615 h 6561326"/>
+                <a:gd name="connsiteX58" fmla="*/ 752075 w 6326724"/>
+                <a:gd name="connsiteY58" fmla="*/ 5461324 h 6561326"/>
+                <a:gd name="connsiteX59" fmla="*/ 707650 w 6326724"/>
+                <a:gd name="connsiteY59" fmla="*/ 5390221 h 6561326"/>
+                <a:gd name="connsiteX60" fmla="*/ 619980 w 6326724"/>
+                <a:gd name="connsiteY60" fmla="*/ 5252396 h 6561326"/>
+                <a:gd name="connsiteX61" fmla="*/ 438349 w 6326724"/>
+                <a:gd name="connsiteY61" fmla="*/ 4970822 h 6561326"/>
+                <a:gd name="connsiteX62" fmla="*/ 261044 w 6326724"/>
+                <a:gd name="connsiteY62" fmla="*/ 4673145 h 6561326"/>
+                <a:gd name="connsiteX63" fmla="*/ 181107 w 6326724"/>
+                <a:gd name="connsiteY63" fmla="*/ 4515356 h 6561326"/>
+                <a:gd name="connsiteX64" fmla="*/ 113224 w 6326724"/>
+                <a:gd name="connsiteY64" fmla="*/ 4350223 h 6561326"/>
+                <a:gd name="connsiteX65" fmla="*/ 61199 w 6326724"/>
+                <a:gd name="connsiteY65" fmla="*/ 4178908 h 6561326"/>
+                <a:gd name="connsiteX66" fmla="*/ 41804 w 6326724"/>
+                <a:gd name="connsiteY66" fmla="*/ 4091577 h 6561326"/>
+                <a:gd name="connsiteX67" fmla="*/ 33287 w 6326724"/>
+                <a:gd name="connsiteY67" fmla="*/ 4047781 h 6561326"/>
+                <a:gd name="connsiteX68" fmla="*/ 26209 w 6326724"/>
+                <a:gd name="connsiteY68" fmla="*/ 4003858 h 6561326"/>
+                <a:gd name="connsiteX69" fmla="*/ 0 w 6326724"/>
+                <a:gd name="connsiteY69" fmla="*/ 3651953 h 6561326"/>
+                <a:gd name="connsiteX70" fmla="*/ 72731 w 6326724"/>
+                <a:gd name="connsiteY70" fmla="*/ 2966307 h 6561326"/>
+                <a:gd name="connsiteX71" fmla="*/ 291316 w 6326724"/>
+                <a:gd name="connsiteY71" fmla="*/ 2309385 h 6561326"/>
+                <a:gd name="connsiteX72" fmla="*/ 1110878 w 6326724"/>
+                <a:gd name="connsiteY72" fmla="*/ 1193776 h 6561326"/>
+                <a:gd name="connsiteX73" fmla="*/ 1654327 w 6326724"/>
+                <a:gd name="connsiteY73" fmla="*/ 756730 h 6561326"/>
+                <a:gd name="connsiteX74" fmla="*/ 2261727 w 6326724"/>
+                <a:gd name="connsiteY74" fmla="*/ 409720 h 6561326"/>
+                <a:gd name="connsiteX75" fmla="*/ 3610060 w 6326724"/>
+                <a:gd name="connsiteY75" fmla="*/ 27032 h 6561326"/>
+                <a:gd name="connsiteX76" fmla="*/ 4139342 w 6326724"/>
+                <a:gd name="connsiteY76" fmla="*/ 440 h 6561326"/>
+              </a:gdLst>
+              <a:ahLst/>
+              <a:cxnLst>
+                <a:cxn ang="0">
+                  <a:pos x="connsiteX0" y="connsiteY0"/>
+                </a:cxn>
+                <a:cxn ang="0">
+                  <a:pos x="connsiteX1" y="connsiteY1"/>
+                </a:cxn>
+                <a:cxn ang="0">
+                  <a:pos x="connsiteX2" y="connsiteY2"/>
+                </a:cxn>
+                <a:cxn ang="0">
+                  <a:pos x="connsiteX3" y="connsiteY3"/>
+                </a:cxn>
+                <a:cxn ang="0">
+                  <a:pos x="connsiteX4" y="connsiteY4"/>
+                </a:cxn>
+                <a:cxn ang="0">
+                  <a:pos x="connsiteX5" y="connsiteY5"/>
+                </a:cxn>
+                <a:cxn ang="0">
+                  <a:pos x="connsiteX6" y="connsiteY6"/>
+                </a:cxn>
+                <a:cxn ang="0">
+                  <a:pos x="connsiteX7" y="connsiteY7"/>
+                </a:cxn>
+                <a:cxn ang="0">
+                  <a:pos x="connsiteX8" y="connsiteY8"/>
+                </a:cxn>
+                <a:cxn ang="0">
+                  <a:pos x="connsiteX9" y="connsiteY9"/>
+                </a:cxn>
+                <a:cxn ang="0">
+                  <a:pos x="connsiteX10" y="connsiteY10"/>
+                </a:cxn>
+                <a:cxn ang="0">
+                  <a:pos x="connsiteX11" y="connsiteY11"/>
+                </a:cxn>
+                <a:cxn ang="0">
+                  <a:pos x="connsiteX12" y="connsiteY12"/>
+                </a:cxn>
+                <a:cxn ang="0">
+                  <a:pos x="connsiteX13" y="connsiteY13"/>
+                </a:cxn>
+                <a:cxn ang="0">
+                  <a:pos x="connsiteX14" y="connsiteY14"/>
+                </a:cxn>
+                <a:cxn ang="0">
+                  <a:pos x="connsiteX15" y="connsiteY15"/>
+                </a:cxn>
+                <a:cxn ang="0">
+                  <a:pos x="connsiteX16" y="connsiteY16"/>
+                </a:cxn>
+                <a:cxn ang="0">
+                  <a:pos x="connsiteX17" y="connsiteY17"/>
+                </a:cxn>
+                <a:cxn ang="0">
+                  <a:pos x="connsiteX18" y="connsiteY18"/>
+                </a:cxn>
+                <a:cxn ang="0">
+                  <a:pos x="connsiteX19" y="connsiteY19"/>
+                </a:cxn>
+                <a:cxn ang="0">
+                  <a:pos x="connsiteX20" y="connsiteY20"/>
+                </a:cxn>
+                <a:cxn ang="0">
+                  <a:pos x="connsiteX21" y="connsiteY21"/>
+                </a:cxn>
+                <a:cxn ang="0">
+                  <a:pos x="connsiteX22" y="connsiteY22"/>
+                </a:cxn>
+                <a:cxn ang="0">
+                  <a:pos x="connsiteX23" y="connsiteY23"/>
+                </a:cxn>
+                <a:cxn ang="0">
+                  <a:pos x="connsiteX24" y="connsiteY24"/>
+                </a:cxn>
+                <a:cxn ang="0">
+                  <a:pos x="connsiteX25" y="connsiteY25"/>
+                </a:cxn>
+                <a:cxn ang="0">
+                  <a:pos x="connsiteX26" y="connsiteY26"/>
+                </a:cxn>
+                <a:cxn ang="0">
+                  <a:pos x="connsiteX27" y="connsiteY27"/>
+                </a:cxn>
+                <a:cxn ang="0">
+                  <a:pos x="connsiteX28" y="connsiteY28"/>
+                </a:cxn>
+                <a:cxn ang="0">
+                  <a:pos x="connsiteX29" y="connsiteY29"/>
+                </a:cxn>
+                <a:cxn ang="0">
+                  <a:pos x="connsiteX30" y="connsiteY30"/>
+                </a:cxn>
+                <a:cxn ang="0">
+                  <a:pos x="connsiteX31" y="connsiteY31"/>
+                </a:cxn>
+                <a:cxn ang="0">
+                  <a:pos x="connsiteX32" y="connsiteY32"/>
+                </a:cxn>
+                <a:cxn ang="0">
+                  <a:pos x="connsiteX33" y="connsiteY33"/>
+                </a:cxn>
+                <a:cxn ang="0">
+                  <a:pos x="connsiteX34" y="connsiteY34"/>
+                </a:cxn>
+                <a:cxn ang="0">
+                  <a:pos x="connsiteX35" y="connsiteY35"/>
+                </a:cxn>
+                <a:cxn ang="0">
+                  <a:pos x="connsiteX36" y="connsiteY36"/>
+                </a:cxn>
+                <a:cxn ang="0">
+                  <a:pos x="connsiteX37" y="connsiteY37"/>
+                </a:cxn>
+                <a:cxn ang="0">
+                  <a:pos x="connsiteX38" y="connsiteY38"/>
+                </a:cxn>
+                <a:cxn ang="0">
+                  <a:pos x="connsiteX39" y="connsiteY39"/>
+                </a:cxn>
+                <a:cxn ang="0">
+                  <a:pos x="connsiteX40" y="connsiteY40"/>
+                </a:cxn>
+                <a:cxn ang="0">
+                  <a:pos x="connsiteX41" y="connsiteY41"/>
+                </a:cxn>
+                <a:cxn ang="0">
+                  <a:pos x="connsiteX42" y="connsiteY42"/>
+                </a:cxn>
+                <a:cxn ang="0">
+                  <a:pos x="connsiteX43" y="connsiteY43"/>
+                </a:cxn>
+                <a:cxn ang="0">
+                  <a:pos x="connsiteX44" y="connsiteY44"/>
+                </a:cxn>
+                <a:cxn ang="0">
+                  <a:pos x="connsiteX45" y="connsiteY45"/>
+                </a:cxn>
+                <a:cxn ang="0">
+                  <a:pos x="connsiteX46" y="connsiteY46"/>
+                </a:cxn>
+                <a:cxn ang="0">
+                  <a:pos x="connsiteX47" y="connsiteY47"/>
+                </a:cxn>
+                <a:cxn ang="0">
+                  <a:pos x="connsiteX48" y="connsiteY48"/>
+                </a:cxn>
+                <a:cxn ang="0">
+                  <a:pos x="connsiteX49" y="connsiteY49"/>
+                </a:cxn>
+                <a:cxn ang="0">
+                  <a:pos x="connsiteX50" y="connsiteY50"/>
+                </a:cxn>
+                <a:cxn ang="0">
+                  <a:pos x="connsiteX51" y="connsiteY51"/>
+                </a:cxn>
+                <a:cxn ang="0">
+                  <a:pos x="connsiteX52" y="connsiteY52"/>
+                </a:cxn>
+                <a:cxn ang="0">
+                  <a:pos x="connsiteX53" y="connsiteY53"/>
+                </a:cxn>
+                <a:cxn ang="0">
+                  <a:pos x="connsiteX54" y="connsiteY54"/>
+                </a:cxn>
+                <a:cxn ang="0">
+                  <a:pos x="connsiteX55" y="connsiteY55"/>
+                </a:cxn>
+                <a:cxn ang="0">
+                  <a:pos x="connsiteX56" y="connsiteY56"/>
+                </a:cxn>
+                <a:cxn ang="0">
+                  <a:pos x="connsiteX57" y="connsiteY57"/>
+                </a:cxn>
+                <a:cxn ang="0">
+                  <a:pos x="connsiteX58" y="connsiteY58"/>
+                </a:cxn>
+                <a:cxn ang="0">
+                  <a:pos x="connsiteX59" y="connsiteY59"/>
+                </a:cxn>
+                <a:cxn ang="0">
+                  <a:pos x="connsiteX60" y="connsiteY60"/>
+                </a:cxn>
+                <a:cxn ang="0">
+                  <a:pos x="connsiteX61" y="connsiteY61"/>
+                </a:cxn>
+                <a:cxn ang="0">
+                  <a:pos x="connsiteX62" y="connsiteY62"/>
+                </a:cxn>
+                <a:cxn ang="0">
+                  <a:pos x="connsiteX63" y="connsiteY63"/>
+                </a:cxn>
+                <a:cxn ang="0">
+                  <a:pos x="connsiteX64" y="connsiteY64"/>
+                </a:cxn>
+                <a:cxn ang="0">
+                  <a:pos x="connsiteX65" y="connsiteY65"/>
+                </a:cxn>
+                <a:cxn ang="0">
+                  <a:pos x="connsiteX66" y="connsiteY66"/>
+                </a:cxn>
+                <a:cxn ang="0">
+                  <a:pos x="connsiteX67" y="connsiteY67"/>
+                </a:cxn>
+                <a:cxn ang="0">
+                  <a:pos x="connsiteX68" y="connsiteY68"/>
+                </a:cxn>
+                <a:cxn ang="0">
+                  <a:pos x="connsiteX69" y="connsiteY69"/>
+                </a:cxn>
+                <a:cxn ang="0">
+                  <a:pos x="connsiteX70" y="connsiteY70"/>
+                </a:cxn>
+                <a:cxn ang="0">
+                  <a:pos x="connsiteX71" y="connsiteY71"/>
+                </a:cxn>
+                <a:cxn ang="0">
+                  <a:pos x="connsiteX72" y="connsiteY72"/>
+                </a:cxn>
+                <a:cxn ang="0">
+                  <a:pos x="connsiteX73" y="connsiteY73"/>
+                </a:cxn>
+                <a:cxn ang="0">
+                  <a:pos x="connsiteX74" y="connsiteY74"/>
+                </a:cxn>
+                <a:cxn ang="0">
+                  <a:pos x="connsiteX75" y="connsiteY75"/>
+                </a:cxn>
+                <a:cxn ang="0">
+                  <a:pos x="connsiteX76" y="connsiteY76"/>
+                </a:cxn>
+              </a:cxnLst>
+              <a:rect l="l" t="t" r="r" b="b"/>
+              <a:pathLst>
+                <a:path w="6326724" h="6561326">
+                  <a:moveTo>
+                    <a:pt x="6326724" y="5020808"/>
+                  </a:moveTo>
+                  <a:lnTo>
+                    <a:pt x="6326724" y="5698632"/>
+                  </a:lnTo>
+                  <a:lnTo>
+                    <a:pt x="6067438" y="5902509"/>
+                  </a:lnTo>
+                  <a:cubicBezTo>
+                    <a:pt x="5977868" y="5970407"/>
+                    <a:pt x="5888364" y="6036453"/>
+                    <a:pt x="5799974" y="6102017"/>
+                  </a:cubicBezTo>
+                  <a:lnTo>
+                    <a:pt x="5665258" y="6202100"/>
+                  </a:lnTo>
+                  <a:cubicBezTo>
+                    <a:pt x="5619654" y="6235719"/>
+                    <a:pt x="5573656" y="6269596"/>
+                    <a:pt x="5526873" y="6302828"/>
+                  </a:cubicBezTo>
+                  <a:cubicBezTo>
+                    <a:pt x="5480220" y="6336189"/>
+                    <a:pt x="5433044" y="6369423"/>
+                    <a:pt x="5385080" y="6402268"/>
+                  </a:cubicBezTo>
+                  <a:cubicBezTo>
+                    <a:pt x="5336988" y="6434857"/>
+                    <a:pt x="5288500" y="6467187"/>
+                    <a:pt x="5238833" y="6498875"/>
+                  </a:cubicBezTo>
+                  <a:lnTo>
+                    <a:pt x="5138040" y="6561326"/>
+                  </a:lnTo>
+                  <a:lnTo>
+                    <a:pt x="3946072" y="6561326"/>
+                  </a:lnTo>
+                  <a:lnTo>
+                    <a:pt x="3976009" y="6555242"/>
+                  </a:lnTo>
+                  <a:cubicBezTo>
+                    <a:pt x="4123712" y="6519227"/>
+                    <a:pt x="4266863" y="6466383"/>
+                    <a:pt x="4404855" y="6399048"/>
+                  </a:cubicBezTo>
+                  <a:cubicBezTo>
+                    <a:pt x="4589500" y="6310299"/>
+                    <a:pt x="4765232" y="6196690"/>
+                    <a:pt x="4938868" y="6072132"/>
+                  </a:cubicBezTo>
+                  <a:cubicBezTo>
+                    <a:pt x="4982245" y="6041089"/>
+                    <a:pt x="5025359" y="6008630"/>
+                    <a:pt x="5068342" y="5976042"/>
+                  </a:cubicBezTo>
+                  <a:cubicBezTo>
+                    <a:pt x="5111588" y="5943453"/>
+                    <a:pt x="5154702" y="5910349"/>
+                    <a:pt x="5197816" y="5876730"/>
+                  </a:cubicBezTo>
+                  <a:lnTo>
+                    <a:pt x="5460039" y="5670637"/>
+                  </a:lnTo>
+                  <a:cubicBezTo>
+                    <a:pt x="5639966" y="5530365"/>
+                    <a:pt x="5821596" y="5399753"/>
+                    <a:pt x="5999033" y="5271718"/>
+                  </a:cubicBezTo>
+                  <a:cubicBezTo>
+                    <a:pt x="6087686" y="5207700"/>
+                    <a:pt x="6174667" y="5143360"/>
+                    <a:pt x="6258766" y="5077603"/>
+                  </a:cubicBezTo>
+                  <a:close/>
+                  <a:moveTo>
+                    <a:pt x="4139342" y="440"/>
+                  </a:moveTo>
+                  <a:cubicBezTo>
+                    <a:pt x="4198237" y="1301"/>
+                    <a:pt x="4257068" y="3427"/>
+                    <a:pt x="4315744" y="6808"/>
+                  </a:cubicBezTo>
+                  <a:cubicBezTo>
+                    <a:pt x="4550841" y="20849"/>
+                    <a:pt x="4785806" y="55240"/>
+                    <a:pt x="5015400" y="113591"/>
+                  </a:cubicBezTo>
+                  <a:cubicBezTo>
+                    <a:pt x="5244992" y="171812"/>
+                    <a:pt x="5469212" y="254249"/>
+                    <a:pt x="5681114" y="361418"/>
+                  </a:cubicBezTo>
+                  <a:cubicBezTo>
+                    <a:pt x="5892754" y="468586"/>
+                    <a:pt x="6093124" y="599584"/>
+                    <a:pt x="6270952" y="755441"/>
+                  </a:cubicBezTo>
+                  <a:lnTo>
+                    <a:pt x="6326724" y="807432"/>
+                  </a:lnTo>
+                  <a:lnTo>
+                    <a:pt x="6326724" y="1231565"/>
+                  </a:lnTo>
+                  <a:lnTo>
+                    <a:pt x="6302093" y="1203002"/>
+                  </a:lnTo>
+                  <a:cubicBezTo>
+                    <a:pt x="6227937" y="1127247"/>
+                    <a:pt x="6149211" y="1056081"/>
+                    <a:pt x="6066914" y="989616"/>
+                  </a:cubicBezTo>
+                  <a:cubicBezTo>
+                    <a:pt x="5902714" y="856299"/>
+                    <a:pt x="5724360" y="740371"/>
+                    <a:pt x="5533688" y="647242"/>
+                  </a:cubicBezTo>
+                  <a:cubicBezTo>
+                    <a:pt x="5343146" y="553857"/>
+                    <a:pt x="5141466" y="482239"/>
+                    <a:pt x="4933626" y="432262"/>
+                  </a:cubicBezTo>
+                  <a:cubicBezTo>
+                    <a:pt x="4725788" y="382156"/>
+                    <a:pt x="4512182" y="353303"/>
+                    <a:pt x="4296873" y="343126"/>
+                  </a:cubicBezTo>
+                  <a:cubicBezTo>
+                    <a:pt x="4081172" y="332435"/>
+                    <a:pt x="3865732" y="339520"/>
+                    <a:pt x="3651602" y="365797"/>
+                  </a:cubicBezTo>
+                  <a:cubicBezTo>
+                    <a:pt x="3437604" y="392202"/>
+                    <a:pt x="3225572" y="436384"/>
+                    <a:pt x="3018256" y="496666"/>
+                  </a:cubicBezTo>
+                  <a:cubicBezTo>
+                    <a:pt x="2810809" y="556691"/>
+                    <a:pt x="2608474" y="634362"/>
+                    <a:pt x="2412429" y="724399"/>
+                  </a:cubicBezTo>
+                  <a:cubicBezTo>
+                    <a:pt x="2019160" y="902541"/>
+                    <a:pt x="1651969" y="1138775"/>
+                    <a:pt x="1329857" y="1424086"/>
+                  </a:cubicBezTo>
+                  <a:cubicBezTo>
+                    <a:pt x="1169326" y="1567192"/>
+                    <a:pt x="1020588" y="1723307"/>
+                    <a:pt x="887314" y="1891015"/>
+                  </a:cubicBezTo>
+                  <a:cubicBezTo>
+                    <a:pt x="753778" y="2058466"/>
+                    <a:pt x="635967" y="2238026"/>
+                    <a:pt x="537420" y="2427245"/>
+                  </a:cubicBezTo>
+                  <a:cubicBezTo>
+                    <a:pt x="438874" y="2616335"/>
+                    <a:pt x="356839" y="2814313"/>
+                    <a:pt x="299965" y="3020021"/>
+                  </a:cubicBezTo>
+                  <a:cubicBezTo>
+                    <a:pt x="242961" y="3225212"/>
+                    <a:pt x="213474" y="3438518"/>
+                    <a:pt x="213606" y="3651953"/>
+                  </a:cubicBezTo>
+                  <a:cubicBezTo>
+                    <a:pt x="214785" y="3756804"/>
+                    <a:pt x="225269" y="3860881"/>
+                    <a:pt x="250036" y="3961352"/>
+                  </a:cubicBezTo>
+                  <a:cubicBezTo>
+                    <a:pt x="274412" y="4061950"/>
+                    <a:pt x="312284" y="4158171"/>
+                    <a:pt x="357625" y="4250783"/>
+                  </a:cubicBezTo>
+                  <a:cubicBezTo>
+                    <a:pt x="380558" y="4297025"/>
+                    <a:pt x="405982" y="4342366"/>
+                    <a:pt x="432715" y="4387063"/>
+                  </a:cubicBezTo>
+                  <a:cubicBezTo>
+                    <a:pt x="459841" y="4431630"/>
+                    <a:pt x="488803" y="4475554"/>
+                    <a:pt x="518943" y="4518962"/>
+                  </a:cubicBezTo>
+                  <a:cubicBezTo>
+                    <a:pt x="580011" y="4605521"/>
+                    <a:pt x="647893" y="4689504"/>
+                    <a:pt x="718133" y="4773874"/>
+                  </a:cubicBezTo>
+                  <a:cubicBezTo>
+                    <a:pt x="788374" y="4858372"/>
+                    <a:pt x="861760" y="4942871"/>
+                    <a:pt x="933704" y="5030717"/>
+                  </a:cubicBezTo>
+                  <a:cubicBezTo>
+                    <a:pt x="969742" y="5074512"/>
+                    <a:pt x="1005387" y="5119337"/>
+                    <a:pt x="1040900" y="5164806"/>
+                  </a:cubicBezTo>
+                  <a:lnTo>
+                    <a:pt x="1092401" y="5230628"/>
+                  </a:lnTo>
+                  <a:cubicBezTo>
+                    <a:pt x="1109306" y="5251624"/>
+                    <a:pt x="1125425" y="5273135"/>
+                    <a:pt x="1142854" y="5293615"/>
+                  </a:cubicBezTo>
+                  <a:cubicBezTo>
+                    <a:pt x="1278880" y="5460293"/>
+                    <a:pt x="1426438" y="5613704"/>
+                    <a:pt x="1576354" y="5759128"/>
+                  </a:cubicBezTo>
+                  <a:cubicBezTo>
+                    <a:pt x="1651706" y="5831519"/>
+                    <a:pt x="1728368" y="5901461"/>
+                    <a:pt x="1806865" y="5968571"/>
+                  </a:cubicBezTo>
+                  <a:cubicBezTo>
+                    <a:pt x="1885362" y="6035680"/>
+                    <a:pt x="1965299" y="6100599"/>
+                    <a:pt x="2048253" y="6161654"/>
+                  </a:cubicBezTo>
+                  <a:cubicBezTo>
+                    <a:pt x="2213502" y="6284022"/>
+                    <a:pt x="2391724" y="6393380"/>
+                    <a:pt x="2587506" y="6467059"/>
+                  </a:cubicBezTo>
+                  <a:cubicBezTo>
+                    <a:pt x="2685137" y="6503898"/>
+                    <a:pt x="2786304" y="6532106"/>
+                    <a:pt x="2889176" y="6553360"/>
+                  </a:cubicBezTo>
+                  <a:lnTo>
+                    <a:pt x="2929698" y="6561326"/>
+                  </a:lnTo>
+                  <a:lnTo>
+                    <a:pt x="1816374" y="6561326"/>
+                  </a:lnTo>
+                  <a:lnTo>
+                    <a:pt x="1787601" y="6545761"/>
+                  </a:lnTo>
+                  <a:cubicBezTo>
+                    <a:pt x="1577272" y="6422749"/>
+                    <a:pt x="1389483" y="6266761"/>
+                    <a:pt x="1225544" y="6094158"/>
+                  </a:cubicBezTo>
+                  <a:cubicBezTo>
+                    <a:pt x="1143116" y="6007986"/>
+                    <a:pt x="1068158" y="5916274"/>
+                    <a:pt x="997654" y="5822374"/>
+                  </a:cubicBezTo>
+                  <a:cubicBezTo>
+                    <a:pt x="927546" y="5728086"/>
+                    <a:pt x="860842" y="5632381"/>
+                    <a:pt x="798596" y="5534615"/>
+                  </a:cubicBezTo>
+                  <a:cubicBezTo>
+                    <a:pt x="782608" y="5510399"/>
+                    <a:pt x="767537" y="5485797"/>
+                    <a:pt x="752075" y="5461324"/>
+                  </a:cubicBezTo>
+                  <a:lnTo>
+                    <a:pt x="707650" y="5390221"/>
+                  </a:lnTo>
+                  <a:cubicBezTo>
+                    <a:pt x="679213" y="5344237"/>
+                    <a:pt x="649728" y="5298638"/>
+                    <a:pt x="619980" y="5252396"/>
+                  </a:cubicBezTo>
+                  <a:lnTo>
+                    <a:pt x="438349" y="4970822"/>
+                  </a:lnTo>
+                  <a:cubicBezTo>
+                    <a:pt x="377413" y="4874860"/>
+                    <a:pt x="317263" y="4776064"/>
+                    <a:pt x="261044" y="4673145"/>
+                  </a:cubicBezTo>
+                  <a:cubicBezTo>
+                    <a:pt x="233000" y="4621622"/>
+                    <a:pt x="205874" y="4569197"/>
+                    <a:pt x="181107" y="4515356"/>
+                  </a:cubicBezTo>
+                  <a:cubicBezTo>
+                    <a:pt x="156470" y="4461385"/>
+                    <a:pt x="133537" y="4406385"/>
+                    <a:pt x="113224" y="4350223"/>
+                  </a:cubicBezTo>
+                  <a:cubicBezTo>
+                    <a:pt x="93305" y="4293934"/>
+                    <a:pt x="75614" y="4236872"/>
+                    <a:pt x="61199" y="4178908"/>
+                  </a:cubicBezTo>
+                  <a:cubicBezTo>
+                    <a:pt x="54385" y="4149927"/>
+                    <a:pt x="47440" y="4120815"/>
+                    <a:pt x="41804" y="4091577"/>
+                  </a:cubicBezTo>
+                  <a:lnTo>
+                    <a:pt x="33287" y="4047781"/>
+                  </a:lnTo>
+                  <a:lnTo>
+                    <a:pt x="26209" y="4003858"/>
+                  </a:lnTo>
+                  <a:cubicBezTo>
+                    <a:pt x="7732" y="3886643"/>
+                    <a:pt x="0" y="3768783"/>
+                    <a:pt x="0" y="3651953"/>
+                  </a:cubicBezTo>
+                  <a:cubicBezTo>
+                    <a:pt x="524" y="3422031"/>
+                    <a:pt x="25030" y="3192109"/>
+                    <a:pt x="72731" y="2966307"/>
+                  </a:cubicBezTo>
+                  <a:cubicBezTo>
+                    <a:pt x="120301" y="2740634"/>
+                    <a:pt x="193163" y="2519343"/>
+                    <a:pt x="291316" y="2309385"/>
+                  </a:cubicBezTo>
+                  <a:cubicBezTo>
+                    <a:pt x="488540" y="1889469"/>
+                    <a:pt x="774352" y="1513736"/>
+                    <a:pt x="1110878" y="1193776"/>
+                  </a:cubicBezTo>
+                  <a:cubicBezTo>
+                    <a:pt x="1279535" y="1033797"/>
+                    <a:pt x="1461821" y="887856"/>
+                    <a:pt x="1654327" y="756730"/>
+                  </a:cubicBezTo>
+                  <a:cubicBezTo>
+                    <a:pt x="1847096" y="625732"/>
+                    <a:pt x="2049956" y="509031"/>
+                    <a:pt x="2261727" y="409720"/>
+                  </a:cubicBezTo>
+                  <a:cubicBezTo>
+                    <a:pt x="2685792" y="212515"/>
+                    <a:pt x="3142357" y="82162"/>
+                    <a:pt x="3610060" y="27032"/>
+                  </a:cubicBezTo>
+                  <a:cubicBezTo>
+                    <a:pt x="3785399" y="6647"/>
+                    <a:pt x="3962657" y="-2144"/>
+                    <a:pt x="4139342" y="440"/>
+                  </a:cubicBezTo>
+                  <a:close/>
+                </a:path>
+              </a:pathLst>
+            </a:custGeom>
+            <a:gradFill>
+              <a:gsLst>
+                <a:gs pos="2000">
+                  <a:schemeClr val="bg1">
+                    <a:alpha val="10000"/>
+                  </a:schemeClr>
+                </a:gs>
+                <a:gs pos="16000">
+                  <a:schemeClr val="accent6">
+                    <a:alpha val="10000"/>
+                  </a:schemeClr>
+                </a:gs>
+                <a:gs pos="100000">
+                  <a:schemeClr val="bg1">
+                    <a:alpha val="10000"/>
+                  </a:schemeClr>
+                </a:gs>
+                <a:gs pos="85000">
+                  <a:schemeClr val="accent1">
+                    <a:alpha val="10000"/>
+                  </a:schemeClr>
+                </a:gs>
+              </a:gsLst>
+              <a:lin ang="12000000" scaled="0"/>
+            </a:gradFill>
+            <a:ln>
+              <a:noFill/>
+            </a:ln>
+          </p:spPr>
+          <p:style>
+            <a:lnRef idx="2">
+              <a:schemeClr val="accent1">
+                <a:shade val="50000"/>
+              </a:schemeClr>
+            </a:lnRef>
+            <a:fillRef idx="1">
+              <a:schemeClr val="accent1"/>
+            </a:fillRef>
+            <a:effectRef idx="0">
+              <a:schemeClr val="accent1"/>
+            </a:effectRef>
+            <a:fontRef idx="minor">
+              <a:schemeClr val="lt1"/>
+            </a:fontRef>
+          </p:style>
+          <p:txBody>
+            <a:bodyPr rtlCol="0" anchor="ctr"/>
+            <a:lstStyle/>
+            <a:p>
+              <a:pPr algn="ctr"/>
+              <a:endParaRPr lang="en-US"/>
+            </a:p>
+          </p:txBody>
+        </p:sp>
+        <p:sp>
+          <p:nvSpPr>
+            <p:cNvPr id="29" name="Freeform: Shape 28">
+              <a:extLst>
+                <a:ext uri="{FF2B5EF4-FFF2-40B4-BE49-F238E27FC236}">
+                  <a16:creationId xmlns:a16="http://schemas.microsoft.com/office/drawing/2014/main" id="{BC4A6C98-F96E-4587-B01F-A9B01BBFAD01}"/>
+                </a:ext>
+                <a:ext uri="{C183D7F6-B498-43B3-948B-1728B52AA6E4}">
+                  <adec:decorative xmlns:adec="http://schemas.microsoft.com/office/drawing/2017/decorative" val="1"/>
+                </a:ext>
+              </a:extLst>
+            </p:cNvPr>
+            <p:cNvSpPr/>
+            <p:nvPr>
+              <p:extLst>
+                <p:ext uri="{386F3935-93C4-4BCD-93E2-E3B085C9AB24}">
+                  <p16:designElem xmlns:p16="http://schemas.microsoft.com/office/powerpoint/2015/main" val="1"/>
+                </p:ext>
+              </p:extLst>
+            </p:nvPr>
+          </p:nvSpPr>
+          <p:spPr>
+            <a:xfrm>
+              <a:off x="5870322" y="353119"/>
+              <a:ext cx="6321679" cy="6521594"/>
+            </a:xfrm>
+            <a:custGeom>
+              <a:avLst/>
+              <a:gdLst>
+                <a:gd name="connsiteX0" fmla="*/ 4150102 w 6321679"/>
+                <a:gd name="connsiteY0" fmla="*/ 0 h 6521594"/>
+                <a:gd name="connsiteX1" fmla="*/ 6083891 w 6321679"/>
+                <a:gd name="connsiteY1" fmla="*/ 619943 h 6521594"/>
+                <a:gd name="connsiteX2" fmla="*/ 6321679 w 6321679"/>
+                <a:gd name="connsiteY2" fmla="*/ 822247 h 6521594"/>
+                <a:gd name="connsiteX3" fmla="*/ 6321679 w 6321679"/>
+                <a:gd name="connsiteY3" fmla="*/ 1866928 h 6521594"/>
+                <a:gd name="connsiteX4" fmla="*/ 6212358 w 6321679"/>
+                <a:gd name="connsiteY4" fmla="*/ 1689281 h 6521594"/>
+                <a:gd name="connsiteX5" fmla="*/ 6049880 w 6321679"/>
+                <a:gd name="connsiteY5" fmla="*/ 1477173 h 6521594"/>
+                <a:gd name="connsiteX6" fmla="*/ 5248663 w 6321679"/>
+                <a:gd name="connsiteY6" fmla="*/ 869327 h 6521594"/>
+                <a:gd name="connsiteX7" fmla="*/ 4150102 w 6321679"/>
+                <a:gd name="connsiteY7" fmla="*/ 644042 h 6521594"/>
+                <a:gd name="connsiteX8" fmla="*/ 2867946 w 6321679"/>
+                <a:gd name="connsiteY8" fmla="*/ 886459 h 6521594"/>
+                <a:gd name="connsiteX9" fmla="*/ 1728892 w 6321679"/>
+                <a:gd name="connsiteY9" fmla="*/ 1552397 h 6521594"/>
+                <a:gd name="connsiteX10" fmla="*/ 941043 w 6321679"/>
+                <a:gd name="connsiteY10" fmla="*/ 2512664 h 6521594"/>
+                <a:gd name="connsiteX11" fmla="*/ 655362 w 6321679"/>
+                <a:gd name="connsiteY11" fmla="*/ 3630204 h 6521594"/>
+                <a:gd name="connsiteX12" fmla="*/ 1128177 w 6321679"/>
+                <a:gd name="connsiteY12" fmla="*/ 4667883 h 6521594"/>
+                <a:gd name="connsiteX13" fmla="*/ 1366419 w 6321679"/>
+                <a:gd name="connsiteY13" fmla="*/ 4997246 h 6521594"/>
+                <a:gd name="connsiteX14" fmla="*/ 3601937 w 6321679"/>
+                <a:gd name="connsiteY14" fmla="*/ 6284685 h 6521594"/>
+                <a:gd name="connsiteX15" fmla="*/ 5298985 w 6321679"/>
+                <a:gd name="connsiteY15" fmla="*/ 5492643 h 6521594"/>
+                <a:gd name="connsiteX16" fmla="*/ 5505513 w 6321679"/>
+                <a:gd name="connsiteY16" fmla="*/ 5335367 h 6521594"/>
+                <a:gd name="connsiteX17" fmla="*/ 6252618 w 6321679"/>
+                <a:gd name="connsiteY17" fmla="*/ 4722492 h 6521594"/>
+                <a:gd name="connsiteX18" fmla="*/ 6321679 w 6321679"/>
+                <a:gd name="connsiteY18" fmla="*/ 4651477 h 6521594"/>
+                <a:gd name="connsiteX19" fmla="*/ 6321679 w 6321679"/>
+                <a:gd name="connsiteY19" fmla="*/ 5523097 h 6521594"/>
+                <a:gd name="connsiteX20" fmla="*/ 6024428 w 6321679"/>
+                <a:gd name="connsiteY20" fmla="*/ 5754969 h 6521594"/>
+                <a:gd name="connsiteX21" fmla="*/ 5702345 w 6321679"/>
+                <a:gd name="connsiteY21" fmla="*/ 6000018 h 6521594"/>
+                <a:gd name="connsiteX22" fmla="*/ 4988380 w 6321679"/>
+                <a:gd name="connsiteY22" fmla="*/ 6506549 h 6521594"/>
+                <a:gd name="connsiteX23" fmla="*/ 4961490 w 6321679"/>
+                <a:gd name="connsiteY23" fmla="*/ 6521594 h 6521594"/>
+                <a:gd name="connsiteX24" fmla="*/ 2011326 w 6321679"/>
+                <a:gd name="connsiteY24" fmla="*/ 6521594 h 6521594"/>
+                <a:gd name="connsiteX25" fmla="*/ 1982893 w 6321679"/>
+                <a:gd name="connsiteY25" fmla="*/ 6505768 h 6521594"/>
+                <a:gd name="connsiteX26" fmla="*/ 824149 w 6321679"/>
+                <a:gd name="connsiteY26" fmla="*/ 5358682 h 6521594"/>
+                <a:gd name="connsiteX27" fmla="*/ 0 w 6321679"/>
+                <a:gd name="connsiteY27" fmla="*/ 3630075 h 6521594"/>
+                <a:gd name="connsiteX28" fmla="*/ 4150102 w 6321679"/>
+                <a:gd name="connsiteY28" fmla="*/ 0 h 6521594"/>
+              </a:gdLst>
+              <a:ahLst/>
+              <a:cxnLst>
+                <a:cxn ang="0">
+                  <a:pos x="connsiteX0" y="connsiteY0"/>
+                </a:cxn>
+                <a:cxn ang="0">
+                  <a:pos x="connsiteX1" y="connsiteY1"/>
+                </a:cxn>
+                <a:cxn ang="0">
+                  <a:pos x="connsiteX2" y="connsiteY2"/>
+                </a:cxn>
+                <a:cxn ang="0">
+                  <a:pos x="connsiteX3" y="connsiteY3"/>
+                </a:cxn>
+                <a:cxn ang="0">
+                  <a:pos x="connsiteX4" y="connsiteY4"/>
+                </a:cxn>
+                <a:cxn ang="0">
+                  <a:pos x="connsiteX5" y="connsiteY5"/>
+                </a:cxn>
+                <a:cxn ang="0">
+                  <a:pos x="connsiteX6" y="connsiteY6"/>
+                </a:cxn>
+                <a:cxn ang="0">
+                  <a:pos x="connsiteX7" y="connsiteY7"/>
+                </a:cxn>
+                <a:cxn ang="0">
+                  <a:pos x="connsiteX8" y="connsiteY8"/>
+                </a:cxn>
+                <a:cxn ang="0">
+                  <a:pos x="connsiteX9" y="connsiteY9"/>
+                </a:cxn>
+                <a:cxn ang="0">
+                  <a:pos x="connsiteX10" y="connsiteY10"/>
+                </a:cxn>
+                <a:cxn ang="0">
+                  <a:pos x="connsiteX11" y="connsiteY11"/>
+                </a:cxn>
+                <a:cxn ang="0">
+                  <a:pos x="connsiteX12" y="connsiteY12"/>
+                </a:cxn>
+                <a:cxn ang="0">
+                  <a:pos x="connsiteX13" y="connsiteY13"/>
+                </a:cxn>
+                <a:cxn ang="0">
+                  <a:pos x="connsiteX14" y="connsiteY14"/>
+                </a:cxn>
+                <a:cxn ang="0">
+                  <a:pos x="connsiteX15" y="connsiteY15"/>
+                </a:cxn>
+                <a:cxn ang="0">
+                  <a:pos x="connsiteX16" y="connsiteY16"/>
+                </a:cxn>
+                <a:cxn ang="0">
+                  <a:pos x="connsiteX17" y="connsiteY17"/>
+                </a:cxn>
+                <a:cxn ang="0">
+                  <a:pos x="connsiteX18" y="connsiteY18"/>
+                </a:cxn>
+                <a:cxn ang="0">
+                  <a:pos x="connsiteX19" y="connsiteY19"/>
+                </a:cxn>
+                <a:cxn ang="0">
+                  <a:pos x="connsiteX20" y="connsiteY20"/>
+                </a:cxn>
+                <a:cxn ang="0">
+                  <a:pos x="connsiteX21" y="connsiteY21"/>
+                </a:cxn>
+                <a:cxn ang="0">
+                  <a:pos x="connsiteX22" y="connsiteY22"/>
+                </a:cxn>
+                <a:cxn ang="0">
+                  <a:pos x="connsiteX23" y="connsiteY23"/>
+                </a:cxn>
+                <a:cxn ang="0">
+                  <a:pos x="connsiteX24" y="connsiteY24"/>
+                </a:cxn>
+                <a:cxn ang="0">
+                  <a:pos x="connsiteX25" y="connsiteY25"/>
+                </a:cxn>
+                <a:cxn ang="0">
+                  <a:pos x="connsiteX26" y="connsiteY26"/>
+                </a:cxn>
+                <a:cxn ang="0">
+                  <a:pos x="connsiteX27" y="connsiteY27"/>
+                </a:cxn>
+                <a:cxn ang="0">
+                  <a:pos x="connsiteX28" y="connsiteY28"/>
+                </a:cxn>
+              </a:cxnLst>
+              <a:rect l="l" t="t" r="r" b="b"/>
+              <a:pathLst>
+                <a:path w="6321679" h="6521594">
+                  <a:moveTo>
+                    <a:pt x="4150102" y="0"/>
+                  </a:moveTo>
+                  <a:cubicBezTo>
+                    <a:pt x="4918148" y="0"/>
+                    <a:pt x="5569597" y="228540"/>
+                    <a:pt x="6083891" y="619943"/>
+                  </a:cubicBezTo>
+                  <a:lnTo>
+                    <a:pt x="6321679" y="822247"/>
+                  </a:lnTo>
+                  <a:lnTo>
+                    <a:pt x="6321679" y="1866928"/>
+                  </a:lnTo>
+                  <a:lnTo>
+                    <a:pt x="6212358" y="1689281"/>
+                  </a:lnTo>
+                  <a:cubicBezTo>
+                    <a:pt x="6161484" y="1615222"/>
+                    <a:pt x="6107295" y="1544427"/>
+                    <a:pt x="6049880" y="1477173"/>
+                  </a:cubicBezTo>
+                  <a:cubicBezTo>
+                    <a:pt x="5825135" y="1214018"/>
+                    <a:pt x="5555573" y="1009470"/>
+                    <a:pt x="5248663" y="869327"/>
+                  </a:cubicBezTo>
+                  <a:cubicBezTo>
+                    <a:pt x="4921178" y="719909"/>
+                    <a:pt x="4551627" y="644042"/>
+                    <a:pt x="4150102" y="644042"/>
+                  </a:cubicBezTo>
+                  <a:cubicBezTo>
+                    <a:pt x="3724203" y="644042"/>
+                    <a:pt x="3292799" y="725448"/>
+                    <a:pt x="2867946" y="886459"/>
+                  </a:cubicBezTo>
+                  <a:cubicBezTo>
+                    <a:pt x="2454234" y="1042832"/>
+                    <a:pt x="2060440" y="1273141"/>
+                    <a:pt x="1728892" y="1552397"/>
+                  </a:cubicBezTo>
+                  <a:cubicBezTo>
+                    <a:pt x="1391580" y="1836419"/>
+                    <a:pt x="1126473" y="2159600"/>
+                    <a:pt x="941043" y="2512664"/>
+                  </a:cubicBezTo>
+                  <a:cubicBezTo>
+                    <a:pt x="751551" y="2873583"/>
+                    <a:pt x="655362" y="3249575"/>
+                    <a:pt x="655362" y="3630204"/>
+                  </a:cubicBezTo>
+                  <a:cubicBezTo>
+                    <a:pt x="655362" y="4013537"/>
+                    <a:pt x="808817" y="4237405"/>
+                    <a:pt x="1128177" y="4667883"/>
+                  </a:cubicBezTo>
+                  <a:cubicBezTo>
+                    <a:pt x="1205232" y="4771702"/>
+                    <a:pt x="1284908" y="4879129"/>
+                    <a:pt x="1366419" y="4997246"/>
+                  </a:cubicBezTo>
+                  <a:cubicBezTo>
+                    <a:pt x="1989282" y="5899677"/>
+                    <a:pt x="2657880" y="6284685"/>
+                    <a:pt x="3601937" y="6284685"/>
+                  </a:cubicBezTo>
+                  <a:cubicBezTo>
+                    <a:pt x="4221523" y="6284685"/>
+                    <a:pt x="4676122" y="5971036"/>
+                    <a:pt x="5298985" y="5492643"/>
+                  </a:cubicBezTo>
+                  <a:cubicBezTo>
+                    <a:pt x="5368571" y="5439187"/>
+                    <a:pt x="5438156" y="5386375"/>
+                    <a:pt x="5505513" y="5335367"/>
+                  </a:cubicBezTo>
+                  <a:cubicBezTo>
+                    <a:pt x="5779335" y="5127761"/>
+                    <a:pt x="6041730" y="4928776"/>
+                    <a:pt x="6252618" y="4722492"/>
+                  </a:cubicBezTo>
+                  <a:lnTo>
+                    <a:pt x="6321679" y="4651477"/>
+                  </a:lnTo>
+                  <a:lnTo>
+                    <a:pt x="6321679" y="5523097"/>
+                  </a:lnTo>
+                  <a:lnTo>
+                    <a:pt x="6024428" y="5754969"/>
+                  </a:lnTo>
+                  <a:cubicBezTo>
+                    <a:pt x="5918395" y="5835747"/>
+                    <a:pt x="5810491" y="5916953"/>
+                    <a:pt x="5702345" y="6000018"/>
+                  </a:cubicBezTo>
+                  <a:cubicBezTo>
+                    <a:pt x="5466020" y="6181541"/>
+                    <a:pt x="5232938" y="6357503"/>
+                    <a:pt x="4988380" y="6506549"/>
+                  </a:cubicBezTo>
+                  <a:lnTo>
+                    <a:pt x="4961490" y="6521594"/>
+                  </a:lnTo>
+                  <a:lnTo>
+                    <a:pt x="2011326" y="6521594"/>
+                  </a:lnTo>
+                  <a:lnTo>
+                    <a:pt x="1982893" y="6505768"/>
+                  </a:lnTo>
+                  <a:cubicBezTo>
+                    <a:pt x="1531799" y="6233999"/>
+                    <a:pt x="1157400" y="5841520"/>
+                    <a:pt x="824149" y="5358682"/>
+                  </a:cubicBezTo>
+                  <a:cubicBezTo>
+                    <a:pt x="424196" y="4779302"/>
+                    <a:pt x="0" y="4381929"/>
+                    <a:pt x="0" y="3630075"/>
+                  </a:cubicBezTo>
+                  <a:cubicBezTo>
+                    <a:pt x="0" y="1625174"/>
+                    <a:pt x="2089794" y="0"/>
+                    <a:pt x="4150102" y="0"/>
+                  </a:cubicBezTo>
+                  <a:close/>
+                </a:path>
+              </a:pathLst>
+            </a:custGeom>
+            <a:gradFill>
+              <a:gsLst>
+                <a:gs pos="2000">
+                  <a:schemeClr val="bg1">
+                    <a:alpha val="10000"/>
+                  </a:schemeClr>
+                </a:gs>
+                <a:gs pos="16000">
+                  <a:schemeClr val="accent6">
+                    <a:alpha val="10000"/>
+                  </a:schemeClr>
+                </a:gs>
+                <a:gs pos="100000">
+                  <a:schemeClr val="bg1">
+                    <a:alpha val="10000"/>
+                  </a:schemeClr>
+                </a:gs>
+                <a:gs pos="85000">
+                  <a:schemeClr val="accent1">
+                    <a:alpha val="10000"/>
+                  </a:schemeClr>
+                </a:gs>
+              </a:gsLst>
+              <a:lin ang="12000000" scaled="0"/>
+            </a:gradFill>
+            <a:ln>
+              <a:noFill/>
+            </a:ln>
+          </p:spPr>
+          <p:style>
+            <a:lnRef idx="2">
+              <a:schemeClr val="accent1">
+                <a:shade val="50000"/>
+              </a:schemeClr>
+            </a:lnRef>
+            <a:fillRef idx="1">
+              <a:schemeClr val="accent1"/>
+            </a:fillRef>
+            <a:effectRef idx="0">
+              <a:schemeClr val="accent1"/>
+            </a:effectRef>
+            <a:fontRef idx="minor">
+              <a:schemeClr val="lt1"/>
+            </a:fontRef>
+          </p:style>
+          <p:txBody>
+            <a:bodyPr rtlCol="0" anchor="ctr"/>
+            <a:lstStyle/>
+            <a:p>
+              <a:pPr algn="ctr"/>
+              <a:endParaRPr lang="en-US"/>
+            </a:p>
+          </p:txBody>
+        </p:sp>
+        <p:sp>
+          <p:nvSpPr>
+            <p:cNvPr id="30" name="Freeform: Shape 29">
+              <a:extLst>
+                <a:ext uri="{FF2B5EF4-FFF2-40B4-BE49-F238E27FC236}">
+                  <a16:creationId xmlns:a16="http://schemas.microsoft.com/office/drawing/2014/main" id="{A66409EC-9CC3-482A-A4A5-54ED092B3F22}"/>
+                </a:ext>
+                <a:ext uri="{C183D7F6-B498-43B3-948B-1728B52AA6E4}">
+                  <adec:decorative xmlns:adec="http://schemas.microsoft.com/office/drawing/2017/decorative" val="1"/>
+                </a:ext>
+              </a:extLst>
+            </p:cNvPr>
+            <p:cNvSpPr/>
+            <p:nvPr>
+              <p:extLst>
+                <p:ext uri="{386F3935-93C4-4BCD-93E2-E3B085C9AB24}">
+                  <p16:designElem xmlns:p16="http://schemas.microsoft.com/office/powerpoint/2015/main" val="1"/>
+                </p:ext>
+              </p:extLst>
+            </p:nvPr>
+          </p:nvSpPr>
+          <p:spPr>
+            <a:xfrm>
+              <a:off x="5870322" y="353119"/>
+              <a:ext cx="6321679" cy="6521594"/>
+            </a:xfrm>
+            <a:custGeom>
+              <a:avLst/>
+              <a:gdLst>
+                <a:gd name="connsiteX0" fmla="*/ 4150102 w 6321679"/>
+                <a:gd name="connsiteY0" fmla="*/ 0 h 6521594"/>
+                <a:gd name="connsiteX1" fmla="*/ 6083891 w 6321679"/>
+                <a:gd name="connsiteY1" fmla="*/ 619943 h 6521594"/>
+                <a:gd name="connsiteX2" fmla="*/ 6321679 w 6321679"/>
+                <a:gd name="connsiteY2" fmla="*/ 822247 h 6521594"/>
+                <a:gd name="connsiteX3" fmla="*/ 6321679 w 6321679"/>
+                <a:gd name="connsiteY3" fmla="*/ 2150195 h 6521594"/>
+                <a:gd name="connsiteX4" fmla="*/ 6241288 w 6321679"/>
+                <a:gd name="connsiteY4" fmla="*/ 1985338 h 6521594"/>
+                <a:gd name="connsiteX5" fmla="*/ 5949367 w 6321679"/>
+                <a:gd name="connsiteY5" fmla="*/ 1559997 h 6521594"/>
+                <a:gd name="connsiteX6" fmla="*/ 5193362 w 6321679"/>
+                <a:gd name="connsiteY6" fmla="*/ 986156 h 6521594"/>
+                <a:gd name="connsiteX7" fmla="*/ 4150102 w 6321679"/>
+                <a:gd name="connsiteY7" fmla="*/ 772850 h 6521594"/>
+                <a:gd name="connsiteX8" fmla="*/ 2914861 w 6321679"/>
+                <a:gd name="connsiteY8" fmla="*/ 1006637 h 6521594"/>
+                <a:gd name="connsiteX9" fmla="*/ 1814073 w 6321679"/>
+                <a:gd name="connsiteY9" fmla="*/ 1650163 h 6521594"/>
+                <a:gd name="connsiteX10" fmla="*/ 1057412 w 6321679"/>
+                <a:gd name="connsiteY10" fmla="*/ 2571657 h 6521594"/>
+                <a:gd name="connsiteX11" fmla="*/ 786277 w 6321679"/>
+                <a:gd name="connsiteY11" fmla="*/ 3630204 h 6521594"/>
+                <a:gd name="connsiteX12" fmla="*/ 1233931 w 6321679"/>
+                <a:gd name="connsiteY12" fmla="*/ 4592016 h 6521594"/>
+                <a:gd name="connsiteX13" fmla="*/ 1474795 w 6321679"/>
+                <a:gd name="connsiteY13" fmla="*/ 4924985 h 6521594"/>
+                <a:gd name="connsiteX14" fmla="*/ 2393691 w 6321679"/>
+                <a:gd name="connsiteY14" fmla="*/ 5846995 h 6521594"/>
+                <a:gd name="connsiteX15" fmla="*/ 3601805 w 6321679"/>
+                <a:gd name="connsiteY15" fmla="*/ 6155876 h 6521594"/>
+                <a:gd name="connsiteX16" fmla="*/ 4378909 w 6321679"/>
+                <a:gd name="connsiteY16" fmla="*/ 5959186 h 6521594"/>
+                <a:gd name="connsiteX17" fmla="*/ 5218129 w 6321679"/>
+                <a:gd name="connsiteY17" fmla="*/ 5391271 h 6521594"/>
+                <a:gd name="connsiteX18" fmla="*/ 5425313 w 6321679"/>
+                <a:gd name="connsiteY18" fmla="*/ 5233481 h 6521594"/>
+                <a:gd name="connsiteX19" fmla="*/ 6254366 w 6321679"/>
+                <a:gd name="connsiteY19" fmla="*/ 4534301 h 6521594"/>
+                <a:gd name="connsiteX20" fmla="*/ 6321679 w 6321679"/>
+                <a:gd name="connsiteY20" fmla="*/ 4456641 h 6521594"/>
+                <a:gd name="connsiteX21" fmla="*/ 6321679 w 6321679"/>
+                <a:gd name="connsiteY21" fmla="*/ 5523097 h 6521594"/>
+                <a:gd name="connsiteX22" fmla="*/ 6024428 w 6321679"/>
+                <a:gd name="connsiteY22" fmla="*/ 5754969 h 6521594"/>
+                <a:gd name="connsiteX23" fmla="*/ 5702345 w 6321679"/>
+                <a:gd name="connsiteY23" fmla="*/ 6000018 h 6521594"/>
+                <a:gd name="connsiteX24" fmla="*/ 4988380 w 6321679"/>
+                <a:gd name="connsiteY24" fmla="*/ 6506549 h 6521594"/>
+                <a:gd name="connsiteX25" fmla="*/ 4961490 w 6321679"/>
+                <a:gd name="connsiteY25" fmla="*/ 6521594 h 6521594"/>
+                <a:gd name="connsiteX26" fmla="*/ 2011326 w 6321679"/>
+                <a:gd name="connsiteY26" fmla="*/ 6521594 h 6521594"/>
+                <a:gd name="connsiteX27" fmla="*/ 1982893 w 6321679"/>
+                <a:gd name="connsiteY27" fmla="*/ 6505768 h 6521594"/>
+                <a:gd name="connsiteX28" fmla="*/ 824149 w 6321679"/>
+                <a:gd name="connsiteY28" fmla="*/ 5358682 h 6521594"/>
+                <a:gd name="connsiteX29" fmla="*/ 0 w 6321679"/>
+                <a:gd name="connsiteY29" fmla="*/ 3630075 h 6521594"/>
+                <a:gd name="connsiteX30" fmla="*/ 4150102 w 6321679"/>
+                <a:gd name="connsiteY30" fmla="*/ 0 h 6521594"/>
+              </a:gdLst>
+              <a:ahLst/>
+              <a:cxnLst>
+                <a:cxn ang="0">
+                  <a:pos x="connsiteX0" y="connsiteY0"/>
+                </a:cxn>
+                <a:cxn ang="0">
+                  <a:pos x="connsiteX1" y="connsiteY1"/>
+                </a:cxn>
+                <a:cxn ang="0">
+                  <a:pos x="connsiteX2" y="connsiteY2"/>
+                </a:cxn>
+                <a:cxn ang="0">
+                  <a:pos x="connsiteX3" y="connsiteY3"/>
+                </a:cxn>
+                <a:cxn ang="0">
+                  <a:pos x="connsiteX4" y="connsiteY4"/>
+                </a:cxn>
+                <a:cxn ang="0">
+                  <a:pos x="connsiteX5" y="connsiteY5"/>
+                </a:cxn>
+                <a:cxn ang="0">
+                  <a:pos x="connsiteX6" y="connsiteY6"/>
+                </a:cxn>
+                <a:cxn ang="0">
+                  <a:pos x="connsiteX7" y="connsiteY7"/>
+                </a:cxn>
+                <a:cxn ang="0">
+                  <a:pos x="connsiteX8" y="connsiteY8"/>
+                </a:cxn>
+                <a:cxn ang="0">
+                  <a:pos x="connsiteX9" y="connsiteY9"/>
+                </a:cxn>
+                <a:cxn ang="0">
+                  <a:pos x="connsiteX10" y="connsiteY10"/>
+                </a:cxn>
+                <a:cxn ang="0">
+                  <a:pos x="connsiteX11" y="connsiteY11"/>
+                </a:cxn>
+                <a:cxn ang="0">
+                  <a:pos x="connsiteX12" y="connsiteY12"/>
+                </a:cxn>
+                <a:cxn ang="0">
+                  <a:pos x="connsiteX13" y="connsiteY13"/>
+                </a:cxn>
+                <a:cxn ang="0">
+                  <a:pos x="connsiteX14" y="connsiteY14"/>
+                </a:cxn>
+                <a:cxn ang="0">
+                  <a:pos x="connsiteX15" y="connsiteY15"/>
+                </a:cxn>
+                <a:cxn ang="0">
+                  <a:pos x="connsiteX16" y="connsiteY16"/>
+                </a:cxn>
+                <a:cxn ang="0">
+                  <a:pos x="connsiteX17" y="connsiteY17"/>
+                </a:cxn>
+                <a:cxn ang="0">
+                  <a:pos x="connsiteX18" y="connsiteY18"/>
+                </a:cxn>
+                <a:cxn ang="0">
+                  <a:pos x="connsiteX19" y="connsiteY19"/>
+                </a:cxn>
+                <a:cxn ang="0">
+                  <a:pos x="connsiteX20" y="connsiteY20"/>
+                </a:cxn>
+                <a:cxn ang="0">
+                  <a:pos x="connsiteX21" y="connsiteY21"/>
+                </a:cxn>
+                <a:cxn ang="0">
+                  <a:pos x="connsiteX22" y="connsiteY22"/>
+                </a:cxn>
+                <a:cxn ang="0">
+                  <a:pos x="connsiteX23" y="connsiteY23"/>
+                </a:cxn>
+                <a:cxn ang="0">
+                  <a:pos x="connsiteX24" y="connsiteY24"/>
+                </a:cxn>
+                <a:cxn ang="0">
+                  <a:pos x="connsiteX25" y="connsiteY25"/>
+                </a:cxn>
+                <a:cxn ang="0">
+                  <a:pos x="connsiteX26" y="connsiteY26"/>
+                </a:cxn>
+                <a:cxn ang="0">
+                  <a:pos x="connsiteX27" y="connsiteY27"/>
+                </a:cxn>
+                <a:cxn ang="0">
+                  <a:pos x="connsiteX28" y="connsiteY28"/>
+                </a:cxn>
+                <a:cxn ang="0">
+                  <a:pos x="connsiteX29" y="connsiteY29"/>
+                </a:cxn>
+                <a:cxn ang="0">
+                  <a:pos x="connsiteX30" y="connsiteY30"/>
+                </a:cxn>
+              </a:cxnLst>
+              <a:rect l="l" t="t" r="r" b="b"/>
+              <a:pathLst>
+                <a:path w="6321679" h="6521594">
+                  <a:moveTo>
+                    <a:pt x="4150102" y="0"/>
+                  </a:moveTo>
+                  <a:cubicBezTo>
+                    <a:pt x="4918148" y="0"/>
+                    <a:pt x="5569597" y="228540"/>
+                    <a:pt x="6083891" y="619943"/>
+                  </a:cubicBezTo>
+                  <a:lnTo>
+                    <a:pt x="6321679" y="822247"/>
+                  </a:lnTo>
+                  <a:lnTo>
+                    <a:pt x="6321679" y="2150195"/>
+                  </a:lnTo>
+                  <a:lnTo>
+                    <a:pt x="6241288" y="1985338"/>
+                  </a:lnTo>
+                  <a:cubicBezTo>
+                    <a:pt x="6156788" y="1831195"/>
+                    <a:pt x="6059249" y="1688709"/>
+                    <a:pt x="5949367" y="1559997"/>
+                  </a:cubicBezTo>
+                  <a:cubicBezTo>
+                    <a:pt x="5737073" y="1311397"/>
+                    <a:pt x="5482843" y="1118314"/>
+                    <a:pt x="5193362" y="986156"/>
+                  </a:cubicBezTo>
+                  <a:cubicBezTo>
+                    <a:pt x="4883437" y="844596"/>
+                    <a:pt x="4532365" y="772850"/>
+                    <a:pt x="4150102" y="772850"/>
+                  </a:cubicBezTo>
+                  <a:cubicBezTo>
+                    <a:pt x="3746218" y="772850"/>
+                    <a:pt x="3319008" y="853613"/>
+                    <a:pt x="2914861" y="1006637"/>
+                  </a:cubicBezTo>
+                  <a:cubicBezTo>
+                    <a:pt x="2515039" y="1157857"/>
+                    <a:pt x="2134350" y="1380438"/>
+                    <a:pt x="1814073" y="1650163"/>
+                  </a:cubicBezTo>
+                  <a:cubicBezTo>
+                    <a:pt x="1494190" y="1919502"/>
+                    <a:pt x="1232622" y="2238173"/>
+                    <a:pt x="1057412" y="2571657"/>
+                  </a:cubicBezTo>
+                  <a:cubicBezTo>
+                    <a:pt x="877486" y="2914158"/>
+                    <a:pt x="786277" y="3270313"/>
+                    <a:pt x="786277" y="3630204"/>
+                  </a:cubicBezTo>
+                  <a:cubicBezTo>
+                    <a:pt x="786277" y="3974121"/>
+                    <a:pt x="923483" y="4173646"/>
+                    <a:pt x="1233931" y="4592016"/>
+                  </a:cubicBezTo>
+                  <a:cubicBezTo>
+                    <a:pt x="1311641" y="4696736"/>
+                    <a:pt x="1391972" y="4805064"/>
+                    <a:pt x="1474795" y="4924985"/>
+                  </a:cubicBezTo>
+                  <a:cubicBezTo>
+                    <a:pt x="1767682" y="5349278"/>
+                    <a:pt x="2068172" y="5650948"/>
+                    <a:pt x="2393691" y="5846995"/>
+                  </a:cubicBezTo>
+                  <a:cubicBezTo>
+                    <a:pt x="2738735" y="6054891"/>
+                    <a:pt x="3133971" y="6155876"/>
+                    <a:pt x="3601805" y="6155876"/>
+                  </a:cubicBezTo>
+                  <a:cubicBezTo>
+                    <a:pt x="3867305" y="6155876"/>
+                    <a:pt x="4114196" y="6093405"/>
+                    <a:pt x="4378909" y="5959186"/>
+                  </a:cubicBezTo>
+                  <a:cubicBezTo>
+                    <a:pt x="4650699" y="5821362"/>
+                    <a:pt x="4919737" y="5620421"/>
+                    <a:pt x="5218129" y="5391271"/>
+                  </a:cubicBezTo>
+                  <a:cubicBezTo>
+                    <a:pt x="5288107" y="5337558"/>
+                    <a:pt x="5357824" y="5284617"/>
+                    <a:pt x="5425313" y="5233481"/>
+                  </a:cubicBezTo>
+                  <a:cubicBezTo>
+                    <a:pt x="5739037" y="4995556"/>
+                    <a:pt x="6037512" y="4769168"/>
+                    <a:pt x="6254366" y="4534301"/>
+                  </a:cubicBezTo>
+                  <a:lnTo>
+                    <a:pt x="6321679" y="4456641"/>
+                  </a:lnTo>
+                  <a:lnTo>
+                    <a:pt x="6321679" y="5523097"/>
+                  </a:lnTo>
+                  <a:lnTo>
+                    <a:pt x="6024428" y="5754969"/>
+                  </a:lnTo>
+                  <a:cubicBezTo>
+                    <a:pt x="5918395" y="5835747"/>
+                    <a:pt x="5810491" y="5916953"/>
+                    <a:pt x="5702345" y="6000018"/>
+                  </a:cubicBezTo>
+                  <a:cubicBezTo>
+                    <a:pt x="5466020" y="6181541"/>
+                    <a:pt x="5232938" y="6357503"/>
+                    <a:pt x="4988380" y="6506549"/>
+                  </a:cubicBezTo>
+                  <a:lnTo>
+                    <a:pt x="4961490" y="6521594"/>
+                  </a:lnTo>
+                  <a:lnTo>
+                    <a:pt x="2011326" y="6521594"/>
+                  </a:lnTo>
+                  <a:lnTo>
+                    <a:pt x="1982893" y="6505768"/>
+                  </a:lnTo>
+                  <a:cubicBezTo>
+                    <a:pt x="1531799" y="6233999"/>
+                    <a:pt x="1157400" y="5841520"/>
+                    <a:pt x="824149" y="5358682"/>
+                  </a:cubicBezTo>
+                  <a:cubicBezTo>
+                    <a:pt x="424196" y="4779302"/>
+                    <a:pt x="0" y="4381929"/>
+                    <a:pt x="0" y="3630075"/>
+                  </a:cubicBezTo>
+                  <a:cubicBezTo>
+                    <a:pt x="0" y="1625174"/>
+                    <a:pt x="2089794" y="0"/>
+                    <a:pt x="4150102" y="0"/>
+                  </a:cubicBezTo>
+                  <a:close/>
+                </a:path>
+              </a:pathLst>
+            </a:custGeom>
+            <a:gradFill>
+              <a:gsLst>
+                <a:gs pos="2000">
+                  <a:schemeClr val="bg1">
+                    <a:alpha val="10000"/>
+                  </a:schemeClr>
+                </a:gs>
+                <a:gs pos="16000">
+                  <a:schemeClr val="accent6">
+                    <a:alpha val="10000"/>
+                  </a:schemeClr>
+                </a:gs>
+                <a:gs pos="100000">
+                  <a:schemeClr val="bg1">
+                    <a:alpha val="10000"/>
+                  </a:schemeClr>
+                </a:gs>
+                <a:gs pos="85000">
+                  <a:schemeClr val="accent1">
+                    <a:alpha val="10000"/>
+                  </a:schemeClr>
+                </a:gs>
+              </a:gsLst>
+              <a:lin ang="12000000" scaled="0"/>
+            </a:gradFill>
+            <a:ln>
+              <a:noFill/>
+            </a:ln>
+          </p:spPr>
+          <p:style>
+            <a:lnRef idx="2">
+              <a:schemeClr val="accent1">
+                <a:shade val="50000"/>
+              </a:schemeClr>
+            </a:lnRef>
+            <a:fillRef idx="1">
+              <a:schemeClr val="accent1"/>
+            </a:fillRef>
+            <a:effectRef idx="0">
+              <a:schemeClr val="accent1"/>
+            </a:effectRef>
+            <a:fontRef idx="minor">
+              <a:schemeClr val="lt1"/>
+            </a:fontRef>
+          </p:style>
+          <p:txBody>
+            <a:bodyPr rtlCol="0" anchor="ctr"/>
+            <a:lstStyle/>
+            <a:p>
+              <a:pPr algn="ctr"/>
+              <a:endParaRPr lang="en-US"/>
+            </a:p>
+          </p:txBody>
+        </p:sp>
+      </p:grpSp>
+      <p:pic>
+        <p:nvPicPr>
+          <p:cNvPr id="4" name="Picture 3" descr="A red and white graph&#10;&#10;Description automatically generated">
+            <a:extLst>
+              <a:ext uri="{FF2B5EF4-FFF2-40B4-BE49-F238E27FC236}">
+                <a16:creationId xmlns:a16="http://schemas.microsoft.com/office/drawing/2014/main" id="{FE80384F-0195-FA03-E623-ABB4551BEA83}"/>
+              </a:ext>
+            </a:extLst>
+          </p:cNvPr>
+          <p:cNvPicPr>
+            <a:picLocks noChangeAspect="1"/>
+          </p:cNvPicPr>
+          <p:nvPr/>
+        </p:nvPicPr>
+        <p:blipFill>
+          <a:blip r:embed="rId2"/>
+          <a:stretch>
+            <a:fillRect/>
+          </a:stretch>
+        </p:blipFill>
+        <p:spPr>
+          <a:xfrm>
+            <a:off x="7294179" y="1772030"/>
+            <a:ext cx="4556446" cy="3884368"/>
+          </a:xfrm>
+          <a:prstGeom prst="rect">
+            <a:avLst/>
+          </a:prstGeom>
+        </p:spPr>
+      </p:pic>
+    </p:spTree>
+    <p:extLst>
+      <p:ext uri="{BB962C8B-B14F-4D97-AF65-F5344CB8AC3E}">
+        <p14:creationId xmlns:p14="http://schemas.microsoft.com/office/powerpoint/2010/main" val="3107576053"/>
       </p:ext>
     </p:extLst>
   </p:cSld>
@@ -10184,4 +18327,299 @@
     </a:ext>
   </a:extLst>
 </a:theme>
+</file>
+
+<file path=ppt/theme/theme2.xml><?xml version="1.0" encoding="utf-8"?>
+<a:theme xmlns:a="http://schemas.openxmlformats.org/drawingml/2006/main" name="Office Theme">
+  <a:themeElements>
+    <a:clrScheme name="Office">
+      <a:dk1>
+        <a:sysClr val="windowText" lastClr="000000"/>
+      </a:dk1>
+      <a:lt1>
+        <a:sysClr val="window" lastClr="FFFFFF"/>
+      </a:lt1>
+      <a:dk2>
+        <a:srgbClr val="44546A"/>
+      </a:dk2>
+      <a:lt2>
+        <a:srgbClr val="E7E6E6"/>
+      </a:lt2>
+      <a:accent1>
+        <a:srgbClr val="4472C4"/>
+      </a:accent1>
+      <a:accent2>
+        <a:srgbClr val="ED7D31"/>
+      </a:accent2>
+      <a:accent3>
+        <a:srgbClr val="A5A5A5"/>
+      </a:accent3>
+      <a:accent4>
+        <a:srgbClr val="FFC000"/>
+      </a:accent4>
+      <a:accent5>
+        <a:srgbClr val="5B9BD5"/>
+      </a:accent5>
+      <a:accent6>
+        <a:srgbClr val="70AD47"/>
+      </a:accent6>
+      <a:hlink>
+        <a:srgbClr val="0563C1"/>
+      </a:hlink>
+      <a:folHlink>
+        <a:srgbClr val="954F72"/>
+      </a:folHlink>
+    </a:clrScheme>
+    <a:fontScheme name="Office">
+      <a:majorFont>
+        <a:latin typeface="Calibri Light" panose="020F0302020204030204"/>
+        <a:ea typeface=""/>
+        <a:cs typeface=""/>
+        <a:font script="Jpan" typeface="游ゴシック Light"/>
+        <a:font script="Hang" typeface="맑은 고딕"/>
+        <a:font script="Hans" typeface="等线 Light"/>
+        <a:font script="Hant" typeface="新細明體"/>
+        <a:font script="Arab" typeface="Times New Roman"/>
+        <a:font script="Hebr" typeface="Times New Roman"/>
+        <a:font script="Thai" typeface="Angsana New"/>
+        <a:font script="Ethi" typeface="Nyala"/>
+        <a:font script="Beng" typeface="Vrinda"/>
+        <a:font script="Gujr" typeface="Shruti"/>
+        <a:font script="Khmr" typeface="MoolBoran"/>
+        <a:font script="Knda" typeface="Tunga"/>
+        <a:font script="Guru" typeface="Raavi"/>
+        <a:font script="Cans" typeface="Euphemia"/>
+        <a:font script="Cher" typeface="Plantagenet Cherokee"/>
+        <a:font script="Yiii" typeface="Microsoft Yi Baiti"/>
+        <a:font script="Tibt" typeface="Microsoft Himalaya"/>
+        <a:font script="Thaa" typeface="MV Boli"/>
+        <a:font script="Deva" typeface="Mangal"/>
+        <a:font script="Telu" typeface="Gautami"/>
+        <a:font script="Taml" typeface="Latha"/>
+        <a:font script="Syrc" typeface="Estrangelo Edessa"/>
+        <a:font script="Orya" typeface="Kalinga"/>
+        <a:font script="Mlym" typeface="Kartika"/>
+        <a:font script="Laoo" typeface="DokChampa"/>
+        <a:font script="Sinh" typeface="Iskoola Pota"/>
+        <a:font script="Mong" typeface="Mongolian Baiti"/>
+        <a:font script="Viet" typeface="Times New Roman"/>
+        <a:font script="Uigh" typeface="Microsoft Uighur"/>
+        <a:font script="Geor" typeface="Sylfaen"/>
+        <a:font script="Armn" typeface="Arial"/>
+        <a:font script="Bugi" typeface="Leelawadee UI"/>
+        <a:font script="Bopo" typeface="Microsoft JhengHei"/>
+        <a:font script="Java" typeface="Javanese Text"/>
+        <a:font script="Lisu" typeface="Segoe UI"/>
+        <a:font script="Mymr" typeface="Myanmar Text"/>
+        <a:font script="Nkoo" typeface="Ebrima"/>
+        <a:font script="Olck" typeface="Nirmala UI"/>
+        <a:font script="Osma" typeface="Ebrima"/>
+        <a:font script="Phag" typeface="Phagspa"/>
+        <a:font script="Syrn" typeface="Estrangelo Edessa"/>
+        <a:font script="Syrj" typeface="Estrangelo Edessa"/>
+        <a:font script="Syre" typeface="Estrangelo Edessa"/>
+        <a:font script="Sora" typeface="Nirmala UI"/>
+        <a:font script="Tale" typeface="Microsoft Tai Le"/>
+        <a:font script="Talu" typeface="Microsoft New Tai Lue"/>
+        <a:font script="Tfng" typeface="Ebrima"/>
+      </a:majorFont>
+      <a:minorFont>
+        <a:latin typeface="Calibri" panose="020F0502020204030204"/>
+        <a:ea typeface=""/>
+        <a:cs typeface=""/>
+        <a:font script="Jpan" typeface="游ゴシック"/>
+        <a:font script="Hang" typeface="맑은 고딕"/>
+        <a:font script="Hans" typeface="等线"/>
+        <a:font script="Hant" typeface="新細明體"/>
+        <a:font script="Arab" typeface="Arial"/>
+        <a:font script="Hebr" typeface="Arial"/>
+        <a:font script="Thai" typeface="Cordia New"/>
+        <a:font script="Ethi" typeface="Nyala"/>
+        <a:font script="Beng" typeface="Vrinda"/>
+        <a:font script="Gujr" typeface="Shruti"/>
+        <a:font script="Khmr" typeface="DaunPenh"/>
+        <a:font script="Knda" typeface="Tunga"/>
+        <a:font script="Guru" typeface="Raavi"/>
+        <a:font script="Cans" typeface="Euphemia"/>
+        <a:font script="Cher" typeface="Plantagenet Cherokee"/>
+        <a:font script="Yiii" typeface="Microsoft Yi Baiti"/>
+        <a:font script="Tibt" typeface="Microsoft Himalaya"/>
+        <a:font script="Thaa" typeface="MV Boli"/>
+        <a:font script="Deva" typeface="Mangal"/>
+        <a:font script="Telu" typeface="Gautami"/>
+        <a:font script="Taml" typeface="Latha"/>
+        <a:font script="Syrc" typeface="Estrangelo Edessa"/>
+        <a:font script="Orya" typeface="Kalinga"/>
+        <a:font script="Mlym" typeface="Kartika"/>
+        <a:font script="Laoo" typeface="DokChampa"/>
+        <a:font script="Sinh" typeface="Iskoola Pota"/>
+        <a:font script="Mong" typeface="Mongolian Baiti"/>
+        <a:font script="Viet" typeface="Arial"/>
+        <a:font script="Uigh" typeface="Microsoft Uighur"/>
+        <a:font script="Geor" typeface="Sylfaen"/>
+        <a:font script="Armn" typeface="Arial"/>
+        <a:font script="Bugi" typeface="Leelawadee UI"/>
+        <a:font script="Bopo" typeface="Microsoft JhengHei"/>
+        <a:font script="Java" typeface="Javanese Text"/>
+        <a:font script="Lisu" typeface="Segoe UI"/>
+        <a:font script="Mymr" typeface="Myanmar Text"/>
+        <a:font script="Nkoo" typeface="Ebrima"/>
+        <a:font script="Olck" typeface="Nirmala UI"/>
+        <a:font script="Osma" typeface="Ebrima"/>
+        <a:font script="Phag" typeface="Phagspa"/>
+        <a:font script="Syrn" typeface="Estrangelo Edessa"/>
+        <a:font script="Syrj" typeface="Estrangelo Edessa"/>
+        <a:font script="Syre" typeface="Estrangelo Edessa"/>
+        <a:font script="Sora" typeface="Nirmala UI"/>
+        <a:font script="Tale" typeface="Microsoft Tai Le"/>
+        <a:font script="Talu" typeface="Microsoft New Tai Lue"/>
+        <a:font script="Tfng" typeface="Ebrima"/>
+      </a:minorFont>
+    </a:fontScheme>
+    <a:fmtScheme name="Office">
+      <a:fillStyleLst>
+        <a:solidFill>
+          <a:schemeClr val="phClr"/>
+        </a:solidFill>
+        <a:gradFill rotWithShape="1">
+          <a:gsLst>
+            <a:gs pos="0">
+              <a:schemeClr val="phClr">
+                <a:lumMod val="110000"/>
+                <a:satMod val="105000"/>
+                <a:tint val="67000"/>
+              </a:schemeClr>
+            </a:gs>
+            <a:gs pos="50000">
+              <a:schemeClr val="phClr">
+                <a:lumMod val="105000"/>
+                <a:satMod val="103000"/>
+                <a:tint val="73000"/>
+              </a:schemeClr>
+            </a:gs>
+            <a:gs pos="100000">
+              <a:schemeClr val="phClr">
+                <a:lumMod val="105000"/>
+                <a:satMod val="109000"/>
+                <a:tint val="81000"/>
+              </a:schemeClr>
+            </a:gs>
+          </a:gsLst>
+          <a:lin ang="5400000" scaled="0"/>
+        </a:gradFill>
+        <a:gradFill rotWithShape="1">
+          <a:gsLst>
+            <a:gs pos="0">
+              <a:schemeClr val="phClr">
+                <a:satMod val="103000"/>
+                <a:lumMod val="102000"/>
+                <a:tint val="94000"/>
+              </a:schemeClr>
+            </a:gs>
+            <a:gs pos="50000">
+              <a:schemeClr val="phClr">
+                <a:satMod val="110000"/>
+                <a:lumMod val="100000"/>
+                <a:shade val="100000"/>
+              </a:schemeClr>
+            </a:gs>
+            <a:gs pos="100000">
+              <a:schemeClr val="phClr">
+                <a:lumMod val="99000"/>
+                <a:satMod val="120000"/>
+                <a:shade val="78000"/>
+              </a:schemeClr>
+            </a:gs>
+          </a:gsLst>
+          <a:lin ang="5400000" scaled="0"/>
+        </a:gradFill>
+      </a:fillStyleLst>
+      <a:lnStyleLst>
+        <a:ln w="6350" cap="flat" cmpd="sng" algn="ctr">
+          <a:solidFill>
+            <a:schemeClr val="phClr"/>
+          </a:solidFill>
+          <a:prstDash val="solid"/>
+          <a:miter lim="800000"/>
+        </a:ln>
+        <a:ln w="12700" cap="flat" cmpd="sng" algn="ctr">
+          <a:solidFill>
+            <a:schemeClr val="phClr"/>
+          </a:solidFill>
+          <a:prstDash val="solid"/>
+          <a:miter lim="800000"/>
+        </a:ln>
+        <a:ln w="19050" cap="flat" cmpd="sng" algn="ctr">
+          <a:solidFill>
+            <a:schemeClr val="phClr"/>
+          </a:solidFill>
+          <a:prstDash val="solid"/>
+          <a:miter lim="800000"/>
+        </a:ln>
+      </a:lnStyleLst>
+      <a:effectStyleLst>
+        <a:effectStyle>
+          <a:effectLst/>
+        </a:effectStyle>
+        <a:effectStyle>
+          <a:effectLst/>
+        </a:effectStyle>
+        <a:effectStyle>
+          <a:effectLst>
+            <a:outerShdw blurRad="57150" dist="19050" dir="5400000" algn="ctr" rotWithShape="0">
+              <a:srgbClr val="000000">
+                <a:alpha val="63000"/>
+              </a:srgbClr>
+            </a:outerShdw>
+          </a:effectLst>
+        </a:effectStyle>
+      </a:effectStyleLst>
+      <a:bgFillStyleLst>
+        <a:solidFill>
+          <a:schemeClr val="phClr"/>
+        </a:solidFill>
+        <a:solidFill>
+          <a:schemeClr val="phClr">
+            <a:tint val="95000"/>
+            <a:satMod val="170000"/>
+          </a:schemeClr>
+        </a:solidFill>
+        <a:gradFill rotWithShape="1">
+          <a:gsLst>
+            <a:gs pos="0">
+              <a:schemeClr val="phClr">
+                <a:tint val="93000"/>
+                <a:satMod val="150000"/>
+                <a:shade val="98000"/>
+                <a:lumMod val="102000"/>
+              </a:schemeClr>
+            </a:gs>
+            <a:gs pos="50000">
+              <a:schemeClr val="phClr">
+                <a:tint val="98000"/>
+                <a:satMod val="130000"/>
+                <a:shade val="90000"/>
+                <a:lumMod val="103000"/>
+              </a:schemeClr>
+            </a:gs>
+            <a:gs pos="100000">
+              <a:schemeClr val="phClr">
+                <a:shade val="63000"/>
+                <a:satMod val="120000"/>
+              </a:schemeClr>
+            </a:gs>
+          </a:gsLst>
+          <a:lin ang="5400000" scaled="0"/>
+        </a:gradFill>
+      </a:bgFillStyleLst>
+    </a:fmtScheme>
+  </a:themeElements>
+  <a:objectDefaults/>
+  <a:extraClrSchemeLst/>
+  <a:extLst>
+    <a:ext uri="{05A4C25C-085E-4340-85A3-A5531E510DB2}">
+      <thm15:themeFamily xmlns:thm15="http://schemas.microsoft.com/office/thememl/2012/main" name="Office Theme" id="{62F939B6-93AF-4DB8-9C6B-D6C7DFDC589F}" vid="{4A3C46E8-61CC-4603-A589-7422A47A8E4A}"/>
+    </a:ext>
+  </a:extLst>
+</a:theme>
 </file>
--- a/Project_4 Presentation_v1.pptx
+++ b/Project_4 Presentation_v1.pptx
@@ -10557,7 +10557,15 @@
             </a:pPr>
             <a:r>
               <a:rPr lang="en-US" sz="1400" dirty="0"/>
-              <a:t>For example, the credit cards group reported a 92.9% accuracy score and had the following design characteristics:</a:t>
+              <a:t>For example, the credit cards group reported </a:t>
+            </a:r>
+            <a:r>
+              <a:rPr lang="en-US" sz="1400"/>
+              <a:t>a 90.82% </a:t>
+            </a:r>
+            <a:r>
+              <a:rPr lang="en-US" sz="1400" dirty="0"/>
+              <a:t>accuracy score and had the following design characteristics:</a:t>
             </a:r>
           </a:p>
           <a:p>
@@ -11196,12 +11204,91 @@
           </a:p>
         </p:txBody>
       </p:sp>
+      <p:sp>
+        <p:nvSpPr>
+          <p:cNvPr id="6" name="TextBox 5">
+            <a:extLst>
+              <a:ext uri="{FF2B5EF4-FFF2-40B4-BE49-F238E27FC236}">
+                <a16:creationId xmlns:a16="http://schemas.microsoft.com/office/drawing/2014/main" id="{4C481ACD-D5B6-5C6B-9DE5-7A6EACC913FB}"/>
+              </a:ext>
+            </a:extLst>
+          </p:cNvPr>
+          <p:cNvSpPr txBox="1"/>
+          <p:nvPr/>
+        </p:nvSpPr>
+        <p:spPr>
+          <a:xfrm>
+            <a:off x="0" y="4216602"/>
+            <a:ext cx="12118428" cy="2462213"/>
+          </a:xfrm>
+          <a:prstGeom prst="rect">
+            <a:avLst/>
+          </a:prstGeom>
+          <a:noFill/>
+        </p:spPr>
+        <p:txBody>
+          <a:bodyPr wrap="square" rtlCol="0">
+            <a:spAutoFit/>
+          </a:bodyPr>
+          <a:lstStyle/>
+          <a:p>
+            <a:pPr marL="285750" indent="-285750">
+              <a:buFont typeface="Arial" panose="020B0604020202020204" pitchFamily="34" charset="0"/>
+              <a:buChar char="•"/>
+            </a:pPr>
+            <a:r>
+              <a:rPr lang="en-US" sz="1400" dirty="0"/>
+              <a:t>Random Forest with actual numerical values (as opposed to dummies) produced the highest average accuracy score of 93.91%. The lowest average accuracy score was the Deep Learning model that used dummy values at 27.55%. </a:t>
+            </a:r>
+          </a:p>
+          <a:p>
+            <a:pPr marL="285750" indent="-285750">
+              <a:buFont typeface="Arial" panose="020B0604020202020204" pitchFamily="34" charset="0"/>
+              <a:buChar char="•"/>
+            </a:pPr>
+            <a:r>
+              <a:rPr lang="en-US" sz="1400" dirty="0"/>
+              <a:t>Next to the Deep Learning using dummy data, the Logistic Regression model produced the lowest average accuracy score of 80.86%. Compared to Random Forests model (Actual), it appears that Logistic Regressions was less accurate at predicting outcomes. </a:t>
+            </a:r>
+          </a:p>
+          <a:p>
+            <a:pPr marL="285750" indent="-285750">
+              <a:buFont typeface="Arial" panose="020B0604020202020204" pitchFamily="34" charset="0"/>
+              <a:buChar char="•"/>
+            </a:pPr>
+            <a:r>
+              <a:rPr lang="en-US" sz="1400" dirty="0"/>
+              <a:t>The Overall Accuracy Score indicated that the Mortgage loans group was the highest at 91.63% and closely followed by the Credit cards group at 89.79%. Overall, the Consumer loans (credit cards and mortgages) performed better than the business loans (C&amp;I and CRE) which appears to be influenced by the Deep Learning model accuracy scores. </a:t>
+            </a:r>
+          </a:p>
+          <a:p>
+            <a:pPr marL="285750" indent="-285750">
+              <a:buFont typeface="Arial" panose="020B0604020202020204" pitchFamily="34" charset="0"/>
+              <a:buChar char="•"/>
+            </a:pPr>
+            <a:r>
+              <a:rPr lang="en-US" sz="1400" dirty="0"/>
+              <a:t>The lowest performing loan group was C&amp;I loans with an 83.67% Overall Accuracy Score. This appears to be ‘across the board’ in terms of the model types, and in particular the Logistic Regression model and Deep Learning with actual numerical values model. </a:t>
+            </a:r>
+          </a:p>
+          <a:p>
+            <a:pPr marL="285750" indent="-285750">
+              <a:buFont typeface="Arial" panose="020B0604020202020204" pitchFamily="34" charset="0"/>
+              <a:buChar char="•"/>
+            </a:pPr>
+            <a:r>
+              <a:rPr lang="en-US" sz="1400" dirty="0"/>
+              <a:t>It is noted that the different loan groups contain many of the same variables however some unique variables. The group design may have had an affect on the the accuracy scores as well as the different models.</a:t>
+            </a:r>
+          </a:p>
+        </p:txBody>
+      </p:sp>
       <p:graphicFrame>
         <p:nvGraphicFramePr>
-          <p:cNvPr id="5" name="Table 4">
+          <p:cNvPr id="7" name="Table 6">
             <a:extLst>
               <a:ext uri="{FF2B5EF4-FFF2-40B4-BE49-F238E27FC236}">
-                <a16:creationId xmlns:a16="http://schemas.microsoft.com/office/drawing/2014/main" id="{C03EE16D-C653-3DF5-C2F0-0780F360FBD2}"/>
+                <a16:creationId xmlns:a16="http://schemas.microsoft.com/office/drawing/2014/main" id="{5877B05D-26D8-DD25-10C9-12EEE19583D3}"/>
               </a:ext>
             </a:extLst>
           </p:cNvPr>
@@ -11211,99 +11298,94 @@
           <p:nvPr>
             <p:extLst>
               <p:ext uri="{D42A27DB-BD31-4B8C-83A1-F6EECF244321}">
-                <p14:modId xmlns:p14="http://schemas.microsoft.com/office/powerpoint/2010/main" val="3177156162"/>
+                <p14:modId xmlns:p14="http://schemas.microsoft.com/office/powerpoint/2010/main" val="2116014360"/>
               </p:ext>
             </p:extLst>
           </p:nvPr>
         </p:nvGraphicFramePr>
         <p:xfrm>
-          <a:off x="1330291" y="665279"/>
-          <a:ext cx="9526822" cy="3698698"/>
+          <a:off x="679264" y="824635"/>
+          <a:ext cx="10869258" cy="3030950"/>
         </p:xfrm>
         <a:graphic>
           <a:graphicData uri="http://schemas.openxmlformats.org/drawingml/2006/table">
             <a:tbl>
-              <a:tblPr firstRow="1" bandRow="1">
-                <a:solidFill>
-                  <a:schemeClr val="bg1">
-                    <a:lumMod val="95000"/>
-                  </a:schemeClr>
-                </a:solidFill>
+              <a:tblPr>
                 <a:tableStyleId>{5C22544A-7EE6-4342-B048-85BDC9FD1C3A}</a:tableStyleId>
               </a:tblPr>
               <a:tblGrid>
-                <a:gridCol w="1215384">
+                <a:gridCol w="1614982">
                   <a:extLst>
                     <a:ext uri="{9D8B030D-6E8A-4147-A177-3AD203B41FA5}">
-                      <a16:colId xmlns:a16="http://schemas.microsoft.com/office/drawing/2014/main" val="2319212126"/>
+                      <a16:colId xmlns:a16="http://schemas.microsoft.com/office/drawing/2014/main" val="1447308243"/>
                     </a:ext>
                   </a:extLst>
                 </a:gridCol>
-                <a:gridCol w="826322">
+                <a:gridCol w="906657">
                   <a:extLst>
                     <a:ext uri="{9D8B030D-6E8A-4147-A177-3AD203B41FA5}">
-                      <a16:colId xmlns:a16="http://schemas.microsoft.com/office/drawing/2014/main" val="2738289293"/>
+                      <a16:colId xmlns:a16="http://schemas.microsoft.com/office/drawing/2014/main" val="3631476543"/>
                     </a:ext>
                   </a:extLst>
                 </a:gridCol>
-                <a:gridCol w="1391577">
+                <a:gridCol w="1274987">
                   <a:extLst>
                     <a:ext uri="{9D8B030D-6E8A-4147-A177-3AD203B41FA5}">
-                      <a16:colId xmlns:a16="http://schemas.microsoft.com/office/drawing/2014/main" val="2311792734"/>
+                      <a16:colId xmlns:a16="http://schemas.microsoft.com/office/drawing/2014/main" val="3941266068"/>
                     </a:ext>
                   </a:extLst>
                 </a:gridCol>
-                <a:gridCol w="1391577">
+                <a:gridCol w="1289152">
                   <a:extLst>
                     <a:ext uri="{9D8B030D-6E8A-4147-A177-3AD203B41FA5}">
-                      <a16:colId xmlns:a16="http://schemas.microsoft.com/office/drawing/2014/main" val="1539080675"/>
+                      <a16:colId xmlns:a16="http://schemas.microsoft.com/office/drawing/2014/main" val="3891875430"/>
                     </a:ext>
                   </a:extLst>
                 </a:gridCol>
-                <a:gridCol w="1013926">
+                <a:gridCol w="991656">
                   <a:extLst>
                     <a:ext uri="{9D8B030D-6E8A-4147-A177-3AD203B41FA5}">
-                      <a16:colId xmlns:a16="http://schemas.microsoft.com/office/drawing/2014/main" val="2788629979"/>
+                      <a16:colId xmlns:a16="http://schemas.microsoft.com/office/drawing/2014/main" val="3323083763"/>
                     </a:ext>
                   </a:extLst>
                 </a:gridCol>
-                <a:gridCol w="799595">
+                <a:gridCol w="1062489">
                   <a:extLst>
                     <a:ext uri="{9D8B030D-6E8A-4147-A177-3AD203B41FA5}">
-                      <a16:colId xmlns:a16="http://schemas.microsoft.com/office/drawing/2014/main" val="3117675748"/>
+                      <a16:colId xmlns:a16="http://schemas.microsoft.com/office/drawing/2014/main" val="730015520"/>
                     </a:ext>
                   </a:extLst>
                 </a:gridCol>
-                <a:gridCol w="692602">
+                <a:gridCol w="849991">
                   <a:extLst>
                     <a:ext uri="{9D8B030D-6E8A-4147-A177-3AD203B41FA5}">
-                      <a16:colId xmlns:a16="http://schemas.microsoft.com/office/drawing/2014/main" val="3114233346"/>
+                      <a16:colId xmlns:a16="http://schemas.microsoft.com/office/drawing/2014/main" val="4255258682"/>
                     </a:ext>
                   </a:extLst>
                 </a:gridCol>
-                <a:gridCol w="703643">
+                <a:gridCol w="934990">
                   <a:extLst>
                     <a:ext uri="{9D8B030D-6E8A-4147-A177-3AD203B41FA5}">
-                      <a16:colId xmlns:a16="http://schemas.microsoft.com/office/drawing/2014/main" val="2258017785"/>
+                      <a16:colId xmlns:a16="http://schemas.microsoft.com/office/drawing/2014/main" val="2847657114"/>
                     </a:ext>
                   </a:extLst>
                 </a:gridCol>
-                <a:gridCol w="692601">
+                <a:gridCol w="881865">
                   <a:extLst>
                     <a:ext uri="{9D8B030D-6E8A-4147-A177-3AD203B41FA5}">
-                      <a16:colId xmlns:a16="http://schemas.microsoft.com/office/drawing/2014/main" val="3061830193"/>
+                      <a16:colId xmlns:a16="http://schemas.microsoft.com/office/drawing/2014/main" val="949581593"/>
                     </a:ext>
                   </a:extLst>
                 </a:gridCol>
-                <a:gridCol w="799595">
+                <a:gridCol w="1062489">
                   <a:extLst>
                     <a:ext uri="{9D8B030D-6E8A-4147-A177-3AD203B41FA5}">
-                      <a16:colId xmlns:a16="http://schemas.microsoft.com/office/drawing/2014/main" val="952347087"/>
+                      <a16:colId xmlns:a16="http://schemas.microsoft.com/office/drawing/2014/main" val="577514277"/>
                     </a:ext>
                   </a:extLst>
                 </a:gridCol>
               </a:tblGrid>
-              <a:tr h="958654">
+              <a:tr h="801286">
                 <a:tc>
                   <a:txBody>
                     <a:bodyPr/>
@@ -11311,48 +11393,21 @@
                     <a:p>
                       <a:pPr algn="ctr" fontAlgn="t"/>
                       <a:r>
-                        <a:rPr lang="en-US" sz="1500" b="1" u="none" strike="noStrike" cap="none" spc="0">
-                          <a:solidFill>
-                            <a:schemeClr val="tx1"/>
-                          </a:solidFill>
+                        <a:rPr lang="en-US" sz="1200" u="none" strike="noStrike" dirty="0">
                           <a:effectLst/>
                         </a:rPr>
                         <a:t>Model Type</a:t>
                       </a:r>
-                      <a:endParaRPr lang="en-US" sz="1500" b="1" i="0" u="none" strike="noStrike" cap="none" spc="0">
+                      <a:endParaRPr lang="en-US" sz="1200" b="1" i="0" u="none" strike="noStrike" dirty="0">
                         <a:solidFill>
-                          <a:schemeClr val="tx1"/>
+                          <a:srgbClr val="000000"/>
                         </a:solidFill>
                         <a:effectLst/>
                         <a:latin typeface="Calibri" panose="020F0502020204030204" pitchFamily="34" charset="0"/>
                       </a:endParaRPr>
                     </a:p>
                   </a:txBody>
-                  <a:tcPr marL="58655" marR="7998" marT="16759" marB="125690" anchor="b">
-                    <a:lnL w="12700" cap="flat" cmpd="sng" algn="ctr">
-                      <a:solidFill>
-                        <a:schemeClr val="tx1"/>
-                      </a:solidFill>
-                      <a:prstDash val="solid"/>
-                    </a:lnL>
-                    <a:lnR w="12700" cmpd="sng">
-                      <a:noFill/>
-                      <a:prstDash val="solid"/>
-                    </a:lnR>
-                    <a:lnT w="9525" cap="flat" cmpd="sng" algn="ctr">
-                      <a:noFill/>
-                      <a:prstDash val="solid"/>
-                    </a:lnT>
-                    <a:lnB w="12700" cmpd="sng">
-                      <a:noFill/>
-                      <a:prstDash val="solid"/>
-                    </a:lnB>
-                    <a:solidFill>
-                      <a:schemeClr val="bg1">
-                        <a:lumMod val="95000"/>
-                      </a:schemeClr>
-                    </a:solidFill>
-                  </a:tcPr>
+                  <a:tcPr marL="9525" marR="9525" marT="9525" marB="0"/>
                 </a:tc>
                 <a:tc>
                   <a:txBody>
@@ -11361,46 +11416,21 @@
                     <a:p>
                       <a:pPr algn="ctr" fontAlgn="t"/>
                       <a:r>
-                        <a:rPr lang="en-US" sz="1500" b="1" u="none" strike="noStrike" cap="none" spc="0">
-                          <a:solidFill>
-                            <a:schemeClr val="tx1"/>
-                          </a:solidFill>
+                        <a:rPr lang="en-US" sz="1200" u="none" strike="noStrike" dirty="0">
                           <a:effectLst/>
                         </a:rPr>
                         <a:t>Decision Tree (Actual)</a:t>
                       </a:r>
-                      <a:endParaRPr lang="en-US" sz="1500" b="1" i="0" u="none" strike="noStrike" cap="none" spc="0">
+                      <a:endParaRPr lang="en-US" sz="1200" b="1" i="0" u="none" strike="noStrike" dirty="0">
                         <a:solidFill>
-                          <a:schemeClr val="tx1"/>
+                          <a:srgbClr val="000000"/>
                         </a:solidFill>
                         <a:effectLst/>
                         <a:latin typeface="Calibri" panose="020F0502020204030204" pitchFamily="34" charset="0"/>
                       </a:endParaRPr>
                     </a:p>
                   </a:txBody>
-                  <a:tcPr marL="58655" marR="7998" marT="16759" marB="125690" anchor="b">
-                    <a:lnL w="12700" cmpd="sng">
-                      <a:noFill/>
-                      <a:prstDash val="solid"/>
-                    </a:lnL>
-                    <a:lnR w="12700" cmpd="sng">
-                      <a:noFill/>
-                      <a:prstDash val="solid"/>
-                    </a:lnR>
-                    <a:lnT w="9525" cap="flat" cmpd="sng" algn="ctr">
-                      <a:noFill/>
-                      <a:prstDash val="solid"/>
-                    </a:lnT>
-                    <a:lnB w="12700" cmpd="sng">
-                      <a:noFill/>
-                      <a:prstDash val="solid"/>
-                    </a:lnB>
-                    <a:solidFill>
-                      <a:schemeClr val="bg1">
-                        <a:lumMod val="95000"/>
-                      </a:schemeClr>
-                    </a:solidFill>
-                  </a:tcPr>
+                  <a:tcPr marL="9525" marR="9525" marT="9525" marB="0"/>
                 </a:tc>
                 <a:tc>
                   <a:txBody>
@@ -11409,46 +11439,21 @@
                     <a:p>
                       <a:pPr algn="ctr" fontAlgn="t"/>
                       <a:r>
-                        <a:rPr lang="en-US" sz="1500" b="1" u="none" strike="noStrike" cap="none" spc="0">
-                          <a:solidFill>
-                            <a:schemeClr val="tx1"/>
-                          </a:solidFill>
+                        <a:rPr lang="en-US" sz="1200" u="none" strike="noStrike">
                           <a:effectLst/>
                         </a:rPr>
                         <a:t>Random_Forest (dummies)</a:t>
                       </a:r>
-                      <a:endParaRPr lang="en-US" sz="1500" b="1" i="0" u="none" strike="noStrike" cap="none" spc="0">
+                      <a:endParaRPr lang="en-US" sz="1200" b="1" i="0" u="none" strike="noStrike">
                         <a:solidFill>
-                          <a:schemeClr val="tx1"/>
+                          <a:srgbClr val="000000"/>
                         </a:solidFill>
                         <a:effectLst/>
                         <a:latin typeface="Calibri" panose="020F0502020204030204" pitchFamily="34" charset="0"/>
                       </a:endParaRPr>
                     </a:p>
                   </a:txBody>
-                  <a:tcPr marL="58655" marR="7998" marT="16759" marB="125690" anchor="b">
-                    <a:lnL w="12700" cmpd="sng">
-                      <a:noFill/>
-                      <a:prstDash val="solid"/>
-                    </a:lnL>
-                    <a:lnR w="12700" cmpd="sng">
-                      <a:noFill/>
-                      <a:prstDash val="solid"/>
-                    </a:lnR>
-                    <a:lnT w="9525" cap="flat" cmpd="sng" algn="ctr">
-                      <a:noFill/>
-                      <a:prstDash val="solid"/>
-                    </a:lnT>
-                    <a:lnB w="12700" cmpd="sng">
-                      <a:noFill/>
-                      <a:prstDash val="solid"/>
-                    </a:lnB>
-                    <a:solidFill>
-                      <a:schemeClr val="bg1">
-                        <a:lumMod val="95000"/>
-                      </a:schemeClr>
-                    </a:solidFill>
-                  </a:tcPr>
+                  <a:tcPr marL="9525" marR="9525" marT="9525" marB="0"/>
                 </a:tc>
                 <a:tc>
                   <a:txBody>
@@ -11457,55 +11462,21 @@
                     <a:p>
                       <a:pPr algn="ctr" fontAlgn="t"/>
                       <a:r>
-                        <a:rPr lang="en-US" sz="1500" b="1" u="none" strike="noStrike" cap="none" spc="0" dirty="0" err="1">
-                          <a:solidFill>
-                            <a:schemeClr val="tx1"/>
-                          </a:solidFill>
+                        <a:rPr lang="en-US" sz="1200" u="none" strike="noStrike">
                           <a:effectLst/>
                         </a:rPr>
-                        <a:t>Random_Forest</a:t>
+                        <a:t>Random_Forest (Actual)</a:t>
                       </a:r>
-                      <a:r>
-                        <a:rPr lang="en-US" sz="1500" b="1" u="none" strike="noStrike" cap="none" spc="0" dirty="0">
-                          <a:solidFill>
-                            <a:schemeClr val="tx1"/>
-                          </a:solidFill>
-                          <a:effectLst/>
-                        </a:rPr>
-                        <a:t> (Actual)</a:t>
-                      </a:r>
-                      <a:endParaRPr lang="en-US" sz="1500" b="1" i="0" u="none" strike="noStrike" cap="none" spc="0" dirty="0">
+                      <a:endParaRPr lang="en-US" sz="1200" b="1" i="0" u="none" strike="noStrike">
                         <a:solidFill>
-                          <a:schemeClr val="tx1"/>
+                          <a:srgbClr val="000000"/>
                         </a:solidFill>
                         <a:effectLst/>
                         <a:latin typeface="Calibri" panose="020F0502020204030204" pitchFamily="34" charset="0"/>
                       </a:endParaRPr>
                     </a:p>
                   </a:txBody>
-                  <a:tcPr marL="58655" marR="7998" marT="16759" marB="125690" anchor="b">
-                    <a:lnL w="12700" cmpd="sng">
-                      <a:noFill/>
-                      <a:prstDash val="solid"/>
-                    </a:lnL>
-                    <a:lnR w="12700" cmpd="sng">
-                      <a:noFill/>
-                      <a:prstDash val="solid"/>
-                    </a:lnR>
-                    <a:lnT w="9525" cap="flat" cmpd="sng" algn="ctr">
-                      <a:noFill/>
-                      <a:prstDash val="solid"/>
-                    </a:lnT>
-                    <a:lnB w="12700" cmpd="sng">
-                      <a:noFill/>
-                      <a:prstDash val="solid"/>
-                    </a:lnB>
-                    <a:solidFill>
-                      <a:schemeClr val="bg1">
-                        <a:lumMod val="95000"/>
-                      </a:schemeClr>
-                    </a:solidFill>
-                  </a:tcPr>
+                  <a:tcPr marL="9525" marR="9525" marT="9525" marB="0"/>
                 </a:tc>
                 <a:tc>
                   <a:txBody>
@@ -11514,46 +11485,21 @@
                     <a:p>
                       <a:pPr algn="ctr" fontAlgn="t"/>
                       <a:r>
-                        <a:rPr lang="en-US" sz="1500" b="1" u="none" strike="noStrike" cap="none" spc="0">
-                          <a:solidFill>
-                            <a:schemeClr val="tx1"/>
-                          </a:solidFill>
+                        <a:rPr lang="en-US" sz="1200" u="none" strike="noStrike">
                           <a:effectLst/>
                         </a:rPr>
                         <a:t>Logistic Regression</a:t>
                       </a:r>
-                      <a:endParaRPr lang="en-US" sz="1500" b="1" i="0" u="none" strike="noStrike" cap="none" spc="0">
+                      <a:endParaRPr lang="en-US" sz="1200" b="1" i="0" u="none" strike="noStrike">
                         <a:solidFill>
-                          <a:schemeClr val="tx1"/>
+                          <a:srgbClr val="000000"/>
                         </a:solidFill>
                         <a:effectLst/>
                         <a:latin typeface="Calibri" panose="020F0502020204030204" pitchFamily="34" charset="0"/>
                       </a:endParaRPr>
                     </a:p>
                   </a:txBody>
-                  <a:tcPr marL="58655" marR="7998" marT="16759" marB="125690" anchor="b">
-                    <a:lnL w="12700" cmpd="sng">
-                      <a:noFill/>
-                      <a:prstDash val="solid"/>
-                    </a:lnL>
-                    <a:lnR w="12700" cmpd="sng">
-                      <a:noFill/>
-                      <a:prstDash val="solid"/>
-                    </a:lnR>
-                    <a:lnT w="9525" cap="flat" cmpd="sng" algn="ctr">
-                      <a:noFill/>
-                      <a:prstDash val="solid"/>
-                    </a:lnT>
-                    <a:lnB w="12700" cmpd="sng">
-                      <a:noFill/>
-                      <a:prstDash val="solid"/>
-                    </a:lnB>
-                    <a:solidFill>
-                      <a:schemeClr val="bg1">
-                        <a:lumMod val="95000"/>
-                      </a:schemeClr>
-                    </a:solidFill>
-                  </a:tcPr>
+                  <a:tcPr marL="9525" marR="9525" marT="9525" marB="0"/>
                 </a:tc>
                 <a:tc gridSpan="2">
                   <a:txBody>
@@ -11562,46 +11508,21 @@
                     <a:p>
                       <a:pPr algn="ctr" fontAlgn="t"/>
                       <a:r>
-                        <a:rPr lang="en-US" sz="1500" b="1" u="none" strike="noStrike" cap="none" spc="0">
-                          <a:solidFill>
-                            <a:schemeClr val="tx1"/>
-                          </a:solidFill>
+                        <a:rPr lang="en-US" sz="1200" u="none" strike="noStrike">
                           <a:effectLst/>
                         </a:rPr>
                         <a:t>Deep Learning (actual)</a:t>
                       </a:r>
-                      <a:endParaRPr lang="en-US" sz="1500" b="1" i="0" u="none" strike="noStrike" cap="none" spc="0">
+                      <a:endParaRPr lang="en-US" sz="1200" b="1" i="0" u="none" strike="noStrike">
                         <a:solidFill>
-                          <a:schemeClr val="tx1"/>
+                          <a:srgbClr val="000000"/>
                         </a:solidFill>
                         <a:effectLst/>
                         <a:latin typeface="Calibri" panose="020F0502020204030204" pitchFamily="34" charset="0"/>
                       </a:endParaRPr>
                     </a:p>
                   </a:txBody>
-                  <a:tcPr marL="58655" marR="7998" marT="16759" marB="125690" anchor="b">
-                    <a:lnL w="12700" cmpd="sng">
-                      <a:noFill/>
-                      <a:prstDash val="solid"/>
-                    </a:lnL>
-                    <a:lnR w="12700" cmpd="sng">
-                      <a:noFill/>
-                      <a:prstDash val="solid"/>
-                    </a:lnR>
-                    <a:lnT w="9525" cap="flat" cmpd="sng" algn="ctr">
-                      <a:noFill/>
-                      <a:prstDash val="solid"/>
-                    </a:lnT>
-                    <a:lnB w="12700" cmpd="sng">
-                      <a:noFill/>
-                      <a:prstDash val="solid"/>
-                    </a:lnB>
-                    <a:solidFill>
-                      <a:schemeClr val="bg1">
-                        <a:lumMod val="95000"/>
-                      </a:schemeClr>
-                    </a:solidFill>
-                  </a:tcPr>
+                  <a:tcPr marL="9525" marR="9525" marT="9525" marB="0"/>
                 </a:tc>
                 <a:tc hMerge="1">
                   <a:txBody>
@@ -11620,46 +11541,21 @@
                     <a:p>
                       <a:pPr algn="ctr" fontAlgn="t"/>
                       <a:r>
-                        <a:rPr lang="en-US" sz="1500" b="1" u="none" strike="noStrike" cap="none" spc="0">
-                          <a:solidFill>
-                            <a:schemeClr val="tx1"/>
-                          </a:solidFill>
+                        <a:rPr lang="en-US" sz="1200" u="none" strike="noStrike">
                           <a:effectLst/>
                         </a:rPr>
                         <a:t>Deep Learning (dummies)</a:t>
                       </a:r>
-                      <a:endParaRPr lang="en-US" sz="1500" b="1" i="0" u="none" strike="noStrike" cap="none" spc="0">
+                      <a:endParaRPr lang="en-US" sz="1200" b="1" i="0" u="none" strike="noStrike">
                         <a:solidFill>
-                          <a:schemeClr val="tx1"/>
+                          <a:srgbClr val="000000"/>
                         </a:solidFill>
                         <a:effectLst/>
                         <a:latin typeface="Calibri" panose="020F0502020204030204" pitchFamily="34" charset="0"/>
                       </a:endParaRPr>
                     </a:p>
                   </a:txBody>
-                  <a:tcPr marL="58655" marR="7998" marT="16759" marB="125690" anchor="b">
-                    <a:lnL w="12700" cmpd="sng">
-                      <a:noFill/>
-                      <a:prstDash val="solid"/>
-                    </a:lnL>
-                    <a:lnR w="12700" cmpd="sng">
-                      <a:noFill/>
-                      <a:prstDash val="solid"/>
-                    </a:lnR>
-                    <a:lnT w="9525" cap="flat" cmpd="sng" algn="ctr">
-                      <a:noFill/>
-                      <a:prstDash val="solid"/>
-                    </a:lnT>
-                    <a:lnB w="12700" cmpd="sng">
-                      <a:noFill/>
-                      <a:prstDash val="solid"/>
-                    </a:lnB>
-                    <a:solidFill>
-                      <a:schemeClr val="bg1">
-                        <a:lumMod val="95000"/>
-                      </a:schemeClr>
-                    </a:solidFill>
-                  </a:tcPr>
+                  <a:tcPr marL="9525" marR="9525" marT="9525" marB="0"/>
                 </a:tc>
                 <a:tc hMerge="1">
                   <a:txBody>
@@ -11678,54 +11574,29 @@
                     <a:p>
                       <a:pPr algn="ctr" fontAlgn="t"/>
                       <a:r>
-                        <a:rPr lang="en-US" sz="1500" b="1" u="none" strike="noStrike" cap="none" spc="0">
-                          <a:solidFill>
-                            <a:schemeClr val="tx1"/>
-                          </a:solidFill>
+                        <a:rPr lang="en-US" sz="1200" u="none" strike="noStrike">
                           <a:effectLst/>
                         </a:rPr>
                         <a:t> </a:t>
                       </a:r>
-                      <a:endParaRPr lang="en-US" sz="1500" b="1" i="0" u="none" strike="noStrike" cap="none" spc="0">
+                      <a:endParaRPr lang="en-US" sz="1200" b="0" i="0" u="none" strike="noStrike">
                         <a:solidFill>
-                          <a:schemeClr val="tx1"/>
+                          <a:srgbClr val="000000"/>
                         </a:solidFill>
                         <a:effectLst/>
                         <a:latin typeface="Calibri" panose="020F0502020204030204" pitchFamily="34" charset="0"/>
                       </a:endParaRPr>
                     </a:p>
                   </a:txBody>
-                  <a:tcPr marL="58655" marR="7998" marT="16759" marB="125690" anchor="b">
-                    <a:lnL w="12700" cmpd="sng">
-                      <a:noFill/>
-                      <a:prstDash val="solid"/>
-                    </a:lnL>
-                    <a:lnR w="12700" cmpd="sng">
-                      <a:noFill/>
-                      <a:prstDash val="solid"/>
-                    </a:lnR>
-                    <a:lnT w="9525" cap="flat" cmpd="sng" algn="ctr">
-                      <a:noFill/>
-                      <a:prstDash val="solid"/>
-                    </a:lnT>
-                    <a:lnB w="12700" cmpd="sng">
-                      <a:noFill/>
-                      <a:prstDash val="solid"/>
-                    </a:lnB>
-                    <a:solidFill>
-                      <a:schemeClr val="bg1">
-                        <a:lumMod val="95000"/>
-                      </a:schemeClr>
-                    </a:solidFill>
-                  </a:tcPr>
+                  <a:tcPr marL="9525" marR="9525" marT="9525" marB="0"/>
                 </a:tc>
                 <a:extLst>
                   <a:ext uri="{0D108BD9-81ED-4DB2-BD59-A6C34878D82A}">
-                    <a16:rowId xmlns:a16="http://schemas.microsoft.com/office/drawing/2014/main" val="3521414858"/>
+                    <a16:rowId xmlns:a16="http://schemas.microsoft.com/office/drawing/2014/main" val="64283965"/>
                   </a:ext>
                 </a:extLst>
               </a:tr>
-              <a:tr h="678726">
+              <a:tr h="557416">
                 <a:tc>
                   <a:txBody>
                     <a:bodyPr/>
@@ -11733,48 +11604,21 @@
                     <a:p>
                       <a:pPr algn="l" fontAlgn="ctr"/>
                       <a:r>
-                        <a:rPr lang="en-US" sz="1100" u="none" strike="noStrike" cap="none" spc="0">
-                          <a:solidFill>
-                            <a:schemeClr val="tx1"/>
-                          </a:solidFill>
+                        <a:rPr lang="en-US" sz="1200" u="none" strike="noStrike">
                           <a:effectLst/>
                         </a:rPr>
                         <a:t>Loan Group</a:t>
                       </a:r>
-                      <a:endParaRPr lang="en-US" sz="1100" b="1" i="0" u="none" strike="noStrike" cap="none" spc="0">
+                      <a:endParaRPr lang="en-US" sz="1200" b="1" i="0" u="none" strike="noStrike">
                         <a:solidFill>
-                          <a:schemeClr val="tx1"/>
+                          <a:srgbClr val="000000"/>
                         </a:solidFill>
                         <a:effectLst/>
                         <a:latin typeface="Calibri" panose="020F0502020204030204" pitchFamily="34" charset="0"/>
                       </a:endParaRPr>
                     </a:p>
                   </a:txBody>
-                  <a:tcPr marL="58655" marR="7998" marT="16759" marB="125690" anchor="ctr">
-                    <a:lnL w="12700" cap="flat" cmpd="sng" algn="ctr">
-                      <a:solidFill>
-                        <a:schemeClr val="tx1"/>
-                      </a:solidFill>
-                      <a:prstDash val="solid"/>
-                    </a:lnL>
-                    <a:lnR w="12700" cmpd="sng">
-                      <a:noFill/>
-                      <a:prstDash val="solid"/>
-                    </a:lnR>
-                    <a:lnT w="12700" cmpd="sng">
-                      <a:noFill/>
-                      <a:prstDash val="solid"/>
-                    </a:lnT>
-                    <a:lnB w="12700" cmpd="sng">
-                      <a:noFill/>
-                      <a:prstDash val="solid"/>
-                    </a:lnB>
-                    <a:solidFill>
-                      <a:schemeClr val="bg1">
-                        <a:lumMod val="95000"/>
-                      </a:schemeClr>
-                    </a:solidFill>
-                  </a:tcPr>
+                  <a:tcPr marL="9525" marR="9525" marT="9525" marB="0" anchor="ctr"/>
                 </a:tc>
                 <a:tc>
                   <a:txBody>
@@ -11783,46 +11627,21 @@
                     <a:p>
                       <a:pPr algn="ctr" fontAlgn="t"/>
                       <a:r>
-                        <a:rPr lang="en-US" sz="1100" u="none" strike="noStrike" cap="none" spc="0">
-                          <a:solidFill>
-                            <a:schemeClr val="tx1"/>
-                          </a:solidFill>
+                        <a:rPr lang="en-US" sz="1200" u="none" strike="noStrike">
                           <a:effectLst/>
                         </a:rPr>
                         <a:t>Accuracy Score</a:t>
                       </a:r>
-                      <a:endParaRPr lang="en-US" sz="1100" b="1" i="0" u="none" strike="noStrike" cap="none" spc="0">
+                      <a:endParaRPr lang="en-US" sz="1200" b="1" i="0" u="none" strike="noStrike">
                         <a:solidFill>
-                          <a:schemeClr val="tx1"/>
+                          <a:srgbClr val="000000"/>
                         </a:solidFill>
                         <a:effectLst/>
                         <a:latin typeface="Calibri" panose="020F0502020204030204" pitchFamily="34" charset="0"/>
                       </a:endParaRPr>
                     </a:p>
                   </a:txBody>
-                  <a:tcPr marL="58655" marR="7998" marT="16759" marB="125690">
-                    <a:lnL w="12700" cmpd="sng">
-                      <a:noFill/>
-                      <a:prstDash val="solid"/>
-                    </a:lnL>
-                    <a:lnR w="12700" cmpd="sng">
-                      <a:noFill/>
-                      <a:prstDash val="solid"/>
-                    </a:lnR>
-                    <a:lnT w="12700" cmpd="sng">
-                      <a:noFill/>
-                      <a:prstDash val="solid"/>
-                    </a:lnT>
-                    <a:lnB w="12700" cmpd="sng">
-                      <a:noFill/>
-                      <a:prstDash val="solid"/>
-                    </a:lnB>
-                    <a:solidFill>
-                      <a:schemeClr val="bg1">
-                        <a:lumMod val="95000"/>
-                      </a:schemeClr>
-                    </a:solidFill>
-                  </a:tcPr>
+                  <a:tcPr marL="9525" marR="9525" marT="9525" marB="0"/>
                 </a:tc>
                 <a:tc>
                   <a:txBody>
@@ -11831,46 +11650,21 @@
                     <a:p>
                       <a:pPr algn="ctr" fontAlgn="t"/>
                       <a:r>
-                        <a:rPr lang="en-US" sz="1100" u="none" strike="noStrike" cap="none" spc="0">
-                          <a:solidFill>
-                            <a:schemeClr val="tx1"/>
-                          </a:solidFill>
+                        <a:rPr lang="en-US" sz="1200" u="none" strike="noStrike">
                           <a:effectLst/>
                         </a:rPr>
                         <a:t>Accuracy Score</a:t>
                       </a:r>
-                      <a:endParaRPr lang="en-US" sz="1100" b="1" i="0" u="none" strike="noStrike" cap="none" spc="0">
+                      <a:endParaRPr lang="en-US" sz="1200" b="1" i="0" u="none" strike="noStrike">
                         <a:solidFill>
-                          <a:schemeClr val="tx1"/>
+                          <a:srgbClr val="000000"/>
                         </a:solidFill>
                         <a:effectLst/>
                         <a:latin typeface="Calibri" panose="020F0502020204030204" pitchFamily="34" charset="0"/>
                       </a:endParaRPr>
                     </a:p>
                   </a:txBody>
-                  <a:tcPr marL="58655" marR="7998" marT="16759" marB="125690">
-                    <a:lnL w="12700" cmpd="sng">
-                      <a:noFill/>
-                      <a:prstDash val="solid"/>
-                    </a:lnL>
-                    <a:lnR w="12700" cmpd="sng">
-                      <a:noFill/>
-                      <a:prstDash val="solid"/>
-                    </a:lnR>
-                    <a:lnT w="12700" cmpd="sng">
-                      <a:noFill/>
-                      <a:prstDash val="solid"/>
-                    </a:lnT>
-                    <a:lnB w="12700" cmpd="sng">
-                      <a:noFill/>
-                      <a:prstDash val="solid"/>
-                    </a:lnB>
-                    <a:solidFill>
-                      <a:schemeClr val="bg1">
-                        <a:lumMod val="95000"/>
-                      </a:schemeClr>
-                    </a:solidFill>
-                  </a:tcPr>
+                  <a:tcPr marL="9525" marR="9525" marT="9525" marB="0"/>
                 </a:tc>
                 <a:tc>
                   <a:txBody>
@@ -11879,46 +11673,21 @@
                     <a:p>
                       <a:pPr algn="ctr" fontAlgn="t"/>
                       <a:r>
-                        <a:rPr lang="en-US" sz="1100" u="none" strike="noStrike" cap="none" spc="0" dirty="0">
-                          <a:solidFill>
-                            <a:schemeClr val="tx1"/>
-                          </a:solidFill>
+                        <a:rPr lang="en-US" sz="1200" u="none" strike="noStrike">
                           <a:effectLst/>
                         </a:rPr>
                         <a:t>Accuracy Score</a:t>
                       </a:r>
-                      <a:endParaRPr lang="en-US" sz="1100" b="1" i="0" u="none" strike="noStrike" cap="none" spc="0" dirty="0">
+                      <a:endParaRPr lang="en-US" sz="1200" b="1" i="0" u="none" strike="noStrike">
                         <a:solidFill>
-                          <a:schemeClr val="tx1"/>
+                          <a:srgbClr val="000000"/>
                         </a:solidFill>
                         <a:effectLst/>
                         <a:latin typeface="Calibri" panose="020F0502020204030204" pitchFamily="34" charset="0"/>
                       </a:endParaRPr>
                     </a:p>
                   </a:txBody>
-                  <a:tcPr marL="58655" marR="7998" marT="16759" marB="125690">
-                    <a:lnL w="12700" cmpd="sng">
-                      <a:noFill/>
-                      <a:prstDash val="solid"/>
-                    </a:lnL>
-                    <a:lnR w="12700" cmpd="sng">
-                      <a:noFill/>
-                      <a:prstDash val="solid"/>
-                    </a:lnR>
-                    <a:lnT w="12700" cmpd="sng">
-                      <a:noFill/>
-                      <a:prstDash val="solid"/>
-                    </a:lnT>
-                    <a:lnB w="12700" cmpd="sng">
-                      <a:noFill/>
-                      <a:prstDash val="solid"/>
-                    </a:lnB>
-                    <a:solidFill>
-                      <a:schemeClr val="bg1">
-                        <a:lumMod val="95000"/>
-                      </a:schemeClr>
-                    </a:solidFill>
-                  </a:tcPr>
+                  <a:tcPr marL="9525" marR="9525" marT="9525" marB="0"/>
                 </a:tc>
                 <a:tc>
                   <a:txBody>
@@ -11927,46 +11696,21 @@
                     <a:p>
                       <a:pPr algn="ctr" fontAlgn="t"/>
                       <a:r>
-                        <a:rPr lang="en-US" sz="1100" u="none" strike="noStrike" cap="none" spc="0">
-                          <a:solidFill>
-                            <a:schemeClr val="tx1"/>
-                          </a:solidFill>
+                        <a:rPr lang="en-US" sz="1200" u="none" strike="noStrike">
                           <a:effectLst/>
                         </a:rPr>
                         <a:t>Accuracy Score</a:t>
                       </a:r>
-                      <a:endParaRPr lang="en-US" sz="1100" b="1" i="0" u="none" strike="noStrike" cap="none" spc="0">
+                      <a:endParaRPr lang="en-US" sz="1200" b="1" i="0" u="none" strike="noStrike">
                         <a:solidFill>
-                          <a:schemeClr val="tx1"/>
+                          <a:srgbClr val="000000"/>
                         </a:solidFill>
                         <a:effectLst/>
                         <a:latin typeface="Calibri" panose="020F0502020204030204" pitchFamily="34" charset="0"/>
                       </a:endParaRPr>
                     </a:p>
                   </a:txBody>
-                  <a:tcPr marL="58655" marR="7998" marT="16759" marB="125690">
-                    <a:lnL w="12700" cmpd="sng">
-                      <a:noFill/>
-                      <a:prstDash val="solid"/>
-                    </a:lnL>
-                    <a:lnR w="12700" cmpd="sng">
-                      <a:noFill/>
-                      <a:prstDash val="solid"/>
-                    </a:lnR>
-                    <a:lnT w="12700" cmpd="sng">
-                      <a:noFill/>
-                      <a:prstDash val="solid"/>
-                    </a:lnT>
-                    <a:lnB w="12700" cmpd="sng">
-                      <a:noFill/>
-                      <a:prstDash val="solid"/>
-                    </a:lnB>
-                    <a:solidFill>
-                      <a:schemeClr val="bg1">
-                        <a:lumMod val="95000"/>
-                      </a:schemeClr>
-                    </a:solidFill>
-                  </a:tcPr>
+                  <a:tcPr marL="9525" marR="9525" marT="9525" marB="0"/>
                 </a:tc>
                 <a:tc>
                   <a:txBody>
@@ -11975,46 +11719,21 @@
                     <a:p>
                       <a:pPr algn="ctr" fontAlgn="t"/>
                       <a:r>
-                        <a:rPr lang="en-US" sz="1100" u="none" strike="noStrike" cap="none" spc="0">
-                          <a:solidFill>
-                            <a:schemeClr val="tx1"/>
-                          </a:solidFill>
+                        <a:rPr lang="en-US" sz="1200" u="none" strike="noStrike">
                           <a:effectLst/>
                         </a:rPr>
                         <a:t>Accuracy Score</a:t>
                       </a:r>
-                      <a:endParaRPr lang="en-US" sz="1100" b="1" i="0" u="none" strike="noStrike" cap="none" spc="0">
+                      <a:endParaRPr lang="en-US" sz="1200" b="1" i="0" u="none" strike="noStrike">
                         <a:solidFill>
-                          <a:schemeClr val="tx1"/>
+                          <a:srgbClr val="000000"/>
                         </a:solidFill>
                         <a:effectLst/>
                         <a:latin typeface="Calibri" panose="020F0502020204030204" pitchFamily="34" charset="0"/>
                       </a:endParaRPr>
                     </a:p>
                   </a:txBody>
-                  <a:tcPr marL="58655" marR="7998" marT="16759" marB="125690">
-                    <a:lnL w="12700" cmpd="sng">
-                      <a:noFill/>
-                      <a:prstDash val="solid"/>
-                    </a:lnL>
-                    <a:lnR w="12700" cmpd="sng">
-                      <a:noFill/>
-                      <a:prstDash val="solid"/>
-                    </a:lnR>
-                    <a:lnT w="12700" cmpd="sng">
-                      <a:noFill/>
-                      <a:prstDash val="solid"/>
-                    </a:lnT>
-                    <a:lnB w="12700" cmpd="sng">
-                      <a:noFill/>
-                      <a:prstDash val="solid"/>
-                    </a:lnB>
-                    <a:solidFill>
-                      <a:schemeClr val="bg1">
-                        <a:lumMod val="95000"/>
-                      </a:schemeClr>
-                    </a:solidFill>
-                  </a:tcPr>
+                  <a:tcPr marL="9525" marR="9525" marT="9525" marB="0"/>
                 </a:tc>
                 <a:tc>
                   <a:txBody>
@@ -12023,46 +11742,21 @@
                     <a:p>
                       <a:pPr algn="l" fontAlgn="t"/>
                       <a:r>
-                        <a:rPr lang="en-US" sz="1100" u="none" strike="noStrike" cap="none" spc="0">
-                          <a:solidFill>
-                            <a:schemeClr val="tx1"/>
-                          </a:solidFill>
+                        <a:rPr lang="en-US" sz="1200" u="none" strike="noStrike">
                           <a:effectLst/>
                         </a:rPr>
                         <a:t>Loss Rate</a:t>
                       </a:r>
-                      <a:endParaRPr lang="en-US" sz="1100" b="1" i="0" u="none" strike="noStrike" cap="none" spc="0">
+                      <a:endParaRPr lang="en-US" sz="1200" b="1" i="0" u="none" strike="noStrike">
                         <a:solidFill>
-                          <a:schemeClr val="tx1"/>
+                          <a:srgbClr val="000000"/>
                         </a:solidFill>
                         <a:effectLst/>
                         <a:latin typeface="Calibri" panose="020F0502020204030204" pitchFamily="34" charset="0"/>
                       </a:endParaRPr>
                     </a:p>
                   </a:txBody>
-                  <a:tcPr marL="58655" marR="7998" marT="16759" marB="125690">
-                    <a:lnL w="12700" cmpd="sng">
-                      <a:noFill/>
-                      <a:prstDash val="solid"/>
-                    </a:lnL>
-                    <a:lnR w="12700" cmpd="sng">
-                      <a:noFill/>
-                      <a:prstDash val="solid"/>
-                    </a:lnR>
-                    <a:lnT w="12700" cmpd="sng">
-                      <a:noFill/>
-                      <a:prstDash val="solid"/>
-                    </a:lnT>
-                    <a:lnB w="12700" cmpd="sng">
-                      <a:noFill/>
-                      <a:prstDash val="solid"/>
-                    </a:lnB>
-                    <a:solidFill>
-                      <a:schemeClr val="bg1">
-                        <a:lumMod val="95000"/>
-                      </a:schemeClr>
-                    </a:solidFill>
-                  </a:tcPr>
+                  <a:tcPr marL="9525" marR="9525" marT="9525" marB="0"/>
                 </a:tc>
                 <a:tc>
                   <a:txBody>
@@ -12071,46 +11765,21 @@
                     <a:p>
                       <a:pPr algn="ctr" fontAlgn="t"/>
                       <a:r>
-                        <a:rPr lang="en-US" sz="1100" u="none" strike="noStrike" cap="none" spc="0">
-                          <a:solidFill>
-                            <a:schemeClr val="tx1"/>
-                          </a:solidFill>
+                        <a:rPr lang="en-US" sz="1200" u="none" strike="noStrike">
                           <a:effectLst/>
                         </a:rPr>
                         <a:t>Accuracy Score</a:t>
                       </a:r>
-                      <a:endParaRPr lang="en-US" sz="1100" b="1" i="0" u="none" strike="noStrike" cap="none" spc="0">
+                      <a:endParaRPr lang="en-US" sz="1200" b="1" i="0" u="none" strike="noStrike">
                         <a:solidFill>
-                          <a:schemeClr val="tx1"/>
+                          <a:srgbClr val="000000"/>
                         </a:solidFill>
                         <a:effectLst/>
                         <a:latin typeface="Calibri" panose="020F0502020204030204" pitchFamily="34" charset="0"/>
                       </a:endParaRPr>
                     </a:p>
                   </a:txBody>
-                  <a:tcPr marL="58655" marR="7998" marT="16759" marB="125690">
-                    <a:lnL w="12700" cmpd="sng">
-                      <a:noFill/>
-                      <a:prstDash val="solid"/>
-                    </a:lnL>
-                    <a:lnR w="12700" cmpd="sng">
-                      <a:noFill/>
-                      <a:prstDash val="solid"/>
-                    </a:lnR>
-                    <a:lnT w="12700" cmpd="sng">
-                      <a:noFill/>
-                      <a:prstDash val="solid"/>
-                    </a:lnT>
-                    <a:lnB w="12700" cmpd="sng">
-                      <a:noFill/>
-                      <a:prstDash val="solid"/>
-                    </a:lnB>
-                    <a:solidFill>
-                      <a:schemeClr val="bg1">
-                        <a:lumMod val="95000"/>
-                      </a:schemeClr>
-                    </a:solidFill>
-                  </a:tcPr>
+                  <a:tcPr marL="9525" marR="9525" marT="9525" marB="0"/>
                 </a:tc>
                 <a:tc>
                   <a:txBody>
@@ -12119,46 +11788,21 @@
                     <a:p>
                       <a:pPr algn="ctr" fontAlgn="t"/>
                       <a:r>
-                        <a:rPr lang="en-US" sz="1100" u="none" strike="noStrike" cap="none" spc="0">
-                          <a:solidFill>
-                            <a:schemeClr val="tx1"/>
-                          </a:solidFill>
+                        <a:rPr lang="en-US" sz="1200" u="none" strike="noStrike">
                           <a:effectLst/>
                         </a:rPr>
                         <a:t>Loss Rate</a:t>
                       </a:r>
-                      <a:endParaRPr lang="en-US" sz="1100" b="1" i="0" u="none" strike="noStrike" cap="none" spc="0">
+                      <a:endParaRPr lang="en-US" sz="1200" b="1" i="0" u="none" strike="noStrike">
                         <a:solidFill>
-                          <a:schemeClr val="tx1"/>
+                          <a:srgbClr val="000000"/>
                         </a:solidFill>
                         <a:effectLst/>
                         <a:latin typeface="Calibri" panose="020F0502020204030204" pitchFamily="34" charset="0"/>
                       </a:endParaRPr>
                     </a:p>
                   </a:txBody>
-                  <a:tcPr marL="58655" marR="7998" marT="16759" marB="125690">
-                    <a:lnL w="12700" cmpd="sng">
-                      <a:noFill/>
-                      <a:prstDash val="solid"/>
-                    </a:lnL>
-                    <a:lnR w="12700" cmpd="sng">
-                      <a:noFill/>
-                      <a:prstDash val="solid"/>
-                    </a:lnR>
-                    <a:lnT w="12700" cmpd="sng">
-                      <a:noFill/>
-                      <a:prstDash val="solid"/>
-                    </a:lnT>
-                    <a:lnB w="12700" cmpd="sng">
-                      <a:noFill/>
-                      <a:prstDash val="solid"/>
-                    </a:lnB>
-                    <a:solidFill>
-                      <a:schemeClr val="bg1">
-                        <a:lumMod val="95000"/>
-                      </a:schemeClr>
-                    </a:solidFill>
-                  </a:tcPr>
+                  <a:tcPr marL="9525" marR="9525" marT="9525" marB="0"/>
                 </a:tc>
                 <a:tc>
                   <a:txBody>
@@ -12167,54 +11811,29 @@
                     <a:p>
                       <a:pPr algn="l" fontAlgn="b"/>
                       <a:r>
-                        <a:rPr lang="en-US" sz="1100" u="none" strike="noStrike" cap="none" spc="0">
-                          <a:solidFill>
-                            <a:schemeClr val="tx1"/>
-                          </a:solidFill>
+                        <a:rPr lang="en-US" sz="1000" u="none" strike="noStrike">
                           <a:effectLst/>
                         </a:rPr>
                         <a:t>Overall Accruacy Score*</a:t>
                       </a:r>
-                      <a:endParaRPr lang="en-US" sz="1100" b="1" i="0" u="none" strike="noStrike" cap="none" spc="0">
+                      <a:endParaRPr lang="en-US" sz="1000" b="1" i="0" u="none" strike="noStrike">
                         <a:solidFill>
-                          <a:schemeClr val="tx1"/>
+                          <a:srgbClr val="000000"/>
                         </a:solidFill>
                         <a:effectLst/>
                         <a:latin typeface="Calibri" panose="020F0502020204030204" pitchFamily="34" charset="0"/>
                       </a:endParaRPr>
                     </a:p>
                   </a:txBody>
-                  <a:tcPr marL="58655" marR="7998" marT="16759" marB="125690" anchor="b">
-                    <a:lnL w="12700" cmpd="sng">
-                      <a:noFill/>
-                      <a:prstDash val="solid"/>
-                    </a:lnL>
-                    <a:lnR w="12700" cmpd="sng">
-                      <a:noFill/>
-                      <a:prstDash val="solid"/>
-                    </a:lnR>
-                    <a:lnT w="12700" cmpd="sng">
-                      <a:noFill/>
-                      <a:prstDash val="solid"/>
-                    </a:lnT>
-                    <a:lnB w="12700" cmpd="sng">
-                      <a:noFill/>
-                      <a:prstDash val="solid"/>
-                    </a:lnB>
-                    <a:solidFill>
-                      <a:schemeClr val="bg1">
-                        <a:lumMod val="95000"/>
-                      </a:schemeClr>
-                    </a:solidFill>
-                  </a:tcPr>
+                  <a:tcPr marL="9525" marR="9525" marT="9525" marB="0" anchor="b"/>
                 </a:tc>
                 <a:extLst>
                   <a:ext uri="{0D108BD9-81ED-4DB2-BD59-A6C34878D82A}">
-                    <a16:rowId xmlns:a16="http://schemas.microsoft.com/office/drawing/2014/main" val="31272740"/>
+                    <a16:rowId xmlns:a16="http://schemas.microsoft.com/office/drawing/2014/main" val="2284074507"/>
                   </a:ext>
                 </a:extLst>
               </a:tr>
-              <a:tr h="343553">
+              <a:tr h="278708">
                 <a:tc>
                   <a:txBody>
                     <a:bodyPr/>
@@ -12222,48 +11841,21 @@
                     <a:p>
                       <a:pPr algn="l" fontAlgn="b"/>
                       <a:r>
-                        <a:rPr lang="en-US" sz="1100" u="none" strike="noStrike" cap="none" spc="0">
-                          <a:solidFill>
-                            <a:schemeClr val="tx1"/>
-                          </a:solidFill>
+                        <a:rPr lang="en-US" sz="1200" u="none" strike="noStrike">
                           <a:effectLst/>
                         </a:rPr>
                         <a:t>Credit cards</a:t>
                       </a:r>
-                      <a:endParaRPr lang="en-US" sz="1100" b="1" i="0" u="none" strike="noStrike" cap="none" spc="0">
+                      <a:endParaRPr lang="en-US" sz="1200" b="1" i="0" u="none" strike="noStrike">
                         <a:solidFill>
-                          <a:schemeClr val="tx1"/>
+                          <a:srgbClr val="000000"/>
                         </a:solidFill>
                         <a:effectLst/>
                         <a:latin typeface="Calibri" panose="020F0502020204030204" pitchFamily="34" charset="0"/>
                       </a:endParaRPr>
                     </a:p>
                   </a:txBody>
-                  <a:tcPr marL="58655" marR="7998" marT="16759" marB="125690" anchor="b">
-                    <a:lnL w="12700" cap="flat" cmpd="sng" algn="ctr">
-                      <a:solidFill>
-                        <a:schemeClr val="tx1"/>
-                      </a:solidFill>
-                      <a:prstDash val="solid"/>
-                    </a:lnL>
-                    <a:lnR w="12700" cmpd="sng">
-                      <a:noFill/>
-                      <a:prstDash val="solid"/>
-                    </a:lnR>
-                    <a:lnT w="12700" cmpd="sng">
-                      <a:noFill/>
-                      <a:prstDash val="solid"/>
-                    </a:lnT>
-                    <a:lnB w="12700" cmpd="sng">
-                      <a:noFill/>
-                      <a:prstDash val="solid"/>
-                    </a:lnB>
-                    <a:solidFill>
-                      <a:schemeClr val="bg1">
-                        <a:lumMod val="85000"/>
-                      </a:schemeClr>
-                    </a:solidFill>
-                  </a:tcPr>
+                  <a:tcPr marL="9525" marR="9525" marT="9525" marB="0" anchor="b"/>
                 </a:tc>
                 <a:tc>
                   <a:txBody>
@@ -12272,46 +11864,21 @@
                     <a:p>
                       <a:pPr algn="r" fontAlgn="b"/>
                       <a:r>
-                        <a:rPr lang="en-US" sz="1100" u="none" strike="noStrike" cap="none" spc="0">
-                          <a:solidFill>
-                            <a:schemeClr val="tx1"/>
-                          </a:solidFill>
+                        <a:rPr lang="en-US" sz="1200" u="none" strike="noStrike">
                           <a:effectLst/>
                         </a:rPr>
                         <a:t>93.88%</a:t>
                       </a:r>
-                      <a:endParaRPr lang="en-US" sz="1100" b="0" i="0" u="none" strike="noStrike" cap="none" spc="0">
+                      <a:endParaRPr lang="en-US" sz="1200" b="0" i="0" u="none" strike="noStrike">
                         <a:solidFill>
-                          <a:schemeClr val="tx1"/>
+                          <a:srgbClr val="000000"/>
                         </a:solidFill>
                         <a:effectLst/>
                         <a:latin typeface="Calibri" panose="020F0502020204030204" pitchFamily="34" charset="0"/>
                       </a:endParaRPr>
                     </a:p>
                   </a:txBody>
-                  <a:tcPr marL="58655" marR="7998" marT="16759" marB="125690" anchor="b">
-                    <a:lnL w="12700" cmpd="sng">
-                      <a:noFill/>
-                      <a:prstDash val="solid"/>
-                    </a:lnL>
-                    <a:lnR w="12700" cmpd="sng">
-                      <a:noFill/>
-                      <a:prstDash val="solid"/>
-                    </a:lnR>
-                    <a:lnT w="12700" cmpd="sng">
-                      <a:noFill/>
-                      <a:prstDash val="solid"/>
-                    </a:lnT>
-                    <a:lnB w="12700" cmpd="sng">
-                      <a:noFill/>
-                      <a:prstDash val="solid"/>
-                    </a:lnB>
-                    <a:solidFill>
-                      <a:schemeClr val="bg1">
-                        <a:lumMod val="85000"/>
-                      </a:schemeClr>
-                    </a:solidFill>
-                  </a:tcPr>
+                  <a:tcPr marL="9525" marR="9525" marT="9525" marB="0" anchor="b"/>
                 </a:tc>
                 <a:tc>
                   <a:txBody>
@@ -12320,46 +11887,21 @@
                     <a:p>
                       <a:pPr algn="r" fontAlgn="b"/>
                       <a:r>
-                        <a:rPr lang="en-US" sz="1100" u="none" strike="noStrike" cap="none" spc="0">
-                          <a:solidFill>
-                            <a:schemeClr val="tx1"/>
-                          </a:solidFill>
+                        <a:rPr lang="en-US" sz="1200" u="none" strike="noStrike">
                           <a:effectLst/>
                         </a:rPr>
                         <a:t>88.75%</a:t>
                       </a:r>
-                      <a:endParaRPr lang="en-US" sz="1100" b="0" i="0" u="none" strike="noStrike" cap="none" spc="0">
+                      <a:endParaRPr lang="en-US" sz="1200" b="0" i="0" u="none" strike="noStrike">
                         <a:solidFill>
-                          <a:schemeClr val="tx1"/>
+                          <a:srgbClr val="000000"/>
                         </a:solidFill>
                         <a:effectLst/>
                         <a:latin typeface="Calibri" panose="020F0502020204030204" pitchFamily="34" charset="0"/>
                       </a:endParaRPr>
                     </a:p>
                   </a:txBody>
-                  <a:tcPr marL="58655" marR="7998" marT="16759" marB="125690" anchor="b">
-                    <a:lnL w="12700" cmpd="sng">
-                      <a:noFill/>
-                      <a:prstDash val="solid"/>
-                    </a:lnL>
-                    <a:lnR w="12700" cmpd="sng">
-                      <a:noFill/>
-                      <a:prstDash val="solid"/>
-                    </a:lnR>
-                    <a:lnT w="12700" cmpd="sng">
-                      <a:noFill/>
-                      <a:prstDash val="solid"/>
-                    </a:lnT>
-                    <a:lnB w="12700" cmpd="sng">
-                      <a:noFill/>
-                      <a:prstDash val="solid"/>
-                    </a:lnB>
-                    <a:solidFill>
-                      <a:schemeClr val="bg1">
-                        <a:lumMod val="85000"/>
-                      </a:schemeClr>
-                    </a:solidFill>
-                  </a:tcPr>
+                  <a:tcPr marL="9525" marR="9525" marT="9525" marB="0" anchor="b"/>
                 </a:tc>
                 <a:tc>
                   <a:txBody>
@@ -12368,46 +11910,21 @@
                     <a:p>
                       <a:pPr algn="r" fontAlgn="b"/>
                       <a:r>
-                        <a:rPr lang="en-US" sz="1100" u="none" strike="noStrike" cap="none" spc="0">
-                          <a:solidFill>
-                            <a:schemeClr val="tx1"/>
-                          </a:solidFill>
+                        <a:rPr lang="en-US" sz="1200" u="none" strike="noStrike">
                           <a:effectLst/>
                         </a:rPr>
                         <a:t>94.90%</a:t>
                       </a:r>
-                      <a:endParaRPr lang="en-US" sz="1100" b="0" i="0" u="none" strike="noStrike" cap="none" spc="0">
+                      <a:endParaRPr lang="en-US" sz="1200" b="0" i="0" u="none" strike="noStrike">
                         <a:solidFill>
-                          <a:schemeClr val="tx1"/>
+                          <a:srgbClr val="000000"/>
                         </a:solidFill>
                         <a:effectLst/>
                         <a:latin typeface="Calibri" panose="020F0502020204030204" pitchFamily="34" charset="0"/>
                       </a:endParaRPr>
                     </a:p>
                   </a:txBody>
-                  <a:tcPr marL="58655" marR="7998" marT="16759" marB="125690" anchor="b">
-                    <a:lnL w="12700" cmpd="sng">
-                      <a:noFill/>
-                      <a:prstDash val="solid"/>
-                    </a:lnL>
-                    <a:lnR w="12700" cmpd="sng">
-                      <a:noFill/>
-                      <a:prstDash val="solid"/>
-                    </a:lnR>
-                    <a:lnT w="12700" cmpd="sng">
-                      <a:noFill/>
-                      <a:prstDash val="solid"/>
-                    </a:lnT>
-                    <a:lnB w="12700" cmpd="sng">
-                      <a:noFill/>
-                      <a:prstDash val="solid"/>
-                    </a:lnB>
-                    <a:solidFill>
-                      <a:schemeClr val="bg1">
-                        <a:lumMod val="85000"/>
-                      </a:schemeClr>
-                    </a:solidFill>
-                  </a:tcPr>
+                  <a:tcPr marL="9525" marR="9525" marT="9525" marB="0" anchor="b"/>
                 </a:tc>
                 <a:tc>
                   <a:txBody>
@@ -12416,46 +11933,21 @@
                     <a:p>
                       <a:pPr algn="r" fontAlgn="b"/>
                       <a:r>
-                        <a:rPr lang="en-US" sz="1100" u="none" strike="noStrike" cap="none" spc="0">
-                          <a:solidFill>
-                            <a:schemeClr val="tx1"/>
-                          </a:solidFill>
+                        <a:rPr lang="en-US" sz="1200" u="none" strike="noStrike">
                           <a:effectLst/>
                         </a:rPr>
                         <a:t>80.61%</a:t>
                       </a:r>
-                      <a:endParaRPr lang="en-US" sz="1100" b="0" i="0" u="none" strike="noStrike" cap="none" spc="0">
+                      <a:endParaRPr lang="en-US" sz="1200" b="0" i="0" u="none" strike="noStrike">
                         <a:solidFill>
-                          <a:schemeClr val="tx1"/>
+                          <a:srgbClr val="000000"/>
                         </a:solidFill>
                         <a:effectLst/>
                         <a:latin typeface="Calibri" panose="020F0502020204030204" pitchFamily="34" charset="0"/>
                       </a:endParaRPr>
                     </a:p>
                   </a:txBody>
-                  <a:tcPr marL="58655" marR="7998" marT="16759" marB="125690" anchor="b">
-                    <a:lnL w="12700" cmpd="sng">
-                      <a:noFill/>
-                      <a:prstDash val="solid"/>
-                    </a:lnL>
-                    <a:lnR w="12700" cmpd="sng">
-                      <a:noFill/>
-                      <a:prstDash val="solid"/>
-                    </a:lnR>
-                    <a:lnT w="12700" cmpd="sng">
-                      <a:noFill/>
-                      <a:prstDash val="solid"/>
-                    </a:lnT>
-                    <a:lnB w="12700" cmpd="sng">
-                      <a:noFill/>
-                      <a:prstDash val="solid"/>
-                    </a:lnB>
-                    <a:solidFill>
-                      <a:schemeClr val="bg1">
-                        <a:lumMod val="85000"/>
-                      </a:schemeClr>
-                    </a:solidFill>
-                  </a:tcPr>
+                  <a:tcPr marL="9525" marR="9525" marT="9525" marB="0" anchor="b"/>
                 </a:tc>
                 <a:tc>
                   <a:txBody>
@@ -12464,46 +11956,21 @@
                     <a:p>
                       <a:pPr algn="r" fontAlgn="b"/>
                       <a:r>
-                        <a:rPr lang="en-US" sz="1100" u="none" strike="noStrike" cap="none" spc="0">
-                          <a:solidFill>
-                            <a:schemeClr val="tx1"/>
-                          </a:solidFill>
+                        <a:rPr lang="en-US" sz="1200" u="none" strike="noStrike">
                           <a:effectLst/>
                         </a:rPr>
-                        <a:t>92.86%</a:t>
+                        <a:t>90.82%</a:t>
                       </a:r>
-                      <a:endParaRPr lang="en-US" sz="1100" b="0" i="0" u="none" strike="noStrike" cap="none" spc="0">
+                      <a:endParaRPr lang="en-US" sz="1200" b="0" i="0" u="none" strike="noStrike">
                         <a:solidFill>
-                          <a:schemeClr val="tx1"/>
+                          <a:srgbClr val="000000"/>
                         </a:solidFill>
                         <a:effectLst/>
                         <a:latin typeface="Calibri" panose="020F0502020204030204" pitchFamily="34" charset="0"/>
                       </a:endParaRPr>
                     </a:p>
                   </a:txBody>
-                  <a:tcPr marL="58655" marR="7998" marT="16759" marB="125690" anchor="b">
-                    <a:lnL w="12700" cmpd="sng">
-                      <a:noFill/>
-                      <a:prstDash val="solid"/>
-                    </a:lnL>
-                    <a:lnR w="12700" cmpd="sng">
-                      <a:noFill/>
-                      <a:prstDash val="solid"/>
-                    </a:lnR>
-                    <a:lnT w="12700" cmpd="sng">
-                      <a:noFill/>
-                      <a:prstDash val="solid"/>
-                    </a:lnT>
-                    <a:lnB w="12700" cmpd="sng">
-                      <a:noFill/>
-                      <a:prstDash val="solid"/>
-                    </a:lnB>
-                    <a:solidFill>
-                      <a:schemeClr val="bg1">
-                        <a:lumMod val="85000"/>
-                      </a:schemeClr>
-                    </a:solidFill>
-                  </a:tcPr>
+                  <a:tcPr marL="9525" marR="9525" marT="9525" marB="0" anchor="b"/>
                 </a:tc>
                 <a:tc>
                   <a:txBody>
@@ -12512,46 +11979,21 @@
                     <a:p>
                       <a:pPr algn="r" fontAlgn="b"/>
                       <a:r>
-                        <a:rPr lang="en-US" sz="1100" u="none" strike="noStrike" cap="none" spc="0">
-                          <a:solidFill>
-                            <a:schemeClr val="tx1"/>
-                          </a:solidFill>
+                        <a:rPr lang="en-US" sz="1200" u="none" strike="noStrike">
                           <a:effectLst/>
                         </a:rPr>
-                        <a:t>27.10%</a:t>
+                        <a:t>30.67%</a:t>
                       </a:r>
-                      <a:endParaRPr lang="en-US" sz="1100" b="0" i="0" u="none" strike="noStrike" cap="none" spc="0">
+                      <a:endParaRPr lang="en-US" sz="1200" b="0" i="0" u="none" strike="noStrike">
                         <a:solidFill>
-                          <a:schemeClr val="tx1"/>
+                          <a:srgbClr val="000000"/>
                         </a:solidFill>
                         <a:effectLst/>
                         <a:latin typeface="Calibri" panose="020F0502020204030204" pitchFamily="34" charset="0"/>
                       </a:endParaRPr>
                     </a:p>
                   </a:txBody>
-                  <a:tcPr marL="58655" marR="7998" marT="16759" marB="125690" anchor="b">
-                    <a:lnL w="12700" cmpd="sng">
-                      <a:noFill/>
-                      <a:prstDash val="solid"/>
-                    </a:lnL>
-                    <a:lnR w="12700" cmpd="sng">
-                      <a:noFill/>
-                      <a:prstDash val="solid"/>
-                    </a:lnR>
-                    <a:lnT w="12700" cmpd="sng">
-                      <a:noFill/>
-                      <a:prstDash val="solid"/>
-                    </a:lnT>
-                    <a:lnB w="12700" cmpd="sng">
-                      <a:noFill/>
-                      <a:prstDash val="solid"/>
-                    </a:lnB>
-                    <a:solidFill>
-                      <a:schemeClr val="bg1">
-                        <a:lumMod val="85000"/>
-                      </a:schemeClr>
-                    </a:solidFill>
-                  </a:tcPr>
+                  <a:tcPr marL="9525" marR="9525" marT="9525" marB="0" anchor="b"/>
                 </a:tc>
                 <a:tc>
                   <a:txBody>
@@ -12560,46 +12002,21 @@
                     <a:p>
                       <a:pPr algn="r" fontAlgn="b"/>
                       <a:r>
-                        <a:rPr lang="en-US" sz="1100" u="none" strike="noStrike" cap="none" spc="0">
-                          <a:solidFill>
-                            <a:schemeClr val="tx1"/>
-                          </a:solidFill>
+                        <a:rPr lang="en-US" sz="1200" u="none" strike="noStrike">
                           <a:effectLst/>
                         </a:rPr>
                         <a:t>25.51%</a:t>
                       </a:r>
-                      <a:endParaRPr lang="en-US" sz="1100" b="0" i="0" u="none" strike="noStrike" cap="none" spc="0">
+                      <a:endParaRPr lang="en-US" sz="1200" b="0" i="0" u="none" strike="noStrike">
                         <a:solidFill>
-                          <a:schemeClr val="tx1"/>
+                          <a:srgbClr val="000000"/>
                         </a:solidFill>
                         <a:effectLst/>
                         <a:latin typeface="Calibri" panose="020F0502020204030204" pitchFamily="34" charset="0"/>
                       </a:endParaRPr>
                     </a:p>
                   </a:txBody>
-                  <a:tcPr marL="58655" marR="7998" marT="16759" marB="125690" anchor="b">
-                    <a:lnL w="12700" cmpd="sng">
-                      <a:noFill/>
-                      <a:prstDash val="solid"/>
-                    </a:lnL>
-                    <a:lnR w="12700" cmpd="sng">
-                      <a:noFill/>
-                      <a:prstDash val="solid"/>
-                    </a:lnR>
-                    <a:lnT w="12700" cmpd="sng">
-                      <a:noFill/>
-                      <a:prstDash val="solid"/>
-                    </a:lnT>
-                    <a:lnB w="12700" cmpd="sng">
-                      <a:noFill/>
-                      <a:prstDash val="solid"/>
-                    </a:lnB>
-                    <a:solidFill>
-                      <a:schemeClr val="bg1">
-                        <a:lumMod val="85000"/>
-                      </a:schemeClr>
-                    </a:solidFill>
-                  </a:tcPr>
+                  <a:tcPr marL="9525" marR="9525" marT="9525" marB="0" anchor="b"/>
                 </a:tc>
                 <a:tc>
                   <a:txBody>
@@ -12608,46 +12025,21 @@
                     <a:p>
                       <a:pPr algn="r" fontAlgn="b"/>
                       <a:r>
-                        <a:rPr lang="en-US" sz="1100" u="none" strike="noStrike" cap="none" spc="0">
-                          <a:solidFill>
-                            <a:schemeClr val="tx1"/>
-                          </a:solidFill>
+                        <a:rPr lang="en-US" sz="1200" u="none" strike="noStrike">
                           <a:effectLst/>
                         </a:rPr>
                         <a:t>-6.7051e</a:t>
                       </a:r>
-                      <a:endParaRPr lang="en-US" sz="1100" b="0" i="0" u="none" strike="noStrike" cap="none" spc="0">
+                      <a:endParaRPr lang="en-US" sz="1200" b="0" i="0" u="none" strike="noStrike">
                         <a:solidFill>
-                          <a:schemeClr val="tx1"/>
+                          <a:srgbClr val="000000"/>
                         </a:solidFill>
                         <a:effectLst/>
                         <a:latin typeface="Calibri" panose="020F0502020204030204" pitchFamily="34" charset="0"/>
                       </a:endParaRPr>
                     </a:p>
                   </a:txBody>
-                  <a:tcPr marL="58655" marR="7998" marT="16759" marB="125690" anchor="b">
-                    <a:lnL w="12700" cmpd="sng">
-                      <a:noFill/>
-                      <a:prstDash val="solid"/>
-                    </a:lnL>
-                    <a:lnR w="12700" cmpd="sng">
-                      <a:noFill/>
-                      <a:prstDash val="solid"/>
-                    </a:lnR>
-                    <a:lnT w="12700" cmpd="sng">
-                      <a:noFill/>
-                      <a:prstDash val="solid"/>
-                    </a:lnT>
-                    <a:lnB w="12700" cmpd="sng">
-                      <a:noFill/>
-                      <a:prstDash val="solid"/>
-                    </a:lnB>
-                    <a:solidFill>
-                      <a:schemeClr val="bg1">
-                        <a:lumMod val="85000"/>
-                      </a:schemeClr>
-                    </a:solidFill>
-                  </a:tcPr>
+                  <a:tcPr marL="9525" marR="9525" marT="9525" marB="0" anchor="b"/>
                 </a:tc>
                 <a:tc>
                   <a:txBody>
@@ -12656,54 +12048,29 @@
                     <a:p>
                       <a:pPr algn="r" fontAlgn="b"/>
                       <a:r>
-                        <a:rPr lang="en-US" sz="1100" u="none" strike="noStrike" cap="none" spc="0">
-                          <a:solidFill>
-                            <a:schemeClr val="tx1"/>
-                          </a:solidFill>
+                        <a:rPr lang="en-US" sz="1200" u="none" strike="noStrike">
                           <a:effectLst/>
                         </a:rPr>
-                        <a:t>90.20%</a:t>
+                        <a:t>89.79%</a:t>
                       </a:r>
-                      <a:endParaRPr lang="en-US" sz="1100" b="0" i="0" u="none" strike="noStrike" cap="none" spc="0">
+                      <a:endParaRPr lang="en-US" sz="1200" b="0" i="0" u="none" strike="noStrike">
                         <a:solidFill>
-                          <a:schemeClr val="tx1"/>
+                          <a:srgbClr val="000000"/>
                         </a:solidFill>
                         <a:effectLst/>
                         <a:latin typeface="Calibri" panose="020F0502020204030204" pitchFamily="34" charset="0"/>
                       </a:endParaRPr>
                     </a:p>
                   </a:txBody>
-                  <a:tcPr marL="58655" marR="7998" marT="16759" marB="125690" anchor="b">
-                    <a:lnL w="12700" cmpd="sng">
-                      <a:noFill/>
-                      <a:prstDash val="solid"/>
-                    </a:lnL>
-                    <a:lnR w="12700" cmpd="sng">
-                      <a:noFill/>
-                      <a:prstDash val="solid"/>
-                    </a:lnR>
-                    <a:lnT w="12700" cmpd="sng">
-                      <a:noFill/>
-                      <a:prstDash val="solid"/>
-                    </a:lnT>
-                    <a:lnB w="12700" cmpd="sng">
-                      <a:noFill/>
-                      <a:prstDash val="solid"/>
-                    </a:lnB>
-                    <a:solidFill>
-                      <a:schemeClr val="bg1">
-                        <a:lumMod val="85000"/>
-                      </a:schemeClr>
-                    </a:solidFill>
-                  </a:tcPr>
+                  <a:tcPr marL="9525" marR="9525" marT="9525" marB="0" anchor="b"/>
                 </a:tc>
                 <a:extLst>
                   <a:ext uri="{0D108BD9-81ED-4DB2-BD59-A6C34878D82A}">
-                    <a16:rowId xmlns:a16="http://schemas.microsoft.com/office/drawing/2014/main" val="2886173228"/>
+                    <a16:rowId xmlns:a16="http://schemas.microsoft.com/office/drawing/2014/main" val="3531286137"/>
                   </a:ext>
                 </a:extLst>
               </a:tr>
-              <a:tr h="343553">
+              <a:tr h="278708">
                 <a:tc>
                   <a:txBody>
                     <a:bodyPr/>
@@ -12711,48 +12078,21 @@
                     <a:p>
                       <a:pPr algn="l" fontAlgn="b"/>
                       <a:r>
-                        <a:rPr lang="en-US" sz="1100" u="none" strike="noStrike" cap="none" spc="0">
-                          <a:solidFill>
-                            <a:schemeClr val="tx1"/>
-                          </a:solidFill>
+                        <a:rPr lang="en-US" sz="1200" u="none" strike="noStrike">
                           <a:effectLst/>
                         </a:rPr>
                         <a:t>Mortgage loans</a:t>
                       </a:r>
-                      <a:endParaRPr lang="en-US" sz="1100" b="1" i="0" u="none" strike="noStrike" cap="none" spc="0">
+                      <a:endParaRPr lang="en-US" sz="1200" b="1" i="0" u="none" strike="noStrike">
                         <a:solidFill>
-                          <a:schemeClr val="tx1"/>
+                          <a:srgbClr val="000000"/>
                         </a:solidFill>
                         <a:effectLst/>
                         <a:latin typeface="Calibri" panose="020F0502020204030204" pitchFamily="34" charset="0"/>
                       </a:endParaRPr>
                     </a:p>
                   </a:txBody>
-                  <a:tcPr marL="58655" marR="7998" marT="16759" marB="125690" anchor="b">
-                    <a:lnL w="12700" cap="flat" cmpd="sng" algn="ctr">
-                      <a:solidFill>
-                        <a:schemeClr val="tx1"/>
-                      </a:solidFill>
-                      <a:prstDash val="solid"/>
-                    </a:lnL>
-                    <a:lnR w="12700" cmpd="sng">
-                      <a:noFill/>
-                      <a:prstDash val="solid"/>
-                    </a:lnR>
-                    <a:lnT w="12700" cmpd="sng">
-                      <a:noFill/>
-                      <a:prstDash val="solid"/>
-                    </a:lnT>
-                    <a:lnB w="12700" cmpd="sng">
-                      <a:noFill/>
-                      <a:prstDash val="solid"/>
-                    </a:lnB>
-                    <a:solidFill>
-                      <a:schemeClr val="bg1">
-                        <a:lumMod val="95000"/>
-                      </a:schemeClr>
-                    </a:solidFill>
-                  </a:tcPr>
+                  <a:tcPr marL="9525" marR="9525" marT="9525" marB="0" anchor="b"/>
                 </a:tc>
                 <a:tc>
                   <a:txBody>
@@ -12761,46 +12101,21 @@
                     <a:p>
                       <a:pPr algn="r" fontAlgn="b"/>
                       <a:r>
-                        <a:rPr lang="en-US" sz="1100" u="none" strike="noStrike" cap="none" spc="0">
-                          <a:solidFill>
-                            <a:schemeClr val="tx1"/>
-                          </a:solidFill>
+                        <a:rPr lang="en-US" sz="1200" u="none" strike="noStrike">
                           <a:effectLst/>
                         </a:rPr>
                         <a:t>91.84%</a:t>
                       </a:r>
-                      <a:endParaRPr lang="en-US" sz="1100" b="0" i="0" u="none" strike="noStrike" cap="none" spc="0">
+                      <a:endParaRPr lang="en-US" sz="1200" b="0" i="0" u="none" strike="noStrike">
                         <a:solidFill>
-                          <a:schemeClr val="tx1"/>
+                          <a:srgbClr val="000000"/>
                         </a:solidFill>
                         <a:effectLst/>
                         <a:latin typeface="Calibri" panose="020F0502020204030204" pitchFamily="34" charset="0"/>
                       </a:endParaRPr>
                     </a:p>
                   </a:txBody>
-                  <a:tcPr marL="58655" marR="7998" marT="16759" marB="125690" anchor="b">
-                    <a:lnL w="12700" cmpd="sng">
-                      <a:noFill/>
-                      <a:prstDash val="solid"/>
-                    </a:lnL>
-                    <a:lnR w="12700" cmpd="sng">
-                      <a:noFill/>
-                      <a:prstDash val="solid"/>
-                    </a:lnR>
-                    <a:lnT w="12700" cmpd="sng">
-                      <a:noFill/>
-                      <a:prstDash val="solid"/>
-                    </a:lnT>
-                    <a:lnB w="12700" cmpd="sng">
-                      <a:noFill/>
-                      <a:prstDash val="solid"/>
-                    </a:lnB>
-                    <a:solidFill>
-                      <a:schemeClr val="bg1">
-                        <a:lumMod val="95000"/>
-                      </a:schemeClr>
-                    </a:solidFill>
-                  </a:tcPr>
+                  <a:tcPr marL="9525" marR="9525" marT="9525" marB="0" anchor="b"/>
                 </a:tc>
                 <a:tc>
                   <a:txBody>
@@ -12809,46 +12124,21 @@
                     <a:p>
                       <a:pPr algn="r" fontAlgn="b"/>
                       <a:r>
-                        <a:rPr lang="en-US" sz="1100" u="none" strike="noStrike" cap="none" spc="0">
-                          <a:solidFill>
-                            <a:schemeClr val="tx1"/>
-                          </a:solidFill>
+                        <a:rPr lang="en-US" sz="1200" u="none" strike="noStrike">
                           <a:effectLst/>
                         </a:rPr>
                         <a:t>94.90%</a:t>
                       </a:r>
-                      <a:endParaRPr lang="en-US" sz="1100" b="0" i="0" u="none" strike="noStrike" cap="none" spc="0">
+                      <a:endParaRPr lang="en-US" sz="1200" b="0" i="0" u="none" strike="noStrike">
                         <a:solidFill>
-                          <a:schemeClr val="tx1"/>
+                          <a:srgbClr val="000000"/>
                         </a:solidFill>
                         <a:effectLst/>
                         <a:latin typeface="Calibri" panose="020F0502020204030204" pitchFamily="34" charset="0"/>
                       </a:endParaRPr>
                     </a:p>
                   </a:txBody>
-                  <a:tcPr marL="58655" marR="7998" marT="16759" marB="125690" anchor="b">
-                    <a:lnL w="12700" cmpd="sng">
-                      <a:noFill/>
-                      <a:prstDash val="solid"/>
-                    </a:lnL>
-                    <a:lnR w="12700" cmpd="sng">
-                      <a:noFill/>
-                      <a:prstDash val="solid"/>
-                    </a:lnR>
-                    <a:lnT w="12700" cmpd="sng">
-                      <a:noFill/>
-                      <a:prstDash val="solid"/>
-                    </a:lnT>
-                    <a:lnB w="12700" cmpd="sng">
-                      <a:noFill/>
-                      <a:prstDash val="solid"/>
-                    </a:lnB>
-                    <a:solidFill>
-                      <a:schemeClr val="bg1">
-                        <a:lumMod val="95000"/>
-                      </a:schemeClr>
-                    </a:solidFill>
-                  </a:tcPr>
+                  <a:tcPr marL="9525" marR="9525" marT="9525" marB="0" anchor="b"/>
                 </a:tc>
                 <a:tc>
                   <a:txBody>
@@ -12857,46 +12147,21 @@
                     <a:p>
                       <a:pPr algn="r" fontAlgn="b"/>
                       <a:r>
-                        <a:rPr lang="en-US" sz="1100" u="none" strike="noStrike" cap="none" spc="0">
-                          <a:solidFill>
-                            <a:schemeClr val="tx1"/>
-                          </a:solidFill>
+                        <a:rPr lang="en-US" sz="1200" u="none" strike="noStrike">
                           <a:effectLst/>
                         </a:rPr>
                         <a:t>93.88%</a:t>
                       </a:r>
-                      <a:endParaRPr lang="en-US" sz="1100" b="0" i="0" u="none" strike="noStrike" cap="none" spc="0">
+                      <a:endParaRPr lang="en-US" sz="1200" b="0" i="0" u="none" strike="noStrike">
                         <a:solidFill>
-                          <a:schemeClr val="tx1"/>
+                          <a:srgbClr val="000000"/>
                         </a:solidFill>
                         <a:effectLst/>
                         <a:latin typeface="Calibri" panose="020F0502020204030204" pitchFamily="34" charset="0"/>
                       </a:endParaRPr>
                     </a:p>
                   </a:txBody>
-                  <a:tcPr marL="58655" marR="7998" marT="16759" marB="125690" anchor="b">
-                    <a:lnL w="12700" cmpd="sng">
-                      <a:noFill/>
-                      <a:prstDash val="solid"/>
-                    </a:lnL>
-                    <a:lnR w="12700" cmpd="sng">
-                      <a:noFill/>
-                      <a:prstDash val="solid"/>
-                    </a:lnR>
-                    <a:lnT w="12700" cmpd="sng">
-                      <a:noFill/>
-                      <a:prstDash val="solid"/>
-                    </a:lnT>
-                    <a:lnB w="12700" cmpd="sng">
-                      <a:noFill/>
-                      <a:prstDash val="solid"/>
-                    </a:lnB>
-                    <a:solidFill>
-                      <a:schemeClr val="bg1">
-                        <a:lumMod val="95000"/>
-                      </a:schemeClr>
-                    </a:solidFill>
-                  </a:tcPr>
+                  <a:tcPr marL="9525" marR="9525" marT="9525" marB="0" anchor="b"/>
                 </a:tc>
                 <a:tc>
                   <a:txBody>
@@ -12905,46 +12170,21 @@
                     <a:p>
                       <a:pPr algn="r" fontAlgn="b"/>
                       <a:r>
-                        <a:rPr lang="en-US" sz="1100" u="none" strike="noStrike" cap="none" spc="0">
-                          <a:solidFill>
-                            <a:schemeClr val="tx1"/>
-                          </a:solidFill>
+                        <a:rPr lang="en-US" sz="1200" u="none" strike="noStrike">
                           <a:effectLst/>
                         </a:rPr>
                         <a:t>86.73%</a:t>
                       </a:r>
-                      <a:endParaRPr lang="en-US" sz="1100" b="0" i="0" u="none" strike="noStrike" cap="none" spc="0">
+                      <a:endParaRPr lang="en-US" sz="1200" b="0" i="0" u="none" strike="noStrike">
                         <a:solidFill>
-                          <a:schemeClr val="tx1"/>
+                          <a:srgbClr val="000000"/>
                         </a:solidFill>
                         <a:effectLst/>
                         <a:latin typeface="Calibri" panose="020F0502020204030204" pitchFamily="34" charset="0"/>
                       </a:endParaRPr>
                     </a:p>
                   </a:txBody>
-                  <a:tcPr marL="58655" marR="7998" marT="16759" marB="125690" anchor="b">
-                    <a:lnL w="12700" cmpd="sng">
-                      <a:noFill/>
-                      <a:prstDash val="solid"/>
-                    </a:lnL>
-                    <a:lnR w="12700" cmpd="sng">
-                      <a:noFill/>
-                      <a:prstDash val="solid"/>
-                    </a:lnR>
-                    <a:lnT w="12700" cmpd="sng">
-                      <a:noFill/>
-                      <a:prstDash val="solid"/>
-                    </a:lnT>
-                    <a:lnB w="12700" cmpd="sng">
-                      <a:noFill/>
-                      <a:prstDash val="solid"/>
-                    </a:lnB>
-                    <a:solidFill>
-                      <a:schemeClr val="bg1">
-                        <a:lumMod val="95000"/>
-                      </a:schemeClr>
-                    </a:solidFill>
-                  </a:tcPr>
+                  <a:tcPr marL="9525" marR="9525" marT="9525" marB="0" anchor="b"/>
                 </a:tc>
                 <a:tc>
                   <a:txBody>
@@ -12953,46 +12193,21 @@
                     <a:p>
                       <a:pPr algn="r" fontAlgn="b"/>
                       <a:r>
-                        <a:rPr lang="en-US" sz="1100" u="none" strike="noStrike" cap="none" spc="0">
-                          <a:solidFill>
-                            <a:schemeClr val="tx1"/>
-                          </a:solidFill>
+                        <a:rPr lang="en-US" sz="1200" u="none" strike="noStrike">
                           <a:effectLst/>
                         </a:rPr>
-                        <a:t>90.82%</a:t>
+                        <a:t>88.78%</a:t>
                       </a:r>
-                      <a:endParaRPr lang="en-US" sz="1100" b="0" i="0" u="none" strike="noStrike" cap="none" spc="0">
+                      <a:endParaRPr lang="en-US" sz="1200" b="0" i="0" u="none" strike="noStrike">
                         <a:solidFill>
-                          <a:schemeClr val="tx1"/>
+                          <a:srgbClr val="000000"/>
                         </a:solidFill>
                         <a:effectLst/>
                         <a:latin typeface="Calibri" panose="020F0502020204030204" pitchFamily="34" charset="0"/>
                       </a:endParaRPr>
                     </a:p>
                   </a:txBody>
-                  <a:tcPr marL="58655" marR="7998" marT="16759" marB="125690" anchor="b">
-                    <a:lnL w="12700" cmpd="sng">
-                      <a:noFill/>
-                      <a:prstDash val="solid"/>
-                    </a:lnL>
-                    <a:lnR w="12700" cmpd="sng">
-                      <a:noFill/>
-                      <a:prstDash val="solid"/>
-                    </a:lnR>
-                    <a:lnT w="12700" cmpd="sng">
-                      <a:noFill/>
-                      <a:prstDash val="solid"/>
-                    </a:lnT>
-                    <a:lnB w="12700" cmpd="sng">
-                      <a:noFill/>
-                      <a:prstDash val="solid"/>
-                    </a:lnB>
-                    <a:solidFill>
-                      <a:schemeClr val="bg1">
-                        <a:lumMod val="95000"/>
-                      </a:schemeClr>
-                    </a:solidFill>
-                  </a:tcPr>
+                  <a:tcPr marL="9525" marR="9525" marT="9525" marB="0" anchor="b"/>
                 </a:tc>
                 <a:tc>
                   <a:txBody>
@@ -13001,46 +12216,21 @@
                     <a:p>
                       <a:pPr algn="r" fontAlgn="b"/>
                       <a:r>
-                        <a:rPr lang="en-US" sz="1100" u="none" strike="noStrike" cap="none" spc="0">
-                          <a:solidFill>
-                            <a:schemeClr val="tx1"/>
-                          </a:solidFill>
+                        <a:rPr lang="en-US" sz="1200" u="none" strike="noStrike">
                           <a:effectLst/>
                         </a:rPr>
-                        <a:t>30.65%</a:t>
+                        <a:t>37.52%</a:t>
                       </a:r>
-                      <a:endParaRPr lang="en-US" sz="1100" b="0" i="0" u="none" strike="noStrike" cap="none" spc="0">
+                      <a:endParaRPr lang="en-US" sz="1200" b="0" i="0" u="none" strike="noStrike">
                         <a:solidFill>
-                          <a:schemeClr val="tx1"/>
+                          <a:srgbClr val="000000"/>
                         </a:solidFill>
                         <a:effectLst/>
                         <a:latin typeface="Calibri" panose="020F0502020204030204" pitchFamily="34" charset="0"/>
                       </a:endParaRPr>
                     </a:p>
                   </a:txBody>
-                  <a:tcPr marL="58655" marR="7998" marT="16759" marB="125690" anchor="b">
-                    <a:lnL w="12700" cmpd="sng">
-                      <a:noFill/>
-                      <a:prstDash val="solid"/>
-                    </a:lnL>
-                    <a:lnR w="12700" cmpd="sng">
-                      <a:noFill/>
-                      <a:prstDash val="solid"/>
-                    </a:lnR>
-                    <a:lnT w="12700" cmpd="sng">
-                      <a:noFill/>
-                      <a:prstDash val="solid"/>
-                    </a:lnT>
-                    <a:lnB w="12700" cmpd="sng">
-                      <a:noFill/>
-                      <a:prstDash val="solid"/>
-                    </a:lnB>
-                    <a:solidFill>
-                      <a:schemeClr val="bg1">
-                        <a:lumMod val="95000"/>
-                      </a:schemeClr>
-                    </a:solidFill>
-                  </a:tcPr>
+                  <a:tcPr marL="9525" marR="9525" marT="9525" marB="0" anchor="b"/>
                 </a:tc>
                 <a:tc>
                   <a:txBody>
@@ -13049,46 +12239,21 @@
                     <a:p>
                       <a:pPr algn="r" fontAlgn="b"/>
                       <a:r>
-                        <a:rPr lang="en-US" sz="1100" u="none" strike="noStrike" cap="none" spc="0">
-                          <a:solidFill>
-                            <a:schemeClr val="tx1"/>
-                          </a:solidFill>
+                        <a:rPr lang="en-US" sz="1200" u="none" strike="noStrike">
                           <a:effectLst/>
                         </a:rPr>
                         <a:t>32.65%</a:t>
                       </a:r>
-                      <a:endParaRPr lang="en-US" sz="1100" b="0" i="0" u="none" strike="noStrike" cap="none" spc="0">
+                      <a:endParaRPr lang="en-US" sz="1200" b="0" i="0" u="none" strike="noStrike">
                         <a:solidFill>
-                          <a:schemeClr val="tx1"/>
+                          <a:srgbClr val="000000"/>
                         </a:solidFill>
                         <a:effectLst/>
                         <a:latin typeface="Calibri" panose="020F0502020204030204" pitchFamily="34" charset="0"/>
                       </a:endParaRPr>
                     </a:p>
                   </a:txBody>
-                  <a:tcPr marL="58655" marR="7998" marT="16759" marB="125690" anchor="b">
-                    <a:lnL w="12700" cmpd="sng">
-                      <a:noFill/>
-                      <a:prstDash val="solid"/>
-                    </a:lnL>
-                    <a:lnR w="12700" cmpd="sng">
-                      <a:noFill/>
-                      <a:prstDash val="solid"/>
-                    </a:lnR>
-                    <a:lnT w="12700" cmpd="sng">
-                      <a:noFill/>
-                      <a:prstDash val="solid"/>
-                    </a:lnT>
-                    <a:lnB w="12700" cmpd="sng">
-                      <a:noFill/>
-                      <a:prstDash val="solid"/>
-                    </a:lnB>
-                    <a:solidFill>
-                      <a:schemeClr val="bg1">
-                        <a:lumMod val="95000"/>
-                      </a:schemeClr>
-                    </a:solidFill>
-                  </a:tcPr>
+                  <a:tcPr marL="9525" marR="9525" marT="9525" marB="0" anchor="b"/>
                 </a:tc>
                 <a:tc>
                   <a:txBody>
@@ -13097,46 +12262,21 @@
                     <a:p>
                       <a:pPr algn="r" fontAlgn="b"/>
                       <a:r>
-                        <a:rPr lang="en-US" sz="1100" u="none" strike="noStrike" cap="none" spc="0">
-                          <a:solidFill>
-                            <a:schemeClr val="tx1"/>
-                          </a:solidFill>
+                        <a:rPr lang="en-US" sz="1200" u="none" strike="noStrike">
                           <a:effectLst/>
                         </a:rPr>
                         <a:t>-8.9701e</a:t>
                       </a:r>
-                      <a:endParaRPr lang="en-US" sz="1100" b="0" i="0" u="none" strike="noStrike" cap="none" spc="0">
+                      <a:endParaRPr lang="en-US" sz="1200" b="0" i="0" u="none" strike="noStrike">
                         <a:solidFill>
-                          <a:schemeClr val="tx1"/>
+                          <a:srgbClr val="000000"/>
                         </a:solidFill>
                         <a:effectLst/>
                         <a:latin typeface="Calibri" panose="020F0502020204030204" pitchFamily="34" charset="0"/>
                       </a:endParaRPr>
                     </a:p>
                   </a:txBody>
-                  <a:tcPr marL="58655" marR="7998" marT="16759" marB="125690" anchor="b">
-                    <a:lnL w="12700" cmpd="sng">
-                      <a:noFill/>
-                      <a:prstDash val="solid"/>
-                    </a:lnL>
-                    <a:lnR w="12700" cmpd="sng">
-                      <a:noFill/>
-                      <a:prstDash val="solid"/>
-                    </a:lnR>
-                    <a:lnT w="12700" cmpd="sng">
-                      <a:noFill/>
-                      <a:prstDash val="solid"/>
-                    </a:lnT>
-                    <a:lnB w="12700" cmpd="sng">
-                      <a:noFill/>
-                      <a:prstDash val="solid"/>
-                    </a:lnB>
-                    <a:solidFill>
-                      <a:schemeClr val="bg1">
-                        <a:lumMod val="95000"/>
-                      </a:schemeClr>
-                    </a:solidFill>
-                  </a:tcPr>
+                  <a:tcPr marL="9525" marR="9525" marT="9525" marB="0" anchor="b"/>
                 </a:tc>
                 <a:tc>
                   <a:txBody>
@@ -13145,54 +12285,29 @@
                     <a:p>
                       <a:pPr algn="r" fontAlgn="b"/>
                       <a:r>
-                        <a:rPr lang="en-US" sz="1100" u="none" strike="noStrike" cap="none" spc="0">
-                          <a:solidFill>
-                            <a:schemeClr val="tx1"/>
-                          </a:solidFill>
+                        <a:rPr lang="en-US" sz="1200" u="none" strike="noStrike">
                           <a:effectLst/>
                         </a:rPr>
-                        <a:t>91.63%</a:t>
+                        <a:t>91.23%</a:t>
                       </a:r>
-                      <a:endParaRPr lang="en-US" sz="1100" b="0" i="0" u="none" strike="noStrike" cap="none" spc="0">
+                      <a:endParaRPr lang="en-US" sz="1200" b="0" i="0" u="none" strike="noStrike">
                         <a:solidFill>
-                          <a:schemeClr val="tx1"/>
+                          <a:srgbClr val="000000"/>
                         </a:solidFill>
                         <a:effectLst/>
                         <a:latin typeface="Calibri" panose="020F0502020204030204" pitchFamily="34" charset="0"/>
                       </a:endParaRPr>
                     </a:p>
                   </a:txBody>
-                  <a:tcPr marL="58655" marR="7998" marT="16759" marB="125690" anchor="b">
-                    <a:lnL w="12700" cmpd="sng">
-                      <a:noFill/>
-                      <a:prstDash val="solid"/>
-                    </a:lnL>
-                    <a:lnR w="12700" cmpd="sng">
-                      <a:noFill/>
-                      <a:prstDash val="solid"/>
-                    </a:lnR>
-                    <a:lnT w="12700" cmpd="sng">
-                      <a:noFill/>
-                      <a:prstDash val="solid"/>
-                    </a:lnT>
-                    <a:lnB w="12700" cmpd="sng">
-                      <a:noFill/>
-                      <a:prstDash val="solid"/>
-                    </a:lnB>
-                    <a:solidFill>
-                      <a:schemeClr val="bg1">
-                        <a:lumMod val="95000"/>
-                      </a:schemeClr>
-                    </a:solidFill>
-                  </a:tcPr>
+                  <a:tcPr marL="9525" marR="9525" marT="9525" marB="0" anchor="b"/>
                 </a:tc>
                 <a:extLst>
                   <a:ext uri="{0D108BD9-81ED-4DB2-BD59-A6C34878D82A}">
-                    <a16:rowId xmlns:a16="http://schemas.microsoft.com/office/drawing/2014/main" val="2205640763"/>
+                    <a16:rowId xmlns:a16="http://schemas.microsoft.com/office/drawing/2014/main" val="1302559509"/>
                   </a:ext>
                 </a:extLst>
               </a:tr>
-              <a:tr h="343553">
+              <a:tr h="278708">
                 <a:tc>
                   <a:txBody>
                     <a:bodyPr/>
@@ -13200,48 +12315,21 @@
                     <a:p>
                       <a:pPr algn="l" fontAlgn="b"/>
                       <a:r>
-                        <a:rPr lang="en-US" sz="1100" u="none" strike="noStrike" cap="none" spc="0">
-                          <a:solidFill>
-                            <a:schemeClr val="tx1"/>
-                          </a:solidFill>
+                        <a:rPr lang="en-US" sz="1200" u="none" strike="noStrike">
                           <a:effectLst/>
                         </a:rPr>
                         <a:t>C&amp;I loans</a:t>
                       </a:r>
-                      <a:endParaRPr lang="en-US" sz="1100" b="1" i="0" u="none" strike="noStrike" cap="none" spc="0">
+                      <a:endParaRPr lang="en-US" sz="1200" b="1" i="0" u="none" strike="noStrike">
                         <a:solidFill>
-                          <a:schemeClr val="tx1"/>
+                          <a:srgbClr val="000000"/>
                         </a:solidFill>
                         <a:effectLst/>
                         <a:latin typeface="Calibri" panose="020F0502020204030204" pitchFamily="34" charset="0"/>
                       </a:endParaRPr>
                     </a:p>
                   </a:txBody>
-                  <a:tcPr marL="58655" marR="7998" marT="16759" marB="125690" anchor="b">
-                    <a:lnL w="12700" cap="flat" cmpd="sng" algn="ctr">
-                      <a:solidFill>
-                        <a:schemeClr val="tx1"/>
-                      </a:solidFill>
-                      <a:prstDash val="solid"/>
-                    </a:lnL>
-                    <a:lnR w="12700" cmpd="sng">
-                      <a:noFill/>
-                      <a:prstDash val="solid"/>
-                    </a:lnR>
-                    <a:lnT w="12700" cmpd="sng">
-                      <a:noFill/>
-                      <a:prstDash val="solid"/>
-                    </a:lnT>
-                    <a:lnB w="12700" cmpd="sng">
-                      <a:noFill/>
-                      <a:prstDash val="solid"/>
-                    </a:lnB>
-                    <a:solidFill>
-                      <a:schemeClr val="bg1">
-                        <a:lumMod val="85000"/>
-                      </a:schemeClr>
-                    </a:solidFill>
-                  </a:tcPr>
+                  <a:tcPr marL="9525" marR="9525" marT="9525" marB="0" anchor="b"/>
                 </a:tc>
                 <a:tc>
                   <a:txBody>
@@ -13250,46 +12338,21 @@
                     <a:p>
                       <a:pPr algn="r" fontAlgn="b"/>
                       <a:r>
-                        <a:rPr lang="en-US" sz="1100" u="none" strike="noStrike" cap="none" spc="0">
-                          <a:solidFill>
-                            <a:schemeClr val="tx1"/>
-                          </a:solidFill>
+                        <a:rPr lang="en-US" sz="1200" u="none" strike="noStrike">
                           <a:effectLst/>
                         </a:rPr>
                         <a:t>83.67%</a:t>
                       </a:r>
-                      <a:endParaRPr lang="en-US" sz="1100" b="0" i="0" u="none" strike="noStrike" cap="none" spc="0">
+                      <a:endParaRPr lang="en-US" sz="1200" b="0" i="0" u="none" strike="noStrike">
                         <a:solidFill>
-                          <a:schemeClr val="tx1"/>
+                          <a:srgbClr val="000000"/>
                         </a:solidFill>
                         <a:effectLst/>
                         <a:latin typeface="Calibri" panose="020F0502020204030204" pitchFamily="34" charset="0"/>
                       </a:endParaRPr>
                     </a:p>
                   </a:txBody>
-                  <a:tcPr marL="58655" marR="7998" marT="16759" marB="125690" anchor="b">
-                    <a:lnL w="12700" cmpd="sng">
-                      <a:noFill/>
-                      <a:prstDash val="solid"/>
-                    </a:lnL>
-                    <a:lnR w="12700" cmpd="sng">
-                      <a:noFill/>
-                      <a:prstDash val="solid"/>
-                    </a:lnR>
-                    <a:lnT w="12700" cmpd="sng">
-                      <a:noFill/>
-                      <a:prstDash val="solid"/>
-                    </a:lnT>
-                    <a:lnB w="12700" cmpd="sng">
-                      <a:noFill/>
-                      <a:prstDash val="solid"/>
-                    </a:lnB>
-                    <a:solidFill>
-                      <a:schemeClr val="bg1">
-                        <a:lumMod val="85000"/>
-                      </a:schemeClr>
-                    </a:solidFill>
-                  </a:tcPr>
+                  <a:tcPr marL="9525" marR="9525" marT="9525" marB="0" anchor="b"/>
                 </a:tc>
                 <a:tc>
                   <a:txBody>
@@ -13298,46 +12361,21 @@
                     <a:p>
                       <a:pPr algn="r" fontAlgn="b"/>
                       <a:r>
-                        <a:rPr lang="en-US" sz="1100" u="none" strike="noStrike" cap="none" spc="0">
-                          <a:solidFill>
-                            <a:schemeClr val="tx1"/>
-                          </a:solidFill>
+                        <a:rPr lang="en-US" sz="1200" u="none" strike="noStrike">
                           <a:effectLst/>
                         </a:rPr>
                         <a:t>90.82%</a:t>
                       </a:r>
-                      <a:endParaRPr lang="en-US" sz="1100" b="0" i="0" u="none" strike="noStrike" cap="none" spc="0">
+                      <a:endParaRPr lang="en-US" sz="1200" b="0" i="0" u="none" strike="noStrike">
                         <a:solidFill>
-                          <a:schemeClr val="tx1"/>
+                          <a:srgbClr val="000000"/>
                         </a:solidFill>
                         <a:effectLst/>
                         <a:latin typeface="Calibri" panose="020F0502020204030204" pitchFamily="34" charset="0"/>
                       </a:endParaRPr>
                     </a:p>
                   </a:txBody>
-                  <a:tcPr marL="58655" marR="7998" marT="16759" marB="125690" anchor="b">
-                    <a:lnL w="12700" cmpd="sng">
-                      <a:noFill/>
-                      <a:prstDash val="solid"/>
-                    </a:lnL>
-                    <a:lnR w="12700" cmpd="sng">
-                      <a:noFill/>
-                      <a:prstDash val="solid"/>
-                    </a:lnR>
-                    <a:lnT w="12700" cmpd="sng">
-                      <a:noFill/>
-                      <a:prstDash val="solid"/>
-                    </a:lnT>
-                    <a:lnB w="12700" cmpd="sng">
-                      <a:noFill/>
-                      <a:prstDash val="solid"/>
-                    </a:lnB>
-                    <a:solidFill>
-                      <a:schemeClr val="bg1">
-                        <a:lumMod val="85000"/>
-                      </a:schemeClr>
-                    </a:solidFill>
-                  </a:tcPr>
+                  <a:tcPr marL="9525" marR="9525" marT="9525" marB="0" anchor="b"/>
                 </a:tc>
                 <a:tc>
                   <a:txBody>
@@ -13346,46 +12384,21 @@
                     <a:p>
                       <a:pPr algn="r" fontAlgn="b"/>
                       <a:r>
-                        <a:rPr lang="en-US" sz="1100" u="none" strike="noStrike" cap="none" spc="0">
-                          <a:solidFill>
-                            <a:schemeClr val="tx1"/>
-                          </a:solidFill>
+                        <a:rPr lang="en-US" sz="1200" u="none" strike="noStrike">
                           <a:effectLst/>
                         </a:rPr>
                         <a:t>92.86%</a:t>
                       </a:r>
-                      <a:endParaRPr lang="en-US" sz="1100" b="0" i="0" u="none" strike="noStrike" cap="none" spc="0">
+                      <a:endParaRPr lang="en-US" sz="1200" b="0" i="0" u="none" strike="noStrike">
                         <a:solidFill>
-                          <a:schemeClr val="tx1"/>
+                          <a:srgbClr val="000000"/>
                         </a:solidFill>
                         <a:effectLst/>
                         <a:latin typeface="Calibri" panose="020F0502020204030204" pitchFamily="34" charset="0"/>
                       </a:endParaRPr>
                     </a:p>
                   </a:txBody>
-                  <a:tcPr marL="58655" marR="7998" marT="16759" marB="125690" anchor="b">
-                    <a:lnL w="12700" cmpd="sng">
-                      <a:noFill/>
-                      <a:prstDash val="solid"/>
-                    </a:lnL>
-                    <a:lnR w="12700" cmpd="sng">
-                      <a:noFill/>
-                      <a:prstDash val="solid"/>
-                    </a:lnR>
-                    <a:lnT w="12700" cmpd="sng">
-                      <a:noFill/>
-                      <a:prstDash val="solid"/>
-                    </a:lnT>
-                    <a:lnB w="12700" cmpd="sng">
-                      <a:noFill/>
-                      <a:prstDash val="solid"/>
-                    </a:lnB>
-                    <a:solidFill>
-                      <a:schemeClr val="bg1">
-                        <a:lumMod val="85000"/>
-                      </a:schemeClr>
-                    </a:solidFill>
-                  </a:tcPr>
+                  <a:tcPr marL="9525" marR="9525" marT="9525" marB="0" anchor="b"/>
                 </a:tc>
                 <a:tc>
                   <a:txBody>
@@ -13394,46 +12407,21 @@
                     <a:p>
                       <a:pPr algn="r" fontAlgn="b"/>
                       <a:r>
-                        <a:rPr lang="en-US" sz="1100" u="none" strike="noStrike" cap="none" spc="0">
-                          <a:solidFill>
-                            <a:schemeClr val="tx1"/>
-                          </a:solidFill>
+                        <a:rPr lang="en-US" sz="1200" u="none" strike="noStrike">
                           <a:effectLst/>
                         </a:rPr>
                         <a:t>74.48%</a:t>
                       </a:r>
-                      <a:endParaRPr lang="en-US" sz="1100" b="0" i="0" u="none" strike="noStrike" cap="none" spc="0">
+                      <a:endParaRPr lang="en-US" sz="1200" b="0" i="0" u="none" strike="noStrike">
                         <a:solidFill>
-                          <a:schemeClr val="tx1"/>
+                          <a:srgbClr val="000000"/>
                         </a:solidFill>
                         <a:effectLst/>
                         <a:latin typeface="Calibri" panose="020F0502020204030204" pitchFamily="34" charset="0"/>
                       </a:endParaRPr>
                     </a:p>
                   </a:txBody>
-                  <a:tcPr marL="58655" marR="7998" marT="16759" marB="125690" anchor="b">
-                    <a:lnL w="12700" cmpd="sng">
-                      <a:noFill/>
-                      <a:prstDash val="solid"/>
-                    </a:lnL>
-                    <a:lnR w="12700" cmpd="sng">
-                      <a:noFill/>
-                      <a:prstDash val="solid"/>
-                    </a:lnR>
-                    <a:lnT w="12700" cmpd="sng">
-                      <a:noFill/>
-                      <a:prstDash val="solid"/>
-                    </a:lnT>
-                    <a:lnB w="12700" cmpd="sng">
-                      <a:noFill/>
-                      <a:prstDash val="solid"/>
-                    </a:lnB>
-                    <a:solidFill>
-                      <a:schemeClr val="bg1">
-                        <a:lumMod val="85000"/>
-                      </a:schemeClr>
-                    </a:solidFill>
-                  </a:tcPr>
+                  <a:tcPr marL="9525" marR="9525" marT="9525" marB="0" anchor="b"/>
                 </a:tc>
                 <a:tc>
                   <a:txBody>
@@ -13442,46 +12430,21 @@
                     <a:p>
                       <a:pPr algn="r" fontAlgn="b"/>
                       <a:r>
-                        <a:rPr lang="en-US" sz="1100" u="none" strike="noStrike" cap="none" spc="0">
-                          <a:solidFill>
-                            <a:schemeClr val="tx1"/>
-                          </a:solidFill>
+                        <a:rPr lang="en-US" sz="1200" u="none" strike="noStrike">
                           <a:effectLst/>
                         </a:rPr>
-                        <a:t>74.49%</a:t>
+                        <a:t>76.53%</a:t>
                       </a:r>
-                      <a:endParaRPr lang="en-US" sz="1100" b="0" i="0" u="none" strike="noStrike" cap="none" spc="0">
+                      <a:endParaRPr lang="en-US" sz="1200" b="0" i="0" u="none" strike="noStrike">
                         <a:solidFill>
-                          <a:schemeClr val="tx1"/>
+                          <a:srgbClr val="000000"/>
                         </a:solidFill>
                         <a:effectLst/>
                         <a:latin typeface="Calibri" panose="020F0502020204030204" pitchFamily="34" charset="0"/>
                       </a:endParaRPr>
                     </a:p>
                   </a:txBody>
-                  <a:tcPr marL="58655" marR="7998" marT="16759" marB="125690" anchor="b">
-                    <a:lnL w="12700" cmpd="sng">
-                      <a:noFill/>
-                      <a:prstDash val="solid"/>
-                    </a:lnL>
-                    <a:lnR w="12700" cmpd="sng">
-                      <a:noFill/>
-                      <a:prstDash val="solid"/>
-                    </a:lnR>
-                    <a:lnT w="12700" cmpd="sng">
-                      <a:noFill/>
-                      <a:prstDash val="solid"/>
-                    </a:lnT>
-                    <a:lnB w="12700" cmpd="sng">
-                      <a:noFill/>
-                      <a:prstDash val="solid"/>
-                    </a:lnB>
-                    <a:solidFill>
-                      <a:schemeClr val="bg1">
-                        <a:lumMod val="85000"/>
-                      </a:schemeClr>
-                    </a:solidFill>
-                  </a:tcPr>
+                  <a:tcPr marL="9525" marR="9525" marT="9525" marB="0" anchor="b"/>
                 </a:tc>
                 <a:tc>
                   <a:txBody>
@@ -13490,46 +12453,21 @@
                     <a:p>
                       <a:pPr algn="r" fontAlgn="b"/>
                       <a:r>
-                        <a:rPr lang="en-US" sz="1100" u="none" strike="noStrike" cap="none" spc="0">
-                          <a:solidFill>
-                            <a:schemeClr val="tx1"/>
-                          </a:solidFill>
+                        <a:rPr lang="en-US" sz="1200" u="none" strike="noStrike">
                           <a:effectLst/>
                         </a:rPr>
-                        <a:t>64.97%</a:t>
+                        <a:t>69.54%</a:t>
                       </a:r>
-                      <a:endParaRPr lang="en-US" sz="1100" b="0" i="0" u="none" strike="noStrike" cap="none" spc="0">
+                      <a:endParaRPr lang="en-US" sz="1200" b="0" i="0" u="none" strike="noStrike">
                         <a:solidFill>
-                          <a:schemeClr val="tx1"/>
+                          <a:srgbClr val="000000"/>
                         </a:solidFill>
                         <a:effectLst/>
                         <a:latin typeface="Calibri" panose="020F0502020204030204" pitchFamily="34" charset="0"/>
                       </a:endParaRPr>
                     </a:p>
                   </a:txBody>
-                  <a:tcPr marL="58655" marR="7998" marT="16759" marB="125690" anchor="b">
-                    <a:lnL w="12700" cmpd="sng">
-                      <a:noFill/>
-                      <a:prstDash val="solid"/>
-                    </a:lnL>
-                    <a:lnR w="12700" cmpd="sng">
-                      <a:noFill/>
-                      <a:prstDash val="solid"/>
-                    </a:lnR>
-                    <a:lnT w="12700" cmpd="sng">
-                      <a:noFill/>
-                      <a:prstDash val="solid"/>
-                    </a:lnT>
-                    <a:lnB w="12700" cmpd="sng">
-                      <a:noFill/>
-                      <a:prstDash val="solid"/>
-                    </a:lnB>
-                    <a:solidFill>
-                      <a:schemeClr val="bg1">
-                        <a:lumMod val="85000"/>
-                      </a:schemeClr>
-                    </a:solidFill>
-                  </a:tcPr>
+                  <a:tcPr marL="9525" marR="9525" marT="9525" marB="0" anchor="b"/>
                 </a:tc>
                 <a:tc>
                   <a:txBody>
@@ -13538,46 +12476,21 @@
                     <a:p>
                       <a:pPr algn="r" fontAlgn="b"/>
                       <a:r>
-                        <a:rPr lang="en-US" sz="1100" u="none" strike="noStrike" cap="none" spc="0" dirty="0">
-                          <a:solidFill>
-                            <a:schemeClr val="tx1"/>
-                          </a:solidFill>
+                        <a:rPr lang="en-US" sz="1200" u="none" strike="noStrike">
                           <a:effectLst/>
                         </a:rPr>
                         <a:t>25.51%</a:t>
                       </a:r>
-                      <a:endParaRPr lang="en-US" sz="1100" b="0" i="0" u="none" strike="noStrike" cap="none" spc="0" dirty="0">
+                      <a:endParaRPr lang="en-US" sz="1200" b="0" i="0" u="none" strike="noStrike">
                         <a:solidFill>
-                          <a:schemeClr val="tx1"/>
+                          <a:srgbClr val="000000"/>
                         </a:solidFill>
                         <a:effectLst/>
                         <a:latin typeface="Calibri" panose="020F0502020204030204" pitchFamily="34" charset="0"/>
                       </a:endParaRPr>
                     </a:p>
                   </a:txBody>
-                  <a:tcPr marL="58655" marR="7998" marT="16759" marB="125690" anchor="b">
-                    <a:lnL w="12700" cmpd="sng">
-                      <a:noFill/>
-                      <a:prstDash val="solid"/>
-                    </a:lnL>
-                    <a:lnR w="12700" cmpd="sng">
-                      <a:noFill/>
-                      <a:prstDash val="solid"/>
-                    </a:lnR>
-                    <a:lnT w="12700" cmpd="sng">
-                      <a:noFill/>
-                      <a:prstDash val="solid"/>
-                    </a:lnT>
-                    <a:lnB w="12700" cmpd="sng">
-                      <a:noFill/>
-                      <a:prstDash val="solid"/>
-                    </a:lnB>
-                    <a:solidFill>
-                      <a:schemeClr val="bg1">
-                        <a:lumMod val="85000"/>
-                      </a:schemeClr>
-                    </a:solidFill>
-                  </a:tcPr>
+                  <a:tcPr marL="9525" marR="9525" marT="9525" marB="0" anchor="b"/>
                 </a:tc>
                 <a:tc>
                   <a:txBody>
@@ -13586,46 +12499,21 @@
                     <a:p>
                       <a:pPr algn="r" fontAlgn="b"/>
                       <a:r>
-                        <a:rPr lang="en-US" sz="1100" u="none" strike="noStrike" cap="none" spc="0">
-                          <a:solidFill>
-                            <a:schemeClr val="tx1"/>
-                          </a:solidFill>
+                        <a:rPr lang="en-US" sz="1200" u="none" strike="noStrike">
                           <a:effectLst/>
                         </a:rPr>
                         <a:t>-5.8487e</a:t>
                       </a:r>
-                      <a:endParaRPr lang="en-US" sz="1100" b="0" i="0" u="none" strike="noStrike" cap="none" spc="0">
+                      <a:endParaRPr lang="en-US" sz="1200" b="0" i="0" u="none" strike="noStrike">
                         <a:solidFill>
-                          <a:schemeClr val="tx1"/>
+                          <a:srgbClr val="000000"/>
                         </a:solidFill>
                         <a:effectLst/>
                         <a:latin typeface="Calibri" panose="020F0502020204030204" pitchFamily="34" charset="0"/>
                       </a:endParaRPr>
                     </a:p>
                   </a:txBody>
-                  <a:tcPr marL="58655" marR="7998" marT="16759" marB="125690" anchor="b">
-                    <a:lnL w="12700" cmpd="sng">
-                      <a:noFill/>
-                      <a:prstDash val="solid"/>
-                    </a:lnL>
-                    <a:lnR w="12700" cmpd="sng">
-                      <a:noFill/>
-                      <a:prstDash val="solid"/>
-                    </a:lnR>
-                    <a:lnT w="12700" cmpd="sng">
-                      <a:noFill/>
-                      <a:prstDash val="solid"/>
-                    </a:lnT>
-                    <a:lnB w="12700" cmpd="sng">
-                      <a:noFill/>
-                      <a:prstDash val="solid"/>
-                    </a:lnB>
-                    <a:solidFill>
-                      <a:schemeClr val="bg1">
-                        <a:lumMod val="85000"/>
-                      </a:schemeClr>
-                    </a:solidFill>
-                  </a:tcPr>
+                  <a:tcPr marL="9525" marR="9525" marT="9525" marB="0" anchor="b"/>
                 </a:tc>
                 <a:tc>
                   <a:txBody>
@@ -13634,54 +12522,29 @@
                     <a:p>
                       <a:pPr algn="r" fontAlgn="b"/>
                       <a:r>
-                        <a:rPr lang="en-US" sz="1100" u="none" strike="noStrike" cap="none" spc="0">
-                          <a:solidFill>
-                            <a:schemeClr val="tx1"/>
-                          </a:solidFill>
+                        <a:rPr lang="en-US" sz="1200" u="none" strike="noStrike">
                           <a:effectLst/>
                         </a:rPr>
-                        <a:t>83.26%</a:t>
+                        <a:t>83.67%</a:t>
                       </a:r>
-                      <a:endParaRPr lang="en-US" sz="1100" b="0" i="0" u="none" strike="noStrike" cap="none" spc="0">
+                      <a:endParaRPr lang="en-US" sz="1200" b="0" i="0" u="none" strike="noStrike">
                         <a:solidFill>
-                          <a:schemeClr val="tx1"/>
+                          <a:srgbClr val="000000"/>
                         </a:solidFill>
                         <a:effectLst/>
                         <a:latin typeface="Calibri" panose="020F0502020204030204" pitchFamily="34" charset="0"/>
                       </a:endParaRPr>
                     </a:p>
                   </a:txBody>
-                  <a:tcPr marL="58655" marR="7998" marT="16759" marB="125690" anchor="b">
-                    <a:lnL w="12700" cmpd="sng">
-                      <a:noFill/>
-                      <a:prstDash val="solid"/>
-                    </a:lnL>
-                    <a:lnR w="12700" cmpd="sng">
-                      <a:noFill/>
-                      <a:prstDash val="solid"/>
-                    </a:lnR>
-                    <a:lnT w="12700" cmpd="sng">
-                      <a:noFill/>
-                      <a:prstDash val="solid"/>
-                    </a:lnT>
-                    <a:lnB w="12700" cmpd="sng">
-                      <a:noFill/>
-                      <a:prstDash val="solid"/>
-                    </a:lnB>
-                    <a:solidFill>
-                      <a:schemeClr val="bg1">
-                        <a:lumMod val="85000"/>
-                      </a:schemeClr>
-                    </a:solidFill>
-                  </a:tcPr>
+                  <a:tcPr marL="9525" marR="9525" marT="9525" marB="0" anchor="b"/>
                 </a:tc>
                 <a:extLst>
                   <a:ext uri="{0D108BD9-81ED-4DB2-BD59-A6C34878D82A}">
-                    <a16:rowId xmlns:a16="http://schemas.microsoft.com/office/drawing/2014/main" val="4090497832"/>
+                    <a16:rowId xmlns:a16="http://schemas.microsoft.com/office/drawing/2014/main" val="3722720063"/>
                   </a:ext>
                 </a:extLst>
               </a:tr>
-              <a:tr h="343553">
+              <a:tr h="278708">
                 <a:tc>
                   <a:txBody>
                     <a:bodyPr/>
@@ -13689,48 +12552,21 @@
                     <a:p>
                       <a:pPr algn="l" fontAlgn="b"/>
                       <a:r>
-                        <a:rPr lang="en-US" sz="1100" u="none" strike="noStrike" cap="none" spc="0">
-                          <a:solidFill>
-                            <a:schemeClr val="tx1"/>
-                          </a:solidFill>
+                        <a:rPr lang="en-US" sz="1200" u="none" strike="noStrike">
                           <a:effectLst/>
                         </a:rPr>
                         <a:t>CRE loans</a:t>
                       </a:r>
-                      <a:endParaRPr lang="en-US" sz="1100" b="1" i="0" u="none" strike="noStrike" cap="none" spc="0">
+                      <a:endParaRPr lang="en-US" sz="1200" b="1" i="0" u="none" strike="noStrike">
                         <a:solidFill>
-                          <a:schemeClr val="tx1"/>
+                          <a:srgbClr val="000000"/>
                         </a:solidFill>
                         <a:effectLst/>
                         <a:latin typeface="Calibri" panose="020F0502020204030204" pitchFamily="34" charset="0"/>
                       </a:endParaRPr>
                     </a:p>
                   </a:txBody>
-                  <a:tcPr marL="58655" marR="7998" marT="16759" marB="125690" anchor="b">
-                    <a:lnL w="12700" cap="flat" cmpd="sng" algn="ctr">
-                      <a:solidFill>
-                        <a:schemeClr val="tx1"/>
-                      </a:solidFill>
-                      <a:prstDash val="solid"/>
-                    </a:lnL>
-                    <a:lnR w="12700" cmpd="sng">
-                      <a:noFill/>
-                      <a:prstDash val="solid"/>
-                    </a:lnR>
-                    <a:lnT w="12700" cmpd="sng">
-                      <a:noFill/>
-                      <a:prstDash val="solid"/>
-                    </a:lnT>
-                    <a:lnB w="12700" cmpd="sng">
-                      <a:noFill/>
-                      <a:prstDash val="solid"/>
-                    </a:lnB>
-                    <a:solidFill>
-                      <a:schemeClr val="bg1">
-                        <a:lumMod val="95000"/>
-                      </a:schemeClr>
-                    </a:solidFill>
-                  </a:tcPr>
+                  <a:tcPr marL="9525" marR="9525" marT="9525" marB="0" anchor="b"/>
                 </a:tc>
                 <a:tc>
                   <a:txBody>
@@ -13739,46 +12575,21 @@
                     <a:p>
                       <a:pPr algn="r" fontAlgn="b"/>
                       <a:r>
-                        <a:rPr lang="en-US" sz="1100" u="none" strike="noStrike" cap="none" spc="0">
-                          <a:solidFill>
-                            <a:schemeClr val="tx1"/>
-                          </a:solidFill>
+                        <a:rPr lang="en-US" sz="1200" u="none" strike="noStrike">
                           <a:effectLst/>
                         </a:rPr>
                         <a:t>88.88%</a:t>
                       </a:r>
-                      <a:endParaRPr lang="en-US" sz="1100" b="0" i="0" u="none" strike="noStrike" cap="none" spc="0">
+                      <a:endParaRPr lang="en-US" sz="1200" b="0" i="0" u="none" strike="noStrike">
                         <a:solidFill>
-                          <a:schemeClr val="tx1"/>
+                          <a:srgbClr val="000000"/>
                         </a:solidFill>
                         <a:effectLst/>
                         <a:latin typeface="Calibri" panose="020F0502020204030204" pitchFamily="34" charset="0"/>
                       </a:endParaRPr>
                     </a:p>
                   </a:txBody>
-                  <a:tcPr marL="58655" marR="7998" marT="16759" marB="125690" anchor="b">
-                    <a:lnL w="12700" cmpd="sng">
-                      <a:noFill/>
-                      <a:prstDash val="solid"/>
-                    </a:lnL>
-                    <a:lnR w="12700" cmpd="sng">
-                      <a:noFill/>
-                      <a:prstDash val="solid"/>
-                    </a:lnR>
-                    <a:lnT w="12700" cmpd="sng">
-                      <a:noFill/>
-                      <a:prstDash val="solid"/>
-                    </a:lnT>
-                    <a:lnB w="12700" cmpd="sng">
-                      <a:noFill/>
-                      <a:prstDash val="solid"/>
-                    </a:lnB>
-                    <a:solidFill>
-                      <a:schemeClr val="bg1">
-                        <a:lumMod val="95000"/>
-                      </a:schemeClr>
-                    </a:solidFill>
-                  </a:tcPr>
+                  <a:tcPr marL="9525" marR="9525" marT="9525" marB="0" anchor="b"/>
                 </a:tc>
                 <a:tc>
                   <a:txBody>
@@ -13787,46 +12598,21 @@
                     <a:p>
                       <a:pPr algn="r" fontAlgn="b"/>
                       <a:r>
-                        <a:rPr lang="en-US" sz="1100" u="none" strike="noStrike" cap="none" spc="0">
-                          <a:solidFill>
-                            <a:schemeClr val="tx1"/>
-                          </a:solidFill>
+                        <a:rPr lang="en-US" sz="1200" u="none" strike="noStrike">
                           <a:effectLst/>
                         </a:rPr>
                         <a:t>95.18%</a:t>
                       </a:r>
-                      <a:endParaRPr lang="en-US" sz="1100" b="0" i="0" u="none" strike="noStrike" cap="none" spc="0">
+                      <a:endParaRPr lang="en-US" sz="1200" b="0" i="0" u="none" strike="noStrike">
                         <a:solidFill>
-                          <a:schemeClr val="tx1"/>
+                          <a:srgbClr val="000000"/>
                         </a:solidFill>
                         <a:effectLst/>
                         <a:latin typeface="Calibri" panose="020F0502020204030204" pitchFamily="34" charset="0"/>
                       </a:endParaRPr>
                     </a:p>
                   </a:txBody>
-                  <a:tcPr marL="58655" marR="7998" marT="16759" marB="125690" anchor="b">
-                    <a:lnL w="12700" cmpd="sng">
-                      <a:noFill/>
-                      <a:prstDash val="solid"/>
-                    </a:lnL>
-                    <a:lnR w="12700" cmpd="sng">
-                      <a:noFill/>
-                      <a:prstDash val="solid"/>
-                    </a:lnR>
-                    <a:lnT w="12700" cmpd="sng">
-                      <a:noFill/>
-                      <a:prstDash val="solid"/>
-                    </a:lnT>
-                    <a:lnB w="12700" cmpd="sng">
-                      <a:noFill/>
-                      <a:prstDash val="solid"/>
-                    </a:lnB>
-                    <a:solidFill>
-                      <a:schemeClr val="bg1">
-                        <a:lumMod val="95000"/>
-                      </a:schemeClr>
-                    </a:solidFill>
-                  </a:tcPr>
+                  <a:tcPr marL="9525" marR="9525" marT="9525" marB="0" anchor="b"/>
                 </a:tc>
                 <a:tc>
                   <a:txBody>
@@ -13835,46 +12621,21 @@
                     <a:p>
                       <a:pPr algn="r" fontAlgn="b"/>
                       <a:r>
-                        <a:rPr lang="en-US" sz="1100" u="none" strike="noStrike" cap="none" spc="0">
-                          <a:solidFill>
-                            <a:schemeClr val="tx1"/>
-                          </a:solidFill>
+                        <a:rPr lang="en-US" sz="1200" u="none" strike="noStrike">
                           <a:effectLst/>
                         </a:rPr>
                         <a:t>93.98%</a:t>
                       </a:r>
-                      <a:endParaRPr lang="en-US" sz="1100" b="0" i="0" u="none" strike="noStrike" cap="none" spc="0">
+                      <a:endParaRPr lang="en-US" sz="1200" b="0" i="0" u="none" strike="noStrike">
                         <a:solidFill>
-                          <a:schemeClr val="tx1"/>
+                          <a:srgbClr val="000000"/>
                         </a:solidFill>
                         <a:effectLst/>
                         <a:latin typeface="Calibri" panose="020F0502020204030204" pitchFamily="34" charset="0"/>
                       </a:endParaRPr>
                     </a:p>
                   </a:txBody>
-                  <a:tcPr marL="58655" marR="7998" marT="16759" marB="125690" anchor="b">
-                    <a:lnL w="12700" cmpd="sng">
-                      <a:noFill/>
-                      <a:prstDash val="solid"/>
-                    </a:lnL>
-                    <a:lnR w="12700" cmpd="sng">
-                      <a:noFill/>
-                      <a:prstDash val="solid"/>
-                    </a:lnR>
-                    <a:lnT w="12700" cmpd="sng">
-                      <a:noFill/>
-                      <a:prstDash val="solid"/>
-                    </a:lnT>
-                    <a:lnB w="12700" cmpd="sng">
-                      <a:noFill/>
-                      <a:prstDash val="solid"/>
-                    </a:lnB>
-                    <a:solidFill>
-                      <a:schemeClr val="bg1">
-                        <a:lumMod val="95000"/>
-                      </a:schemeClr>
-                    </a:solidFill>
-                  </a:tcPr>
+                  <a:tcPr marL="9525" marR="9525" marT="9525" marB="0" anchor="b"/>
                 </a:tc>
                 <a:tc>
                   <a:txBody>
@@ -13883,46 +12644,21 @@
                     <a:p>
                       <a:pPr algn="r" fontAlgn="b"/>
                       <a:r>
-                        <a:rPr lang="en-US" sz="1100" u="none" strike="noStrike" cap="none" spc="0">
-                          <a:solidFill>
-                            <a:schemeClr val="tx1"/>
-                          </a:solidFill>
+                        <a:rPr lang="en-US" sz="1200" u="none" strike="noStrike">
                           <a:effectLst/>
                         </a:rPr>
                         <a:t>81.63%</a:t>
                       </a:r>
-                      <a:endParaRPr lang="en-US" sz="1100" b="0" i="0" u="none" strike="noStrike" cap="none" spc="0">
+                      <a:endParaRPr lang="en-US" sz="1200" b="0" i="0" u="none" strike="noStrike">
                         <a:solidFill>
-                          <a:schemeClr val="tx1"/>
+                          <a:srgbClr val="000000"/>
                         </a:solidFill>
                         <a:effectLst/>
                         <a:latin typeface="Calibri" panose="020F0502020204030204" pitchFamily="34" charset="0"/>
                       </a:endParaRPr>
                     </a:p>
                   </a:txBody>
-                  <a:tcPr marL="58655" marR="7998" marT="16759" marB="125690" anchor="b">
-                    <a:lnL w="12700" cmpd="sng">
-                      <a:noFill/>
-                      <a:prstDash val="solid"/>
-                    </a:lnL>
-                    <a:lnR w="12700" cmpd="sng">
-                      <a:noFill/>
-                      <a:prstDash val="solid"/>
-                    </a:lnR>
-                    <a:lnT w="12700" cmpd="sng">
-                      <a:noFill/>
-                      <a:prstDash val="solid"/>
-                    </a:lnT>
-                    <a:lnB w="12700" cmpd="sng">
-                      <a:noFill/>
-                      <a:prstDash val="solid"/>
-                    </a:lnB>
-                    <a:solidFill>
-                      <a:schemeClr val="bg1">
-                        <a:lumMod val="95000"/>
-                      </a:schemeClr>
-                    </a:solidFill>
-                  </a:tcPr>
+                  <a:tcPr marL="9525" marR="9525" marT="9525" marB="0" anchor="b"/>
                 </a:tc>
                 <a:tc>
                   <a:txBody>
@@ -13931,46 +12667,21 @@
                     <a:p>
                       <a:pPr algn="r" fontAlgn="b"/>
                       <a:r>
-                        <a:rPr lang="en-US" sz="1100" u="none" strike="noStrike" cap="none" spc="0">
-                          <a:solidFill>
-                            <a:schemeClr val="tx1"/>
-                          </a:solidFill>
+                        <a:rPr lang="en-US" sz="1200" u="none" strike="noStrike">
                           <a:effectLst/>
                         </a:rPr>
-                        <a:t>87.76%</a:t>
+                        <a:t>83.67%</a:t>
                       </a:r>
-                      <a:endParaRPr lang="en-US" sz="1100" b="0" i="0" u="none" strike="noStrike" cap="none" spc="0">
+                      <a:endParaRPr lang="en-US" sz="1200" b="0" i="0" u="none" strike="noStrike">
                         <a:solidFill>
-                          <a:schemeClr val="tx1"/>
+                          <a:srgbClr val="000000"/>
                         </a:solidFill>
                         <a:effectLst/>
                         <a:latin typeface="Calibri" panose="020F0502020204030204" pitchFamily="34" charset="0"/>
                       </a:endParaRPr>
                     </a:p>
                   </a:txBody>
-                  <a:tcPr marL="58655" marR="7998" marT="16759" marB="125690" anchor="b">
-                    <a:lnL w="12700" cmpd="sng">
-                      <a:noFill/>
-                      <a:prstDash val="solid"/>
-                    </a:lnL>
-                    <a:lnR w="12700" cmpd="sng">
-                      <a:noFill/>
-                      <a:prstDash val="solid"/>
-                    </a:lnR>
-                    <a:lnT w="12700" cmpd="sng">
-                      <a:noFill/>
-                      <a:prstDash val="solid"/>
-                    </a:lnT>
-                    <a:lnB w="12700" cmpd="sng">
-                      <a:noFill/>
-                      <a:prstDash val="solid"/>
-                    </a:lnB>
-                    <a:solidFill>
-                      <a:schemeClr val="bg1">
-                        <a:lumMod val="95000"/>
-                      </a:schemeClr>
-                    </a:solidFill>
-                  </a:tcPr>
+                  <a:tcPr marL="9525" marR="9525" marT="9525" marB="0" anchor="b"/>
                 </a:tc>
                 <a:tc>
                   <a:txBody>
@@ -13979,46 +12690,21 @@
                     <a:p>
                       <a:pPr algn="r" fontAlgn="b"/>
                       <a:r>
-                        <a:rPr lang="en-US" sz="1100" u="none" strike="noStrike" cap="none" spc="0">
-                          <a:solidFill>
-                            <a:schemeClr val="tx1"/>
-                          </a:solidFill>
+                        <a:rPr lang="en-US" sz="1200" u="none" strike="noStrike">
                           <a:effectLst/>
                         </a:rPr>
-                        <a:t>28.91%</a:t>
+                        <a:t>42.86%</a:t>
                       </a:r>
-                      <a:endParaRPr lang="en-US" sz="1100" b="0" i="0" u="none" strike="noStrike" cap="none" spc="0">
+                      <a:endParaRPr lang="en-US" sz="1200" b="0" i="0" u="none" strike="noStrike">
                         <a:solidFill>
-                          <a:schemeClr val="tx1"/>
+                          <a:srgbClr val="000000"/>
                         </a:solidFill>
                         <a:effectLst/>
                         <a:latin typeface="Calibri" panose="020F0502020204030204" pitchFamily="34" charset="0"/>
                       </a:endParaRPr>
                     </a:p>
                   </a:txBody>
-                  <a:tcPr marL="58655" marR="7998" marT="16759" marB="125690" anchor="b">
-                    <a:lnL w="12700" cmpd="sng">
-                      <a:noFill/>
-                      <a:prstDash val="solid"/>
-                    </a:lnL>
-                    <a:lnR w="12700" cmpd="sng">
-                      <a:noFill/>
-                      <a:prstDash val="solid"/>
-                    </a:lnR>
-                    <a:lnT w="12700" cmpd="sng">
-                      <a:noFill/>
-                      <a:prstDash val="solid"/>
-                    </a:lnT>
-                    <a:lnB w="12700" cmpd="sng">
-                      <a:noFill/>
-                      <a:prstDash val="solid"/>
-                    </a:lnB>
-                    <a:solidFill>
-                      <a:schemeClr val="bg1">
-                        <a:lumMod val="95000"/>
-                      </a:schemeClr>
-                    </a:solidFill>
-                  </a:tcPr>
+                  <a:tcPr marL="9525" marR="9525" marT="9525" marB="0" anchor="b"/>
                 </a:tc>
                 <a:tc>
                   <a:txBody>
@@ -14027,46 +12713,21 @@
                     <a:p>
                       <a:pPr algn="r" fontAlgn="b"/>
                       <a:r>
-                        <a:rPr lang="en-US" sz="1100" u="none" strike="noStrike" cap="none" spc="0">
-                          <a:solidFill>
-                            <a:schemeClr val="tx1"/>
-                          </a:solidFill>
+                        <a:rPr lang="en-US" sz="1200" u="none" strike="noStrike">
                           <a:effectLst/>
                         </a:rPr>
                         <a:t>26.53%</a:t>
                       </a:r>
-                      <a:endParaRPr lang="en-US" sz="1100" b="0" i="0" u="none" strike="noStrike" cap="none" spc="0">
+                      <a:endParaRPr lang="en-US" sz="1200" b="0" i="0" u="none" strike="noStrike">
                         <a:solidFill>
-                          <a:schemeClr val="tx1"/>
+                          <a:srgbClr val="000000"/>
                         </a:solidFill>
                         <a:effectLst/>
                         <a:latin typeface="Calibri" panose="020F0502020204030204" pitchFamily="34" charset="0"/>
                       </a:endParaRPr>
                     </a:p>
                   </a:txBody>
-                  <a:tcPr marL="58655" marR="7998" marT="16759" marB="125690" anchor="b">
-                    <a:lnL w="12700" cmpd="sng">
-                      <a:noFill/>
-                      <a:prstDash val="solid"/>
-                    </a:lnL>
-                    <a:lnR w="12700" cmpd="sng">
-                      <a:noFill/>
-                      <a:prstDash val="solid"/>
-                    </a:lnR>
-                    <a:lnT w="12700" cmpd="sng">
-                      <a:noFill/>
-                      <a:prstDash val="solid"/>
-                    </a:lnT>
-                    <a:lnB w="12700" cmpd="sng">
-                      <a:noFill/>
-                      <a:prstDash val="solid"/>
-                    </a:lnB>
-                    <a:solidFill>
-                      <a:schemeClr val="bg1">
-                        <a:lumMod val="95000"/>
-                      </a:schemeClr>
-                    </a:solidFill>
-                  </a:tcPr>
+                  <a:tcPr marL="9525" marR="9525" marT="9525" marB="0" anchor="b"/>
                 </a:tc>
                 <a:tc>
                   <a:txBody>
@@ -14075,46 +12736,21 @@
                     <a:p>
                       <a:pPr algn="r" fontAlgn="b"/>
                       <a:r>
-                        <a:rPr lang="en-US" sz="1100" u="none" strike="noStrike" cap="none" spc="0">
-                          <a:solidFill>
-                            <a:schemeClr val="tx1"/>
-                          </a:solidFill>
+                        <a:rPr lang="en-US" sz="1200" u="none" strike="noStrike">
                           <a:effectLst/>
                         </a:rPr>
                         <a:t>-1.0892e</a:t>
                       </a:r>
-                      <a:endParaRPr lang="en-US" sz="1100" b="0" i="0" u="none" strike="noStrike" cap="none" spc="0">
+                      <a:endParaRPr lang="en-US" sz="1200" b="0" i="0" u="none" strike="noStrike">
                         <a:solidFill>
-                          <a:schemeClr val="tx1"/>
+                          <a:srgbClr val="000000"/>
                         </a:solidFill>
                         <a:effectLst/>
                         <a:latin typeface="Calibri" panose="020F0502020204030204" pitchFamily="34" charset="0"/>
                       </a:endParaRPr>
                     </a:p>
                   </a:txBody>
-                  <a:tcPr marL="58655" marR="7998" marT="16759" marB="125690" anchor="b">
-                    <a:lnL w="12700" cmpd="sng">
-                      <a:noFill/>
-                      <a:prstDash val="solid"/>
-                    </a:lnL>
-                    <a:lnR w="12700" cmpd="sng">
-                      <a:noFill/>
-                      <a:prstDash val="solid"/>
-                    </a:lnR>
-                    <a:lnT w="12700" cmpd="sng">
-                      <a:noFill/>
-                      <a:prstDash val="solid"/>
-                    </a:lnT>
-                    <a:lnB w="12700" cmpd="sng">
-                      <a:noFill/>
-                      <a:prstDash val="solid"/>
-                    </a:lnB>
-                    <a:solidFill>
-                      <a:schemeClr val="bg1">
-                        <a:lumMod val="95000"/>
-                      </a:schemeClr>
-                    </a:solidFill>
-                  </a:tcPr>
+                  <a:tcPr marL="9525" marR="9525" marT="9525" marB="0" anchor="b"/>
                 </a:tc>
                 <a:tc>
                   <a:txBody>
@@ -14123,54 +12759,29 @@
                     <a:p>
                       <a:pPr algn="r" fontAlgn="b"/>
                       <a:r>
-                        <a:rPr lang="en-US" sz="1100" u="none" strike="noStrike" cap="none" spc="0">
-                          <a:solidFill>
-                            <a:schemeClr val="tx1"/>
-                          </a:solidFill>
+                        <a:rPr lang="en-US" sz="1200" u="none" strike="noStrike">
                           <a:effectLst/>
                         </a:rPr>
-                        <a:t>89.49%</a:t>
+                        <a:t>88.67%</a:t>
                       </a:r>
-                      <a:endParaRPr lang="en-US" sz="1100" b="0" i="0" u="none" strike="noStrike" cap="none" spc="0">
+                      <a:endParaRPr lang="en-US" sz="1200" b="0" i="0" u="none" strike="noStrike">
                         <a:solidFill>
-                          <a:schemeClr val="tx1"/>
+                          <a:srgbClr val="000000"/>
                         </a:solidFill>
                         <a:effectLst/>
                         <a:latin typeface="Calibri" panose="020F0502020204030204" pitchFamily="34" charset="0"/>
                       </a:endParaRPr>
                     </a:p>
                   </a:txBody>
-                  <a:tcPr marL="58655" marR="7998" marT="16759" marB="125690" anchor="b">
-                    <a:lnL w="12700" cmpd="sng">
-                      <a:noFill/>
-                      <a:prstDash val="solid"/>
-                    </a:lnL>
-                    <a:lnR w="12700" cmpd="sng">
-                      <a:noFill/>
-                      <a:prstDash val="solid"/>
-                    </a:lnR>
-                    <a:lnT w="12700" cmpd="sng">
-                      <a:noFill/>
-                      <a:prstDash val="solid"/>
-                    </a:lnT>
-                    <a:lnB w="12700" cmpd="sng">
-                      <a:noFill/>
-                      <a:prstDash val="solid"/>
-                    </a:lnB>
-                    <a:solidFill>
-                      <a:schemeClr val="bg1">
-                        <a:lumMod val="95000"/>
-                      </a:schemeClr>
-                    </a:solidFill>
-                  </a:tcPr>
+                  <a:tcPr marL="9525" marR="9525" marT="9525" marB="0" anchor="b"/>
                 </a:tc>
                 <a:extLst>
                   <a:ext uri="{0D108BD9-81ED-4DB2-BD59-A6C34878D82A}">
-                    <a16:rowId xmlns:a16="http://schemas.microsoft.com/office/drawing/2014/main" val="2479182308"/>
+                    <a16:rowId xmlns:a16="http://schemas.microsoft.com/office/drawing/2014/main" val="644679087"/>
                   </a:ext>
                 </a:extLst>
               </a:tr>
-              <a:tr h="343553">
+              <a:tr h="278708">
                 <a:tc>
                   <a:txBody>
                     <a:bodyPr/>
@@ -14178,48 +12789,21 @@
                     <a:p>
                       <a:pPr algn="l" fontAlgn="b"/>
                       <a:r>
-                        <a:rPr lang="en-US" sz="1100" u="none" strike="noStrike" cap="none" spc="0">
-                          <a:solidFill>
-                            <a:schemeClr val="tx1"/>
-                          </a:solidFill>
+                        <a:rPr lang="en-US" sz="1200" u="none" strike="noStrike">
                           <a:effectLst/>
                         </a:rPr>
                         <a:t>Average:</a:t>
                       </a:r>
-                      <a:endParaRPr lang="en-US" sz="1100" b="1" i="0" u="none" strike="noStrike" cap="none" spc="0">
+                      <a:endParaRPr lang="en-US" sz="1200" b="1" i="0" u="none" strike="noStrike">
                         <a:solidFill>
-                          <a:schemeClr val="tx1"/>
+                          <a:srgbClr val="000000"/>
                         </a:solidFill>
                         <a:effectLst/>
                         <a:latin typeface="Calibri" panose="020F0502020204030204" pitchFamily="34" charset="0"/>
                       </a:endParaRPr>
                     </a:p>
                   </a:txBody>
-                  <a:tcPr marL="58655" marR="7998" marT="16759" marB="125690" anchor="b">
-                    <a:lnL w="12700" cap="flat" cmpd="sng" algn="ctr">
-                      <a:solidFill>
-                        <a:schemeClr val="tx1"/>
-                      </a:solidFill>
-                      <a:prstDash val="solid"/>
-                    </a:lnL>
-                    <a:lnR w="12700" cmpd="sng">
-                      <a:noFill/>
-                      <a:prstDash val="solid"/>
-                    </a:lnR>
-                    <a:lnT w="12700" cmpd="sng">
-                      <a:noFill/>
-                      <a:prstDash val="solid"/>
-                    </a:lnT>
-                    <a:lnB w="12700" cmpd="sng">
-                      <a:noFill/>
-                      <a:prstDash val="solid"/>
-                    </a:lnB>
-                    <a:solidFill>
-                      <a:schemeClr val="bg1">
-                        <a:lumMod val="85000"/>
-                      </a:schemeClr>
-                    </a:solidFill>
-                  </a:tcPr>
+                  <a:tcPr marL="9525" marR="9525" marT="9525" marB="0" anchor="b"/>
                 </a:tc>
                 <a:tc>
                   <a:txBody>
@@ -14228,46 +12812,21 @@
                     <a:p>
                       <a:pPr algn="r" fontAlgn="b"/>
                       <a:r>
-                        <a:rPr lang="en-US" sz="1100" u="none" strike="noStrike" cap="none" spc="0">
-                          <a:solidFill>
-                            <a:schemeClr val="tx1"/>
-                          </a:solidFill>
+                        <a:rPr lang="en-US" sz="1200" u="none" strike="noStrike">
                           <a:effectLst/>
                         </a:rPr>
                         <a:t>89.57%</a:t>
                       </a:r>
-                      <a:endParaRPr lang="en-US" sz="1100" b="0" i="0" u="none" strike="noStrike" cap="none" spc="0">
+                      <a:endParaRPr lang="en-US" sz="1200" b="0" i="0" u="none" strike="noStrike">
                         <a:solidFill>
-                          <a:schemeClr val="tx1"/>
+                          <a:srgbClr val="000000"/>
                         </a:solidFill>
                         <a:effectLst/>
                         <a:latin typeface="Calibri" panose="020F0502020204030204" pitchFamily="34" charset="0"/>
                       </a:endParaRPr>
                     </a:p>
                   </a:txBody>
-                  <a:tcPr marL="58655" marR="7998" marT="16759" marB="125690" anchor="b">
-                    <a:lnL w="12700" cmpd="sng">
-                      <a:noFill/>
-                      <a:prstDash val="solid"/>
-                    </a:lnL>
-                    <a:lnR w="12700" cmpd="sng">
-                      <a:noFill/>
-                      <a:prstDash val="solid"/>
-                    </a:lnR>
-                    <a:lnT w="12700" cmpd="sng">
-                      <a:noFill/>
-                      <a:prstDash val="solid"/>
-                    </a:lnT>
-                    <a:lnB w="12700" cmpd="sng">
-                      <a:noFill/>
-                      <a:prstDash val="solid"/>
-                    </a:lnB>
-                    <a:solidFill>
-                      <a:schemeClr val="bg1">
-                        <a:lumMod val="85000"/>
-                      </a:schemeClr>
-                    </a:solidFill>
-                  </a:tcPr>
+                  <a:tcPr marL="9525" marR="9525" marT="9525" marB="0" anchor="b"/>
                 </a:tc>
                 <a:tc>
                   <a:txBody>
@@ -14276,46 +12835,21 @@
                     <a:p>
                       <a:pPr algn="r" fontAlgn="b"/>
                       <a:r>
-                        <a:rPr lang="en-US" sz="1100" u="none" strike="noStrike" cap="none" spc="0">
-                          <a:solidFill>
-                            <a:schemeClr val="tx1"/>
-                          </a:solidFill>
+                        <a:rPr lang="en-US" sz="1200" u="none" strike="noStrike">
                           <a:effectLst/>
                         </a:rPr>
                         <a:t>92.41%</a:t>
                       </a:r>
-                      <a:endParaRPr lang="en-US" sz="1100" b="0" i="0" u="none" strike="noStrike" cap="none" spc="0">
+                      <a:endParaRPr lang="en-US" sz="1200" b="0" i="0" u="none" strike="noStrike">
                         <a:solidFill>
-                          <a:schemeClr val="tx1"/>
+                          <a:srgbClr val="000000"/>
                         </a:solidFill>
                         <a:effectLst/>
                         <a:latin typeface="Calibri" panose="020F0502020204030204" pitchFamily="34" charset="0"/>
                       </a:endParaRPr>
                     </a:p>
                   </a:txBody>
-                  <a:tcPr marL="58655" marR="7998" marT="16759" marB="125690" anchor="b">
-                    <a:lnL w="12700" cmpd="sng">
-                      <a:noFill/>
-                      <a:prstDash val="solid"/>
-                    </a:lnL>
-                    <a:lnR w="12700" cmpd="sng">
-                      <a:noFill/>
-                      <a:prstDash val="solid"/>
-                    </a:lnR>
-                    <a:lnT w="12700" cmpd="sng">
-                      <a:noFill/>
-                      <a:prstDash val="solid"/>
-                    </a:lnT>
-                    <a:lnB w="12700" cmpd="sng">
-                      <a:noFill/>
-                      <a:prstDash val="solid"/>
-                    </a:lnB>
-                    <a:solidFill>
-                      <a:schemeClr val="bg1">
-                        <a:lumMod val="85000"/>
-                      </a:schemeClr>
-                    </a:solidFill>
-                  </a:tcPr>
+                  <a:tcPr marL="9525" marR="9525" marT="9525" marB="0" anchor="b"/>
                 </a:tc>
                 <a:tc>
                   <a:txBody>
@@ -14324,46 +12858,21 @@
                     <a:p>
                       <a:pPr algn="r" fontAlgn="b"/>
                       <a:r>
-                        <a:rPr lang="en-US" sz="1100" u="none" strike="noStrike" cap="none" spc="0">
-                          <a:solidFill>
-                            <a:schemeClr val="tx1"/>
-                          </a:solidFill>
+                        <a:rPr lang="en-US" sz="1200" u="none" strike="noStrike">
                           <a:effectLst/>
                         </a:rPr>
                         <a:t>93.91%</a:t>
                       </a:r>
-                      <a:endParaRPr lang="en-US" sz="1100" b="0" i="0" u="none" strike="noStrike" cap="none" spc="0">
+                      <a:endParaRPr lang="en-US" sz="1200" b="0" i="0" u="none" strike="noStrike">
                         <a:solidFill>
-                          <a:schemeClr val="tx1"/>
+                          <a:srgbClr val="000000"/>
                         </a:solidFill>
                         <a:effectLst/>
                         <a:latin typeface="Calibri" panose="020F0502020204030204" pitchFamily="34" charset="0"/>
                       </a:endParaRPr>
                     </a:p>
                   </a:txBody>
-                  <a:tcPr marL="58655" marR="7998" marT="16759" marB="125690" anchor="b">
-                    <a:lnL w="12700" cmpd="sng">
-                      <a:noFill/>
-                      <a:prstDash val="solid"/>
-                    </a:lnL>
-                    <a:lnR w="12700" cmpd="sng">
-                      <a:noFill/>
-                      <a:prstDash val="solid"/>
-                    </a:lnR>
-                    <a:lnT w="12700" cmpd="sng">
-                      <a:noFill/>
-                      <a:prstDash val="solid"/>
-                    </a:lnT>
-                    <a:lnB w="12700" cmpd="sng">
-                      <a:noFill/>
-                      <a:prstDash val="solid"/>
-                    </a:lnB>
-                    <a:solidFill>
-                      <a:schemeClr val="bg1">
-                        <a:lumMod val="85000"/>
-                      </a:schemeClr>
-                    </a:solidFill>
-                  </a:tcPr>
+                  <a:tcPr marL="9525" marR="9525" marT="9525" marB="0" anchor="b"/>
                 </a:tc>
                 <a:tc>
                   <a:txBody>
@@ -14372,46 +12881,21 @@
                     <a:p>
                       <a:pPr algn="r" fontAlgn="b"/>
                       <a:r>
-                        <a:rPr lang="en-US" sz="1100" u="none" strike="noStrike" cap="none" spc="0">
-                          <a:solidFill>
-                            <a:schemeClr val="tx1"/>
-                          </a:solidFill>
+                        <a:rPr lang="en-US" sz="1200" u="none" strike="noStrike">
                           <a:effectLst/>
                         </a:rPr>
                         <a:t>80.86%</a:t>
                       </a:r>
-                      <a:endParaRPr lang="en-US" sz="1100" b="0" i="0" u="none" strike="noStrike" cap="none" spc="0">
+                      <a:endParaRPr lang="en-US" sz="1200" b="0" i="0" u="none" strike="noStrike">
                         <a:solidFill>
-                          <a:schemeClr val="tx1"/>
+                          <a:srgbClr val="000000"/>
                         </a:solidFill>
                         <a:effectLst/>
                         <a:latin typeface="Calibri" panose="020F0502020204030204" pitchFamily="34" charset="0"/>
                       </a:endParaRPr>
                     </a:p>
                   </a:txBody>
-                  <a:tcPr marL="58655" marR="7998" marT="16759" marB="125690" anchor="b">
-                    <a:lnL w="12700" cmpd="sng">
-                      <a:noFill/>
-                      <a:prstDash val="solid"/>
-                    </a:lnL>
-                    <a:lnR w="12700" cmpd="sng">
-                      <a:noFill/>
-                      <a:prstDash val="solid"/>
-                    </a:lnR>
-                    <a:lnT w="12700" cmpd="sng">
-                      <a:noFill/>
-                      <a:prstDash val="solid"/>
-                    </a:lnT>
-                    <a:lnB w="12700" cmpd="sng">
-                      <a:noFill/>
-                      <a:prstDash val="solid"/>
-                    </a:lnB>
-                    <a:solidFill>
-                      <a:schemeClr val="bg1">
-                        <a:lumMod val="85000"/>
-                      </a:schemeClr>
-                    </a:solidFill>
-                  </a:tcPr>
+                  <a:tcPr marL="9525" marR="9525" marT="9525" marB="0" anchor="b"/>
                 </a:tc>
                 <a:tc>
                   <a:txBody>
@@ -14420,46 +12904,21 @@
                     <a:p>
                       <a:pPr algn="r" fontAlgn="b"/>
                       <a:r>
-                        <a:rPr lang="en-US" sz="1100" u="none" strike="noStrike" cap="none" spc="0">
-                          <a:solidFill>
-                            <a:schemeClr val="tx1"/>
-                          </a:solidFill>
+                        <a:rPr lang="en-US" sz="1200" u="none" strike="noStrike">
                           <a:effectLst/>
                         </a:rPr>
-                        <a:t>86.48%</a:t>
+                        <a:t>84.95%</a:t>
                       </a:r>
-                      <a:endParaRPr lang="en-US" sz="1100" b="0" i="0" u="none" strike="noStrike" cap="none" spc="0">
+                      <a:endParaRPr lang="en-US" sz="1200" b="0" i="0" u="none" strike="noStrike">
                         <a:solidFill>
-                          <a:schemeClr val="tx1"/>
+                          <a:srgbClr val="000000"/>
                         </a:solidFill>
                         <a:effectLst/>
                         <a:latin typeface="Calibri" panose="020F0502020204030204" pitchFamily="34" charset="0"/>
                       </a:endParaRPr>
                     </a:p>
                   </a:txBody>
-                  <a:tcPr marL="58655" marR="7998" marT="16759" marB="125690" anchor="b">
-                    <a:lnL w="12700" cmpd="sng">
-                      <a:noFill/>
-                      <a:prstDash val="solid"/>
-                    </a:lnL>
-                    <a:lnR w="12700" cmpd="sng">
-                      <a:noFill/>
-                      <a:prstDash val="solid"/>
-                    </a:lnR>
-                    <a:lnT w="12700" cmpd="sng">
-                      <a:noFill/>
-                      <a:prstDash val="solid"/>
-                    </a:lnT>
-                    <a:lnB w="12700" cmpd="sng">
-                      <a:noFill/>
-                      <a:prstDash val="solid"/>
-                    </a:lnB>
-                    <a:solidFill>
-                      <a:schemeClr val="bg1">
-                        <a:lumMod val="85000"/>
-                      </a:schemeClr>
-                    </a:solidFill>
-                  </a:tcPr>
+                  <a:tcPr marL="9525" marR="9525" marT="9525" marB="0" anchor="b"/>
                 </a:tc>
                 <a:tc>
                   <a:txBody>
@@ -14468,46 +12927,21 @@
                     <a:p>
                       <a:pPr algn="r" fontAlgn="b"/>
                       <a:r>
-                        <a:rPr lang="en-US" sz="1100" u="none" strike="noStrike" cap="none" spc="0">
-                          <a:solidFill>
-                            <a:schemeClr val="tx1"/>
-                          </a:solidFill>
+                        <a:rPr lang="en-US" sz="1200" u="none" strike="noStrike">
                           <a:effectLst/>
                         </a:rPr>
-                        <a:t>37.91%</a:t>
+                        <a:t>45.15%</a:t>
                       </a:r>
-                      <a:endParaRPr lang="en-US" sz="1100" b="0" i="0" u="none" strike="noStrike" cap="none" spc="0">
+                      <a:endParaRPr lang="en-US" sz="1200" b="0" i="0" u="none" strike="noStrike">
                         <a:solidFill>
-                          <a:schemeClr val="tx1"/>
+                          <a:srgbClr val="000000"/>
                         </a:solidFill>
                         <a:effectLst/>
                         <a:latin typeface="Calibri" panose="020F0502020204030204" pitchFamily="34" charset="0"/>
                       </a:endParaRPr>
                     </a:p>
                   </a:txBody>
-                  <a:tcPr marL="58655" marR="7998" marT="16759" marB="125690" anchor="b">
-                    <a:lnL w="12700" cmpd="sng">
-                      <a:noFill/>
-                      <a:prstDash val="solid"/>
-                    </a:lnL>
-                    <a:lnR w="12700" cmpd="sng">
-                      <a:noFill/>
-                      <a:prstDash val="solid"/>
-                    </a:lnR>
-                    <a:lnT w="12700" cmpd="sng">
-                      <a:noFill/>
-                      <a:prstDash val="solid"/>
-                    </a:lnT>
-                    <a:lnB w="12700" cmpd="sng">
-                      <a:noFill/>
-                      <a:prstDash val="solid"/>
-                    </a:lnB>
-                    <a:solidFill>
-                      <a:schemeClr val="bg1">
-                        <a:lumMod val="85000"/>
-                      </a:schemeClr>
-                    </a:solidFill>
-                  </a:tcPr>
+                  <a:tcPr marL="9525" marR="9525" marT="9525" marB="0" anchor="b"/>
                 </a:tc>
                 <a:tc>
                   <a:txBody>
@@ -14516,46 +12950,21 @@
                     <a:p>
                       <a:pPr algn="r" fontAlgn="b"/>
                       <a:r>
-                        <a:rPr lang="en-US" sz="1100" u="none" strike="noStrike" cap="none" spc="0">
-                          <a:solidFill>
-                            <a:schemeClr val="tx1"/>
-                          </a:solidFill>
+                        <a:rPr lang="en-US" sz="1200" u="none" strike="noStrike">
                           <a:effectLst/>
                         </a:rPr>
                         <a:t>27.55%</a:t>
                       </a:r>
-                      <a:endParaRPr lang="en-US" sz="1100" b="0" i="0" u="none" strike="noStrike" cap="none" spc="0">
+                      <a:endParaRPr lang="en-US" sz="1200" b="0" i="0" u="none" strike="noStrike">
                         <a:solidFill>
-                          <a:schemeClr val="tx1"/>
+                          <a:srgbClr val="000000"/>
                         </a:solidFill>
                         <a:effectLst/>
                         <a:latin typeface="Calibri" panose="020F0502020204030204" pitchFamily="34" charset="0"/>
                       </a:endParaRPr>
                     </a:p>
                   </a:txBody>
-                  <a:tcPr marL="58655" marR="7998" marT="16759" marB="125690" anchor="b">
-                    <a:lnL w="12700" cmpd="sng">
-                      <a:noFill/>
-                      <a:prstDash val="solid"/>
-                    </a:lnL>
-                    <a:lnR w="12700" cmpd="sng">
-                      <a:noFill/>
-                      <a:prstDash val="solid"/>
-                    </a:lnR>
-                    <a:lnT w="12700" cmpd="sng">
-                      <a:noFill/>
-                      <a:prstDash val="solid"/>
-                    </a:lnT>
-                    <a:lnB w="12700" cmpd="sng">
-                      <a:noFill/>
-                      <a:prstDash val="solid"/>
-                    </a:lnB>
-                    <a:solidFill>
-                      <a:schemeClr val="bg1">
-                        <a:lumMod val="85000"/>
-                      </a:schemeClr>
-                    </a:solidFill>
-                  </a:tcPr>
+                  <a:tcPr marL="9525" marR="9525" marT="9525" marB="0" anchor="b"/>
                 </a:tc>
                 <a:tc>
                   <a:txBody>
@@ -14564,46 +12973,21 @@
                     <a:p>
                       <a:pPr algn="r" fontAlgn="b"/>
                       <a:r>
-                        <a:rPr lang="en-US" sz="1100" u="none" strike="noStrike" cap="none" spc="0">
-                          <a:solidFill>
-                            <a:schemeClr val="tx1"/>
-                          </a:solidFill>
+                        <a:rPr lang="en-US" sz="1200" u="none" strike="noStrike">
                           <a:effectLst/>
                         </a:rPr>
                         <a:t>N/A</a:t>
                       </a:r>
-                      <a:endParaRPr lang="en-US" sz="1100" b="0" i="0" u="none" strike="noStrike" cap="none" spc="0">
+                      <a:endParaRPr lang="en-US" sz="1200" b="0" i="0" u="none" strike="noStrike">
                         <a:solidFill>
-                          <a:schemeClr val="tx1"/>
+                          <a:srgbClr val="000000"/>
                         </a:solidFill>
                         <a:effectLst/>
                         <a:latin typeface="Calibri" panose="020F0502020204030204" pitchFamily="34" charset="0"/>
                       </a:endParaRPr>
                     </a:p>
                   </a:txBody>
-                  <a:tcPr marL="58655" marR="7998" marT="16759" marB="125690" anchor="b">
-                    <a:lnL w="12700" cmpd="sng">
-                      <a:noFill/>
-                      <a:prstDash val="solid"/>
-                    </a:lnL>
-                    <a:lnR w="12700" cmpd="sng">
-                      <a:noFill/>
-                      <a:prstDash val="solid"/>
-                    </a:lnR>
-                    <a:lnT w="12700" cmpd="sng">
-                      <a:noFill/>
-                      <a:prstDash val="solid"/>
-                    </a:lnT>
-                    <a:lnB w="12700" cmpd="sng">
-                      <a:noFill/>
-                      <a:prstDash val="solid"/>
-                    </a:lnB>
-                    <a:solidFill>
-                      <a:schemeClr val="bg1">
-                        <a:lumMod val="85000"/>
-                      </a:schemeClr>
-                    </a:solidFill>
-                  </a:tcPr>
+                  <a:tcPr marL="9525" marR="9525" marT="9525" marB="0" anchor="b"/>
                 </a:tc>
                 <a:tc>
                   <a:txBody>
@@ -14612,54 +12996,29 @@
                     <a:p>
                       <a:pPr algn="l" fontAlgn="b"/>
                       <a:r>
-                        <a:rPr lang="en-US" sz="1100" u="none" strike="noStrike" cap="none" spc="0">
-                          <a:solidFill>
-                            <a:schemeClr val="tx1"/>
-                          </a:solidFill>
+                        <a:rPr lang="en-US" sz="1200" u="none" strike="noStrike">
                           <a:effectLst/>
                         </a:rPr>
                         <a:t> </a:t>
                       </a:r>
-                      <a:endParaRPr lang="en-US" sz="1100" b="0" i="0" u="none" strike="noStrike" cap="none" spc="0">
+                      <a:endParaRPr lang="en-US" sz="1200" b="0" i="0" u="none" strike="noStrike">
                         <a:solidFill>
-                          <a:schemeClr val="tx1"/>
+                          <a:srgbClr val="000000"/>
                         </a:solidFill>
                         <a:effectLst/>
                         <a:latin typeface="Calibri" panose="020F0502020204030204" pitchFamily="34" charset="0"/>
                       </a:endParaRPr>
                     </a:p>
                   </a:txBody>
-                  <a:tcPr marL="58655" marR="7998" marT="16759" marB="125690" anchor="b">
-                    <a:lnL w="12700" cmpd="sng">
-                      <a:noFill/>
-                      <a:prstDash val="solid"/>
-                    </a:lnL>
-                    <a:lnR w="12700" cmpd="sng">
-                      <a:noFill/>
-                      <a:prstDash val="solid"/>
-                    </a:lnR>
-                    <a:lnT w="12700" cmpd="sng">
-                      <a:noFill/>
-                      <a:prstDash val="solid"/>
-                    </a:lnT>
-                    <a:lnB w="12700" cmpd="sng">
-                      <a:noFill/>
-                      <a:prstDash val="solid"/>
-                    </a:lnB>
-                    <a:solidFill>
-                      <a:schemeClr val="bg1">
-                        <a:lumMod val="85000"/>
-                      </a:schemeClr>
-                    </a:solidFill>
-                  </a:tcPr>
+                  <a:tcPr marL="9525" marR="9525" marT="9525" marB="0" anchor="b"/>
                 </a:tc>
                 <a:extLst>
                   <a:ext uri="{0D108BD9-81ED-4DB2-BD59-A6C34878D82A}">
-                    <a16:rowId xmlns:a16="http://schemas.microsoft.com/office/drawing/2014/main" val="1726624550"/>
+                    <a16:rowId xmlns:a16="http://schemas.microsoft.com/office/drawing/2014/main" val="2662223247"/>
                   </a:ext>
                 </a:extLst>
               </a:tr>
-              <a:tr h="343553">
+              <a:tr h="278708">
                 <a:tc>
                   <a:txBody>
                     <a:bodyPr/>
@@ -14667,48 +13026,21 @@
                     <a:p>
                       <a:pPr algn="l" fontAlgn="b"/>
                       <a:r>
-                        <a:rPr lang="en-US" sz="1100" u="none" strike="noStrike" cap="none" spc="0">
-                          <a:solidFill>
-                            <a:schemeClr val="tx1"/>
-                          </a:solidFill>
+                        <a:rPr lang="en-US" sz="1200" u="none" strike="noStrike">
                           <a:effectLst/>
                         </a:rPr>
                         <a:t> </a:t>
                       </a:r>
-                      <a:endParaRPr lang="en-US" sz="1100" b="0" i="0" u="none" strike="noStrike" cap="none" spc="0">
+                      <a:endParaRPr lang="en-US" sz="1200" b="0" i="0" u="none" strike="noStrike">
                         <a:solidFill>
-                          <a:schemeClr val="tx1"/>
+                          <a:srgbClr val="000000"/>
                         </a:solidFill>
                         <a:effectLst/>
                         <a:latin typeface="Calibri" panose="020F0502020204030204" pitchFamily="34" charset="0"/>
                       </a:endParaRPr>
                     </a:p>
                   </a:txBody>
-                  <a:tcPr marL="58655" marR="7998" marT="16759" marB="125690" anchor="b">
-                    <a:lnL w="12700" cap="flat" cmpd="sng" algn="ctr">
-                      <a:solidFill>
-                        <a:schemeClr val="tx1"/>
-                      </a:solidFill>
-                      <a:prstDash val="solid"/>
-                    </a:lnL>
-                    <a:lnR w="12700" cmpd="sng">
-                      <a:noFill/>
-                      <a:prstDash val="solid"/>
-                    </a:lnR>
-                    <a:lnT w="12700" cmpd="sng">
-                      <a:noFill/>
-                      <a:prstDash val="solid"/>
-                    </a:lnT>
-                    <a:lnB w="12700" cmpd="sng">
-                      <a:noFill/>
-                      <a:prstDash val="solid"/>
-                    </a:lnB>
-                    <a:solidFill>
-                      <a:schemeClr val="bg1">
-                        <a:lumMod val="95000"/>
-                      </a:schemeClr>
-                    </a:solidFill>
-                  </a:tcPr>
+                  <a:tcPr marL="9525" marR="9525" marT="9525" marB="0" anchor="b"/>
                 </a:tc>
                 <a:tc gridSpan="5">
                   <a:txBody>
@@ -14717,46 +13049,21 @@
                     <a:p>
                       <a:pPr algn="l" fontAlgn="b"/>
                       <a:r>
-                        <a:rPr lang="en-US" sz="1100" u="none" strike="noStrike" cap="none" spc="0">
-                          <a:solidFill>
-                            <a:schemeClr val="tx1"/>
-                          </a:solidFill>
+                        <a:rPr lang="en-US" sz="1200" u="none" strike="noStrike">
                           <a:effectLst/>
                         </a:rPr>
                         <a:t>*Note: excludes deep learning dummies approach accuracy score. </a:t>
                       </a:r>
-                      <a:endParaRPr lang="en-US" sz="1100" b="0" i="0" u="none" strike="noStrike" cap="none" spc="0">
+                      <a:endParaRPr lang="en-US" sz="1200" b="0" i="0" u="none" strike="noStrike">
                         <a:solidFill>
-                          <a:schemeClr val="tx1"/>
+                          <a:srgbClr val="000000"/>
                         </a:solidFill>
                         <a:effectLst/>
                         <a:latin typeface="Calibri" panose="020F0502020204030204" pitchFamily="34" charset="0"/>
                       </a:endParaRPr>
                     </a:p>
                   </a:txBody>
-                  <a:tcPr marL="58655" marR="7998" marT="16759" marB="125690" anchor="b">
-                    <a:lnL w="12700" cmpd="sng">
-                      <a:noFill/>
-                      <a:prstDash val="solid"/>
-                    </a:lnL>
-                    <a:lnR w="12700" cmpd="sng">
-                      <a:noFill/>
-                      <a:prstDash val="solid"/>
-                    </a:lnR>
-                    <a:lnT w="12700" cmpd="sng">
-                      <a:noFill/>
-                      <a:prstDash val="solid"/>
-                    </a:lnT>
-                    <a:lnB w="12700" cmpd="sng">
-                      <a:noFill/>
-                      <a:prstDash val="solid"/>
-                    </a:lnB>
-                    <a:solidFill>
-                      <a:schemeClr val="bg1">
-                        <a:lumMod val="95000"/>
-                      </a:schemeClr>
-                    </a:solidFill>
-                  </a:tcPr>
+                  <a:tcPr marL="9525" marR="9525" marT="9525" marB="0" anchor="b"/>
                 </a:tc>
                 <a:tc hMerge="1">
                   <a:txBody>
@@ -14805,46 +13112,21 @@
                     <a:p>
                       <a:pPr algn="l" fontAlgn="b"/>
                       <a:r>
-                        <a:rPr lang="en-US" sz="1100" u="none" strike="noStrike" cap="none" spc="0">
-                          <a:solidFill>
-                            <a:schemeClr val="tx1"/>
-                          </a:solidFill>
+                        <a:rPr lang="en-US" sz="1200" u="none" strike="noStrike">
                           <a:effectLst/>
                         </a:rPr>
                         <a:t> </a:t>
                       </a:r>
-                      <a:endParaRPr lang="en-US" sz="1100" b="0" i="0" u="none" strike="noStrike" cap="none" spc="0">
+                      <a:endParaRPr lang="en-US" sz="1200" b="0" i="0" u="none" strike="noStrike">
                         <a:solidFill>
-                          <a:schemeClr val="tx1"/>
+                          <a:srgbClr val="000000"/>
                         </a:solidFill>
                         <a:effectLst/>
                         <a:latin typeface="Calibri" panose="020F0502020204030204" pitchFamily="34" charset="0"/>
                       </a:endParaRPr>
                     </a:p>
                   </a:txBody>
-                  <a:tcPr marL="58655" marR="7998" marT="16759" marB="125690" anchor="b">
-                    <a:lnL w="12700" cmpd="sng">
-                      <a:noFill/>
-                      <a:prstDash val="solid"/>
-                    </a:lnL>
-                    <a:lnR w="12700" cmpd="sng">
-                      <a:noFill/>
-                      <a:prstDash val="solid"/>
-                    </a:lnR>
-                    <a:lnT w="12700" cmpd="sng">
-                      <a:noFill/>
-                      <a:prstDash val="solid"/>
-                    </a:lnT>
-                    <a:lnB w="12700" cmpd="sng">
-                      <a:noFill/>
-                      <a:prstDash val="solid"/>
-                    </a:lnB>
-                    <a:solidFill>
-                      <a:schemeClr val="bg1">
-                        <a:lumMod val="95000"/>
-                      </a:schemeClr>
-                    </a:solidFill>
-                  </a:tcPr>
+                  <a:tcPr marL="9525" marR="9525" marT="9525" marB="0" anchor="b"/>
                 </a:tc>
                 <a:tc>
                   <a:txBody>
@@ -14853,46 +13135,21 @@
                     <a:p>
                       <a:pPr algn="l" fontAlgn="b"/>
                       <a:r>
-                        <a:rPr lang="en-US" sz="1100" u="none" strike="noStrike" cap="none" spc="0">
-                          <a:solidFill>
-                            <a:schemeClr val="tx1"/>
-                          </a:solidFill>
+                        <a:rPr lang="en-US" sz="1200" u="none" strike="noStrike">
                           <a:effectLst/>
                         </a:rPr>
                         <a:t> </a:t>
                       </a:r>
-                      <a:endParaRPr lang="en-US" sz="1100" b="0" i="0" u="none" strike="noStrike" cap="none" spc="0">
+                      <a:endParaRPr lang="en-US" sz="1200" b="0" i="0" u="none" strike="noStrike">
                         <a:solidFill>
-                          <a:schemeClr val="tx1"/>
+                          <a:srgbClr val="000000"/>
                         </a:solidFill>
                         <a:effectLst/>
                         <a:latin typeface="Calibri" panose="020F0502020204030204" pitchFamily="34" charset="0"/>
                       </a:endParaRPr>
                     </a:p>
                   </a:txBody>
-                  <a:tcPr marL="58655" marR="7998" marT="16759" marB="125690" anchor="b">
-                    <a:lnL w="12700" cmpd="sng">
-                      <a:noFill/>
-                      <a:prstDash val="solid"/>
-                    </a:lnL>
-                    <a:lnR w="12700" cmpd="sng">
-                      <a:noFill/>
-                      <a:prstDash val="solid"/>
-                    </a:lnR>
-                    <a:lnT w="12700" cmpd="sng">
-                      <a:noFill/>
-                      <a:prstDash val="solid"/>
-                    </a:lnT>
-                    <a:lnB w="12700" cmpd="sng">
-                      <a:noFill/>
-                      <a:prstDash val="solid"/>
-                    </a:lnB>
-                    <a:solidFill>
-                      <a:schemeClr val="bg1">
-                        <a:lumMod val="95000"/>
-                      </a:schemeClr>
-                    </a:solidFill>
-                  </a:tcPr>
+                  <a:tcPr marL="9525" marR="9525" marT="9525" marB="0" anchor="b"/>
                 </a:tc>
                 <a:tc>
                   <a:txBody>
@@ -14901,46 +13158,21 @@
                     <a:p>
                       <a:pPr algn="l" fontAlgn="b"/>
                       <a:r>
-                        <a:rPr lang="en-US" sz="1100" u="none" strike="noStrike" cap="none" spc="0">
-                          <a:solidFill>
-                            <a:schemeClr val="tx1"/>
-                          </a:solidFill>
+                        <a:rPr lang="en-US" sz="1200" u="none" strike="noStrike">
                           <a:effectLst/>
                         </a:rPr>
                         <a:t> </a:t>
                       </a:r>
-                      <a:endParaRPr lang="en-US" sz="1100" b="0" i="0" u="none" strike="noStrike" cap="none" spc="0">
+                      <a:endParaRPr lang="en-US" sz="1200" b="0" i="0" u="none" strike="noStrike">
                         <a:solidFill>
-                          <a:schemeClr val="tx1"/>
+                          <a:srgbClr val="000000"/>
                         </a:solidFill>
                         <a:effectLst/>
                         <a:latin typeface="Calibri" panose="020F0502020204030204" pitchFamily="34" charset="0"/>
                       </a:endParaRPr>
                     </a:p>
                   </a:txBody>
-                  <a:tcPr marL="58655" marR="7998" marT="16759" marB="125690" anchor="b">
-                    <a:lnL w="12700" cmpd="sng">
-                      <a:noFill/>
-                      <a:prstDash val="solid"/>
-                    </a:lnL>
-                    <a:lnR w="12700" cmpd="sng">
-                      <a:noFill/>
-                      <a:prstDash val="solid"/>
-                    </a:lnR>
-                    <a:lnT w="12700" cmpd="sng">
-                      <a:noFill/>
-                      <a:prstDash val="solid"/>
-                    </a:lnT>
-                    <a:lnB w="12700" cmpd="sng">
-                      <a:noFill/>
-                      <a:prstDash val="solid"/>
-                    </a:lnB>
-                    <a:solidFill>
-                      <a:schemeClr val="bg1">
-                        <a:lumMod val="95000"/>
-                      </a:schemeClr>
-                    </a:solidFill>
-                  </a:tcPr>
+                  <a:tcPr marL="9525" marR="9525" marT="9525" marB="0" anchor="b"/>
                 </a:tc>
                 <a:tc>
                   <a:txBody>
@@ -14949,50 +13181,25 @@
                     <a:p>
                       <a:pPr algn="l" fontAlgn="b"/>
                       <a:r>
-                        <a:rPr lang="en-US" sz="1100" u="none" strike="noStrike" cap="none" spc="0" dirty="0">
-                          <a:solidFill>
-                            <a:schemeClr val="tx1"/>
-                          </a:solidFill>
+                        <a:rPr lang="en-US" sz="1200" u="none" strike="noStrike" dirty="0">
                           <a:effectLst/>
                         </a:rPr>
                         <a:t> </a:t>
                       </a:r>
-                      <a:endParaRPr lang="en-US" sz="1100" b="0" i="0" u="none" strike="noStrike" cap="none" spc="0" dirty="0">
+                      <a:endParaRPr lang="en-US" sz="1200" b="0" i="0" u="none" strike="noStrike" dirty="0">
                         <a:solidFill>
-                          <a:schemeClr val="tx1"/>
+                          <a:srgbClr val="000000"/>
                         </a:solidFill>
                         <a:effectLst/>
                         <a:latin typeface="Calibri" panose="020F0502020204030204" pitchFamily="34" charset="0"/>
                       </a:endParaRPr>
                     </a:p>
                   </a:txBody>
-                  <a:tcPr marL="58655" marR="7998" marT="16759" marB="125690" anchor="b">
-                    <a:lnL w="12700" cmpd="sng">
-                      <a:noFill/>
-                      <a:prstDash val="solid"/>
-                    </a:lnL>
-                    <a:lnR w="12700" cmpd="sng">
-                      <a:noFill/>
-                      <a:prstDash val="solid"/>
-                    </a:lnR>
-                    <a:lnT w="12700" cmpd="sng">
-                      <a:noFill/>
-                      <a:prstDash val="solid"/>
-                    </a:lnT>
-                    <a:lnB w="12700" cmpd="sng">
-                      <a:noFill/>
-                      <a:prstDash val="solid"/>
-                    </a:lnB>
-                    <a:solidFill>
-                      <a:schemeClr val="bg1">
-                        <a:lumMod val="95000"/>
-                      </a:schemeClr>
-                    </a:solidFill>
-                  </a:tcPr>
+                  <a:tcPr marL="9525" marR="9525" marT="9525" marB="0" anchor="b"/>
                 </a:tc>
                 <a:extLst>
                   <a:ext uri="{0D108BD9-81ED-4DB2-BD59-A6C34878D82A}">
-                    <a16:rowId xmlns:a16="http://schemas.microsoft.com/office/drawing/2014/main" val="441141496"/>
+                    <a16:rowId xmlns:a16="http://schemas.microsoft.com/office/drawing/2014/main" val="89627676"/>
                   </a:ext>
                 </a:extLst>
               </a:tr>
@@ -15000,85 +13207,6 @@
           </a:graphicData>
         </a:graphic>
       </p:graphicFrame>
-      <p:sp>
-        <p:nvSpPr>
-          <p:cNvPr id="6" name="TextBox 5">
-            <a:extLst>
-              <a:ext uri="{FF2B5EF4-FFF2-40B4-BE49-F238E27FC236}">
-                <a16:creationId xmlns:a16="http://schemas.microsoft.com/office/drawing/2014/main" id="{4C481ACD-D5B6-5C6B-9DE5-7A6EACC913FB}"/>
-              </a:ext>
-            </a:extLst>
-          </p:cNvPr>
-          <p:cNvSpPr txBox="1"/>
-          <p:nvPr/>
-        </p:nvSpPr>
-        <p:spPr>
-          <a:xfrm>
-            <a:off x="0" y="4384684"/>
-            <a:ext cx="12118428" cy="2462213"/>
-          </a:xfrm>
-          <a:prstGeom prst="rect">
-            <a:avLst/>
-          </a:prstGeom>
-          <a:noFill/>
-        </p:spPr>
-        <p:txBody>
-          <a:bodyPr wrap="square" rtlCol="0">
-            <a:spAutoFit/>
-          </a:bodyPr>
-          <a:lstStyle/>
-          <a:p>
-            <a:pPr marL="285750" indent="-285750">
-              <a:buFont typeface="Arial" panose="020B0604020202020204" pitchFamily="34" charset="0"/>
-              <a:buChar char="•"/>
-            </a:pPr>
-            <a:r>
-              <a:rPr lang="en-US" sz="1400" dirty="0"/>
-              <a:t>Random Forest with actual numerical values (as opposed to dummies) produced the highest average accuracy score of 93.91%. The lowest average accuracy score was the Deep Learning model that used dummy values at 27.55%. </a:t>
-            </a:r>
-          </a:p>
-          <a:p>
-            <a:pPr marL="285750" indent="-285750">
-              <a:buFont typeface="Arial" panose="020B0604020202020204" pitchFamily="34" charset="0"/>
-              <a:buChar char="•"/>
-            </a:pPr>
-            <a:r>
-              <a:rPr lang="en-US" sz="1400" dirty="0"/>
-              <a:t>Next to the Deep Learning using dummy data, the Logistic Regression model produced the lowest average accuracy score of 80.86%. Compared to Random Forests model (Actual), it appears that Logistic Regressions was less accurate at predicting outcomes. </a:t>
-            </a:r>
-          </a:p>
-          <a:p>
-            <a:pPr marL="285750" indent="-285750">
-              <a:buFont typeface="Arial" panose="020B0604020202020204" pitchFamily="34" charset="0"/>
-              <a:buChar char="•"/>
-            </a:pPr>
-            <a:r>
-              <a:rPr lang="en-US" sz="1400" dirty="0"/>
-              <a:t>The Overall Accuracy Score indicated that the Mortgage loans group was the highest at 91.63% and closely followed by the Credit cards group at 90.2%. Overall, the Consumer loans (credit cards and mortgages) performed better than the business loans (C&amp;I and CRE) which appears to be influenced by the Deep Learning model accuracy scores. </a:t>
-            </a:r>
-          </a:p>
-          <a:p>
-            <a:pPr marL="285750" indent="-285750">
-              <a:buFont typeface="Arial" panose="020B0604020202020204" pitchFamily="34" charset="0"/>
-              <a:buChar char="•"/>
-            </a:pPr>
-            <a:r>
-              <a:rPr lang="en-US" sz="1400" dirty="0"/>
-              <a:t>The lowest performing loan group was C&amp;I loans with an 83.26% Overall Accuracy Score. This appears to be ‘across the board’ in terms of the model types, and in particular the Logistic Regression model and Deep Learning with actual numerical values model. </a:t>
-            </a:r>
-          </a:p>
-          <a:p>
-            <a:pPr marL="285750" indent="-285750">
-              <a:buFont typeface="Arial" panose="020B0604020202020204" pitchFamily="34" charset="0"/>
-              <a:buChar char="•"/>
-            </a:pPr>
-            <a:r>
-              <a:rPr lang="en-US" sz="1400" dirty="0"/>
-              <a:t>It is noted that the different loan groups contain many of the same variables however some unique variables. The group design may have had an affect on the the accuracy scores as well as the different models.</a:t>
-            </a:r>
-          </a:p>
-        </p:txBody>
-      </p:sp>
     </p:spTree>
     <p:extLst>
       <p:ext uri="{BB962C8B-B14F-4D97-AF65-F5344CB8AC3E}">
